--- a/Unit 9/CSA Unit 9 Slides.pptx
+++ b/Unit 9/CSA Unit 9 Slides.pptx
@@ -5,7 +5,7 @@
     <p:sldMasterId id="2147483648" r:id="rId4"/>
   </p:sldMasterIdLst>
   <p:notesMasterIdLst>
-    <p:notesMasterId r:id="rId14"/>
+    <p:notesMasterId r:id="rId18"/>
   </p:notesMasterIdLst>
   <p:sldIdLst>
     <p:sldId id="260" r:id="rId5"/>
@@ -17,6 +17,10 @@
     <p:sldId id="284" r:id="rId11"/>
     <p:sldId id="285" r:id="rId12"/>
     <p:sldId id="286" r:id="rId13"/>
+    <p:sldId id="287" r:id="rId14"/>
+    <p:sldId id="288" r:id="rId15"/>
+    <p:sldId id="289" r:id="rId16"/>
+    <p:sldId id="290" r:id="rId17"/>
   </p:sldIdLst>
   <p:sldSz cx="12192000" cy="6858000"/>
   <p:notesSz cx="6985000" cy="9283700"/>
@@ -126,9 +130,163 @@
 <file path=ppt/revisionInfo.xml><?xml version="1.0" encoding="utf-8"?>
 <p1510:revInfo xmlns:a="http://schemas.openxmlformats.org/drawingml/2006/main" xmlns:r="http://schemas.openxmlformats.org/officeDocument/2006/relationships" xmlns:p1510="http://schemas.microsoft.com/office/powerpoint/2015/10/main">
   <p1510:revLst>
-    <p1510:client id="{451887D7-4DE8-4601-9A6D-EB878BBD9779}" v="16" dt="2025-03-13T15:31:03.034"/>
+    <p1510:client id="{451887D7-4DE8-4601-9A6D-EB878BBD9779}" v="26" dt="2025-03-17T13:19:55.272"/>
   </p1510:revLst>
 </p1510:revInfo>
+</file>
+
+<file path=ppt/changesInfos/changesInfo1.xml><?xml version="1.0" encoding="utf-8"?>
+<pc:chgInfo xmlns:a="http://schemas.openxmlformats.org/drawingml/2006/main" xmlns:r="http://schemas.openxmlformats.org/officeDocument/2006/relationships" xmlns:ac="http://schemas.microsoft.com/office/drawing/2013/main/command" xmlns:pc="http://schemas.microsoft.com/office/powerpoint/2013/main/command">
+  <pc:docChgLst>
+    <pc:chgData name="Gabrielle Baniqued" userId="b7b29740-ab9b-4aa9-bebc-9458da6d998b" providerId="ADAL" clId="{26C39AAE-324E-4D1C-89D4-5E27DB135D31}"/>
+    <pc:docChg chg="custSel modSld">
+      <pc:chgData name="Gabrielle Baniqued" userId="b7b29740-ab9b-4aa9-bebc-9458da6d998b" providerId="ADAL" clId="{26C39AAE-324E-4D1C-89D4-5E27DB135D31}" dt="2025-03-13T16:14:26.240" v="1" actId="478"/>
+      <pc:docMkLst>
+        <pc:docMk/>
+      </pc:docMkLst>
+      <pc:sldChg chg="addSp delSp mod">
+        <pc:chgData name="Gabrielle Baniqued" userId="b7b29740-ab9b-4aa9-bebc-9458da6d998b" providerId="ADAL" clId="{26C39AAE-324E-4D1C-89D4-5E27DB135D31}" dt="2025-03-13T16:14:26.240" v="1" actId="478"/>
+        <pc:sldMkLst>
+          <pc:docMk/>
+          <pc:sldMk cId="2151108158" sldId="282"/>
+        </pc:sldMkLst>
+      </pc:sldChg>
+    </pc:docChg>
+  </pc:docChgLst>
+  <pc:docChgLst>
+    <pc:chgData name="Gabrielle Baniqued" userId="b7b29740-ab9b-4aa9-bebc-9458da6d998b" providerId="ADAL" clId="{451887D7-4DE8-4601-9A6D-EB878BBD9779}"/>
+    <pc:docChg chg="undo custSel addSld modSld">
+      <pc:chgData name="Gabrielle Baniqued" userId="b7b29740-ab9b-4aa9-bebc-9458da6d998b" providerId="ADAL" clId="{451887D7-4DE8-4601-9A6D-EB878BBD9779}" dt="2025-03-17T13:20:08.947" v="1228" actId="20577"/>
+      <pc:docMkLst>
+        <pc:docMk/>
+      </pc:docMkLst>
+      <pc:sldChg chg="addSp delSp modSp add mod modNotesTx">
+        <pc:chgData name="Gabrielle Baniqued" userId="b7b29740-ab9b-4aa9-bebc-9458da6d998b" providerId="ADAL" clId="{451887D7-4DE8-4601-9A6D-EB878BBD9779}" dt="2025-03-17T12:51:49.477" v="797" actId="1076"/>
+        <pc:sldMkLst>
+          <pc:docMk/>
+          <pc:sldMk cId="481567322" sldId="287"/>
+        </pc:sldMkLst>
+        <pc:spChg chg="mod">
+          <ac:chgData name="Gabrielle Baniqued" userId="b7b29740-ab9b-4aa9-bebc-9458da6d998b" providerId="ADAL" clId="{451887D7-4DE8-4601-9A6D-EB878BBD9779}" dt="2025-03-17T12:51:47.591" v="796" actId="255"/>
+          <ac:spMkLst>
+            <pc:docMk/>
+            <pc:sldMk cId="481567322" sldId="287"/>
+            <ac:spMk id="4" creationId="{2C566B84-C5CB-35FF-A8A8-AD9EE372463B}"/>
+          </ac:spMkLst>
+        </pc:spChg>
+        <pc:spChg chg="add del mod">
+          <ac:chgData name="Gabrielle Baniqued" userId="b7b29740-ab9b-4aa9-bebc-9458da6d998b" providerId="ADAL" clId="{451887D7-4DE8-4601-9A6D-EB878BBD9779}" dt="2025-03-17T12:27:43.861" v="435" actId="2711"/>
+          <ac:spMkLst>
+            <pc:docMk/>
+            <pc:sldMk cId="481567322" sldId="287"/>
+            <ac:spMk id="5" creationId="{0EA7A596-AB63-9092-83B7-E0EA3BB3B18B}"/>
+          </ac:spMkLst>
+        </pc:spChg>
+        <pc:spChg chg="mod">
+          <ac:chgData name="Gabrielle Baniqued" userId="b7b29740-ab9b-4aa9-bebc-9458da6d998b" providerId="ADAL" clId="{451887D7-4DE8-4601-9A6D-EB878BBD9779}" dt="2025-03-17T12:27:36.511" v="434" actId="20577"/>
+          <ac:spMkLst>
+            <pc:docMk/>
+            <pc:sldMk cId="481567322" sldId="287"/>
+            <ac:spMk id="8" creationId="{55CDFDD1-31FD-FC4C-DCFF-9377F8ADF381}"/>
+          </ac:spMkLst>
+        </pc:spChg>
+        <pc:spChg chg="del mod">
+          <ac:chgData name="Gabrielle Baniqued" userId="b7b29740-ab9b-4aa9-bebc-9458da6d998b" providerId="ADAL" clId="{451887D7-4DE8-4601-9A6D-EB878BBD9779}" dt="2025-03-17T12:25:59.453" v="58" actId="478"/>
+          <ac:spMkLst>
+            <pc:docMk/>
+            <pc:sldMk cId="481567322" sldId="287"/>
+            <ac:spMk id="9" creationId="{2613B723-2957-D841-0765-D392C83055CC}"/>
+          </ac:spMkLst>
+        </pc:spChg>
+        <pc:picChg chg="del">
+          <ac:chgData name="Gabrielle Baniqued" userId="b7b29740-ab9b-4aa9-bebc-9458da6d998b" providerId="ADAL" clId="{451887D7-4DE8-4601-9A6D-EB878BBD9779}" dt="2025-03-17T12:22:53.509" v="32" actId="478"/>
+          <ac:picMkLst>
+            <pc:docMk/>
+            <pc:sldMk cId="481567322" sldId="287"/>
+            <ac:picMk id="3" creationId="{9CA112FA-D455-D5D3-C9B0-0AA5EFA87C60}"/>
+          </ac:picMkLst>
+        </pc:picChg>
+        <pc:picChg chg="add mod">
+          <ac:chgData name="Gabrielle Baniqued" userId="b7b29740-ab9b-4aa9-bebc-9458da6d998b" providerId="ADAL" clId="{451887D7-4DE8-4601-9A6D-EB878BBD9779}" dt="2025-03-17T12:51:49.477" v="797" actId="1076"/>
+          <ac:picMkLst>
+            <pc:docMk/>
+            <pc:sldMk cId="481567322" sldId="287"/>
+            <ac:picMk id="6" creationId="{46CCD8D6-302B-C64E-0A8A-DFFE10EE2E7E}"/>
+          </ac:picMkLst>
+        </pc:picChg>
+        <pc:picChg chg="add mod">
+          <ac:chgData name="Gabrielle Baniqued" userId="b7b29740-ab9b-4aa9-bebc-9458da6d998b" providerId="ADAL" clId="{451887D7-4DE8-4601-9A6D-EB878BBD9779}" dt="2025-03-17T12:32:15.548" v="439" actId="14100"/>
+          <ac:picMkLst>
+            <pc:docMk/>
+            <pc:sldMk cId="481567322" sldId="287"/>
+            <ac:picMk id="1026" creationId="{A521E497-3006-C355-F393-3365CF285E9D}"/>
+          </ac:picMkLst>
+        </pc:picChg>
+      </pc:sldChg>
+      <pc:sldChg chg="addSp modSp new mod modAnim modNotesTx">
+        <pc:chgData name="Gabrielle Baniqued" userId="b7b29740-ab9b-4aa9-bebc-9458da6d998b" providerId="ADAL" clId="{451887D7-4DE8-4601-9A6D-EB878BBD9779}" dt="2025-03-17T13:19:55.272" v="1189"/>
+        <pc:sldMkLst>
+          <pc:docMk/>
+          <pc:sldMk cId="1371486405" sldId="288"/>
+        </pc:sldMkLst>
+        <pc:spChg chg="add mod">
+          <ac:chgData name="Gabrielle Baniqued" userId="b7b29740-ab9b-4aa9-bebc-9458da6d998b" providerId="ADAL" clId="{451887D7-4DE8-4601-9A6D-EB878BBD9779}" dt="2025-03-17T13:19:52.835" v="1188" actId="207"/>
+          <ac:spMkLst>
+            <pc:docMk/>
+            <pc:sldMk cId="1371486405" sldId="288"/>
+            <ac:spMk id="4" creationId="{744A3739-6949-FE5F-17DD-B513C52BED15}"/>
+          </ac:spMkLst>
+        </pc:spChg>
+        <pc:picChg chg="add mod">
+          <ac:chgData name="Gabrielle Baniqued" userId="b7b29740-ab9b-4aa9-bebc-9458da6d998b" providerId="ADAL" clId="{451887D7-4DE8-4601-9A6D-EB878BBD9779}" dt="2025-03-17T12:44:02.038" v="788" actId="1076"/>
+          <ac:picMkLst>
+            <pc:docMk/>
+            <pc:sldMk cId="1371486405" sldId="288"/>
+            <ac:picMk id="3" creationId="{B62E63EE-C2CA-2B69-6850-9E70D18ADDF8}"/>
+          </ac:picMkLst>
+        </pc:picChg>
+      </pc:sldChg>
+      <pc:sldChg chg="addSp delSp modSp add mod modNotesTx">
+        <pc:chgData name="Gabrielle Baniqued" userId="b7b29740-ab9b-4aa9-bebc-9458da6d998b" providerId="ADAL" clId="{451887D7-4DE8-4601-9A6D-EB878BBD9779}" dt="2025-03-17T12:53:18.726" v="922" actId="20577"/>
+        <pc:sldMkLst>
+          <pc:docMk/>
+          <pc:sldMk cId="2628866707" sldId="289"/>
+        </pc:sldMkLst>
+        <pc:picChg chg="del">
+          <ac:chgData name="Gabrielle Baniqued" userId="b7b29740-ab9b-4aa9-bebc-9458da6d998b" providerId="ADAL" clId="{451887D7-4DE8-4601-9A6D-EB878BBD9779}" dt="2025-03-17T12:44:48.495" v="790" actId="478"/>
+          <ac:picMkLst>
+            <pc:docMk/>
+            <pc:sldMk cId="2628866707" sldId="289"/>
+            <ac:picMk id="3" creationId="{3EDAD056-8485-C673-E665-720648C34A35}"/>
+          </ac:picMkLst>
+        </pc:picChg>
+        <pc:picChg chg="add mod">
+          <ac:chgData name="Gabrielle Baniqued" userId="b7b29740-ab9b-4aa9-bebc-9458da6d998b" providerId="ADAL" clId="{451887D7-4DE8-4601-9A6D-EB878BBD9779}" dt="2025-03-17T12:45:00.926" v="793" actId="1076"/>
+          <ac:picMkLst>
+            <pc:docMk/>
+            <pc:sldMk cId="2628866707" sldId="289"/>
+            <ac:picMk id="4" creationId="{8D17A7E2-D5A7-A5FD-C009-2419E823F223}"/>
+          </ac:picMkLst>
+        </pc:picChg>
+        <pc:picChg chg="add mod">
+          <ac:chgData name="Gabrielle Baniqued" userId="b7b29740-ab9b-4aa9-bebc-9458da6d998b" providerId="ADAL" clId="{451887D7-4DE8-4601-9A6D-EB878BBD9779}" dt="2025-03-17T12:51:40.905" v="795" actId="1076"/>
+          <ac:picMkLst>
+            <pc:docMk/>
+            <pc:sldMk cId="2628866707" sldId="289"/>
+            <ac:picMk id="5" creationId="{A81D25A1-2059-E203-9873-07A5995D61B5}"/>
+          </ac:picMkLst>
+        </pc:picChg>
+      </pc:sldChg>
+      <pc:sldChg chg="add modNotesTx">
+        <pc:chgData name="Gabrielle Baniqued" userId="b7b29740-ab9b-4aa9-bebc-9458da6d998b" providerId="ADAL" clId="{451887D7-4DE8-4601-9A6D-EB878BBD9779}" dt="2025-03-17T13:20:08.947" v="1228" actId="20577"/>
+        <pc:sldMkLst>
+          <pc:docMk/>
+          <pc:sldMk cId="3468859089" sldId="290"/>
+        </pc:sldMkLst>
+      </pc:sldChg>
+    </pc:docChg>
+  </pc:docChgLst>
+</pc:chgInfo>
 </file>
 
 <file path=ppt/notesMasters/notesMaster1.xml><?xml version="1.0" encoding="utf-8"?>
@@ -213,7 +371,7 @@
           <a:p>
             <a:fld id="{7A03E1E2-7FC7-4A0A-8F12-5EAC63B1D00C}" type="datetimeFigureOut">
               <a:rPr lang="en-US" smtClean="0"/>
-              <a:t>3/13/2025</a:t>
+              <a:t>3/17/2025</a:t>
             </a:fld>
             <a:endParaRPr lang="en-US"/>
           </a:p>
@@ -674,6 +832,408 @@
 </p:notes>
 </file>
 
+<file path=ppt/notesSlides/notesSlide3.xml><?xml version="1.0" encoding="utf-8"?>
+<p:notes xmlns:a="http://schemas.openxmlformats.org/drawingml/2006/main" xmlns:r="http://schemas.openxmlformats.org/officeDocument/2006/relationships" xmlns:p="http://schemas.openxmlformats.org/presentationml/2006/main">
+  <p:cSld>
+    <p:spTree>
+      <p:nvGrpSpPr>
+        <p:cNvPr id="1" name=""/>
+        <p:cNvGrpSpPr/>
+        <p:nvPr/>
+      </p:nvGrpSpPr>
+      <p:grpSpPr>
+        <a:xfrm>
+          <a:off x="0" y="0"/>
+          <a:ext cx="0" cy="0"/>
+          <a:chOff x="0" y="0"/>
+          <a:chExt cx="0" cy="0"/>
+        </a:xfrm>
+      </p:grpSpPr>
+      <p:sp>
+        <p:nvSpPr>
+          <p:cNvPr id="2" name="Slide Image Placeholder 1"/>
+          <p:cNvSpPr>
+            <a:spLocks noGrp="1" noRot="1" noChangeAspect="1"/>
+          </p:cNvSpPr>
+          <p:nvPr>
+            <p:ph type="sldImg"/>
+          </p:nvPr>
+        </p:nvSpPr>
+        <p:spPr/>
+      </p:sp>
+      <p:sp>
+        <p:nvSpPr>
+          <p:cNvPr id="3" name="Notes Placeholder 2"/>
+          <p:cNvSpPr>
+            <a:spLocks noGrp="1"/>
+          </p:cNvSpPr>
+          <p:nvPr>
+            <p:ph type="body" idx="1"/>
+          </p:nvPr>
+        </p:nvSpPr>
+        <p:spPr/>
+        <p:txBody>
+          <a:bodyPr/>
+          <a:lstStyle/>
+          <a:p>
+            <a:r>
+              <a:rPr lang="en-US" dirty="0"/>
+              <a:t>Annotate what happens with the class as it is (implicit super() call)</a:t>
+            </a:r>
+          </a:p>
+          <a:p>
+            <a:endParaRPr lang="en-US" dirty="0"/>
+          </a:p>
+          <a:p>
+            <a:r>
+              <a:rPr lang="en-US" dirty="0"/>
+              <a:t>What is the result of the Musician(String) constructor? </a:t>
+            </a:r>
+          </a:p>
+          <a:p>
+            <a:endParaRPr lang="en-US" dirty="0"/>
+          </a:p>
+          <a:p>
+            <a:r>
+              <a:rPr lang="en-US" dirty="0"/>
+              <a:t>What if I want to define all the fields of a subclass in one line? (the last line on this slide). Create new constructors.</a:t>
+            </a:r>
+          </a:p>
+          <a:p>
+            <a:endParaRPr lang="en-US" dirty="0"/>
+          </a:p>
+          <a:p>
+            <a:endParaRPr lang="en-US" dirty="0"/>
+          </a:p>
+        </p:txBody>
+      </p:sp>
+      <p:sp>
+        <p:nvSpPr>
+          <p:cNvPr id="4" name="Slide Number Placeholder 3"/>
+          <p:cNvSpPr>
+            <a:spLocks noGrp="1"/>
+          </p:cNvSpPr>
+          <p:nvPr>
+            <p:ph type="sldNum" sz="quarter" idx="5"/>
+          </p:nvPr>
+        </p:nvSpPr>
+        <p:spPr/>
+        <p:txBody>
+          <a:bodyPr/>
+          <a:lstStyle/>
+          <a:p>
+            <a:fld id="{F09B814A-E6F7-4B17-93F5-5DCD3E3634FD}" type="slidenum">
+              <a:rPr lang="en-US" smtClean="0"/>
+              <a:t>10</a:t>
+            </a:fld>
+            <a:endParaRPr lang="en-US"/>
+          </a:p>
+        </p:txBody>
+      </p:sp>
+    </p:spTree>
+    <p:extLst>
+      <p:ext uri="{BB962C8B-B14F-4D97-AF65-F5344CB8AC3E}">
+        <p14:creationId xmlns:p14="http://schemas.microsoft.com/office/powerpoint/2010/main" val="148562107"/>
+      </p:ext>
+    </p:extLst>
+  </p:cSld>
+  <p:clrMapOvr>
+    <a:masterClrMapping/>
+  </p:clrMapOvr>
+</p:notes>
+</file>
+
+<file path=ppt/notesSlides/notesSlide4.xml><?xml version="1.0" encoding="utf-8"?>
+<p:notes xmlns:a="http://schemas.openxmlformats.org/drawingml/2006/main" xmlns:r="http://schemas.openxmlformats.org/officeDocument/2006/relationships" xmlns:p="http://schemas.openxmlformats.org/presentationml/2006/main">
+  <p:cSld>
+    <p:spTree>
+      <p:nvGrpSpPr>
+        <p:cNvPr id="1" name=""/>
+        <p:cNvGrpSpPr/>
+        <p:nvPr/>
+      </p:nvGrpSpPr>
+      <p:grpSpPr>
+        <a:xfrm>
+          <a:off x="0" y="0"/>
+          <a:ext cx="0" cy="0"/>
+          <a:chOff x="0" y="0"/>
+          <a:chExt cx="0" cy="0"/>
+        </a:xfrm>
+      </p:grpSpPr>
+      <p:sp>
+        <p:nvSpPr>
+          <p:cNvPr id="2" name="Slide Image Placeholder 1"/>
+          <p:cNvSpPr>
+            <a:spLocks noGrp="1" noRot="1" noChangeAspect="1"/>
+          </p:cNvSpPr>
+          <p:nvPr>
+            <p:ph type="sldImg"/>
+          </p:nvPr>
+        </p:nvSpPr>
+        <p:spPr/>
+      </p:sp>
+      <p:sp>
+        <p:nvSpPr>
+          <p:cNvPr id="3" name="Notes Placeholder 2"/>
+          <p:cNvSpPr>
+            <a:spLocks noGrp="1"/>
+          </p:cNvSpPr>
+          <p:nvPr>
+            <p:ph type="body" idx="1"/>
+          </p:nvPr>
+        </p:nvSpPr>
+        <p:spPr/>
+        <p:txBody>
+          <a:bodyPr/>
+          <a:lstStyle/>
+          <a:p>
+            <a:r>
+              <a:rPr lang="en-US" dirty="0"/>
+              <a:t>They are inherited, but not directly accessible.</a:t>
+            </a:r>
+          </a:p>
+        </p:txBody>
+      </p:sp>
+      <p:sp>
+        <p:nvSpPr>
+          <p:cNvPr id="4" name="Slide Number Placeholder 3"/>
+          <p:cNvSpPr>
+            <a:spLocks noGrp="1"/>
+          </p:cNvSpPr>
+          <p:nvPr>
+            <p:ph type="sldNum" sz="quarter" idx="5"/>
+          </p:nvPr>
+        </p:nvSpPr>
+        <p:spPr/>
+        <p:txBody>
+          <a:bodyPr/>
+          <a:lstStyle/>
+          <a:p>
+            <a:fld id="{F09B814A-E6F7-4B17-93F5-5DCD3E3634FD}" type="slidenum">
+              <a:rPr lang="en-US" smtClean="0"/>
+              <a:t>11</a:t>
+            </a:fld>
+            <a:endParaRPr lang="en-US"/>
+          </a:p>
+        </p:txBody>
+      </p:sp>
+    </p:spTree>
+    <p:extLst>
+      <p:ext uri="{BB962C8B-B14F-4D97-AF65-F5344CB8AC3E}">
+        <p14:creationId xmlns:p14="http://schemas.microsoft.com/office/powerpoint/2010/main" val="1907808729"/>
+      </p:ext>
+    </p:extLst>
+  </p:cSld>
+  <p:clrMapOvr>
+    <a:masterClrMapping/>
+  </p:clrMapOvr>
+</p:notes>
+</file>
+
+<file path=ppt/notesSlides/notesSlide5.xml><?xml version="1.0" encoding="utf-8"?>
+<p:notes xmlns:a="http://schemas.openxmlformats.org/drawingml/2006/main" xmlns:r="http://schemas.openxmlformats.org/officeDocument/2006/relationships" xmlns:p="http://schemas.openxmlformats.org/presentationml/2006/main">
+  <p:cSld>
+    <p:spTree>
+      <p:nvGrpSpPr>
+        <p:cNvPr id="1" name=""/>
+        <p:cNvGrpSpPr/>
+        <p:nvPr/>
+      </p:nvGrpSpPr>
+      <p:grpSpPr>
+        <a:xfrm>
+          <a:off x="0" y="0"/>
+          <a:ext cx="0" cy="0"/>
+          <a:chOff x="0" y="0"/>
+          <a:chExt cx="0" cy="0"/>
+        </a:xfrm>
+      </p:grpSpPr>
+      <p:sp>
+        <p:nvSpPr>
+          <p:cNvPr id="2" name="Slide Image Placeholder 1"/>
+          <p:cNvSpPr>
+            <a:spLocks noGrp="1" noRot="1" noChangeAspect="1"/>
+          </p:cNvSpPr>
+          <p:nvPr>
+            <p:ph type="sldImg"/>
+          </p:nvPr>
+        </p:nvSpPr>
+        <p:spPr/>
+      </p:sp>
+      <p:sp>
+        <p:nvSpPr>
+          <p:cNvPr id="3" name="Notes Placeholder 2"/>
+          <p:cNvSpPr>
+            <a:spLocks noGrp="1"/>
+          </p:cNvSpPr>
+          <p:nvPr>
+            <p:ph type="body" idx="1"/>
+          </p:nvPr>
+        </p:nvSpPr>
+        <p:spPr/>
+        <p:txBody>
+          <a:bodyPr/>
+          <a:lstStyle/>
+          <a:p>
+            <a:r>
+              <a:rPr lang="en-US" dirty="0"/>
+              <a:t>Now let’s write Musician.java correctly AND write have you try Dancer.java on your own.</a:t>
+            </a:r>
+          </a:p>
+          <a:p>
+            <a:endParaRPr lang="en-US" dirty="0"/>
+          </a:p>
+          <a:p>
+            <a:endParaRPr lang="en-US" dirty="0"/>
+          </a:p>
+        </p:txBody>
+      </p:sp>
+      <p:sp>
+        <p:nvSpPr>
+          <p:cNvPr id="4" name="Slide Number Placeholder 3"/>
+          <p:cNvSpPr>
+            <a:spLocks noGrp="1"/>
+          </p:cNvSpPr>
+          <p:nvPr>
+            <p:ph type="sldNum" sz="quarter" idx="5"/>
+          </p:nvPr>
+        </p:nvSpPr>
+        <p:spPr/>
+        <p:txBody>
+          <a:bodyPr/>
+          <a:lstStyle/>
+          <a:p>
+            <a:fld id="{F09B814A-E6F7-4B17-93F5-5DCD3E3634FD}" type="slidenum">
+              <a:rPr lang="en-US" smtClean="0"/>
+              <a:t>12</a:t>
+            </a:fld>
+            <a:endParaRPr lang="en-US"/>
+          </a:p>
+        </p:txBody>
+      </p:sp>
+    </p:spTree>
+    <p:extLst>
+      <p:ext uri="{BB962C8B-B14F-4D97-AF65-F5344CB8AC3E}">
+        <p14:creationId xmlns:p14="http://schemas.microsoft.com/office/powerpoint/2010/main" val="762920426"/>
+      </p:ext>
+    </p:extLst>
+  </p:cSld>
+  <p:clrMapOvr>
+    <a:masterClrMapping/>
+  </p:clrMapOvr>
+</p:notes>
+</file>
+
+<file path=ppt/notesSlides/notesSlide6.xml><?xml version="1.0" encoding="utf-8"?>
+<p:notes xmlns:a="http://schemas.openxmlformats.org/drawingml/2006/main" xmlns:r="http://schemas.openxmlformats.org/officeDocument/2006/relationships" xmlns:p="http://schemas.openxmlformats.org/presentationml/2006/main">
+  <p:cSld>
+    <p:spTree>
+      <p:nvGrpSpPr>
+        <p:cNvPr id="1" name="">
+          <a:extLst>
+            <a:ext uri="{FF2B5EF4-FFF2-40B4-BE49-F238E27FC236}">
+              <a16:creationId xmlns:a16="http://schemas.microsoft.com/office/drawing/2014/main" id="{C17D1D85-A755-AC1D-4700-FFF0976FDFD9}"/>
+            </a:ext>
+          </a:extLst>
+        </p:cNvPr>
+        <p:cNvGrpSpPr/>
+        <p:nvPr/>
+      </p:nvGrpSpPr>
+      <p:grpSpPr>
+        <a:xfrm>
+          <a:off x="0" y="0"/>
+          <a:ext cx="0" cy="0"/>
+          <a:chOff x="0" y="0"/>
+          <a:chExt cx="0" cy="0"/>
+        </a:xfrm>
+      </p:grpSpPr>
+      <p:sp>
+        <p:nvSpPr>
+          <p:cNvPr id="2" name="Slide Image Placeholder 1">
+            <a:extLst>
+              <a:ext uri="{FF2B5EF4-FFF2-40B4-BE49-F238E27FC236}">
+                <a16:creationId xmlns:a16="http://schemas.microsoft.com/office/drawing/2014/main" id="{F921001D-9A17-E88B-EDD1-24F07895D748}"/>
+              </a:ext>
+            </a:extLst>
+          </p:cNvPr>
+          <p:cNvSpPr>
+            <a:spLocks noGrp="1" noRot="1" noChangeAspect="1"/>
+          </p:cNvSpPr>
+          <p:nvPr>
+            <p:ph type="sldImg"/>
+          </p:nvPr>
+        </p:nvSpPr>
+        <p:spPr/>
+      </p:sp>
+      <p:sp>
+        <p:nvSpPr>
+          <p:cNvPr id="3" name="Notes Placeholder 2">
+            <a:extLst>
+              <a:ext uri="{FF2B5EF4-FFF2-40B4-BE49-F238E27FC236}">
+                <a16:creationId xmlns:a16="http://schemas.microsoft.com/office/drawing/2014/main" id="{BB4B0918-F1F0-6F73-A892-39325F8CD6E7}"/>
+              </a:ext>
+            </a:extLst>
+          </p:cNvPr>
+          <p:cNvSpPr>
+            <a:spLocks noGrp="1"/>
+          </p:cNvSpPr>
+          <p:nvPr>
+            <p:ph type="body" idx="1"/>
+          </p:nvPr>
+        </p:nvSpPr>
+        <p:spPr/>
+        <p:txBody>
+          <a:bodyPr/>
+          <a:lstStyle/>
+          <a:p>
+            <a:r>
+              <a:rPr lang="en-US" dirty="0"/>
+              <a:t>Write Dancer.java and BalletDancer.java</a:t>
+            </a:r>
+          </a:p>
+        </p:txBody>
+      </p:sp>
+      <p:sp>
+        <p:nvSpPr>
+          <p:cNvPr id="4" name="Slide Number Placeholder 3">
+            <a:extLst>
+              <a:ext uri="{FF2B5EF4-FFF2-40B4-BE49-F238E27FC236}">
+                <a16:creationId xmlns:a16="http://schemas.microsoft.com/office/drawing/2014/main" id="{002908FF-8839-5612-9BCF-3CF8DA171194}"/>
+              </a:ext>
+            </a:extLst>
+          </p:cNvPr>
+          <p:cNvSpPr>
+            <a:spLocks noGrp="1"/>
+          </p:cNvSpPr>
+          <p:nvPr>
+            <p:ph type="sldNum" sz="quarter" idx="5"/>
+          </p:nvPr>
+        </p:nvSpPr>
+        <p:spPr/>
+        <p:txBody>
+          <a:bodyPr/>
+          <a:lstStyle/>
+          <a:p>
+            <a:fld id="{F09B814A-E6F7-4B17-93F5-5DCD3E3634FD}" type="slidenum">
+              <a:rPr lang="en-US" smtClean="0"/>
+              <a:t>13</a:t>
+            </a:fld>
+            <a:endParaRPr lang="en-US"/>
+          </a:p>
+        </p:txBody>
+      </p:sp>
+    </p:spTree>
+    <p:extLst>
+      <p:ext uri="{BB962C8B-B14F-4D97-AF65-F5344CB8AC3E}">
+        <p14:creationId xmlns:p14="http://schemas.microsoft.com/office/powerpoint/2010/main" val="4196466055"/>
+      </p:ext>
+    </p:extLst>
+  </p:cSld>
+  <p:clrMapOvr>
+    <a:masterClrMapping/>
+  </p:clrMapOvr>
+</p:notes>
+</file>
+
 <file path=ppt/slideLayouts/slideLayout1.xml><?xml version="1.0" encoding="utf-8"?>
 <p:sldLayout xmlns:a="http://schemas.openxmlformats.org/drawingml/2006/main" xmlns:r="http://schemas.openxmlformats.org/officeDocument/2006/relationships" xmlns:p="http://schemas.openxmlformats.org/presentationml/2006/main" type="title" preserve="1">
   <p:cSld name="Title Slide">
@@ -821,7 +1381,7 @@
           <a:p>
             <a:fld id="{21B04472-560D-4849-A58D-4C2415D4DAF7}" type="datetimeFigureOut">
               <a:rPr lang="en-US" smtClean="0"/>
-              <a:t>3/13/2025</a:t>
+              <a:t>3/17/2025</a:t>
             </a:fld>
             <a:endParaRPr lang="en-US"/>
           </a:p>
@@ -1019,7 +1579,7 @@
           <a:p>
             <a:fld id="{21B04472-560D-4849-A58D-4C2415D4DAF7}" type="datetimeFigureOut">
               <a:rPr lang="en-US" smtClean="0"/>
-              <a:t>3/13/2025</a:t>
+              <a:t>3/17/2025</a:t>
             </a:fld>
             <a:endParaRPr lang="en-US"/>
           </a:p>
@@ -1227,7 +1787,7 @@
           <a:p>
             <a:fld id="{21B04472-560D-4849-A58D-4C2415D4DAF7}" type="datetimeFigureOut">
               <a:rPr lang="en-US" smtClean="0"/>
-              <a:t>3/13/2025</a:t>
+              <a:t>3/17/2025</a:t>
             </a:fld>
             <a:endParaRPr lang="en-US"/>
           </a:p>
@@ -1425,7 +1985,7 @@
           <a:p>
             <a:fld id="{21B04472-560D-4849-A58D-4C2415D4DAF7}" type="datetimeFigureOut">
               <a:rPr lang="en-US" smtClean="0"/>
-              <a:t>3/13/2025</a:t>
+              <a:t>3/17/2025</a:t>
             </a:fld>
             <a:endParaRPr lang="en-US"/>
           </a:p>
@@ -1700,7 +2260,7 @@
           <a:p>
             <a:fld id="{21B04472-560D-4849-A58D-4C2415D4DAF7}" type="datetimeFigureOut">
               <a:rPr lang="en-US" smtClean="0"/>
-              <a:t>3/13/2025</a:t>
+              <a:t>3/17/2025</a:t>
             </a:fld>
             <a:endParaRPr lang="en-US"/>
           </a:p>
@@ -1965,7 +2525,7 @@
           <a:p>
             <a:fld id="{21B04472-560D-4849-A58D-4C2415D4DAF7}" type="datetimeFigureOut">
               <a:rPr lang="en-US" smtClean="0"/>
-              <a:t>3/13/2025</a:t>
+              <a:t>3/17/2025</a:t>
             </a:fld>
             <a:endParaRPr lang="en-US"/>
           </a:p>
@@ -2377,7 +2937,7 @@
           <a:p>
             <a:fld id="{21B04472-560D-4849-A58D-4C2415D4DAF7}" type="datetimeFigureOut">
               <a:rPr lang="en-US" smtClean="0"/>
-              <a:t>3/13/2025</a:t>
+              <a:t>3/17/2025</a:t>
             </a:fld>
             <a:endParaRPr lang="en-US"/>
           </a:p>
@@ -2518,7 +3078,7 @@
           <a:p>
             <a:fld id="{21B04472-560D-4849-A58D-4C2415D4DAF7}" type="datetimeFigureOut">
               <a:rPr lang="en-US" smtClean="0"/>
-              <a:t>3/13/2025</a:t>
+              <a:t>3/17/2025</a:t>
             </a:fld>
             <a:endParaRPr lang="en-US"/>
           </a:p>
@@ -2631,7 +3191,7 @@
           <a:p>
             <a:fld id="{21B04472-560D-4849-A58D-4C2415D4DAF7}" type="datetimeFigureOut">
               <a:rPr lang="en-US" smtClean="0"/>
-              <a:t>3/13/2025</a:t>
+              <a:t>3/17/2025</a:t>
             </a:fld>
             <a:endParaRPr lang="en-US"/>
           </a:p>
@@ -2942,7 +3502,7 @@
           <a:p>
             <a:fld id="{21B04472-560D-4849-A58D-4C2415D4DAF7}" type="datetimeFigureOut">
               <a:rPr lang="en-US" smtClean="0"/>
-              <a:t>3/13/2025</a:t>
+              <a:t>3/17/2025</a:t>
             </a:fld>
             <a:endParaRPr lang="en-US"/>
           </a:p>
@@ -3230,7 +3790,7 @@
           <a:p>
             <a:fld id="{21B04472-560D-4849-A58D-4C2415D4DAF7}" type="datetimeFigureOut">
               <a:rPr lang="en-US" smtClean="0"/>
-              <a:t>3/13/2025</a:t>
+              <a:t>3/17/2025</a:t>
             </a:fld>
             <a:endParaRPr lang="en-US"/>
           </a:p>
@@ -3471,7 +4031,7 @@
           <a:p>
             <a:fld id="{21B04472-560D-4849-A58D-4C2415D4DAF7}" type="datetimeFigureOut">
               <a:rPr lang="en-US" smtClean="0"/>
-              <a:t>3/13/2025</a:t>
+              <a:t>3/17/2025</a:t>
             </a:fld>
             <a:endParaRPr lang="en-US"/>
           </a:p>
@@ -4068,6 +4628,1552 @@
     <p:extLst>
       <p:ext uri="{BB962C8B-B14F-4D97-AF65-F5344CB8AC3E}">
         <p14:creationId xmlns:p14="http://schemas.microsoft.com/office/powerpoint/2010/main" val="1478494389"/>
+      </p:ext>
+    </p:extLst>
+  </p:cSld>
+  <p:clrMapOvr>
+    <a:masterClrMapping/>
+  </p:clrMapOvr>
+</p:sld>
+</file>
+
+<file path=ppt/slides/slide10.xml><?xml version="1.0" encoding="utf-8"?>
+<p:sld xmlns:a="http://schemas.openxmlformats.org/drawingml/2006/main" xmlns:r="http://schemas.openxmlformats.org/officeDocument/2006/relationships" xmlns:p="http://schemas.openxmlformats.org/presentationml/2006/main">
+  <p:cSld>
+    <p:spTree>
+      <p:nvGrpSpPr>
+        <p:cNvPr id="1" name="">
+          <a:extLst>
+            <a:ext uri="{FF2B5EF4-FFF2-40B4-BE49-F238E27FC236}">
+              <a16:creationId xmlns:a16="http://schemas.microsoft.com/office/drawing/2014/main" id="{CC8C6CD3-73B0-F990-E8C4-4A5C5FCDC658}"/>
+            </a:ext>
+          </a:extLst>
+        </p:cNvPr>
+        <p:cNvGrpSpPr/>
+        <p:nvPr/>
+      </p:nvGrpSpPr>
+      <p:grpSpPr>
+        <a:xfrm>
+          <a:off x="0" y="0"/>
+          <a:ext cx="0" cy="0"/>
+          <a:chOff x="0" y="0"/>
+          <a:chExt cx="0" cy="0"/>
+        </a:xfrm>
+      </p:grpSpPr>
+      <p:sp>
+        <p:nvSpPr>
+          <p:cNvPr id="4" name="Content Placeholder 2">
+            <a:extLst>
+              <a:ext uri="{FF2B5EF4-FFF2-40B4-BE49-F238E27FC236}">
+                <a16:creationId xmlns:a16="http://schemas.microsoft.com/office/drawing/2014/main" id="{2C566B84-C5CB-35FF-A8A8-AD9EE372463B}"/>
+              </a:ext>
+            </a:extLst>
+          </p:cNvPr>
+          <p:cNvSpPr txBox="1">
+            <a:spLocks/>
+          </p:cNvSpPr>
+          <p:nvPr/>
+        </p:nvSpPr>
+        <p:spPr>
+          <a:xfrm>
+            <a:off x="774700" y="582510"/>
+            <a:ext cx="10759067" cy="649390"/>
+          </a:xfrm>
+          <a:prstGeom prst="rect">
+            <a:avLst/>
+          </a:prstGeom>
+        </p:spPr>
+        <p:txBody>
+          <a:bodyPr>
+            <a:normAutofit/>
+          </a:bodyPr>
+          <a:lstStyle>
+            <a:lvl1pPr marL="228600" indent="-228600" algn="l" defTabSz="914400" rtl="0" eaLnBrk="1" latinLnBrk="0" hangingPunct="1">
+              <a:lnSpc>
+                <a:spcPct val="90000"/>
+              </a:lnSpc>
+              <a:spcBef>
+                <a:spcPts val="1000"/>
+              </a:spcBef>
+              <a:buFont typeface="Arial" panose="020B0604020202020204" pitchFamily="34" charset="0"/>
+              <a:buChar char="•"/>
+              <a:defRPr sz="2800" kern="1200">
+                <a:solidFill>
+                  <a:schemeClr val="tx1"/>
+                </a:solidFill>
+                <a:latin typeface="+mn-lt"/>
+                <a:ea typeface="+mn-ea"/>
+                <a:cs typeface="+mn-cs"/>
+              </a:defRPr>
+            </a:lvl1pPr>
+            <a:lvl2pPr marL="685800" indent="-228600" algn="l" defTabSz="914400" rtl="0" eaLnBrk="1" latinLnBrk="0" hangingPunct="1">
+              <a:lnSpc>
+                <a:spcPct val="90000"/>
+              </a:lnSpc>
+              <a:spcBef>
+                <a:spcPts val="500"/>
+              </a:spcBef>
+              <a:buFont typeface="Arial" panose="020B0604020202020204" pitchFamily="34" charset="0"/>
+              <a:buChar char="•"/>
+              <a:defRPr sz="2400" kern="1200">
+                <a:solidFill>
+                  <a:schemeClr val="tx1"/>
+                </a:solidFill>
+                <a:latin typeface="+mn-lt"/>
+                <a:ea typeface="+mn-ea"/>
+                <a:cs typeface="+mn-cs"/>
+              </a:defRPr>
+            </a:lvl2pPr>
+            <a:lvl3pPr marL="1143000" indent="-228600" algn="l" defTabSz="914400" rtl="0" eaLnBrk="1" latinLnBrk="0" hangingPunct="1">
+              <a:lnSpc>
+                <a:spcPct val="90000"/>
+              </a:lnSpc>
+              <a:spcBef>
+                <a:spcPts val="500"/>
+              </a:spcBef>
+              <a:buFont typeface="Arial" panose="020B0604020202020204" pitchFamily="34" charset="0"/>
+              <a:buChar char="•"/>
+              <a:defRPr sz="2000" kern="1200">
+                <a:solidFill>
+                  <a:schemeClr val="tx1"/>
+                </a:solidFill>
+                <a:latin typeface="+mn-lt"/>
+                <a:ea typeface="+mn-ea"/>
+                <a:cs typeface="+mn-cs"/>
+              </a:defRPr>
+            </a:lvl3pPr>
+            <a:lvl4pPr marL="1600200" indent="-228600" algn="l" defTabSz="914400" rtl="0" eaLnBrk="1" latinLnBrk="0" hangingPunct="1">
+              <a:lnSpc>
+                <a:spcPct val="90000"/>
+              </a:lnSpc>
+              <a:spcBef>
+                <a:spcPts val="500"/>
+              </a:spcBef>
+              <a:buFont typeface="Arial" panose="020B0604020202020204" pitchFamily="34" charset="0"/>
+              <a:buChar char="•"/>
+              <a:defRPr sz="1800" kern="1200">
+                <a:solidFill>
+                  <a:schemeClr val="tx1"/>
+                </a:solidFill>
+                <a:latin typeface="+mn-lt"/>
+                <a:ea typeface="+mn-ea"/>
+                <a:cs typeface="+mn-cs"/>
+              </a:defRPr>
+            </a:lvl4pPr>
+            <a:lvl5pPr marL="2057400" indent="-228600" algn="l" defTabSz="914400" rtl="0" eaLnBrk="1" latinLnBrk="0" hangingPunct="1">
+              <a:lnSpc>
+                <a:spcPct val="90000"/>
+              </a:lnSpc>
+              <a:spcBef>
+                <a:spcPts val="500"/>
+              </a:spcBef>
+              <a:buFont typeface="Arial" panose="020B0604020202020204" pitchFamily="34" charset="0"/>
+              <a:buChar char="•"/>
+              <a:defRPr sz="1800" kern="1200">
+                <a:solidFill>
+                  <a:schemeClr val="tx1"/>
+                </a:solidFill>
+                <a:latin typeface="+mn-lt"/>
+                <a:ea typeface="+mn-ea"/>
+                <a:cs typeface="+mn-cs"/>
+              </a:defRPr>
+            </a:lvl5pPr>
+            <a:lvl6pPr marL="2514600" indent="-228600" algn="l" defTabSz="914400" rtl="0" eaLnBrk="1" latinLnBrk="0" hangingPunct="1">
+              <a:lnSpc>
+                <a:spcPct val="90000"/>
+              </a:lnSpc>
+              <a:spcBef>
+                <a:spcPts val="500"/>
+              </a:spcBef>
+              <a:buFont typeface="Arial" panose="020B0604020202020204" pitchFamily="34" charset="0"/>
+              <a:buChar char="•"/>
+              <a:defRPr sz="1800" kern="1200">
+                <a:solidFill>
+                  <a:schemeClr val="tx1"/>
+                </a:solidFill>
+                <a:latin typeface="+mn-lt"/>
+                <a:ea typeface="+mn-ea"/>
+                <a:cs typeface="+mn-cs"/>
+              </a:defRPr>
+            </a:lvl6pPr>
+            <a:lvl7pPr marL="2971800" indent="-228600" algn="l" defTabSz="914400" rtl="0" eaLnBrk="1" latinLnBrk="0" hangingPunct="1">
+              <a:lnSpc>
+                <a:spcPct val="90000"/>
+              </a:lnSpc>
+              <a:spcBef>
+                <a:spcPts val="500"/>
+              </a:spcBef>
+              <a:buFont typeface="Arial" panose="020B0604020202020204" pitchFamily="34" charset="0"/>
+              <a:buChar char="•"/>
+              <a:defRPr sz="1800" kern="1200">
+                <a:solidFill>
+                  <a:schemeClr val="tx1"/>
+                </a:solidFill>
+                <a:latin typeface="+mn-lt"/>
+                <a:ea typeface="+mn-ea"/>
+                <a:cs typeface="+mn-cs"/>
+              </a:defRPr>
+            </a:lvl7pPr>
+            <a:lvl8pPr marL="3429000" indent="-228600" algn="l" defTabSz="914400" rtl="0" eaLnBrk="1" latinLnBrk="0" hangingPunct="1">
+              <a:lnSpc>
+                <a:spcPct val="90000"/>
+              </a:lnSpc>
+              <a:spcBef>
+                <a:spcPts val="500"/>
+              </a:spcBef>
+              <a:buFont typeface="Arial" panose="020B0604020202020204" pitchFamily="34" charset="0"/>
+              <a:buChar char="•"/>
+              <a:defRPr sz="1800" kern="1200">
+                <a:solidFill>
+                  <a:schemeClr val="tx1"/>
+                </a:solidFill>
+                <a:latin typeface="+mn-lt"/>
+                <a:ea typeface="+mn-ea"/>
+                <a:cs typeface="+mn-cs"/>
+              </a:defRPr>
+            </a:lvl8pPr>
+            <a:lvl9pPr marL="3886200" indent="-228600" algn="l" defTabSz="914400" rtl="0" eaLnBrk="1" latinLnBrk="0" hangingPunct="1">
+              <a:lnSpc>
+                <a:spcPct val="90000"/>
+              </a:lnSpc>
+              <a:spcBef>
+                <a:spcPts val="500"/>
+              </a:spcBef>
+              <a:buFont typeface="Arial" panose="020B0604020202020204" pitchFamily="34" charset="0"/>
+              <a:buChar char="•"/>
+              <a:defRPr sz="1800" kern="1200">
+                <a:solidFill>
+                  <a:schemeClr val="tx1"/>
+                </a:solidFill>
+                <a:latin typeface="+mn-lt"/>
+                <a:ea typeface="+mn-ea"/>
+                <a:cs typeface="+mn-cs"/>
+              </a:defRPr>
+            </a:lvl9pPr>
+          </a:lstStyle>
+          <a:p>
+            <a:pPr marL="0" indent="0" algn="just">
+              <a:buFont typeface="Arial" panose="020B0604020202020204" pitchFamily="34" charset="0"/>
+              <a:buNone/>
+            </a:pPr>
+            <a:r>
+              <a:rPr lang="en-US" sz="2500" dirty="0"/>
+              <a:t>Constructors are </a:t>
+            </a:r>
+            <a:r>
+              <a:rPr lang="en-US" sz="2500" b="1" dirty="0"/>
+              <a:t>not</a:t>
+            </a:r>
+            <a:r>
+              <a:rPr lang="en-US" sz="2500" dirty="0"/>
+              <a:t> inherited.</a:t>
+            </a:r>
+          </a:p>
+        </p:txBody>
+      </p:sp>
+      <p:sp>
+        <p:nvSpPr>
+          <p:cNvPr id="5" name="Content Placeholder 2">
+            <a:extLst>
+              <a:ext uri="{FF2B5EF4-FFF2-40B4-BE49-F238E27FC236}">
+                <a16:creationId xmlns:a16="http://schemas.microsoft.com/office/drawing/2014/main" id="{0EA7A596-AB63-9092-83B7-E0EA3BB3B18B}"/>
+              </a:ext>
+            </a:extLst>
+          </p:cNvPr>
+          <p:cNvSpPr txBox="1">
+            <a:spLocks/>
+          </p:cNvSpPr>
+          <p:nvPr/>
+        </p:nvSpPr>
+        <p:spPr>
+          <a:xfrm>
+            <a:off x="774700" y="3213099"/>
+            <a:ext cx="10759067" cy="477157"/>
+          </a:xfrm>
+          <a:prstGeom prst="rect">
+            <a:avLst/>
+          </a:prstGeom>
+        </p:spPr>
+        <p:txBody>
+          <a:bodyPr>
+            <a:normAutofit fontScale="55000" lnSpcReduction="20000"/>
+          </a:bodyPr>
+          <a:lstStyle>
+            <a:lvl1pPr marL="228600" indent="-228600" algn="l" defTabSz="914400" rtl="0" eaLnBrk="1" latinLnBrk="0" hangingPunct="1">
+              <a:lnSpc>
+                <a:spcPct val="90000"/>
+              </a:lnSpc>
+              <a:spcBef>
+                <a:spcPts val="1000"/>
+              </a:spcBef>
+              <a:buFont typeface="Arial" panose="020B0604020202020204" pitchFamily="34" charset="0"/>
+              <a:buChar char="•"/>
+              <a:defRPr sz="2800" kern="1200">
+                <a:solidFill>
+                  <a:schemeClr val="tx1"/>
+                </a:solidFill>
+                <a:latin typeface="+mn-lt"/>
+                <a:ea typeface="+mn-ea"/>
+                <a:cs typeface="+mn-cs"/>
+              </a:defRPr>
+            </a:lvl1pPr>
+            <a:lvl2pPr marL="685800" indent="-228600" algn="l" defTabSz="914400" rtl="0" eaLnBrk="1" latinLnBrk="0" hangingPunct="1">
+              <a:lnSpc>
+                <a:spcPct val="90000"/>
+              </a:lnSpc>
+              <a:spcBef>
+                <a:spcPts val="500"/>
+              </a:spcBef>
+              <a:buFont typeface="Arial" panose="020B0604020202020204" pitchFamily="34" charset="0"/>
+              <a:buChar char="•"/>
+              <a:defRPr sz="2400" kern="1200">
+                <a:solidFill>
+                  <a:schemeClr val="tx1"/>
+                </a:solidFill>
+                <a:latin typeface="+mn-lt"/>
+                <a:ea typeface="+mn-ea"/>
+                <a:cs typeface="+mn-cs"/>
+              </a:defRPr>
+            </a:lvl2pPr>
+            <a:lvl3pPr marL="1143000" indent="-228600" algn="l" defTabSz="914400" rtl="0" eaLnBrk="1" latinLnBrk="0" hangingPunct="1">
+              <a:lnSpc>
+                <a:spcPct val="90000"/>
+              </a:lnSpc>
+              <a:spcBef>
+                <a:spcPts val="500"/>
+              </a:spcBef>
+              <a:buFont typeface="Arial" panose="020B0604020202020204" pitchFamily="34" charset="0"/>
+              <a:buChar char="•"/>
+              <a:defRPr sz="2000" kern="1200">
+                <a:solidFill>
+                  <a:schemeClr val="tx1"/>
+                </a:solidFill>
+                <a:latin typeface="+mn-lt"/>
+                <a:ea typeface="+mn-ea"/>
+                <a:cs typeface="+mn-cs"/>
+              </a:defRPr>
+            </a:lvl3pPr>
+            <a:lvl4pPr marL="1600200" indent="-228600" algn="l" defTabSz="914400" rtl="0" eaLnBrk="1" latinLnBrk="0" hangingPunct="1">
+              <a:lnSpc>
+                <a:spcPct val="90000"/>
+              </a:lnSpc>
+              <a:spcBef>
+                <a:spcPts val="500"/>
+              </a:spcBef>
+              <a:buFont typeface="Arial" panose="020B0604020202020204" pitchFamily="34" charset="0"/>
+              <a:buChar char="•"/>
+              <a:defRPr sz="1800" kern="1200">
+                <a:solidFill>
+                  <a:schemeClr val="tx1"/>
+                </a:solidFill>
+                <a:latin typeface="+mn-lt"/>
+                <a:ea typeface="+mn-ea"/>
+                <a:cs typeface="+mn-cs"/>
+              </a:defRPr>
+            </a:lvl4pPr>
+            <a:lvl5pPr marL="2057400" indent="-228600" algn="l" defTabSz="914400" rtl="0" eaLnBrk="1" latinLnBrk="0" hangingPunct="1">
+              <a:lnSpc>
+                <a:spcPct val="90000"/>
+              </a:lnSpc>
+              <a:spcBef>
+                <a:spcPts val="500"/>
+              </a:spcBef>
+              <a:buFont typeface="Arial" panose="020B0604020202020204" pitchFamily="34" charset="0"/>
+              <a:buChar char="•"/>
+              <a:defRPr sz="1800" kern="1200">
+                <a:solidFill>
+                  <a:schemeClr val="tx1"/>
+                </a:solidFill>
+                <a:latin typeface="+mn-lt"/>
+                <a:ea typeface="+mn-ea"/>
+                <a:cs typeface="+mn-cs"/>
+              </a:defRPr>
+            </a:lvl5pPr>
+            <a:lvl6pPr marL="2514600" indent="-228600" algn="l" defTabSz="914400" rtl="0" eaLnBrk="1" latinLnBrk="0" hangingPunct="1">
+              <a:lnSpc>
+                <a:spcPct val="90000"/>
+              </a:lnSpc>
+              <a:spcBef>
+                <a:spcPts val="500"/>
+              </a:spcBef>
+              <a:buFont typeface="Arial" panose="020B0604020202020204" pitchFamily="34" charset="0"/>
+              <a:buChar char="•"/>
+              <a:defRPr sz="1800" kern="1200">
+                <a:solidFill>
+                  <a:schemeClr val="tx1"/>
+                </a:solidFill>
+                <a:latin typeface="+mn-lt"/>
+                <a:ea typeface="+mn-ea"/>
+                <a:cs typeface="+mn-cs"/>
+              </a:defRPr>
+            </a:lvl6pPr>
+            <a:lvl7pPr marL="2971800" indent="-228600" algn="l" defTabSz="914400" rtl="0" eaLnBrk="1" latinLnBrk="0" hangingPunct="1">
+              <a:lnSpc>
+                <a:spcPct val="90000"/>
+              </a:lnSpc>
+              <a:spcBef>
+                <a:spcPts val="500"/>
+              </a:spcBef>
+              <a:buFont typeface="Arial" panose="020B0604020202020204" pitchFamily="34" charset="0"/>
+              <a:buChar char="•"/>
+              <a:defRPr sz="1800" kern="1200">
+                <a:solidFill>
+                  <a:schemeClr val="tx1"/>
+                </a:solidFill>
+                <a:latin typeface="+mn-lt"/>
+                <a:ea typeface="+mn-ea"/>
+                <a:cs typeface="+mn-cs"/>
+              </a:defRPr>
+            </a:lvl7pPr>
+            <a:lvl8pPr marL="3429000" indent="-228600" algn="l" defTabSz="914400" rtl="0" eaLnBrk="1" latinLnBrk="0" hangingPunct="1">
+              <a:lnSpc>
+                <a:spcPct val="90000"/>
+              </a:lnSpc>
+              <a:spcBef>
+                <a:spcPts val="500"/>
+              </a:spcBef>
+              <a:buFont typeface="Arial" panose="020B0604020202020204" pitchFamily="34" charset="0"/>
+              <a:buChar char="•"/>
+              <a:defRPr sz="1800" kern="1200">
+                <a:solidFill>
+                  <a:schemeClr val="tx1"/>
+                </a:solidFill>
+                <a:latin typeface="+mn-lt"/>
+                <a:ea typeface="+mn-ea"/>
+                <a:cs typeface="+mn-cs"/>
+              </a:defRPr>
+            </a:lvl8pPr>
+            <a:lvl9pPr marL="3886200" indent="-228600" algn="l" defTabSz="914400" rtl="0" eaLnBrk="1" latinLnBrk="0" hangingPunct="1">
+              <a:lnSpc>
+                <a:spcPct val="90000"/>
+              </a:lnSpc>
+              <a:spcBef>
+                <a:spcPts val="500"/>
+              </a:spcBef>
+              <a:buFont typeface="Arial" panose="020B0604020202020204" pitchFamily="34" charset="0"/>
+              <a:buChar char="•"/>
+              <a:defRPr sz="1800" kern="1200">
+                <a:solidFill>
+                  <a:schemeClr val="tx1"/>
+                </a:solidFill>
+                <a:latin typeface="+mn-lt"/>
+                <a:ea typeface="+mn-ea"/>
+                <a:cs typeface="+mn-cs"/>
+              </a:defRPr>
+            </a:lvl9pPr>
+          </a:lstStyle>
+          <a:p>
+            <a:pPr marL="0" indent="0" algn="just">
+              <a:buFont typeface="Arial" panose="020B0604020202020204" pitchFamily="34" charset="0"/>
+              <a:buNone/>
+            </a:pPr>
+            <a:r>
+              <a:rPr lang="en-US" sz="3000" dirty="0"/>
+              <a:t>Consider the following instances of </a:t>
+            </a:r>
+            <a:r>
+              <a:rPr lang="en-US" sz="3000" dirty="0">
+                <a:latin typeface="Courier New" panose="02070309020205020404" pitchFamily="49" charset="0"/>
+                <a:cs typeface="Courier New" panose="02070309020205020404" pitchFamily="49" charset="0"/>
+              </a:rPr>
+              <a:t>Performer</a:t>
+            </a:r>
+            <a:r>
+              <a:rPr lang="en-US" sz="3000" dirty="0"/>
+              <a:t> and </a:t>
+            </a:r>
+            <a:r>
+              <a:rPr lang="en-US" sz="3000" dirty="0">
+                <a:latin typeface="Courier New" panose="02070309020205020404" pitchFamily="49" charset="0"/>
+                <a:cs typeface="Courier New" panose="02070309020205020404" pitchFamily="49" charset="0"/>
+              </a:rPr>
+              <a:t>Musician</a:t>
+            </a:r>
+            <a:r>
+              <a:rPr lang="en-US" sz="3000" dirty="0"/>
+              <a:t>. Which Constructor calls are valid or invalid?</a:t>
+            </a:r>
+          </a:p>
+        </p:txBody>
+      </p:sp>
+      <p:sp>
+        <p:nvSpPr>
+          <p:cNvPr id="8" name="Content Placeholder 2">
+            <a:extLst>
+              <a:ext uri="{FF2B5EF4-FFF2-40B4-BE49-F238E27FC236}">
+                <a16:creationId xmlns:a16="http://schemas.microsoft.com/office/drawing/2014/main" id="{55CDFDD1-31FD-FC4C-DCFF-9377F8ADF381}"/>
+              </a:ext>
+            </a:extLst>
+          </p:cNvPr>
+          <p:cNvSpPr txBox="1">
+            <a:spLocks/>
+          </p:cNvSpPr>
+          <p:nvPr/>
+        </p:nvSpPr>
+        <p:spPr>
+          <a:xfrm>
+            <a:off x="800099" y="3581400"/>
+            <a:ext cx="10759067" cy="2694090"/>
+          </a:xfrm>
+          <a:prstGeom prst="rect">
+            <a:avLst/>
+          </a:prstGeom>
+        </p:spPr>
+        <p:txBody>
+          <a:bodyPr>
+            <a:normAutofit/>
+          </a:bodyPr>
+          <a:lstStyle>
+            <a:lvl1pPr marL="228600" indent="-228600" algn="l" defTabSz="914400" rtl="0" eaLnBrk="1" latinLnBrk="0" hangingPunct="1">
+              <a:lnSpc>
+                <a:spcPct val="90000"/>
+              </a:lnSpc>
+              <a:spcBef>
+                <a:spcPts val="1000"/>
+              </a:spcBef>
+              <a:buFont typeface="Arial" panose="020B0604020202020204" pitchFamily="34" charset="0"/>
+              <a:buChar char="•"/>
+              <a:defRPr sz="2800" kern="1200">
+                <a:solidFill>
+                  <a:schemeClr val="tx1"/>
+                </a:solidFill>
+                <a:latin typeface="+mn-lt"/>
+                <a:ea typeface="+mn-ea"/>
+                <a:cs typeface="+mn-cs"/>
+              </a:defRPr>
+            </a:lvl1pPr>
+            <a:lvl2pPr marL="685800" indent="-228600" algn="l" defTabSz="914400" rtl="0" eaLnBrk="1" latinLnBrk="0" hangingPunct="1">
+              <a:lnSpc>
+                <a:spcPct val="90000"/>
+              </a:lnSpc>
+              <a:spcBef>
+                <a:spcPts val="500"/>
+              </a:spcBef>
+              <a:buFont typeface="Arial" panose="020B0604020202020204" pitchFamily="34" charset="0"/>
+              <a:buChar char="•"/>
+              <a:defRPr sz="2400" kern="1200">
+                <a:solidFill>
+                  <a:schemeClr val="tx1"/>
+                </a:solidFill>
+                <a:latin typeface="+mn-lt"/>
+                <a:ea typeface="+mn-ea"/>
+                <a:cs typeface="+mn-cs"/>
+              </a:defRPr>
+            </a:lvl2pPr>
+            <a:lvl3pPr marL="1143000" indent="-228600" algn="l" defTabSz="914400" rtl="0" eaLnBrk="1" latinLnBrk="0" hangingPunct="1">
+              <a:lnSpc>
+                <a:spcPct val="90000"/>
+              </a:lnSpc>
+              <a:spcBef>
+                <a:spcPts val="500"/>
+              </a:spcBef>
+              <a:buFont typeface="Arial" panose="020B0604020202020204" pitchFamily="34" charset="0"/>
+              <a:buChar char="•"/>
+              <a:defRPr sz="2000" kern="1200">
+                <a:solidFill>
+                  <a:schemeClr val="tx1"/>
+                </a:solidFill>
+                <a:latin typeface="+mn-lt"/>
+                <a:ea typeface="+mn-ea"/>
+                <a:cs typeface="+mn-cs"/>
+              </a:defRPr>
+            </a:lvl3pPr>
+            <a:lvl4pPr marL="1600200" indent="-228600" algn="l" defTabSz="914400" rtl="0" eaLnBrk="1" latinLnBrk="0" hangingPunct="1">
+              <a:lnSpc>
+                <a:spcPct val="90000"/>
+              </a:lnSpc>
+              <a:spcBef>
+                <a:spcPts val="500"/>
+              </a:spcBef>
+              <a:buFont typeface="Arial" panose="020B0604020202020204" pitchFamily="34" charset="0"/>
+              <a:buChar char="•"/>
+              <a:defRPr sz="1800" kern="1200">
+                <a:solidFill>
+                  <a:schemeClr val="tx1"/>
+                </a:solidFill>
+                <a:latin typeface="+mn-lt"/>
+                <a:ea typeface="+mn-ea"/>
+                <a:cs typeface="+mn-cs"/>
+              </a:defRPr>
+            </a:lvl4pPr>
+            <a:lvl5pPr marL="2057400" indent="-228600" algn="l" defTabSz="914400" rtl="0" eaLnBrk="1" latinLnBrk="0" hangingPunct="1">
+              <a:lnSpc>
+                <a:spcPct val="90000"/>
+              </a:lnSpc>
+              <a:spcBef>
+                <a:spcPts val="500"/>
+              </a:spcBef>
+              <a:buFont typeface="Arial" panose="020B0604020202020204" pitchFamily="34" charset="0"/>
+              <a:buChar char="•"/>
+              <a:defRPr sz="1800" kern="1200">
+                <a:solidFill>
+                  <a:schemeClr val="tx1"/>
+                </a:solidFill>
+                <a:latin typeface="+mn-lt"/>
+                <a:ea typeface="+mn-ea"/>
+                <a:cs typeface="+mn-cs"/>
+              </a:defRPr>
+            </a:lvl5pPr>
+            <a:lvl6pPr marL="2514600" indent="-228600" algn="l" defTabSz="914400" rtl="0" eaLnBrk="1" latinLnBrk="0" hangingPunct="1">
+              <a:lnSpc>
+                <a:spcPct val="90000"/>
+              </a:lnSpc>
+              <a:spcBef>
+                <a:spcPts val="500"/>
+              </a:spcBef>
+              <a:buFont typeface="Arial" panose="020B0604020202020204" pitchFamily="34" charset="0"/>
+              <a:buChar char="•"/>
+              <a:defRPr sz="1800" kern="1200">
+                <a:solidFill>
+                  <a:schemeClr val="tx1"/>
+                </a:solidFill>
+                <a:latin typeface="+mn-lt"/>
+                <a:ea typeface="+mn-ea"/>
+                <a:cs typeface="+mn-cs"/>
+              </a:defRPr>
+            </a:lvl6pPr>
+            <a:lvl7pPr marL="2971800" indent="-228600" algn="l" defTabSz="914400" rtl="0" eaLnBrk="1" latinLnBrk="0" hangingPunct="1">
+              <a:lnSpc>
+                <a:spcPct val="90000"/>
+              </a:lnSpc>
+              <a:spcBef>
+                <a:spcPts val="500"/>
+              </a:spcBef>
+              <a:buFont typeface="Arial" panose="020B0604020202020204" pitchFamily="34" charset="0"/>
+              <a:buChar char="•"/>
+              <a:defRPr sz="1800" kern="1200">
+                <a:solidFill>
+                  <a:schemeClr val="tx1"/>
+                </a:solidFill>
+                <a:latin typeface="+mn-lt"/>
+                <a:ea typeface="+mn-ea"/>
+                <a:cs typeface="+mn-cs"/>
+              </a:defRPr>
+            </a:lvl7pPr>
+            <a:lvl8pPr marL="3429000" indent="-228600" algn="l" defTabSz="914400" rtl="0" eaLnBrk="1" latinLnBrk="0" hangingPunct="1">
+              <a:lnSpc>
+                <a:spcPct val="90000"/>
+              </a:lnSpc>
+              <a:spcBef>
+                <a:spcPts val="500"/>
+              </a:spcBef>
+              <a:buFont typeface="Arial" panose="020B0604020202020204" pitchFamily="34" charset="0"/>
+              <a:buChar char="•"/>
+              <a:defRPr sz="1800" kern="1200">
+                <a:solidFill>
+                  <a:schemeClr val="tx1"/>
+                </a:solidFill>
+                <a:latin typeface="+mn-lt"/>
+                <a:ea typeface="+mn-ea"/>
+                <a:cs typeface="+mn-cs"/>
+              </a:defRPr>
+            </a:lvl8pPr>
+            <a:lvl9pPr marL="3886200" indent="-228600" algn="l" defTabSz="914400" rtl="0" eaLnBrk="1" latinLnBrk="0" hangingPunct="1">
+              <a:lnSpc>
+                <a:spcPct val="90000"/>
+              </a:lnSpc>
+              <a:spcBef>
+                <a:spcPts val="500"/>
+              </a:spcBef>
+              <a:buFont typeface="Arial" panose="020B0604020202020204" pitchFamily="34" charset="0"/>
+              <a:buChar char="•"/>
+              <a:defRPr sz="1800" kern="1200">
+                <a:solidFill>
+                  <a:schemeClr val="tx1"/>
+                </a:solidFill>
+                <a:latin typeface="+mn-lt"/>
+                <a:ea typeface="+mn-ea"/>
+                <a:cs typeface="+mn-cs"/>
+              </a:defRPr>
+            </a:lvl9pPr>
+          </a:lstStyle>
+          <a:p>
+            <a:pPr marL="0" indent="0" algn="just">
+              <a:buFont typeface="Arial" panose="020B0604020202020204" pitchFamily="34" charset="0"/>
+              <a:buNone/>
+            </a:pPr>
+            <a:r>
+              <a:rPr lang="en-US" sz="1600" dirty="0">
+                <a:latin typeface="Courier New" panose="02070309020205020404" pitchFamily="49" charset="0"/>
+                <a:cs typeface="Courier New" panose="02070309020205020404" pitchFamily="49" charset="0"/>
+              </a:rPr>
+              <a:t>Performer </a:t>
+            </a:r>
+            <a:r>
+              <a:rPr lang="en-US" sz="1600" dirty="0" err="1">
+                <a:latin typeface="Courier New" panose="02070309020205020404" pitchFamily="49" charset="0"/>
+                <a:cs typeface="Courier New" panose="02070309020205020404" pitchFamily="49" charset="0"/>
+              </a:rPr>
+              <a:t>james</a:t>
+            </a:r>
+            <a:r>
+              <a:rPr lang="en-US" sz="1600" dirty="0">
+                <a:latin typeface="Courier New" panose="02070309020205020404" pitchFamily="49" charset="0"/>
+                <a:cs typeface="Courier New" panose="02070309020205020404" pitchFamily="49" charset="0"/>
+              </a:rPr>
+              <a:t> = new Performer();</a:t>
+            </a:r>
+          </a:p>
+          <a:p>
+            <a:pPr marL="0" indent="0" algn="just">
+              <a:buFont typeface="Arial" panose="020B0604020202020204" pitchFamily="34" charset="0"/>
+              <a:buNone/>
+            </a:pPr>
+            <a:r>
+              <a:rPr lang="en-US" sz="1600" dirty="0">
+                <a:latin typeface="Courier New" panose="02070309020205020404" pitchFamily="49" charset="0"/>
+                <a:cs typeface="Courier New" panose="02070309020205020404" pitchFamily="49" charset="0"/>
+              </a:rPr>
+              <a:t>Musician </a:t>
+            </a:r>
+            <a:r>
+              <a:rPr lang="en-US" sz="1600" dirty="0" err="1">
+                <a:latin typeface="Courier New" panose="02070309020205020404" pitchFamily="49" charset="0"/>
+                <a:cs typeface="Courier New" panose="02070309020205020404" pitchFamily="49" charset="0"/>
+              </a:rPr>
+              <a:t>lisa</a:t>
+            </a:r>
+            <a:r>
+              <a:rPr lang="en-US" sz="1600" dirty="0">
+                <a:latin typeface="Courier New" panose="02070309020205020404" pitchFamily="49" charset="0"/>
+                <a:cs typeface="Courier New" panose="02070309020205020404" pitchFamily="49" charset="0"/>
+              </a:rPr>
+              <a:t> = new Musician();</a:t>
+            </a:r>
+          </a:p>
+          <a:p>
+            <a:pPr marL="0" indent="0" algn="just">
+              <a:buFont typeface="Arial" panose="020B0604020202020204" pitchFamily="34" charset="0"/>
+              <a:buNone/>
+            </a:pPr>
+            <a:r>
+              <a:rPr lang="en-US" sz="1600" dirty="0">
+                <a:latin typeface="Courier New" panose="02070309020205020404" pitchFamily="49" charset="0"/>
+                <a:cs typeface="Courier New" panose="02070309020205020404" pitchFamily="49" charset="0"/>
+              </a:rPr>
+              <a:t>Performer </a:t>
+            </a:r>
+            <a:r>
+              <a:rPr lang="en-US" sz="1600" dirty="0" err="1">
+                <a:latin typeface="Courier New" panose="02070309020205020404" pitchFamily="49" charset="0"/>
+                <a:cs typeface="Courier New" panose="02070309020205020404" pitchFamily="49" charset="0"/>
+              </a:rPr>
+              <a:t>james</a:t>
+            </a:r>
+            <a:r>
+              <a:rPr lang="en-US" sz="1600" dirty="0">
+                <a:latin typeface="Courier New" panose="02070309020205020404" pitchFamily="49" charset="0"/>
+                <a:cs typeface="Courier New" panose="02070309020205020404" pitchFamily="49" charset="0"/>
+              </a:rPr>
+              <a:t> = new Performer(“James”, 19);</a:t>
+            </a:r>
+          </a:p>
+          <a:p>
+            <a:pPr marL="0" indent="0" algn="just">
+              <a:buFont typeface="Arial" panose="020B0604020202020204" pitchFamily="34" charset="0"/>
+              <a:buNone/>
+            </a:pPr>
+            <a:r>
+              <a:rPr lang="en-US" sz="1600" dirty="0">
+                <a:latin typeface="Courier New" panose="02070309020205020404" pitchFamily="49" charset="0"/>
+                <a:cs typeface="Courier New" panose="02070309020205020404" pitchFamily="49" charset="0"/>
+              </a:rPr>
+              <a:t>Musician </a:t>
+            </a:r>
+            <a:r>
+              <a:rPr lang="en-US" sz="1600" dirty="0" err="1">
+                <a:latin typeface="Courier New" panose="02070309020205020404" pitchFamily="49" charset="0"/>
+                <a:cs typeface="Courier New" panose="02070309020205020404" pitchFamily="49" charset="0"/>
+              </a:rPr>
+              <a:t>lisa</a:t>
+            </a:r>
+            <a:r>
+              <a:rPr lang="en-US" sz="1600" dirty="0">
+                <a:latin typeface="Courier New" panose="02070309020205020404" pitchFamily="49" charset="0"/>
+                <a:cs typeface="Courier New" panose="02070309020205020404" pitchFamily="49" charset="0"/>
+              </a:rPr>
+              <a:t> = new Musician(“Lisa”, 20);</a:t>
+            </a:r>
+          </a:p>
+          <a:p>
+            <a:pPr marL="0" indent="0" algn="just">
+              <a:buFont typeface="Arial" panose="020B0604020202020204" pitchFamily="34" charset="0"/>
+              <a:buNone/>
+            </a:pPr>
+            <a:r>
+              <a:rPr lang="en-US" sz="1600" dirty="0">
+                <a:latin typeface="Courier New" panose="02070309020205020404" pitchFamily="49" charset="0"/>
+                <a:cs typeface="Courier New" panose="02070309020205020404" pitchFamily="49" charset="0"/>
+              </a:rPr>
+              <a:t>Musician </a:t>
+            </a:r>
+            <a:r>
+              <a:rPr lang="en-US" sz="1600" dirty="0" err="1">
+                <a:latin typeface="Courier New" panose="02070309020205020404" pitchFamily="49" charset="0"/>
+                <a:cs typeface="Courier New" panose="02070309020205020404" pitchFamily="49" charset="0"/>
+              </a:rPr>
+              <a:t>lisa</a:t>
+            </a:r>
+            <a:r>
+              <a:rPr lang="en-US" sz="1600" dirty="0">
+                <a:latin typeface="Courier New" panose="02070309020205020404" pitchFamily="49" charset="0"/>
+                <a:cs typeface="Courier New" panose="02070309020205020404" pitchFamily="49" charset="0"/>
+              </a:rPr>
+              <a:t> = new Musician(“Saxophone”);</a:t>
+            </a:r>
+          </a:p>
+          <a:p>
+            <a:pPr marL="0" indent="0" algn="just">
+              <a:buFont typeface="Arial" panose="020B0604020202020204" pitchFamily="34" charset="0"/>
+              <a:buNone/>
+            </a:pPr>
+            <a:r>
+              <a:rPr lang="en-US" sz="1600" dirty="0">
+                <a:latin typeface="Courier New" panose="02070309020205020404" pitchFamily="49" charset="0"/>
+                <a:cs typeface="Courier New" panose="02070309020205020404" pitchFamily="49" charset="0"/>
+              </a:rPr>
+              <a:t>Performer </a:t>
+            </a:r>
+            <a:r>
+              <a:rPr lang="en-US" sz="1600" dirty="0" err="1">
+                <a:latin typeface="Courier New" panose="02070309020205020404" pitchFamily="49" charset="0"/>
+                <a:cs typeface="Courier New" panose="02070309020205020404" pitchFamily="49" charset="0"/>
+              </a:rPr>
+              <a:t>james</a:t>
+            </a:r>
+            <a:r>
+              <a:rPr lang="en-US" sz="1600" dirty="0">
+                <a:latin typeface="Courier New" panose="02070309020205020404" pitchFamily="49" charset="0"/>
+                <a:cs typeface="Courier New" panose="02070309020205020404" pitchFamily="49" charset="0"/>
+              </a:rPr>
+              <a:t> = new Performer(“Trumpet”);</a:t>
+            </a:r>
+          </a:p>
+          <a:p>
+            <a:pPr marL="0" indent="0" algn="just">
+              <a:buFont typeface="Arial" panose="020B0604020202020204" pitchFamily="34" charset="0"/>
+              <a:buNone/>
+            </a:pPr>
+            <a:r>
+              <a:rPr lang="en-US" sz="1600" dirty="0">
+                <a:latin typeface="Courier New" panose="02070309020205020404" pitchFamily="49" charset="0"/>
+                <a:cs typeface="Courier New" panose="02070309020205020404" pitchFamily="49" charset="0"/>
+              </a:rPr>
+              <a:t>Musician </a:t>
+            </a:r>
+            <a:r>
+              <a:rPr lang="en-US" sz="1600" dirty="0" err="1">
+                <a:latin typeface="Courier New" panose="02070309020205020404" pitchFamily="49" charset="0"/>
+                <a:cs typeface="Courier New" panose="02070309020205020404" pitchFamily="49" charset="0"/>
+              </a:rPr>
+              <a:t>lisa</a:t>
+            </a:r>
+            <a:r>
+              <a:rPr lang="en-US" sz="1600" dirty="0">
+                <a:latin typeface="Courier New" panose="02070309020205020404" pitchFamily="49" charset="0"/>
+                <a:cs typeface="Courier New" panose="02070309020205020404" pitchFamily="49" charset="0"/>
+              </a:rPr>
+              <a:t> = new Musician(“Lisa”, 20, “Saxophone”); </a:t>
+            </a:r>
+          </a:p>
+        </p:txBody>
+      </p:sp>
+      <p:pic>
+        <p:nvPicPr>
+          <p:cNvPr id="6" name="Picture 5">
+            <a:extLst>
+              <a:ext uri="{FF2B5EF4-FFF2-40B4-BE49-F238E27FC236}">
+                <a16:creationId xmlns:a16="http://schemas.microsoft.com/office/drawing/2014/main" id="{46CCD8D6-302B-C64E-0A8A-DFFE10EE2E7E}"/>
+              </a:ext>
+            </a:extLst>
+          </p:cNvPr>
+          <p:cNvPicPr>
+            <a:picLocks noChangeAspect="1"/>
+          </p:cNvPicPr>
+          <p:nvPr/>
+        </p:nvPicPr>
+        <p:blipFill>
+          <a:blip r:embed="rId3"/>
+          <a:stretch>
+            <a:fillRect/>
+          </a:stretch>
+        </p:blipFill>
+        <p:spPr>
+          <a:xfrm>
+            <a:off x="774700" y="1172539"/>
+            <a:ext cx="11042966" cy="1731620"/>
+          </a:xfrm>
+          <a:prstGeom prst="rect">
+            <a:avLst/>
+          </a:prstGeom>
+        </p:spPr>
+      </p:pic>
+      <p:pic>
+        <p:nvPicPr>
+          <p:cNvPr id="1026" name="Picture 2" descr="JGrasp icon in iOS Style">
+            <a:extLst>
+              <a:ext uri="{FF2B5EF4-FFF2-40B4-BE49-F238E27FC236}">
+                <a16:creationId xmlns:a16="http://schemas.microsoft.com/office/drawing/2014/main" id="{A521E497-3006-C355-F393-3365CF285E9D}"/>
+              </a:ext>
+            </a:extLst>
+          </p:cNvPr>
+          <p:cNvPicPr>
+            <a:picLocks noChangeAspect="1" noChangeArrowheads="1"/>
+          </p:cNvPicPr>
+          <p:nvPr/>
+        </p:nvPicPr>
+        <p:blipFill>
+          <a:blip r:embed="rId4">
+            <a:extLst>
+              <a:ext uri="{28A0092B-C50C-407E-A947-70E740481C1C}">
+                <a14:useLocalDpi xmlns:a14="http://schemas.microsoft.com/office/drawing/2010/main" val="0"/>
+              </a:ext>
+            </a:extLst>
+          </a:blip>
+          <a:srcRect/>
+          <a:stretch>
+            <a:fillRect/>
+          </a:stretch>
+        </p:blipFill>
+        <p:spPr bwMode="auto">
+          <a:xfrm>
+            <a:off x="10833102" y="5584371"/>
+            <a:ext cx="1211942" cy="1211942"/>
+          </a:xfrm>
+          <a:prstGeom prst="rect">
+            <a:avLst/>
+          </a:prstGeom>
+          <a:noFill/>
+          <a:extLst>
+            <a:ext uri="{909E8E84-426E-40DD-AFC4-6F175D3DCCD1}">
+              <a14:hiddenFill xmlns:a14="http://schemas.microsoft.com/office/drawing/2010/main">
+                <a:solidFill>
+                  <a:srgbClr val="FFFFFF"/>
+                </a:solidFill>
+              </a14:hiddenFill>
+            </a:ext>
+          </a:extLst>
+        </p:spPr>
+      </p:pic>
+    </p:spTree>
+    <p:extLst>
+      <p:ext uri="{BB962C8B-B14F-4D97-AF65-F5344CB8AC3E}">
+        <p14:creationId xmlns:p14="http://schemas.microsoft.com/office/powerpoint/2010/main" val="481567322"/>
+      </p:ext>
+    </p:extLst>
+  </p:cSld>
+  <p:clrMapOvr>
+    <a:masterClrMapping/>
+  </p:clrMapOvr>
+</p:sld>
+</file>
+
+<file path=ppt/slides/slide11.xml><?xml version="1.0" encoding="utf-8"?>
+<p:sld xmlns:a="http://schemas.openxmlformats.org/drawingml/2006/main" xmlns:r="http://schemas.openxmlformats.org/officeDocument/2006/relationships" xmlns:p="http://schemas.openxmlformats.org/presentationml/2006/main">
+  <p:cSld>
+    <p:spTree>
+      <p:nvGrpSpPr>
+        <p:cNvPr id="1" name=""/>
+        <p:cNvGrpSpPr/>
+        <p:nvPr/>
+      </p:nvGrpSpPr>
+      <p:grpSpPr>
+        <a:xfrm>
+          <a:off x="0" y="0"/>
+          <a:ext cx="0" cy="0"/>
+          <a:chOff x="0" y="0"/>
+          <a:chExt cx="0" cy="0"/>
+        </a:xfrm>
+      </p:grpSpPr>
+      <p:pic>
+        <p:nvPicPr>
+          <p:cNvPr id="3" name="Picture 2">
+            <a:extLst>
+              <a:ext uri="{FF2B5EF4-FFF2-40B4-BE49-F238E27FC236}">
+                <a16:creationId xmlns:a16="http://schemas.microsoft.com/office/drawing/2014/main" id="{B62E63EE-C2CA-2B69-6850-9E70D18ADDF8}"/>
+              </a:ext>
+            </a:extLst>
+          </p:cNvPr>
+          <p:cNvPicPr>
+            <a:picLocks noChangeAspect="1"/>
+          </p:cNvPicPr>
+          <p:nvPr/>
+        </p:nvPicPr>
+        <p:blipFill>
+          <a:blip r:embed="rId3"/>
+          <a:stretch>
+            <a:fillRect/>
+          </a:stretch>
+        </p:blipFill>
+        <p:spPr>
+          <a:xfrm>
+            <a:off x="1126156" y="961691"/>
+            <a:ext cx="7392432" cy="4782217"/>
+          </a:xfrm>
+          <a:prstGeom prst="rect">
+            <a:avLst/>
+          </a:prstGeom>
+          <a:ln>
+            <a:solidFill>
+              <a:schemeClr val="tx1"/>
+            </a:solidFill>
+          </a:ln>
+        </p:spPr>
+      </p:pic>
+      <p:sp>
+        <p:nvSpPr>
+          <p:cNvPr id="4" name="Content Placeholder 2">
+            <a:extLst>
+              <a:ext uri="{FF2B5EF4-FFF2-40B4-BE49-F238E27FC236}">
+                <a16:creationId xmlns:a16="http://schemas.microsoft.com/office/drawing/2014/main" id="{744A3739-6949-FE5F-17DD-B513C52BED15}"/>
+              </a:ext>
+            </a:extLst>
+          </p:cNvPr>
+          <p:cNvSpPr txBox="1">
+            <a:spLocks/>
+          </p:cNvSpPr>
+          <p:nvPr/>
+        </p:nvSpPr>
+        <p:spPr>
+          <a:xfrm>
+            <a:off x="8991600" y="1826140"/>
+            <a:ext cx="2542167" cy="3409889"/>
+          </a:xfrm>
+          <a:prstGeom prst="rect">
+            <a:avLst/>
+          </a:prstGeom>
+          <a:solidFill>
+            <a:schemeClr val="accent4">
+              <a:lumMod val="20000"/>
+              <a:lumOff val="80000"/>
+            </a:schemeClr>
+          </a:solidFill>
+        </p:spPr>
+        <p:txBody>
+          <a:bodyPr>
+            <a:normAutofit/>
+          </a:bodyPr>
+          <a:lstStyle>
+            <a:lvl1pPr marL="228600" indent="-228600" algn="l" defTabSz="914400" rtl="0" eaLnBrk="1" latinLnBrk="0" hangingPunct="1">
+              <a:lnSpc>
+                <a:spcPct val="90000"/>
+              </a:lnSpc>
+              <a:spcBef>
+                <a:spcPts val="1000"/>
+              </a:spcBef>
+              <a:buFont typeface="Arial" panose="020B0604020202020204" pitchFamily="34" charset="0"/>
+              <a:buChar char="•"/>
+              <a:defRPr sz="2800" kern="1200">
+                <a:solidFill>
+                  <a:schemeClr val="tx1"/>
+                </a:solidFill>
+                <a:latin typeface="+mn-lt"/>
+                <a:ea typeface="+mn-ea"/>
+                <a:cs typeface="+mn-cs"/>
+              </a:defRPr>
+            </a:lvl1pPr>
+            <a:lvl2pPr marL="685800" indent="-228600" algn="l" defTabSz="914400" rtl="0" eaLnBrk="1" latinLnBrk="0" hangingPunct="1">
+              <a:lnSpc>
+                <a:spcPct val="90000"/>
+              </a:lnSpc>
+              <a:spcBef>
+                <a:spcPts val="500"/>
+              </a:spcBef>
+              <a:buFont typeface="Arial" panose="020B0604020202020204" pitchFamily="34" charset="0"/>
+              <a:buChar char="•"/>
+              <a:defRPr sz="2400" kern="1200">
+                <a:solidFill>
+                  <a:schemeClr val="tx1"/>
+                </a:solidFill>
+                <a:latin typeface="+mn-lt"/>
+                <a:ea typeface="+mn-ea"/>
+                <a:cs typeface="+mn-cs"/>
+              </a:defRPr>
+            </a:lvl2pPr>
+            <a:lvl3pPr marL="1143000" indent="-228600" algn="l" defTabSz="914400" rtl="0" eaLnBrk="1" latinLnBrk="0" hangingPunct="1">
+              <a:lnSpc>
+                <a:spcPct val="90000"/>
+              </a:lnSpc>
+              <a:spcBef>
+                <a:spcPts val="500"/>
+              </a:spcBef>
+              <a:buFont typeface="Arial" panose="020B0604020202020204" pitchFamily="34" charset="0"/>
+              <a:buChar char="•"/>
+              <a:defRPr sz="2000" kern="1200">
+                <a:solidFill>
+                  <a:schemeClr val="tx1"/>
+                </a:solidFill>
+                <a:latin typeface="+mn-lt"/>
+                <a:ea typeface="+mn-ea"/>
+                <a:cs typeface="+mn-cs"/>
+              </a:defRPr>
+            </a:lvl3pPr>
+            <a:lvl4pPr marL="1600200" indent="-228600" algn="l" defTabSz="914400" rtl="0" eaLnBrk="1" latinLnBrk="0" hangingPunct="1">
+              <a:lnSpc>
+                <a:spcPct val="90000"/>
+              </a:lnSpc>
+              <a:spcBef>
+                <a:spcPts val="500"/>
+              </a:spcBef>
+              <a:buFont typeface="Arial" panose="020B0604020202020204" pitchFamily="34" charset="0"/>
+              <a:buChar char="•"/>
+              <a:defRPr sz="1800" kern="1200">
+                <a:solidFill>
+                  <a:schemeClr val="tx1"/>
+                </a:solidFill>
+                <a:latin typeface="+mn-lt"/>
+                <a:ea typeface="+mn-ea"/>
+                <a:cs typeface="+mn-cs"/>
+              </a:defRPr>
+            </a:lvl4pPr>
+            <a:lvl5pPr marL="2057400" indent="-228600" algn="l" defTabSz="914400" rtl="0" eaLnBrk="1" latinLnBrk="0" hangingPunct="1">
+              <a:lnSpc>
+                <a:spcPct val="90000"/>
+              </a:lnSpc>
+              <a:spcBef>
+                <a:spcPts val="500"/>
+              </a:spcBef>
+              <a:buFont typeface="Arial" panose="020B0604020202020204" pitchFamily="34" charset="0"/>
+              <a:buChar char="•"/>
+              <a:defRPr sz="1800" kern="1200">
+                <a:solidFill>
+                  <a:schemeClr val="tx1"/>
+                </a:solidFill>
+                <a:latin typeface="+mn-lt"/>
+                <a:ea typeface="+mn-ea"/>
+                <a:cs typeface="+mn-cs"/>
+              </a:defRPr>
+            </a:lvl5pPr>
+            <a:lvl6pPr marL="2514600" indent="-228600" algn="l" defTabSz="914400" rtl="0" eaLnBrk="1" latinLnBrk="0" hangingPunct="1">
+              <a:lnSpc>
+                <a:spcPct val="90000"/>
+              </a:lnSpc>
+              <a:spcBef>
+                <a:spcPts val="500"/>
+              </a:spcBef>
+              <a:buFont typeface="Arial" panose="020B0604020202020204" pitchFamily="34" charset="0"/>
+              <a:buChar char="•"/>
+              <a:defRPr sz="1800" kern="1200">
+                <a:solidFill>
+                  <a:schemeClr val="tx1"/>
+                </a:solidFill>
+                <a:latin typeface="+mn-lt"/>
+                <a:ea typeface="+mn-ea"/>
+                <a:cs typeface="+mn-cs"/>
+              </a:defRPr>
+            </a:lvl6pPr>
+            <a:lvl7pPr marL="2971800" indent="-228600" algn="l" defTabSz="914400" rtl="0" eaLnBrk="1" latinLnBrk="0" hangingPunct="1">
+              <a:lnSpc>
+                <a:spcPct val="90000"/>
+              </a:lnSpc>
+              <a:spcBef>
+                <a:spcPts val="500"/>
+              </a:spcBef>
+              <a:buFont typeface="Arial" panose="020B0604020202020204" pitchFamily="34" charset="0"/>
+              <a:buChar char="•"/>
+              <a:defRPr sz="1800" kern="1200">
+                <a:solidFill>
+                  <a:schemeClr val="tx1"/>
+                </a:solidFill>
+                <a:latin typeface="+mn-lt"/>
+                <a:ea typeface="+mn-ea"/>
+                <a:cs typeface="+mn-cs"/>
+              </a:defRPr>
+            </a:lvl7pPr>
+            <a:lvl8pPr marL="3429000" indent="-228600" algn="l" defTabSz="914400" rtl="0" eaLnBrk="1" latinLnBrk="0" hangingPunct="1">
+              <a:lnSpc>
+                <a:spcPct val="90000"/>
+              </a:lnSpc>
+              <a:spcBef>
+                <a:spcPts val="500"/>
+              </a:spcBef>
+              <a:buFont typeface="Arial" panose="020B0604020202020204" pitchFamily="34" charset="0"/>
+              <a:buChar char="•"/>
+              <a:defRPr sz="1800" kern="1200">
+                <a:solidFill>
+                  <a:schemeClr val="tx1"/>
+                </a:solidFill>
+                <a:latin typeface="+mn-lt"/>
+                <a:ea typeface="+mn-ea"/>
+                <a:cs typeface="+mn-cs"/>
+              </a:defRPr>
+            </a:lvl8pPr>
+            <a:lvl9pPr marL="3886200" indent="-228600" algn="l" defTabSz="914400" rtl="0" eaLnBrk="1" latinLnBrk="0" hangingPunct="1">
+              <a:lnSpc>
+                <a:spcPct val="90000"/>
+              </a:lnSpc>
+              <a:spcBef>
+                <a:spcPts val="500"/>
+              </a:spcBef>
+              <a:buFont typeface="Arial" panose="020B0604020202020204" pitchFamily="34" charset="0"/>
+              <a:buChar char="•"/>
+              <a:defRPr sz="1800" kern="1200">
+                <a:solidFill>
+                  <a:schemeClr val="tx1"/>
+                </a:solidFill>
+                <a:latin typeface="+mn-lt"/>
+                <a:ea typeface="+mn-ea"/>
+                <a:cs typeface="+mn-cs"/>
+              </a:defRPr>
+            </a:lvl9pPr>
+          </a:lstStyle>
+          <a:p>
+            <a:pPr marL="0" indent="0">
+              <a:buFont typeface="Arial" panose="020B0604020202020204" pitchFamily="34" charset="0"/>
+              <a:buNone/>
+            </a:pPr>
+            <a:r>
+              <a:rPr lang="en-US" sz="2000" dirty="0"/>
+              <a:t>“But I thought subclasses </a:t>
+            </a:r>
+            <a:r>
+              <a:rPr lang="en-US" sz="2000" b="1" dirty="0"/>
+              <a:t>inherit</a:t>
+            </a:r>
+            <a:r>
+              <a:rPr lang="en-US" sz="2000" dirty="0"/>
+              <a:t> the fields of their superclass?”</a:t>
+            </a:r>
+          </a:p>
+          <a:p>
+            <a:pPr marL="0" indent="0">
+              <a:buFont typeface="Arial" panose="020B0604020202020204" pitchFamily="34" charset="0"/>
+              <a:buNone/>
+            </a:pPr>
+            <a:endParaRPr lang="en-US" sz="2000" dirty="0"/>
+          </a:p>
+          <a:p>
+            <a:pPr marL="0" indent="0">
+              <a:buFont typeface="Arial" panose="020B0604020202020204" pitchFamily="34" charset="0"/>
+              <a:buNone/>
+            </a:pPr>
+            <a:r>
+              <a:rPr lang="en-US" sz="2000" dirty="0"/>
+              <a:t>Private fields are inherited, but not directly accessible. </a:t>
+            </a:r>
+          </a:p>
+        </p:txBody>
+      </p:sp>
+    </p:spTree>
+    <p:extLst>
+      <p:ext uri="{BB962C8B-B14F-4D97-AF65-F5344CB8AC3E}">
+        <p14:creationId xmlns:p14="http://schemas.microsoft.com/office/powerpoint/2010/main" val="1371486405"/>
+      </p:ext>
+    </p:extLst>
+  </p:cSld>
+  <p:clrMapOvr>
+    <a:masterClrMapping/>
+  </p:clrMapOvr>
+  <p:timing>
+    <p:tnLst>
+      <p:par>
+        <p:cTn id="1" dur="indefinite" restart="never" nodeType="tmRoot">
+          <p:childTnLst>
+            <p:seq concurrent="1" nextAc="seek">
+              <p:cTn id="2" dur="indefinite" nodeType="mainSeq">
+                <p:childTnLst>
+                  <p:par>
+                    <p:cTn id="3" fill="hold">
+                      <p:stCondLst>
+                        <p:cond delay="indefinite"/>
+                      </p:stCondLst>
+                      <p:childTnLst>
+                        <p:par>
+                          <p:cTn id="4" fill="hold">
+                            <p:stCondLst>
+                              <p:cond delay="0"/>
+                            </p:stCondLst>
+                            <p:childTnLst>
+                              <p:par>
+                                <p:cTn id="5" presetID="1" presetClass="entr" presetSubtype="0" fill="hold" grpId="0" nodeType="clickEffect">
+                                  <p:stCondLst>
+                                    <p:cond delay="0"/>
+                                  </p:stCondLst>
+                                  <p:childTnLst>
+                                    <p:set>
+                                      <p:cBhvr>
+                                        <p:cTn id="6" dur="1" fill="hold">
+                                          <p:stCondLst>
+                                            <p:cond delay="0"/>
+                                          </p:stCondLst>
+                                        </p:cTn>
+                                        <p:tgtEl>
+                                          <p:spTgt spid="4"/>
+                                        </p:tgtEl>
+                                        <p:attrNameLst>
+                                          <p:attrName>style.visibility</p:attrName>
+                                        </p:attrNameLst>
+                                      </p:cBhvr>
+                                      <p:to>
+                                        <p:strVal val="visible"/>
+                                      </p:to>
+                                    </p:set>
+                                  </p:childTnLst>
+                                </p:cTn>
+                              </p:par>
+                            </p:childTnLst>
+                          </p:cTn>
+                        </p:par>
+                      </p:childTnLst>
+                    </p:cTn>
+                  </p:par>
+                </p:childTnLst>
+              </p:cTn>
+              <p:prevCondLst>
+                <p:cond evt="onPrev" delay="0">
+                  <p:tgtEl>
+                    <p:sldTgt/>
+                  </p:tgtEl>
+                </p:cond>
+              </p:prevCondLst>
+              <p:nextCondLst>
+                <p:cond evt="onNext" delay="0">
+                  <p:tgtEl>
+                    <p:sldTgt/>
+                  </p:tgtEl>
+                </p:cond>
+              </p:nextCondLst>
+            </p:seq>
+          </p:childTnLst>
+        </p:cTn>
+      </p:par>
+    </p:tnLst>
+    <p:bldLst>
+      <p:bldP spid="4" grpId="0" animBg="1"/>
+    </p:bldLst>
+  </p:timing>
+</p:sld>
+</file>
+
+<file path=ppt/slides/slide12.xml><?xml version="1.0" encoding="utf-8"?>
+<p:sld xmlns:a="http://schemas.openxmlformats.org/drawingml/2006/main" xmlns:r="http://schemas.openxmlformats.org/officeDocument/2006/relationships" xmlns:p="http://schemas.openxmlformats.org/presentationml/2006/main">
+  <p:cSld>
+    <p:spTree>
+      <p:nvGrpSpPr>
+        <p:cNvPr id="1" name="">
+          <a:extLst>
+            <a:ext uri="{FF2B5EF4-FFF2-40B4-BE49-F238E27FC236}">
+              <a16:creationId xmlns:a16="http://schemas.microsoft.com/office/drawing/2014/main" id="{474FA0A5-9792-6F89-182F-95CEC1342E57}"/>
+            </a:ext>
+          </a:extLst>
+        </p:cNvPr>
+        <p:cNvGrpSpPr/>
+        <p:nvPr/>
+      </p:nvGrpSpPr>
+      <p:grpSpPr>
+        <a:xfrm>
+          <a:off x="0" y="0"/>
+          <a:ext cx="0" cy="0"/>
+          <a:chOff x="0" y="0"/>
+          <a:chExt cx="0" cy="0"/>
+        </a:xfrm>
+      </p:grpSpPr>
+      <p:pic>
+        <p:nvPicPr>
+          <p:cNvPr id="4" name="Picture 3">
+            <a:extLst>
+              <a:ext uri="{FF2B5EF4-FFF2-40B4-BE49-F238E27FC236}">
+                <a16:creationId xmlns:a16="http://schemas.microsoft.com/office/drawing/2014/main" id="{8D17A7E2-D5A7-A5FD-C009-2419E823F223}"/>
+              </a:ext>
+            </a:extLst>
+          </p:cNvPr>
+          <p:cNvPicPr>
+            <a:picLocks noChangeAspect="1"/>
+          </p:cNvPicPr>
+          <p:nvPr/>
+        </p:nvPicPr>
+        <p:blipFill>
+          <a:blip r:embed="rId3"/>
+          <a:stretch>
+            <a:fillRect/>
+          </a:stretch>
+        </p:blipFill>
+        <p:spPr>
+          <a:xfrm>
+            <a:off x="921296" y="995023"/>
+            <a:ext cx="8411749" cy="4867954"/>
+          </a:xfrm>
+          <a:prstGeom prst="rect">
+            <a:avLst/>
+          </a:prstGeom>
+          <a:ln>
+            <a:solidFill>
+              <a:schemeClr val="tx1"/>
+            </a:solidFill>
+          </a:ln>
+        </p:spPr>
+      </p:pic>
+      <p:pic>
+        <p:nvPicPr>
+          <p:cNvPr id="5" name="Picture 2" descr="JGrasp icon in iOS Style">
+            <a:extLst>
+              <a:ext uri="{FF2B5EF4-FFF2-40B4-BE49-F238E27FC236}">
+                <a16:creationId xmlns:a16="http://schemas.microsoft.com/office/drawing/2014/main" id="{A81D25A1-2059-E203-9873-07A5995D61B5}"/>
+              </a:ext>
+            </a:extLst>
+          </p:cNvPr>
+          <p:cNvPicPr>
+            <a:picLocks noChangeAspect="1" noChangeArrowheads="1"/>
+          </p:cNvPicPr>
+          <p:nvPr/>
+        </p:nvPicPr>
+        <p:blipFill>
+          <a:blip r:embed="rId4">
+            <a:extLst>
+              <a:ext uri="{28A0092B-C50C-407E-A947-70E740481C1C}">
+                <a14:useLocalDpi xmlns:a14="http://schemas.microsoft.com/office/drawing/2010/main" val="0"/>
+              </a:ext>
+            </a:extLst>
+          </a:blip>
+          <a:srcRect/>
+          <a:stretch>
+            <a:fillRect/>
+          </a:stretch>
+        </p:blipFill>
+        <p:spPr bwMode="auto">
+          <a:xfrm>
+            <a:off x="10778674" y="5431971"/>
+            <a:ext cx="1211942" cy="1211942"/>
+          </a:xfrm>
+          <a:prstGeom prst="rect">
+            <a:avLst/>
+          </a:prstGeom>
+          <a:noFill/>
+          <a:extLst>
+            <a:ext uri="{909E8E84-426E-40DD-AFC4-6F175D3DCCD1}">
+              <a14:hiddenFill xmlns:a14="http://schemas.microsoft.com/office/drawing/2010/main">
+                <a:solidFill>
+                  <a:srgbClr val="FFFFFF"/>
+                </a:solidFill>
+              </a14:hiddenFill>
+            </a:ext>
+          </a:extLst>
+        </p:spPr>
+      </p:pic>
+    </p:spTree>
+    <p:extLst>
+      <p:ext uri="{BB962C8B-B14F-4D97-AF65-F5344CB8AC3E}">
+        <p14:creationId xmlns:p14="http://schemas.microsoft.com/office/powerpoint/2010/main" val="2628866707"/>
+      </p:ext>
+    </p:extLst>
+  </p:cSld>
+  <p:clrMapOvr>
+    <a:masterClrMapping/>
+  </p:clrMapOvr>
+</p:sld>
+</file>
+
+<file path=ppt/slides/slide13.xml><?xml version="1.0" encoding="utf-8"?>
+<p:sld xmlns:a="http://schemas.openxmlformats.org/drawingml/2006/main" xmlns:r="http://schemas.openxmlformats.org/officeDocument/2006/relationships" xmlns:p="http://schemas.openxmlformats.org/presentationml/2006/main">
+  <p:cSld>
+    <p:spTree>
+      <p:nvGrpSpPr>
+        <p:cNvPr id="1" name="">
+          <a:extLst>
+            <a:ext uri="{FF2B5EF4-FFF2-40B4-BE49-F238E27FC236}">
+              <a16:creationId xmlns:a16="http://schemas.microsoft.com/office/drawing/2014/main" id="{B3664197-0980-25B8-2263-19991B3F9636}"/>
+            </a:ext>
+          </a:extLst>
+        </p:cNvPr>
+        <p:cNvGrpSpPr/>
+        <p:nvPr/>
+      </p:nvGrpSpPr>
+      <p:grpSpPr>
+        <a:xfrm>
+          <a:off x="0" y="0"/>
+          <a:ext cx="0" cy="0"/>
+          <a:chOff x="0" y="0"/>
+          <a:chExt cx="0" cy="0"/>
+        </a:xfrm>
+      </p:grpSpPr>
+      <p:pic>
+        <p:nvPicPr>
+          <p:cNvPr id="8" name="Picture 7">
+            <a:extLst>
+              <a:ext uri="{FF2B5EF4-FFF2-40B4-BE49-F238E27FC236}">
+                <a16:creationId xmlns:a16="http://schemas.microsoft.com/office/drawing/2014/main" id="{D18CDE4E-8B2A-4A57-2171-88E5F7091E62}"/>
+              </a:ext>
+            </a:extLst>
+          </p:cNvPr>
+          <p:cNvPicPr>
+            <a:picLocks noChangeAspect="1"/>
+          </p:cNvPicPr>
+          <p:nvPr/>
+        </p:nvPicPr>
+        <p:blipFill>
+          <a:blip r:embed="rId3"/>
+          <a:stretch>
+            <a:fillRect/>
+          </a:stretch>
+        </p:blipFill>
+        <p:spPr>
+          <a:xfrm>
+            <a:off x="1248620" y="835026"/>
+            <a:ext cx="9908917" cy="5705474"/>
+          </a:xfrm>
+          <a:prstGeom prst="rect">
+            <a:avLst/>
+          </a:prstGeom>
+        </p:spPr>
+      </p:pic>
+      <p:sp>
+        <p:nvSpPr>
+          <p:cNvPr id="9" name="Rectangle 8">
+            <a:extLst>
+              <a:ext uri="{FF2B5EF4-FFF2-40B4-BE49-F238E27FC236}">
+                <a16:creationId xmlns:a16="http://schemas.microsoft.com/office/drawing/2014/main" id="{98CFFCD1-F902-A729-7118-C24C080B86A3}"/>
+              </a:ext>
+            </a:extLst>
+          </p:cNvPr>
+          <p:cNvSpPr/>
+          <p:nvPr/>
+        </p:nvSpPr>
+        <p:spPr>
+          <a:xfrm>
+            <a:off x="10753677" y="723900"/>
+            <a:ext cx="807720" cy="975470"/>
+          </a:xfrm>
+          <a:prstGeom prst="rect">
+            <a:avLst/>
+          </a:prstGeom>
+          <a:solidFill>
+            <a:schemeClr val="bg1"/>
+          </a:solidFill>
+          <a:ln>
+            <a:solidFill>
+              <a:schemeClr val="bg1"/>
+            </a:solidFill>
+          </a:ln>
+        </p:spPr>
+        <p:style>
+          <a:lnRef idx="2">
+            <a:schemeClr val="accent1">
+              <a:shade val="15000"/>
+            </a:schemeClr>
+          </a:lnRef>
+          <a:fillRef idx="1">
+            <a:schemeClr val="accent1"/>
+          </a:fillRef>
+          <a:effectRef idx="0">
+            <a:schemeClr val="accent1"/>
+          </a:effectRef>
+          <a:fontRef idx="minor">
+            <a:schemeClr val="lt1"/>
+          </a:fontRef>
+        </p:style>
+        <p:txBody>
+          <a:bodyPr rtlCol="0" anchor="ctr"/>
+          <a:lstStyle/>
+          <a:p>
+            <a:pPr algn="ctr"/>
+            <a:endParaRPr lang="en-US"/>
+          </a:p>
+        </p:txBody>
+      </p:sp>
+    </p:spTree>
+    <p:extLst>
+      <p:ext uri="{BB962C8B-B14F-4D97-AF65-F5344CB8AC3E}">
+        <p14:creationId xmlns:p14="http://schemas.microsoft.com/office/powerpoint/2010/main" val="3468859089"/>
       </p:ext>
     </p:extLst>
   </p:cSld>

--- a/Unit 9/CSA Unit 9 Slides.pptx
+++ b/Unit 9/CSA Unit 9 Slides.pptx
@@ -5,22 +5,32 @@
     <p:sldMasterId id="2147483648" r:id="rId4"/>
   </p:sldMasterIdLst>
   <p:notesMasterIdLst>
-    <p:notesMasterId r:id="rId18"/>
+    <p:notesMasterId r:id="rId28"/>
   </p:notesMasterIdLst>
   <p:sldIdLst>
     <p:sldId id="260" r:id="rId5"/>
     <p:sldId id="278" r:id="rId6"/>
     <p:sldId id="279" r:id="rId7"/>
-    <p:sldId id="281" r:id="rId8"/>
-    <p:sldId id="280" r:id="rId9"/>
-    <p:sldId id="282" r:id="rId10"/>
-    <p:sldId id="284" r:id="rId11"/>
-    <p:sldId id="285" r:id="rId12"/>
-    <p:sldId id="286" r:id="rId13"/>
-    <p:sldId id="287" r:id="rId14"/>
-    <p:sldId id="288" r:id="rId15"/>
-    <p:sldId id="289" r:id="rId16"/>
-    <p:sldId id="290" r:id="rId17"/>
+    <p:sldId id="393" r:id="rId8"/>
+    <p:sldId id="281" r:id="rId9"/>
+    <p:sldId id="280" r:id="rId10"/>
+    <p:sldId id="282" r:id="rId11"/>
+    <p:sldId id="284" r:id="rId12"/>
+    <p:sldId id="285" r:id="rId13"/>
+    <p:sldId id="390" r:id="rId14"/>
+    <p:sldId id="286" r:id="rId15"/>
+    <p:sldId id="287" r:id="rId16"/>
+    <p:sldId id="288" r:id="rId17"/>
+    <p:sldId id="289" r:id="rId18"/>
+    <p:sldId id="290" r:id="rId19"/>
+    <p:sldId id="391" r:id="rId20"/>
+    <p:sldId id="394" r:id="rId21"/>
+    <p:sldId id="392" r:id="rId22"/>
+    <p:sldId id="395" r:id="rId23"/>
+    <p:sldId id="396" r:id="rId24"/>
+    <p:sldId id="398" r:id="rId25"/>
+    <p:sldId id="397" r:id="rId26"/>
+    <p:sldId id="399" r:id="rId27"/>
   </p:sldIdLst>
   <p:sldSz cx="12192000" cy="6858000"/>
   <p:notesSz cx="6985000" cy="9283700"/>
@@ -130,7 +140,7 @@
 <file path=ppt/revisionInfo.xml><?xml version="1.0" encoding="utf-8"?>
 <p1510:revInfo xmlns:a="http://schemas.openxmlformats.org/drawingml/2006/main" xmlns:r="http://schemas.openxmlformats.org/officeDocument/2006/relationships" xmlns:p1510="http://schemas.microsoft.com/office/powerpoint/2015/10/main">
   <p1510:revLst>
-    <p1510:client id="{451887D7-4DE8-4601-9A6D-EB878BBD9779}" v="26" dt="2025-03-17T13:19:55.272"/>
+    <p1510:client id="{451887D7-4DE8-4601-9A6D-EB878BBD9779}" v="47" dt="2025-03-19T15:27:01.370"/>
   </p1510:revLst>
 </p1510:revInfo>
 </file>
@@ -140,7 +150,7 @@
   <pc:docChgLst>
     <pc:chgData name="Gabrielle Baniqued" userId="b7b29740-ab9b-4aa9-bebc-9458da6d998b" providerId="ADAL" clId="{26C39AAE-324E-4D1C-89D4-5E27DB135D31}"/>
     <pc:docChg chg="custSel modSld">
-      <pc:chgData name="Gabrielle Baniqued" userId="b7b29740-ab9b-4aa9-bebc-9458da6d998b" providerId="ADAL" clId="{26C39AAE-324E-4D1C-89D4-5E27DB135D31}" dt="2025-03-13T16:14:26.240" v="1" actId="478"/>
+      <pc:chgData name="Gabrielle Baniqued" userId="b7b29740-ab9b-4aa9-bebc-9458da6d998b" providerId="ADAL" clId="{26C39AAE-324E-4D1C-89D4-5E27DB135D31}" dt="2025-03-17T15:50:31.983" v="29"/>
       <pc:docMkLst>
         <pc:docMk/>
       </pc:docMkLst>
@@ -151,17 +161,99 @@
           <pc:sldMk cId="2151108158" sldId="282"/>
         </pc:sldMkLst>
       </pc:sldChg>
+      <pc:sldChg chg="addSp">
+        <pc:chgData name="Gabrielle Baniqued" userId="b7b29740-ab9b-4aa9-bebc-9458da6d998b" providerId="ADAL" clId="{26C39AAE-324E-4D1C-89D4-5E27DB135D31}" dt="2025-03-17T15:44:02.677" v="27"/>
+        <pc:sldMkLst>
+          <pc:docMk/>
+          <pc:sldMk cId="174201329" sldId="286"/>
+        </pc:sldMkLst>
+        <pc:inkChg chg="add">
+          <ac:chgData name="Gabrielle Baniqued" userId="b7b29740-ab9b-4aa9-bebc-9458da6d998b" providerId="ADAL" clId="{26C39AAE-324E-4D1C-89D4-5E27DB135D31}" dt="2025-03-17T15:44:02.677" v="27"/>
+          <ac:inkMkLst>
+            <pc:docMk/>
+            <pc:sldMk cId="174201329" sldId="286"/>
+            <ac:inkMk id="2" creationId="{31666257-3201-7637-F010-6629EBE5B943}"/>
+          </ac:inkMkLst>
+        </pc:inkChg>
+      </pc:sldChg>
+      <pc:sldChg chg="addSp">
+        <pc:chgData name="Gabrielle Baniqued" userId="b7b29740-ab9b-4aa9-bebc-9458da6d998b" providerId="ADAL" clId="{26C39AAE-324E-4D1C-89D4-5E27DB135D31}" dt="2025-03-17T15:50:31.983" v="29"/>
+        <pc:sldMkLst>
+          <pc:docMk/>
+          <pc:sldMk cId="481567322" sldId="287"/>
+        </pc:sldMkLst>
+      </pc:sldChg>
+      <pc:sldChg chg="addSp">
+        <pc:chgData name="Gabrielle Baniqued" userId="b7b29740-ab9b-4aa9-bebc-9458da6d998b" providerId="ADAL" clId="{26C39AAE-324E-4D1C-89D4-5E27DB135D31}" dt="2025-03-17T15:50:31.983" v="29"/>
+        <pc:sldMkLst>
+          <pc:docMk/>
+          <pc:sldMk cId="1371486405" sldId="288"/>
+        </pc:sldMkLst>
+        <pc:inkChg chg="add">
+          <ac:chgData name="Gabrielle Baniqued" userId="b7b29740-ab9b-4aa9-bebc-9458da6d998b" providerId="ADAL" clId="{26C39AAE-324E-4D1C-89D4-5E27DB135D31}" dt="2025-03-17T15:50:31.983" v="29"/>
+          <ac:inkMkLst>
+            <pc:docMk/>
+            <pc:sldMk cId="1371486405" sldId="288"/>
+            <ac:inkMk id="2" creationId="{9BA6464F-B423-86C1-8106-36E8540DCAAE}"/>
+          </ac:inkMkLst>
+        </pc:inkChg>
+      </pc:sldChg>
+      <pc:sldChg chg="modSp mod">
+        <pc:chgData name="Gabrielle Baniqued" userId="b7b29740-ab9b-4aa9-bebc-9458da6d998b" providerId="ADAL" clId="{26C39AAE-324E-4D1C-89D4-5E27DB135D31}" dt="2025-03-17T15:38:06.341" v="26" actId="20577"/>
+        <pc:sldMkLst>
+          <pc:docMk/>
+          <pc:sldMk cId="2753895041" sldId="390"/>
+        </pc:sldMkLst>
+        <pc:spChg chg="mod">
+          <ac:chgData name="Gabrielle Baniqued" userId="b7b29740-ab9b-4aa9-bebc-9458da6d998b" providerId="ADAL" clId="{26C39AAE-324E-4D1C-89D4-5E27DB135D31}" dt="2025-03-17T15:38:06.341" v="26" actId="20577"/>
+          <ac:spMkLst>
+            <pc:docMk/>
+            <pc:sldMk cId="2753895041" sldId="390"/>
+            <ac:spMk id="4" creationId="{FDD0D521-6AA6-2535-B6A6-2FDC630C2F1C}"/>
+          </ac:spMkLst>
+        </pc:spChg>
+      </pc:sldChg>
     </pc:docChg>
   </pc:docChgLst>
   <pc:docChgLst>
     <pc:chgData name="Gabrielle Baniqued" userId="b7b29740-ab9b-4aa9-bebc-9458da6d998b" providerId="ADAL" clId="{451887D7-4DE8-4601-9A6D-EB878BBD9779}"/>
     <pc:docChg chg="undo custSel addSld modSld">
-      <pc:chgData name="Gabrielle Baniqued" userId="b7b29740-ab9b-4aa9-bebc-9458da6d998b" providerId="ADAL" clId="{451887D7-4DE8-4601-9A6D-EB878BBD9779}" dt="2025-03-17T13:20:08.947" v="1228" actId="20577"/>
+      <pc:chgData name="Gabrielle Baniqued" userId="b7b29740-ab9b-4aa9-bebc-9458da6d998b" providerId="ADAL" clId="{451887D7-4DE8-4601-9A6D-EB878BBD9779}" dt="2025-03-19T15:34:26.094" v="3673" actId="20577"/>
       <pc:docMkLst>
         <pc:docMk/>
       </pc:docMkLst>
+      <pc:sldChg chg="modSp mod">
+        <pc:chgData name="Gabrielle Baniqued" userId="b7b29740-ab9b-4aa9-bebc-9458da6d998b" providerId="ADAL" clId="{451887D7-4DE8-4601-9A6D-EB878BBD9779}" dt="2025-03-19T15:19:24.884" v="3174"/>
+        <pc:sldMkLst>
+          <pc:docMk/>
+          <pc:sldMk cId="1002244035" sldId="281"/>
+        </pc:sldMkLst>
+        <pc:spChg chg="mod">
+          <ac:chgData name="Gabrielle Baniqued" userId="b7b29740-ab9b-4aa9-bebc-9458da6d998b" providerId="ADAL" clId="{451887D7-4DE8-4601-9A6D-EB878BBD9779}" dt="2025-03-19T15:19:24.884" v="3174"/>
+          <ac:spMkLst>
+            <pc:docMk/>
+            <pc:sldMk cId="1002244035" sldId="281"/>
+            <ac:spMk id="3" creationId="{693B4AED-F2FC-1E4C-D25E-5A7881926903}"/>
+          </ac:spMkLst>
+        </pc:spChg>
+      </pc:sldChg>
+      <pc:sldChg chg="modSp mod">
+        <pc:chgData name="Gabrielle Baniqued" userId="b7b29740-ab9b-4aa9-bebc-9458da6d998b" providerId="ADAL" clId="{451887D7-4DE8-4601-9A6D-EB878BBD9779}" dt="2025-03-19T15:19:24.884" v="3174"/>
+        <pc:sldMkLst>
+          <pc:docMk/>
+          <pc:sldMk cId="174201329" sldId="286"/>
+        </pc:sldMkLst>
+        <pc:spChg chg="mod">
+          <ac:chgData name="Gabrielle Baniqued" userId="b7b29740-ab9b-4aa9-bebc-9458da6d998b" providerId="ADAL" clId="{451887D7-4DE8-4601-9A6D-EB878BBD9779}" dt="2025-03-19T15:19:24.884" v="3174"/>
+          <ac:spMkLst>
+            <pc:docMk/>
+            <pc:sldMk cId="174201329" sldId="286"/>
+            <ac:spMk id="5" creationId="{854C07DF-04E6-989A-A5F8-DD99E84F6881}"/>
+          </ac:spMkLst>
+        </pc:spChg>
+      </pc:sldChg>
       <pc:sldChg chg="addSp delSp modSp add mod modNotesTx">
-        <pc:chgData name="Gabrielle Baniqued" userId="b7b29740-ab9b-4aa9-bebc-9458da6d998b" providerId="ADAL" clId="{451887D7-4DE8-4601-9A6D-EB878BBD9779}" dt="2025-03-17T12:51:49.477" v="797" actId="1076"/>
+        <pc:chgData name="Gabrielle Baniqued" userId="b7b29740-ab9b-4aa9-bebc-9458da6d998b" providerId="ADAL" clId="{451887D7-4DE8-4601-9A6D-EB878BBD9779}" dt="2025-03-19T12:34:29.723" v="1630" actId="478"/>
         <pc:sldMkLst>
           <pc:docMk/>
           <pc:sldMk cId="481567322" sldId="287"/>
@@ -190,22 +282,6 @@
             <ac:spMk id="8" creationId="{55CDFDD1-31FD-FC4C-DCFF-9377F8ADF381}"/>
           </ac:spMkLst>
         </pc:spChg>
-        <pc:spChg chg="del mod">
-          <ac:chgData name="Gabrielle Baniqued" userId="b7b29740-ab9b-4aa9-bebc-9458da6d998b" providerId="ADAL" clId="{451887D7-4DE8-4601-9A6D-EB878BBD9779}" dt="2025-03-17T12:25:59.453" v="58" actId="478"/>
-          <ac:spMkLst>
-            <pc:docMk/>
-            <pc:sldMk cId="481567322" sldId="287"/>
-            <ac:spMk id="9" creationId="{2613B723-2957-D841-0765-D392C83055CC}"/>
-          </ac:spMkLst>
-        </pc:spChg>
-        <pc:picChg chg="del">
-          <ac:chgData name="Gabrielle Baniqued" userId="b7b29740-ab9b-4aa9-bebc-9458da6d998b" providerId="ADAL" clId="{451887D7-4DE8-4601-9A6D-EB878BBD9779}" dt="2025-03-17T12:22:53.509" v="32" actId="478"/>
-          <ac:picMkLst>
-            <pc:docMk/>
-            <pc:sldMk cId="481567322" sldId="287"/>
-            <ac:picMk id="3" creationId="{9CA112FA-D455-D5D3-C9B0-0AA5EFA87C60}"/>
-          </ac:picMkLst>
-        </pc:picChg>
         <pc:picChg chg="add mod">
           <ac:chgData name="Gabrielle Baniqued" userId="b7b29740-ab9b-4aa9-bebc-9458da6d998b" providerId="ADAL" clId="{451887D7-4DE8-4601-9A6D-EB878BBD9779}" dt="2025-03-17T12:51:49.477" v="797" actId="1076"/>
           <ac:picMkLst>
@@ -222,6 +298,30 @@
             <ac:picMk id="1026" creationId="{A521E497-3006-C355-F393-3365CF285E9D}"/>
           </ac:picMkLst>
         </pc:picChg>
+        <pc:inkChg chg="add del">
+          <ac:chgData name="Gabrielle Baniqued" userId="b7b29740-ab9b-4aa9-bebc-9458da6d998b" providerId="ADAL" clId="{451887D7-4DE8-4601-9A6D-EB878BBD9779}" dt="2025-03-19T12:34:29.219" v="1629" actId="478"/>
+          <ac:inkMkLst>
+            <pc:docMk/>
+            <pc:sldMk cId="481567322" sldId="287"/>
+            <ac:inkMk id="2" creationId="{5911527A-FD90-61AA-4041-D8A9EFA0E2F8}"/>
+          </ac:inkMkLst>
+        </pc:inkChg>
+        <pc:inkChg chg="del">
+          <ac:chgData name="Gabrielle Baniqued" userId="b7b29740-ab9b-4aa9-bebc-9458da6d998b" providerId="ADAL" clId="{451887D7-4DE8-4601-9A6D-EB878BBD9779}" dt="2025-03-19T12:34:28.494" v="1628" actId="478"/>
+          <ac:inkMkLst>
+            <pc:docMk/>
+            <pc:sldMk cId="481567322" sldId="287"/>
+            <ac:inkMk id="3" creationId="{4D286D8C-0529-BF3A-2109-9B3F64CDAB13}"/>
+          </ac:inkMkLst>
+        </pc:inkChg>
+        <pc:inkChg chg="del">
+          <ac:chgData name="Gabrielle Baniqued" userId="b7b29740-ab9b-4aa9-bebc-9458da6d998b" providerId="ADAL" clId="{451887D7-4DE8-4601-9A6D-EB878BBD9779}" dt="2025-03-19T12:34:29.723" v="1630" actId="478"/>
+          <ac:inkMkLst>
+            <pc:docMk/>
+            <pc:sldMk cId="481567322" sldId="287"/>
+            <ac:inkMk id="7" creationId="{7F2E2F97-3A1A-4B75-B1A3-5FFEB412ACED}"/>
+          </ac:inkMkLst>
+        </pc:inkChg>
       </pc:sldChg>
       <pc:sldChg chg="addSp modSp new mod modAnim modNotesTx">
         <pc:chgData name="Gabrielle Baniqued" userId="b7b29740-ab9b-4aa9-bebc-9458da6d998b" providerId="ADAL" clId="{451887D7-4DE8-4601-9A6D-EB878BBD9779}" dt="2025-03-17T13:19:55.272" v="1189"/>
@@ -252,14 +352,6 @@
           <pc:docMk/>
           <pc:sldMk cId="2628866707" sldId="289"/>
         </pc:sldMkLst>
-        <pc:picChg chg="del">
-          <ac:chgData name="Gabrielle Baniqued" userId="b7b29740-ab9b-4aa9-bebc-9458da6d998b" providerId="ADAL" clId="{451887D7-4DE8-4601-9A6D-EB878BBD9779}" dt="2025-03-17T12:44:48.495" v="790" actId="478"/>
-          <ac:picMkLst>
-            <pc:docMk/>
-            <pc:sldMk cId="2628866707" sldId="289"/>
-            <ac:picMk id="3" creationId="{3EDAD056-8485-C673-E665-720648C34A35}"/>
-          </ac:picMkLst>
-        </pc:picChg>
         <pc:picChg chg="add mod">
           <ac:chgData name="Gabrielle Baniqued" userId="b7b29740-ab9b-4aa9-bebc-9458da6d998b" providerId="ADAL" clId="{451887D7-4DE8-4601-9A6D-EB878BBD9779}" dt="2025-03-17T12:45:00.926" v="793" actId="1076"/>
           <ac:picMkLst>
@@ -284,9 +376,437 @@
           <pc:sldMk cId="3468859089" sldId="290"/>
         </pc:sldMkLst>
       </pc:sldChg>
+      <pc:sldChg chg="modSp add mod">
+        <pc:chgData name="Gabrielle Baniqued" userId="b7b29740-ab9b-4aa9-bebc-9458da6d998b" providerId="ADAL" clId="{451887D7-4DE8-4601-9A6D-EB878BBD9779}" dt="2025-03-19T15:19:24.884" v="3174"/>
+        <pc:sldMkLst>
+          <pc:docMk/>
+          <pc:sldMk cId="2753895041" sldId="390"/>
+        </pc:sldMkLst>
+        <pc:spChg chg="mod">
+          <ac:chgData name="Gabrielle Baniqued" userId="b7b29740-ab9b-4aa9-bebc-9458da6d998b" providerId="ADAL" clId="{451887D7-4DE8-4601-9A6D-EB878BBD9779}" dt="2025-03-19T15:19:24.884" v="3174"/>
+          <ac:spMkLst>
+            <pc:docMk/>
+            <pc:sldMk cId="2753895041" sldId="390"/>
+            <ac:spMk id="2" creationId="{45FE72FA-D51A-71F5-ADDC-801375FE3D2E}"/>
+          </ac:spMkLst>
+        </pc:spChg>
+        <pc:spChg chg="mod">
+          <ac:chgData name="Gabrielle Baniqued" userId="b7b29740-ab9b-4aa9-bebc-9458da6d998b" providerId="ADAL" clId="{451887D7-4DE8-4601-9A6D-EB878BBD9779}" dt="2025-03-19T15:19:24.884" v="3174"/>
+          <ac:spMkLst>
+            <pc:docMk/>
+            <pc:sldMk cId="2753895041" sldId="390"/>
+            <ac:spMk id="3" creationId="{B2B5D85A-CE58-4D93-BED6-C0E9E7B18D66}"/>
+          </ac:spMkLst>
+        </pc:spChg>
+        <pc:spChg chg="mod">
+          <ac:chgData name="Gabrielle Baniqued" userId="b7b29740-ab9b-4aa9-bebc-9458da6d998b" providerId="ADAL" clId="{451887D7-4DE8-4601-9A6D-EB878BBD9779}" dt="2025-03-19T15:19:24.884" v="3174"/>
+          <ac:spMkLst>
+            <pc:docMk/>
+            <pc:sldMk cId="2753895041" sldId="390"/>
+            <ac:spMk id="4" creationId="{FDD0D521-6AA6-2535-B6A6-2FDC630C2F1C}"/>
+          </ac:spMkLst>
+        </pc:spChg>
+      </pc:sldChg>
+      <pc:sldChg chg="delSp modSp add mod">
+        <pc:chgData name="Gabrielle Baniqued" userId="b7b29740-ab9b-4aa9-bebc-9458da6d998b" providerId="ADAL" clId="{451887D7-4DE8-4601-9A6D-EB878BBD9779}" dt="2025-03-19T15:19:24.884" v="3174"/>
+        <pc:sldMkLst>
+          <pc:docMk/>
+          <pc:sldMk cId="3050173585" sldId="391"/>
+        </pc:sldMkLst>
+        <pc:spChg chg="mod">
+          <ac:chgData name="Gabrielle Baniqued" userId="b7b29740-ab9b-4aa9-bebc-9458da6d998b" providerId="ADAL" clId="{451887D7-4DE8-4601-9A6D-EB878BBD9779}" dt="2025-03-19T12:41:29.627" v="1694" actId="20577"/>
+          <ac:spMkLst>
+            <pc:docMk/>
+            <pc:sldMk cId="3050173585" sldId="391"/>
+            <ac:spMk id="2" creationId="{173C16B9-A279-8905-8119-2B4964B55A3A}"/>
+          </ac:spMkLst>
+        </pc:spChg>
+        <pc:spChg chg="mod">
+          <ac:chgData name="Gabrielle Baniqued" userId="b7b29740-ab9b-4aa9-bebc-9458da6d998b" providerId="ADAL" clId="{451887D7-4DE8-4601-9A6D-EB878BBD9779}" dt="2025-03-19T15:19:24.884" v="3174"/>
+          <ac:spMkLst>
+            <pc:docMk/>
+            <pc:sldMk cId="3050173585" sldId="391"/>
+            <ac:spMk id="3" creationId="{72D80334-C923-0C30-AFAC-1E608F2A4571}"/>
+          </ac:spMkLst>
+        </pc:spChg>
+        <pc:spChg chg="del">
+          <ac:chgData name="Gabrielle Baniqued" userId="b7b29740-ab9b-4aa9-bebc-9458da6d998b" providerId="ADAL" clId="{451887D7-4DE8-4601-9A6D-EB878BBD9779}" dt="2025-03-19T12:38:50.716" v="1652" actId="478"/>
+          <ac:spMkLst>
+            <pc:docMk/>
+            <pc:sldMk cId="3050173585" sldId="391"/>
+            <ac:spMk id="6" creationId="{CAF10F9B-213A-2163-45D2-5CDCEBC4FB70}"/>
+          </ac:spMkLst>
+        </pc:spChg>
+        <pc:spChg chg="del">
+          <ac:chgData name="Gabrielle Baniqued" userId="b7b29740-ab9b-4aa9-bebc-9458da6d998b" providerId="ADAL" clId="{451887D7-4DE8-4601-9A6D-EB878BBD9779}" dt="2025-03-19T12:38:48.915" v="1651" actId="478"/>
+          <ac:spMkLst>
+            <pc:docMk/>
+            <pc:sldMk cId="3050173585" sldId="391"/>
+            <ac:spMk id="7" creationId="{BC7C93F2-4177-5865-CE4F-34D5114C13AC}"/>
+          </ac:spMkLst>
+        </pc:spChg>
+        <pc:picChg chg="del">
+          <ac:chgData name="Gabrielle Baniqued" userId="b7b29740-ab9b-4aa9-bebc-9458da6d998b" providerId="ADAL" clId="{451887D7-4DE8-4601-9A6D-EB878BBD9779}" dt="2025-03-19T12:38:47.153" v="1650" actId="478"/>
+          <ac:picMkLst>
+            <pc:docMk/>
+            <pc:sldMk cId="3050173585" sldId="391"/>
+            <ac:picMk id="5" creationId="{C1E79F21-EE09-28D7-BBCE-6BD464F8B43D}"/>
+          </ac:picMkLst>
+        </pc:picChg>
+      </pc:sldChg>
+      <pc:sldChg chg="addSp delSp modSp add mod modNotesTx">
+        <pc:chgData name="Gabrielle Baniqued" userId="b7b29740-ab9b-4aa9-bebc-9458da6d998b" providerId="ADAL" clId="{451887D7-4DE8-4601-9A6D-EB878BBD9779}" dt="2025-03-19T15:22:39.511" v="3304" actId="20577"/>
+        <pc:sldMkLst>
+          <pc:docMk/>
+          <pc:sldMk cId="1432448209" sldId="392"/>
+        </pc:sldMkLst>
+        <pc:spChg chg="mod">
+          <ac:chgData name="Gabrielle Baniqued" userId="b7b29740-ab9b-4aa9-bebc-9458da6d998b" providerId="ADAL" clId="{451887D7-4DE8-4601-9A6D-EB878BBD9779}" dt="2025-03-19T14:56:40.846" v="2766" actId="14100"/>
+          <ac:spMkLst>
+            <pc:docMk/>
+            <pc:sldMk cId="1432448209" sldId="392"/>
+            <ac:spMk id="2" creationId="{C9C670D8-3CE9-A7D8-BC34-A0CA12251B99}"/>
+          </ac:spMkLst>
+        </pc:spChg>
+        <pc:spChg chg="mod">
+          <ac:chgData name="Gabrielle Baniqued" userId="b7b29740-ab9b-4aa9-bebc-9458da6d998b" providerId="ADAL" clId="{451887D7-4DE8-4601-9A6D-EB878BBD9779}" dt="2025-03-19T14:56:36.684" v="2764" actId="1076"/>
+          <ac:spMkLst>
+            <pc:docMk/>
+            <pc:sldMk cId="1432448209" sldId="392"/>
+            <ac:spMk id="3" creationId="{B1739CB1-B051-7BA5-77B8-C67C5E5ADD1A}"/>
+          </ac:spMkLst>
+        </pc:spChg>
+        <pc:picChg chg="add del mod">
+          <ac:chgData name="Gabrielle Baniqued" userId="b7b29740-ab9b-4aa9-bebc-9458da6d998b" providerId="ADAL" clId="{451887D7-4DE8-4601-9A6D-EB878BBD9779}" dt="2025-03-19T12:50:05.684" v="2720" actId="478"/>
+          <ac:picMkLst>
+            <pc:docMk/>
+            <pc:sldMk cId="1432448209" sldId="392"/>
+            <ac:picMk id="5" creationId="{7B5B0376-8E3C-84F8-A2E8-EC6D80027DF2}"/>
+          </ac:picMkLst>
+        </pc:picChg>
+        <pc:picChg chg="add mod modCrop">
+          <ac:chgData name="Gabrielle Baniqued" userId="b7b29740-ab9b-4aa9-bebc-9458da6d998b" providerId="ADAL" clId="{451887D7-4DE8-4601-9A6D-EB878BBD9779}" dt="2025-03-19T14:55:49.981" v="2762" actId="1076"/>
+          <ac:picMkLst>
+            <pc:docMk/>
+            <pc:sldMk cId="1432448209" sldId="392"/>
+            <ac:picMk id="7" creationId="{9BE4532C-804D-B6E5-A8D5-61ABDF471FD9}"/>
+          </ac:picMkLst>
+        </pc:picChg>
+        <pc:picChg chg="add mod">
+          <ac:chgData name="Gabrielle Baniqued" userId="b7b29740-ab9b-4aa9-bebc-9458da6d998b" providerId="ADAL" clId="{451887D7-4DE8-4601-9A6D-EB878BBD9779}" dt="2025-03-19T14:56:38.131" v="2765" actId="1076"/>
+          <ac:picMkLst>
+            <pc:docMk/>
+            <pc:sldMk cId="1432448209" sldId="392"/>
+            <ac:picMk id="9" creationId="{58E4AF53-D98B-FB8B-4A31-B1CE544767AF}"/>
+          </ac:picMkLst>
+        </pc:picChg>
+        <pc:picChg chg="add mod">
+          <ac:chgData name="Gabrielle Baniqued" userId="b7b29740-ab9b-4aa9-bebc-9458da6d998b" providerId="ADAL" clId="{451887D7-4DE8-4601-9A6D-EB878BBD9779}" dt="2025-03-19T15:11:23.058" v="2857"/>
+          <ac:picMkLst>
+            <pc:docMk/>
+            <pc:sldMk cId="1432448209" sldId="392"/>
+            <ac:picMk id="10" creationId="{098422D2-DAC3-926D-CA1D-5D30B86E881F}"/>
+          </ac:picMkLst>
+        </pc:picChg>
+      </pc:sldChg>
+      <pc:sldChg chg="modSp add mod">
+        <pc:chgData name="Gabrielle Baniqued" userId="b7b29740-ab9b-4aa9-bebc-9458da6d998b" providerId="ADAL" clId="{451887D7-4DE8-4601-9A6D-EB878BBD9779}" dt="2025-03-19T15:10:52.052" v="2804" actId="20577"/>
+        <pc:sldMkLst>
+          <pc:docMk/>
+          <pc:sldMk cId="276614316" sldId="393"/>
+        </pc:sldMkLst>
+        <pc:spChg chg="mod">
+          <ac:chgData name="Gabrielle Baniqued" userId="b7b29740-ab9b-4aa9-bebc-9458da6d998b" providerId="ADAL" clId="{451887D7-4DE8-4601-9A6D-EB878BBD9779}" dt="2025-03-19T15:10:52.052" v="2804" actId="20577"/>
+          <ac:spMkLst>
+            <pc:docMk/>
+            <pc:sldMk cId="276614316" sldId="393"/>
+            <ac:spMk id="6" creationId="{43D2F6F9-40CE-1D41-2AAE-E06EA02D9EAD}"/>
+          </ac:spMkLst>
+        </pc:spChg>
+      </pc:sldChg>
+      <pc:sldChg chg="modSp add mod">
+        <pc:chgData name="Gabrielle Baniqued" userId="b7b29740-ab9b-4aa9-bebc-9458da6d998b" providerId="ADAL" clId="{451887D7-4DE8-4601-9A6D-EB878BBD9779}" dt="2025-03-19T15:11:17.813" v="2856" actId="20577"/>
+        <pc:sldMkLst>
+          <pc:docMk/>
+          <pc:sldMk cId="2095240792" sldId="394"/>
+        </pc:sldMkLst>
+        <pc:spChg chg="mod">
+          <ac:chgData name="Gabrielle Baniqued" userId="b7b29740-ab9b-4aa9-bebc-9458da6d998b" providerId="ADAL" clId="{451887D7-4DE8-4601-9A6D-EB878BBD9779}" dt="2025-03-19T15:11:17.813" v="2856" actId="20577"/>
+          <ac:spMkLst>
+            <pc:docMk/>
+            <pc:sldMk cId="2095240792" sldId="394"/>
+            <ac:spMk id="6" creationId="{B972E4E5-3C30-34F5-1810-3925E19BBEDC}"/>
+          </ac:spMkLst>
+        </pc:spChg>
+      </pc:sldChg>
+      <pc:sldChg chg="addSp delSp modSp add mod">
+        <pc:chgData name="Gabrielle Baniqued" userId="b7b29740-ab9b-4aa9-bebc-9458da6d998b" providerId="ADAL" clId="{451887D7-4DE8-4601-9A6D-EB878BBD9779}" dt="2025-03-19T15:12:43.331" v="2956" actId="208"/>
+        <pc:sldMkLst>
+          <pc:docMk/>
+          <pc:sldMk cId="1676249572" sldId="395"/>
+        </pc:sldMkLst>
+        <pc:spChg chg="mod">
+          <ac:chgData name="Gabrielle Baniqued" userId="b7b29740-ab9b-4aa9-bebc-9458da6d998b" providerId="ADAL" clId="{451887D7-4DE8-4601-9A6D-EB878BBD9779}" dt="2025-03-19T15:11:47.085" v="2943" actId="2711"/>
+          <ac:spMkLst>
+            <pc:docMk/>
+            <pc:sldMk cId="1676249572" sldId="395"/>
+            <ac:spMk id="2" creationId="{8D2C2D98-230C-D9AB-0C8A-3B62AFF0A21D}"/>
+          </ac:spMkLst>
+        </pc:spChg>
+        <pc:spChg chg="del">
+          <ac:chgData name="Gabrielle Baniqued" userId="b7b29740-ab9b-4aa9-bebc-9458da6d998b" providerId="ADAL" clId="{451887D7-4DE8-4601-9A6D-EB878BBD9779}" dt="2025-03-19T15:12:20.949" v="2945" actId="478"/>
+          <ac:spMkLst>
+            <pc:docMk/>
+            <pc:sldMk cId="1676249572" sldId="395"/>
+            <ac:spMk id="3" creationId="{63053EB9-1D90-7CB2-AA62-18BD342A8660}"/>
+          </ac:spMkLst>
+        </pc:spChg>
+        <pc:spChg chg="add del mod">
+          <ac:chgData name="Gabrielle Baniqued" userId="b7b29740-ab9b-4aa9-bebc-9458da6d998b" providerId="ADAL" clId="{451887D7-4DE8-4601-9A6D-EB878BBD9779}" dt="2025-03-19T15:12:23.718" v="2948" actId="478"/>
+          <ac:spMkLst>
+            <pc:docMk/>
+            <pc:sldMk cId="1676249572" sldId="395"/>
+            <ac:spMk id="5" creationId="{97FE764E-CCA3-BB8B-8285-9316D28B1948}"/>
+          </ac:spMkLst>
+        </pc:spChg>
+        <pc:spChg chg="add mod">
+          <ac:chgData name="Gabrielle Baniqued" userId="b7b29740-ab9b-4aa9-bebc-9458da6d998b" providerId="ADAL" clId="{451887D7-4DE8-4601-9A6D-EB878BBD9779}" dt="2025-03-19T15:12:43.331" v="2956" actId="208"/>
+          <ac:spMkLst>
+            <pc:docMk/>
+            <pc:sldMk cId="1676249572" sldId="395"/>
+            <ac:spMk id="11" creationId="{7CB7E85D-2C92-6D4C-897B-535AA83100A0}"/>
+          </ac:spMkLst>
+        </pc:spChg>
+        <pc:picChg chg="del">
+          <ac:chgData name="Gabrielle Baniqued" userId="b7b29740-ab9b-4aa9-bebc-9458da6d998b" providerId="ADAL" clId="{451887D7-4DE8-4601-9A6D-EB878BBD9779}" dt="2025-03-19T15:11:49.900" v="2944" actId="478"/>
+          <ac:picMkLst>
+            <pc:docMk/>
+            <pc:sldMk cId="1676249572" sldId="395"/>
+            <ac:picMk id="7" creationId="{04010536-1B30-69E6-3A0B-4AF347F7E1EA}"/>
+          </ac:picMkLst>
+        </pc:picChg>
+        <pc:picChg chg="add mod">
+          <ac:chgData name="Gabrielle Baniqued" userId="b7b29740-ab9b-4aa9-bebc-9458da6d998b" providerId="ADAL" clId="{451887D7-4DE8-4601-9A6D-EB878BBD9779}" dt="2025-03-19T15:12:30.716" v="2953" actId="1076"/>
+          <ac:picMkLst>
+            <pc:docMk/>
+            <pc:sldMk cId="1676249572" sldId="395"/>
+            <ac:picMk id="8" creationId="{00003675-706B-3694-E3B9-CA5E2AEFCCF8}"/>
+          </ac:picMkLst>
+        </pc:picChg>
+        <pc:picChg chg="del">
+          <ac:chgData name="Gabrielle Baniqued" userId="b7b29740-ab9b-4aa9-bebc-9458da6d998b" providerId="ADAL" clId="{451887D7-4DE8-4601-9A6D-EB878BBD9779}" dt="2025-03-19T15:11:49.900" v="2944" actId="478"/>
+          <ac:picMkLst>
+            <pc:docMk/>
+            <pc:sldMk cId="1676249572" sldId="395"/>
+            <ac:picMk id="9" creationId="{4C896D67-077D-5004-C128-A8F060D3488E}"/>
+          </ac:picMkLst>
+        </pc:picChg>
+        <pc:picChg chg="del">
+          <ac:chgData name="Gabrielle Baniqued" userId="b7b29740-ab9b-4aa9-bebc-9458da6d998b" providerId="ADAL" clId="{451887D7-4DE8-4601-9A6D-EB878BBD9779}" dt="2025-03-19T15:12:27.232" v="2950" actId="478"/>
+          <ac:picMkLst>
+            <pc:docMk/>
+            <pc:sldMk cId="1676249572" sldId="395"/>
+            <ac:picMk id="10" creationId="{492AB61C-8C96-BB11-1E8A-32371179C145}"/>
+          </ac:picMkLst>
+        </pc:picChg>
+      </pc:sldChg>
+      <pc:sldChg chg="addSp modSp new mod">
+        <pc:chgData name="Gabrielle Baniqued" userId="b7b29740-ab9b-4aa9-bebc-9458da6d998b" providerId="ADAL" clId="{451887D7-4DE8-4601-9A6D-EB878BBD9779}" dt="2025-03-19T15:19:24.884" v="3174"/>
+        <pc:sldMkLst>
+          <pc:docMk/>
+          <pc:sldMk cId="3801504537" sldId="396"/>
+        </pc:sldMkLst>
+        <pc:spChg chg="add mod">
+          <ac:chgData name="Gabrielle Baniqued" userId="b7b29740-ab9b-4aa9-bebc-9458da6d998b" providerId="ADAL" clId="{451887D7-4DE8-4601-9A6D-EB878BBD9779}" dt="2025-03-19T15:14:16.490" v="3113" actId="1076"/>
+          <ac:spMkLst>
+            <pc:docMk/>
+            <pc:sldMk cId="3801504537" sldId="396"/>
+            <ac:spMk id="4" creationId="{AAC94193-AA51-311A-E8C1-C3EEB19F9701}"/>
+          </ac:spMkLst>
+        </pc:spChg>
+        <pc:spChg chg="add mod">
+          <ac:chgData name="Gabrielle Baniqued" userId="b7b29740-ab9b-4aa9-bebc-9458da6d998b" providerId="ADAL" clId="{451887D7-4DE8-4601-9A6D-EB878BBD9779}" dt="2025-03-19T15:19:24.884" v="3174"/>
+          <ac:spMkLst>
+            <pc:docMk/>
+            <pc:sldMk cId="3801504537" sldId="396"/>
+            <ac:spMk id="5" creationId="{1B979D99-3185-7074-18CD-72D27569F301}"/>
+          </ac:spMkLst>
+        </pc:spChg>
+        <pc:picChg chg="add mod">
+          <ac:chgData name="Gabrielle Baniqued" userId="b7b29740-ab9b-4aa9-bebc-9458da6d998b" providerId="ADAL" clId="{451887D7-4DE8-4601-9A6D-EB878BBD9779}" dt="2025-03-19T15:14:15.586" v="3112" actId="1076"/>
+          <ac:picMkLst>
+            <pc:docMk/>
+            <pc:sldMk cId="3801504537" sldId="396"/>
+            <ac:picMk id="3" creationId="{A2ED967F-B830-8619-60B9-E6984BBFE082}"/>
+          </ac:picMkLst>
+        </pc:picChg>
+      </pc:sldChg>
+      <pc:sldChg chg="modSp add mod">
+        <pc:chgData name="Gabrielle Baniqued" userId="b7b29740-ab9b-4aa9-bebc-9458da6d998b" providerId="ADAL" clId="{451887D7-4DE8-4601-9A6D-EB878BBD9779}" dt="2025-03-19T15:15:08.291" v="3127" actId="20577"/>
+        <pc:sldMkLst>
+          <pc:docMk/>
+          <pc:sldMk cId="2487698569" sldId="397"/>
+        </pc:sldMkLst>
+        <pc:spChg chg="mod">
+          <ac:chgData name="Gabrielle Baniqued" userId="b7b29740-ab9b-4aa9-bebc-9458da6d998b" providerId="ADAL" clId="{451887D7-4DE8-4601-9A6D-EB878BBD9779}" dt="2025-03-19T15:15:08.291" v="3127" actId="20577"/>
+          <ac:spMkLst>
+            <pc:docMk/>
+            <pc:sldMk cId="2487698569" sldId="397"/>
+            <ac:spMk id="6" creationId="{577BB43E-14F6-B081-55BE-A95A297500F2}"/>
+          </ac:spMkLst>
+        </pc:spChg>
+      </pc:sldChg>
+      <pc:sldChg chg="addSp modSp new mod">
+        <pc:chgData name="Gabrielle Baniqued" userId="b7b29740-ab9b-4aa9-bebc-9458da6d998b" providerId="ADAL" clId="{451887D7-4DE8-4601-9A6D-EB878BBD9779}" dt="2025-03-19T15:22:05.066" v="3295" actId="1076"/>
+        <pc:sldMkLst>
+          <pc:docMk/>
+          <pc:sldMk cId="837603880" sldId="398"/>
+        </pc:sldMkLst>
+        <pc:spChg chg="add mod">
+          <ac:chgData name="Gabrielle Baniqued" userId="b7b29740-ab9b-4aa9-bebc-9458da6d998b" providerId="ADAL" clId="{451887D7-4DE8-4601-9A6D-EB878BBD9779}" dt="2025-03-19T15:22:05.066" v="3295" actId="1076"/>
+          <ac:spMkLst>
+            <pc:docMk/>
+            <pc:sldMk cId="837603880" sldId="398"/>
+            <ac:spMk id="3" creationId="{A662365F-54A1-33D4-837D-87AAFCD71262}"/>
+          </ac:spMkLst>
+        </pc:spChg>
+        <pc:spChg chg="add mod">
+          <ac:chgData name="Gabrielle Baniqued" userId="b7b29740-ab9b-4aa9-bebc-9458da6d998b" providerId="ADAL" clId="{451887D7-4DE8-4601-9A6D-EB878BBD9779}" dt="2025-03-19T15:22:05.066" v="3295" actId="1076"/>
+          <ac:spMkLst>
+            <pc:docMk/>
+            <pc:sldMk cId="837603880" sldId="398"/>
+            <ac:spMk id="5" creationId="{A713180D-9E74-0E6C-CC8C-F85D33EA4EC2}"/>
+          </ac:spMkLst>
+        </pc:spChg>
+        <pc:graphicFrameChg chg="add mod modGraphic">
+          <ac:chgData name="Gabrielle Baniqued" userId="b7b29740-ab9b-4aa9-bebc-9458da6d998b" providerId="ADAL" clId="{451887D7-4DE8-4601-9A6D-EB878BBD9779}" dt="2025-03-19T15:22:05.066" v="3295" actId="1076"/>
+          <ac:graphicFrameMkLst>
+            <pc:docMk/>
+            <pc:sldMk cId="837603880" sldId="398"/>
+            <ac:graphicFrameMk id="4" creationId="{FA2A0D9F-C0B2-81F9-D7E2-0307E0E02B7F}"/>
+          </ac:graphicFrameMkLst>
+        </pc:graphicFrameChg>
+        <pc:picChg chg="add mod">
+          <ac:chgData name="Gabrielle Baniqued" userId="b7b29740-ab9b-4aa9-bebc-9458da6d998b" providerId="ADAL" clId="{451887D7-4DE8-4601-9A6D-EB878BBD9779}" dt="2025-03-19T15:22:05.066" v="3295" actId="1076"/>
+          <ac:picMkLst>
+            <pc:docMk/>
+            <pc:sldMk cId="837603880" sldId="398"/>
+            <ac:picMk id="2" creationId="{91ECED4D-F8FF-7A8D-698B-3FAC3176C617}"/>
+          </ac:picMkLst>
+        </pc:picChg>
+      </pc:sldChg>
+      <pc:sldChg chg="addSp modSp add mod modNotesTx">
+        <pc:chgData name="Gabrielle Baniqued" userId="b7b29740-ab9b-4aa9-bebc-9458da6d998b" providerId="ADAL" clId="{451887D7-4DE8-4601-9A6D-EB878BBD9779}" dt="2025-03-19T15:34:26.094" v="3673" actId="20577"/>
+        <pc:sldMkLst>
+          <pc:docMk/>
+          <pc:sldMk cId="3725473493" sldId="399"/>
+        </pc:sldMkLst>
+        <pc:spChg chg="mod">
+          <ac:chgData name="Gabrielle Baniqued" userId="b7b29740-ab9b-4aa9-bebc-9458da6d998b" providerId="ADAL" clId="{451887D7-4DE8-4601-9A6D-EB878BBD9779}" dt="2025-03-19T15:27:08.751" v="3344" actId="20577"/>
+          <ac:spMkLst>
+            <pc:docMk/>
+            <pc:sldMk cId="3725473493" sldId="399"/>
+            <ac:spMk id="2" creationId="{DF8EF654-7390-CE78-9DA6-7CED00231711}"/>
+          </ac:spMkLst>
+        </pc:spChg>
+        <pc:spChg chg="mod">
+          <ac:chgData name="Gabrielle Baniqued" userId="b7b29740-ab9b-4aa9-bebc-9458da6d998b" providerId="ADAL" clId="{451887D7-4DE8-4601-9A6D-EB878BBD9779}" dt="2025-03-19T15:33:44.819" v="3605" actId="113"/>
+          <ac:spMkLst>
+            <pc:docMk/>
+            <pc:sldMk cId="3725473493" sldId="399"/>
+            <ac:spMk id="3" creationId="{7C544D4A-6D94-245A-161A-E10EDD17F37D}"/>
+          </ac:spMkLst>
+        </pc:spChg>
+        <pc:picChg chg="add mod">
+          <ac:chgData name="Gabrielle Baniqued" userId="b7b29740-ab9b-4aa9-bebc-9458da6d998b" providerId="ADAL" clId="{451887D7-4DE8-4601-9A6D-EB878BBD9779}" dt="2025-03-19T15:33:42.352" v="3604" actId="1076"/>
+          <ac:picMkLst>
+            <pc:docMk/>
+            <pc:sldMk cId="3725473493" sldId="399"/>
+            <ac:picMk id="5" creationId="{CB66781A-FDC5-AA7D-B7BD-F350D2FA3612}"/>
+          </ac:picMkLst>
+        </pc:picChg>
+      </pc:sldChg>
     </pc:docChg>
   </pc:docChgLst>
 </pc:chgInfo>
+</file>
+
+<file path=ppt/ink/ink1.xml><?xml version="1.0" encoding="utf-8"?>
+<inkml:ink xmlns:inkml="http://www.w3.org/2003/InkML">
+  <inkml:definitions>
+    <inkml:context xml:id="ctx0">
+      <inkml:inkSource xml:id="inkSrc0">
+        <inkml:traceFormat>
+          <inkml:channel name="X" type="integer" max="32767" units="cm"/>
+          <inkml:channel name="Y" type="integer" max="32767" units="cm"/>
+          <inkml:channel name="T" type="integer" max="2.14748E9" units="dev"/>
+        </inkml:traceFormat>
+        <inkml:channelProperties>
+          <inkml:channelProperty channel="X" name="resolution" value="1000.21368" units="1/cm"/>
+          <inkml:channelProperty channel="Y" name="resolution" value="1000.21368" units="1/cm"/>
+          <inkml:channelProperty channel="T" name="resolution" value="1" units="1/dev"/>
+        </inkml:channelProperties>
+      </inkml:inkSource>
+      <inkml:timestamp xml:id="ts0" timeString="2025-03-17T15:39:09.703"/>
+    </inkml:context>
+    <inkml:brush xml:id="br0">
+      <inkml:brushProperty name="width" value="0.05292" units="cm"/>
+      <inkml:brushProperty name="height" value="0.05292" units="cm"/>
+      <inkml:brushProperty name="color" value="#FF0000"/>
+    </inkml:brush>
+  </inkml:definitions>
+  <inkml:trace contextRef="#ctx0" brushRef="#br0">32578 17216 0,'0'0'0,"0"0"0,-2 21 0,0 2 16,-1 3-16,-1-6 0,0 5 15,0 2-15,-1 2 0,1 4 16,-1 2-16,1 1 0,1-1 16,-1 1-16,2-3 0,1-25 15,-1 25-15,0 3 0,1 0 0,0-4 16,0-3-16,0-5 0,1-1 15,0-5-15,0-4 0,0-4 16,0-1-16,-1 2 0,1-7 16,-4 33-16,4-37 0,0 0 15,0 0-15,0 0 0,0 0 16,0 0-16,0 0 0</inkml:trace>
+  <inkml:trace contextRef="#ctx0" brushRef="#br0" timeOffset="45508.01">25849 15325 0,'0'0'0,"0"0"0,4 2 0,9 8 16,-2-3-16,2 3 0,3 0 16,4 4-16,-2-1 0,2 3 15,4 2-15,3 4 0,2 3 16,2 3-16,1 2 0,1 0 16,1 1-16,0 0 0,-1 1 0,-1-3 15,-1-1-15,-1-2 0,-3-1 16,-1-3-16,-2-1 15,-21-19-15,18 18 0,3 1 0,-1-1 16,-1-2-16,30 25 0,-33-28 16,-10-8-16,-6-6 0,7 4 15,-10-5-15,0 0 0,4 3 16,-4-3-16,5 2 0,7 1 0,-12-3 16,0 0-16</inkml:trace>
+  <inkml:trace contextRef="#ctx0" brushRef="#br0" timeOffset="45758.03">26654 15179 0,'0'0'0,"0"0"0,-14 11 0,0 3 0,-3-2 16,-2 8-16,1-4 0,-4 7 15,-3 4-15,-5 7 16,-5 7-16,-1 7 0,-3 6 0,-3 5 15,1 4-15,0 4 0,-1-1 16,4 4-16,1-2 0,2-1 16,-21 45-16,33-64 0,23-48 0,0 0 15,-19 39-15,7-15 0,3-6 16,2-4-16,-4 7 0,11-21 16</inkml:trace>
+  <inkml:trace contextRef="#ctx0" brushRef="#br0" timeOffset="46195.49">26139 16567 0,'0'0'0,"0"0"0,9 14 15,1 1-15,3 2 0,2 3 0,0-3 16,2 5-16,3 1 0,2 6 16,2 5-16,3 4 0,1 3 15,2 3-15,0 0 0,0 0 16,0-2-16,-1-2 0,-1-1 16,0-5-16,-2-2 0,-1-4 15,0 0-15,-1-4 0,-3-4 16,-4-4-16,-2-3 0,-15-13 15,0 0-15,16 12 0,-16-12 0,0 0 16</inkml:trace>
+  <inkml:trace contextRef="#ctx0" brushRef="#br0" timeOffset="46461.1">26838 16275 0,'0'0'0,"0"0"0,0 0 0,-13 20 16,-2 2-16,1-1 0,-5 6 15,-3 6-15,-7 7 0,-6 8 16,-6 6-16,-2 4 0,-4 7 16,-2 6-16,-2 4 0,-2 4 15,3 2-15,-1 2 0,3 0 16,3-3-16,-24 48 0,40-73 0,3-8 15,26-47-15,0 0 0,-16 30 16,4-7-16,3-6 0,9-17 16,-14 25-16</inkml:trace>
+</inkml:ink>
+</file>
+
+<file path=ppt/ink/ink2.xml><?xml version="1.0" encoding="utf-8"?>
+<inkml:ink xmlns:inkml="http://www.w3.org/2003/InkML">
+  <inkml:definitions>
+    <inkml:context xml:id="ctx0">
+      <inkml:inkSource xml:id="inkSrc0">
+        <inkml:traceFormat>
+          <inkml:channel name="X" type="integer" max="32767" units="cm"/>
+          <inkml:channel name="Y" type="integer" max="32767" units="cm"/>
+          <inkml:channel name="T" type="integer" max="2.14748E9" units="dev"/>
+        </inkml:traceFormat>
+        <inkml:channelProperties>
+          <inkml:channelProperty channel="X" name="resolution" value="1000.21368" units="1/cm"/>
+          <inkml:channelProperty channel="Y" name="resolution" value="1000.21368" units="1/cm"/>
+          <inkml:channelProperty channel="T" name="resolution" value="1" units="1/dev"/>
+        </inkml:channelProperties>
+      </inkml:inkSource>
+      <inkml:timestamp xml:id="ts0" timeString="2025-03-17T15:48:11.674"/>
+    </inkml:context>
+    <inkml:brush xml:id="br0">
+      <inkml:brushProperty name="width" value="0.05292" units="cm"/>
+      <inkml:brushProperty name="height" value="0.05292" units="cm"/>
+      <inkml:brushProperty name="color" value="#FF0000"/>
+    </inkml:brush>
+  </inkml:definitions>
+  <inkml:trace contextRef="#ctx0" brushRef="#br0">1943 4842 0,'0'0'0,"0"0"0,0 0 15,0 0-15,7-29 0,-5 18 0,-2 11 16,8-18-16,-2 10 0,1 2 16,1-1-16,2-2 0,1-1 15,1 0-15,3 0 0,-15 10 16,9-8-16,2 0 0,0-1 15,-1-1-15,-9 10 0,11-10 16,2-3-16,4-3 0,-2 0 16,3-1-16,-2 0 0,2-1 15,1 2-15,0-1 0,1 0 16,1-1-16,-1 0 0,55-42 0,-38 31 16,-9 8-16,-2 1 0,0 2 15,2 0-15,0 1 0,0 0 16,1-1-16,0-1 0,1-1 15,0 0-15,0 3 0,1-1 16,0 0-16,1 2 0,1 0 16,1 0-16,1 1 0,0-2 15,0 0-15,2 1 0,-1 0 16,0 1-16,0 0 0,1 0 0,-1 0 16,1 0-16,-1 2 0,-1 1 15,2-1-15,-2 0 0,1 0 16,-1 2-16,1-1 0,2 1 15,0 2-15,1-1 16,0 0-16,2 1 0,-2 1 0,0 0 16,0-1-16,-2 1 0,1 1 0,-1-1 15,0 1-15,-1 0 0,0 3 16,-2 0-16,-1 0 0,-3 1 16,-1 0-16,-1 0 0,1 1 15,-2-1-15,-1 1 0,-2 0 16,0 0-16,-2 0 0,0 0 15,-1 0-15,-3 0 0,1 1 16,-1-1-16,-3 1 0,-2 0 16,2 0-16,4 0 0,-5 1 15,-5 0-15,-3 0 0,1 0 0,0 0 16,0 0-16,4 1 0,6 2 16,-5 0-16,-3-1 0,-2 1 15,-2-2-15,-1 0 0,-1 0 16,-1 1-16,0-2 0,0 1 15,1 0-15,17 6 0,-21-7 16,0 0-16,0 0 0,0 0 16,0 0-16,0 0 0,0 0 0,0 0 15,0 0-15,0 0 0,0 0 16,0 0-16,0 0 0,1 1 16,13-1-16,-14 0 0,0 0 15,0 0-15,0 0 0,0-1 16,0 1-16,0 0 0,0 0 15,0-1-15,0 1 0,-1-1 16,1 1-16,-1 0 0,0-2 0,0 1 16,-1 0-16,-55-31 0,39 23 15,17 9-15,-5-3 0,-6-3 16,-2 0-16,3 0 0,1 2 16,4 2-16,1 0 0,0-1 15,0 1-15,-1 1 0,3-1 16,-25-11-16,16 8 0,6 2 15,6 3-15,0 0 0,0 0 16,0 0-16,0 0 0,0 0 0,0 0 16,0 0-16,-2 0 0,1 0 15,0-1-15,1 1 0,-1 0 16,1 0-16,0 0 0,1 1 16,-1-1-16,1 0 0,0 1 15,1-1-15,77 24 0,-36-13 16,-27-6-16,3 0 0,2 1 0,-7-2 15,-6-2-15,1 1 0,-1 1 16,0 2-16,-3-3 0,-3-2 16,0 2-16,0-3 0,-1 2 15,-1-2-15,3 5 0,-32 38 16,-14-10-16,14-13 0,9-5 16,2-5-16,1 1 0,-1 1 15,0 0-15,3-3 0,0 1 0,4-1 16,1-2-16,-2 2 0,8-7 15,-1 2-15,3-2 0,-3 1 16,5-3-16,-4 3 0,4-3 16,-1 1-16,-2 2 0</inkml:trace>
+  <inkml:trace contextRef="#ctx0" brushRef="#br0" timeOffset="4800.17">808 3832 0,'0'0'0,"0"0"0,0 0 15,0 0-15,0 0 0,0 0 16,0 0-16,0 0 0,16-32 16,-15 26-16,0 0 0,-1 0 15,-1-1-15,-2-1 0,-2 2 16,-3-1-16,0 1 0,-3 1 0,-3 3 15,0 0-15,-4 3 0,-1 2 16,-5 4-16,4 0 0,-2 3 16,-1 3-16,-2 1 0,-1 1 15,0 2-15,-32 25 0,25-15 16,7-3-16,4-1 0,3-1 16,5-1-16,3-2 0,5-2 15,4-3-15,2-8 0,1 6 16,8 10-16,12 2 0,5-5 0,2-3 15,2-4-15,2 0 0,2-1 16,0 1-16,-1-2 0,-1 1 16,-2 0-16,-2 0 0,-4 0 15,-6-1-15,-3 0 0,-5-1 16,-3 2-16,-4-4 0,-2 0 16,1-2-16,-2 0 0,-4 10 15,-19 25-15,-13-4 0,7-12 0,1-7 16,1-1-16,-1-4 0,1-2 15,0 0-15,3-5 0,5-3 16,5-2-16,3-1 0,-2-2 16,5-2-16,2-1 0,3-1 15,-1-7-15,4 5 0,0 2 16,1-11-16,5-11 0,-2 18 0,0 1 16,-1 4-16,0 1 0,0 0 15</inkml:trace>
+  <inkml:trace contextRef="#ctx0" brushRef="#br0" timeOffset="5250.32">956 3812 0,'0'0'0,"0"0"0,0 0 0,-2 11 16,0 2-16,1 2 0,1 3 0,1 4 16,0 3-16,-1-25 0,1 18 15,0 0-15,0-1 0,1 2 16,-2-19-16,2 18 0,1 5 15,1 0-15,2-3 0,-1-1 16,2-1-16,1-3 0,1-2 16,-1-4-16,0 0 0,2-3 15,0-3-15,-3-1 0,1-1 16,-1-1-16,47-23 0,16-44 0,-34 22 16,-13 11-16,-4 0 0,-4 0 15,-1 0-15,-3 1 0,-1 5 16,-3 6-16,-3 5 0,-1 7 15,-2 5-15,0-1 0,-1 6 16,1-6-16,-1 1 0,1 3 16,-2 1-16,0 1 0,0 2 15,0 1-15,0-1 0,-4 18 0,-18 99 16,10-26-16,8-44 0,1-14 16,3-9-16,1-6 0,2-2 15,1-3-15,0-5 0,-2-5 16,1 2-16,-1-5 0,2 4 15,-3-6-15,2 6 0,-2-6 16,1 3-16,0-2 0,-1 0 16,2 2-16</inkml:trace>
+  <inkml:trace contextRef="#ctx0" brushRef="#br0" timeOffset="5800.26">1500 3730 0,'0'0'15,"0"0"-15,0 0 0,-1 16 0,-1 1 0,-2 4 16,1 0-16,3-21 0,-1 19 15,0 2-15,0 3 0,0 3 16,1-24-16,-1 27 0,0 7 16,-1 4-16,0 1 0,0 0 0,0-2 15,1 0-15,0-1 0,1-3 16,0 0-16,0-4 0,1 0 16,1-5-16,0-4 15,0-2-15,1-3 0,0-4 0,9 13 16,-9-22-16,-1-2 0,1-2 15,-1 0-15,1-2 0,0-2 16,-1-2-16,3-11 0,8-63 0,-10-12 16,-4 34-16,-1 12 15,-2-12-15,-1 17 0,-2 0 0,0 0 16,-1-1-16,1 2 0,7 39 16,0 0-16,0 0 0,1-27 15,8-107-15,-5 104 0,3 2 16,2 1-16,3 4 0,2 3 15,4 5-15,3 4 0,-10 7 16,8 0-16,2 4 0,6 3 0,4 4 16,-3 4-16,-5-1 0,-3 1 15,-6 2-15,-3-2 0,-3 3 16,-2 2-16,-4 0 0,-2-2 16,-4 13-16,-10 10 0,-1-5 15,-5-4-15,-3-2 0,0-3 16,-2-1-16,-2 0 0,0-4 15,1 0-15,0-3 0,3-4 0,2-1 16,4-4-16,7-4 0,8-2 16,-30-7-16,30-1 0,2 0 15,1-1-15,2 1 0,0 1 16,0 2-16,-3 5 0,0 0 16,0 0-16,0 0 0</inkml:trace>
+  <inkml:trace contextRef="#ctx0" brushRef="#br0" timeOffset="6150.02">1877 3735 0,'0'0'0,"0"0"0,19 0 15,-2 0-15,3-3 0,0 0 16,3-5-16,-23 8 0,17-5 16,0-3-16,0 0 0,-1 0 15,-15 7-15,16-8 0,2-2 16,-1-1-16,-2-1 0,-2-1 0,-3 2 15,-3 1-15,-2 2 0,-3 4 16,-2 0-16,0 3 16,-43-43-16,25 47 0,-2 2 0,-2 4 15,-1 4-15,0 6 0,22-18 16,-13 18-16,-35 54 0,32-40 16,2 0-16,3-2 0,4-1 15,5-2-15,5-3 0,3-2 0,-1-14 16,8 7-16,4-2 0,2-5 15,3-2-15,-2-3 0,-1-3 16,4-3-16,12-8 0,-18 4 16,-6 0-16,-3 2 0,-3 2 15,-2 1-15,0 0 0,-1 0 16,0 0-16,-1 1 0</inkml:trace>
+  <inkml:trace contextRef="#ctx0" brushRef="#br0" timeOffset="6482.61">2239 3528 0,'0'0'0,"0"0"0,-2 21 0,0 1 16,-1 2-16,0 2 0,0 1 16,3-27-16,-2 18 0,0 1 15,0 0-15,0-2 0,0 0 16,1-14-16,-1 12 0,0 0 0,0-1 16,0-4-16,1-1 0,0-3 15,0-2-15,1 1 0,0-1 16,-1-3-16,1 3 0,34-8 15,-26-13-15,2-3 0,3-3 16,1-4-16,1-4 0,1-1 16,2-1-16,-1 1 0,3 3 15,-2 3-15,-3 8 0,3-1 16,0 0-16,1 3 0,-2 3 0,1 3 16,-3 1-16,-1 2 0,-5 2 15,4-1-15,-9 4 0,1-2 16,-3 3-16,4-3 0,-6 4 15,2-1-15,0 0 0,-2 1 16,0 0-16</inkml:trace>
+  <inkml:trace contextRef="#ctx0" brushRef="#br0" timeOffset="6865.96">2809 3188 0,'0'0'15,"0"0"-15,0 0 0,-16 2 0,-1 2 0,1 2 16,-2 4-16,-2 2 0,5 0 15,-2 0-15,1 6 0,-2 2 16,2 3-16,0 2 0,2 2 16,0 1-16,3 1 0,2 0 0,8-26 15,-7 26-15,3 5 0,3 0 16,2 1-16,4 1 0,2-6 16,3 0-16,0-4 0,3-2 15,2-4-15,0-3 0,36 15 16,-12-17-16,-26-12 0,-5-2 15,1 2-15,-4-3 0,0 1 16,-2-1-16,4 1 0,-6-1 0,3 1 16</inkml:trace>
+  <inkml:trace contextRef="#ctx0" brushRef="#br0" timeOffset="7151.59">2817 3184 0,'0'0'0,"0"0"0,0 0 0,17 5 0,0 2 15,0 0-15,3 2 0,0 3 16,-4-1-16,0 4 0,2 3 16,-2 2-16,-2 1 0,-3 1 15,0-2-15,-4 2 0,-2 0 16,-4-21-16,2 22 0,-1 1 15,-3 1-15,-3 6 0,-4 1 16,-3-1-16,-3-4 0,-6 9 0,5-12 16,-1-2-16,2-3 0,0-2 15,5-8-15,-17 17 0,21-22 16,4-4-16,-4 5 0</inkml:trace>
+  <inkml:trace contextRef="#ctx0" brushRef="#br0" timeOffset="9733.69">1943 8156 0,'0'0'0,"0"0"0,28-16 15,0 1-15,-4 4 0,2-2 0,2-2 16,2 0-16,4-2 0,0 2 15,3-2-15,1 1 0,2-1 16,2-1-16,0 1 0,3-1 16,0 2-16,2-2 0,0 1 15,2-1-15,-1-1 0,-48 19 16,50-18-16,4 0 0,0-1 16,2 1-16,0 0 0,1 1 0,1-1 15,1 0-15,0 2 16,0 0-16,1 0 0,0 1 0,0 1 15,-1 1-15,0 1 0,-1-1 16,-1 3-16,139-23 0,-129 23 16,-16 1-16,-4 0 0,-2 0 15,-3 1-15,0 0 0,-4 1 16,-2 3-16,-3 0 0,-3 0 0,-3 1 16,-4-1-16,-2 0 0,-4 0 15,-3 1-15,-3 1 0,0-1 16,0 0-16,-3 0 0,-2 1 15,-3 0-15,1 1 0,-2 0 16,1-2-16,0 3 0,-1-1 16,1-2-16,-7-13 0,0 14 15,-15-6-15,18 6 0,-2 1 16,-9-2-16,-17-4 0,-6 0 0,11 4 16,12 2-16,4 0 0,2 0 15,1 0-15,0 1 0,3-1 16,0 1-16,1 0 0,-3-1 15,13-1-15,-9 2 0,35 3 16,-1 1-16,7 4 0,-7 0 16,-9 0-16,-6-1 0,-3 1 0,-4-1 15,-3 0-15,-2-1 0,-1 2 16,-2-1-16,-2-2 0,-1 1 16,-2 2-16,-4 5 0,-32 23 15,-12-6-15,7-9 0,22-11 16,4-3-16,4-2 0,5-1 15,3-3-15,1 0 0,0 0 16,0 1-16,1-2 0</inkml:trace>
+  <inkml:trace contextRef="#ctx0" brushRef="#br0" timeOffset="10400.33">344 7772 0,'0'0'0,"0"0"0,-27 11 16,1 1-16,2-1 0,1 2 15,1 0-15,5 2 0,1 1 16,6-2-16,3 1 0,5 0 15,4-1-15,5 1 0,4-1 16,-11-14-16,11 9 0,0 1 0,3-1 16,1 1-16,-13-9 0,13 8 15,4 3-15,1 0 0,-2 1 16,-2-1-16,-3 0 0,-1 0 16,6 25-16,-16-32 0,0 10 15,-2-10-15,0 4 0,-6 15 16,-19 14-16,-4-7 0,5-10 15,3-5-15,0-4 0,3-3 0,3-4 16,1-1-16,7-3 0,1 0 16,3-1-16,-5 3 0,8-3 15,-3 0-15,3 0 0,-6 1 16,6-1-16</inkml:trace>
+  <inkml:trace contextRef="#ctx0" brushRef="#br0" timeOffset="10766.02">545 7801 0,'0'0'0,"0"0"0,0 0 0,0 0 15,0 0-15,0 0 0,0 0 16,0 3-16,-4 21 0,3-16 16,-2 4-16,0 4 0,0 5 15,-1 2-15,4-23 0,-2 16 16,0 2-16,-1-2 0,2 0 16,-1-1-16,2-14 0,-1 13 15,1-1-15,0-4 0,1 4 0,0-2 16,2-3-16,-1-1 0,1-1 15,1-2-15,86-22 0,-76 4 16,0-3-16,1-3 0,-1-3 16,-1-4-16,0 0 0,-2 0 15,-3 2-15,-1 4 0,-2 4 16,-2 3-16,-2 5 0,-2 5 16,-1 5-16,0 6 0,-1 5 15,-1 4-15,-2 4 0,4-11 0,-3 17 16,-2 7-16,1-1 0,0-2 15,1-3-15,3-3 0,-1 2 16,3-17-16,-1 0 0,1-5 16,0 6-16,0-10 0,0 5 15,0-5-15,0 5 0,0-5 16</inkml:trace>
+  <inkml:trace contextRef="#ctx0" brushRef="#br0" timeOffset="11266.84">942 7711 0,'0'0'16,"0"0"-16,0 0 0,-7 27 0,1 1 0,1 3 16,1-4-16,1 1 0,0 2 15,-1 3-15,0 3 0,1-1 16,0 0-16,-1 0 0,1-2 0,0-1 16,3-27-16,-3 26 0,-1 2 15,0-1-15,-1-4 0,2-4 16,-1-5-16,2-4 0,0-3 15,0-4-15,1-3 0,0 0 16,0-4-16,-5 7 0,4-8 16,0-2-16,0-1 0,0-5 15,-13-232-15,15 194 0,1-3 16,-1 0-16,1 1 0,1 4 0,0 3 16,2 4-16,1 4 0,4 5 15,2 4-15,2 3 0,5 3 16,3 2-16,1 4 0,2 3 15,2 3-15,1 4 0,1 4 16,0 3-16,-1 4 0,-11-1 16,5 5-16,-3 3 0,-3 2 0,-4 1 15,-5 2-15,-2-1 0,-4-8 16,-6 16-16,-5 3 0,-4-2 16,-3-2-16,-1-2 0,0 0 15,-2-2-15,-2-4 0,1-2 16,0-2-16,2-5 0,5-4 15,3-2-15,-1-1 0,8-2 16,-2 0-16,7-1 0,-13 2 16,13-2-16,0 0 0,-3 0 0,0 0 15,3 0-15</inkml:trace>
+  <inkml:trace contextRef="#ctx0" brushRef="#br0" timeOffset="11916.18">1233 7713 0,'0'0'0,"0"0"0,4 0 0,12-1 16,-6 0-16,1-2 0,2-1 0,1-1 16,3-3-16,1-1 0,2-1 15,-20 10-15,15-8 0,0-2 16,-2 1-16,1-1 0,-13 10 16,11-11-16,3-3 0,-3-1 15,-1 0-15,-3 1 0,-2 2 16,-3 2-16,-1 2 0,-1 3 15,0 0-15,-1 3 0,1-2 16,-70-30-16,54 47 0,-3 2 0,1 4 16,2 4-16,1 2 0,3 3 15,1 3-15,3 0 0,2 1 16,4 0-16,4-3 0,5-1 16,3-6-16,-3-10 0,6 2 15,2-3-15,3-6 0,0-2 16,-4-4-16,9-3 0,2-5 15,4-5-15,-22 8 0,5-2 0,-8 4 16,1 0-16,-3 2 0,1-1 16,-3 3-16,2-2 0,-3 2 15,3-3-15,-3 3 0,11-18 16,23-104-16,-20 48 0,-8 39 16,-2 15-16,-3 10 0,-1 10 15,2-9-15,1 5 0,-2 3 16,-1 1-16,1 1 0,-1 3 0,1 1 15,-1 1-15,0 7 0,-3 34 16,-6 20-16,3-26 0,3-17 16,1-8-16,0-6 0,1-3 15,-1 0-15,1-2 0,0 0 16,0-4-16,0 3 0,-1 1 16,-1-3-16,2 0 0,-1-2 15,1 0-15,0-2 0,0-2 16,18-96-16,17-14 0,-14 58 0,-4 17 15,0 5-15,1 2 0,1 3 16,2 4-16,1 2 0,3 3 16,0 3-16,8-4 0,-13 8 15,-2 3-15,-6 4 0,-6 2 16,-2 2-16,1 0 0,-1 1 16,-3 1-16,0 0 0</inkml:trace>
+  <inkml:trace contextRef="#ctx0" brushRef="#br0" timeOffset="12234.71">2107 6996 0,'0'0'0,"0"0"0,-15 39 0,0-4 16,2 2-16,1 3 0,-1 1 16,3 1-16,2 2 0,1-2 15,4-1-15,2-1 0,3-2 16,2-2-16,3-1 0,0-5 16,-5-26-16,7 24 0,5 0 15,2-3-15,3-5 0,0-4 0,9 1 16,-9-9-16,-2-2 0,-4-2 15,-2-1-15,19-3 0,-23 0 16,-1-1-16,0 0 0,-1-1 16</inkml:trace>
+  <inkml:trace contextRef="#ctx0" brushRef="#br0" timeOffset="12499.34">2393 6867 0,'0'0'0,"0"0"0,0 0 0,19 32 0,3 0 15,-3-4-15,-1 3 0,1 4 16,-1 3-16,-1 0 0,-3 0 0,-2 1 16,-5-3-16,-2 1 0,-4-3 15,-2 1-15,-2 1 0,-3 1 16,5-34-16,-9 34 0,-55 69 15,47-75-15,18-31 0,-17 27 16,2-3-16,7-9 0,7-15 16,-7 13-16,2-3 0,-7 12 0</inkml:trace>
+  <inkml:trace contextRef="#ctx0" brushRef="#br0" timeOffset="35550.65">2753 7033 0,'0'0'0,"0"0"0,0 0 0,0 0 16,0 0-16,0 0 0,0 0 16,0 0-16,0 0 0,0 0 15,0 0-15,0 0 0,0 0 16,0 0-16,0 0 0,0 0 16,0 0-16</inkml:trace>
+  <inkml:trace contextRef="#ctx0" brushRef="#br0" timeOffset="35784.01">2830 7395 0,'0'0'0,"0"0"0,0 0 0,2 26 0,-1 2 0,0 1 16,-5-1-16,-2-1 0,-3-8 15,-2 1-15,-4-1 0,-5 1 16,-4-1-16,-3-1 0,-7 1 16,0-2-16,1-3 0,4-3 15,3-1-15,12-7 0,2 1 16,12-4-16,0 0 0,-8 2 16</inkml:trace>
+  <inkml:trace contextRef="#ctx0" brushRef="#br0" timeOffset="36450.67">3185 3302 0,'0'0'0,"0"0"0,0 0 0,1 4 0,1-1 16,-2-3-16,0 0 0,0 0 16,0 0-16,0 0 0,0 0 15,0 0-15,0 0 0,0 0 16,0 0-16,0 0 0</inkml:trace>
+  <inkml:trace contextRef="#ctx0" brushRef="#br0" timeOffset="36667.71">3193 3641 0,'0'0'0,"0"0"0,0 16 15,-2 1-15,-5 2 0,-5 2 16,-2-3-16,-7 1 0,-6 3 0,-5 3 16,-6 1-16,-6 1 0,2-1 15,3-3-15,39-23 0,-34 19 16,12-6-16,4-3 0,16-9 16,-12 6-16,0 0 0</inkml:trace>
+</inkml:ink>
 </file>
 
 <file path=ppt/notesMasters/notesMaster1.xml><?xml version="1.0" encoding="utf-8"?>
@@ -371,7 +891,7 @@
           <a:p>
             <a:fld id="{7A03E1E2-7FC7-4A0A-8F12-5EAC63B1D00C}" type="datetimeFigureOut">
               <a:rPr lang="en-US" smtClean="0"/>
-              <a:t>3/17/2025</a:t>
+              <a:t>3/19/2025</a:t>
             </a:fld>
             <a:endParaRPr lang="en-US"/>
           </a:p>
@@ -726,7 +1246,7 @@
           <a:p>
             <a:fld id="{F09B814A-E6F7-4B17-93F5-5DCD3E3634FD}" type="slidenum">
               <a:rPr lang="en-US" smtClean="0"/>
-              <a:t>4</a:t>
+              <a:t>5</a:t>
             </a:fld>
             <a:endParaRPr lang="en-US"/>
           </a:p>
@@ -813,7 +1333,7 @@
           <a:p>
             <a:fld id="{F09B814A-E6F7-4B17-93F5-5DCD3E3634FD}" type="slidenum">
               <a:rPr lang="en-US" smtClean="0"/>
-              <a:t>5</a:t>
+              <a:t>6</a:t>
             </a:fld>
             <a:endParaRPr lang="en-US"/>
           </a:p>
@@ -924,7 +1444,7 @@
           <a:p>
             <a:fld id="{F09B814A-E6F7-4B17-93F5-5DCD3E3634FD}" type="slidenum">
               <a:rPr lang="en-US" smtClean="0"/>
-              <a:t>10</a:t>
+              <a:t>12</a:t>
             </a:fld>
             <a:endParaRPr lang="en-US"/>
           </a:p>
@@ -1011,7 +1531,7 @@
           <a:p>
             <a:fld id="{F09B814A-E6F7-4B17-93F5-5DCD3E3634FD}" type="slidenum">
               <a:rPr lang="en-US" smtClean="0"/>
-              <a:t>11</a:t>
+              <a:t>13</a:t>
             </a:fld>
             <a:endParaRPr lang="en-US"/>
           </a:p>
@@ -1104,7 +1624,7 @@
           <a:p>
             <a:fld id="{F09B814A-E6F7-4B17-93F5-5DCD3E3634FD}" type="slidenum">
               <a:rPr lang="en-US" smtClean="0"/>
-              <a:t>12</a:t>
+              <a:t>14</a:t>
             </a:fld>
             <a:endParaRPr lang="en-US"/>
           </a:p>
@@ -1215,7 +1735,7 @@
           <a:p>
             <a:fld id="{F09B814A-E6F7-4B17-93F5-5DCD3E3634FD}" type="slidenum">
               <a:rPr lang="en-US" smtClean="0"/>
-              <a:t>13</a:t>
+              <a:t>15</a:t>
             </a:fld>
             <a:endParaRPr lang="en-US"/>
           </a:p>
@@ -1225,6 +1745,288 @@
     <p:extLst>
       <p:ext uri="{BB962C8B-B14F-4D97-AF65-F5344CB8AC3E}">
         <p14:creationId xmlns:p14="http://schemas.microsoft.com/office/powerpoint/2010/main" val="4196466055"/>
+      </p:ext>
+    </p:extLst>
+  </p:cSld>
+  <p:clrMapOvr>
+    <a:masterClrMapping/>
+  </p:clrMapOvr>
+</p:notes>
+</file>
+
+<file path=ppt/notesSlides/notesSlide7.xml><?xml version="1.0" encoding="utf-8"?>
+<p:notes xmlns:a="http://schemas.openxmlformats.org/drawingml/2006/main" xmlns:r="http://schemas.openxmlformats.org/officeDocument/2006/relationships" xmlns:p="http://schemas.openxmlformats.org/presentationml/2006/main">
+  <p:cSld>
+    <p:spTree>
+      <p:nvGrpSpPr>
+        <p:cNvPr id="1" name=""/>
+        <p:cNvGrpSpPr/>
+        <p:nvPr/>
+      </p:nvGrpSpPr>
+      <p:grpSpPr>
+        <a:xfrm>
+          <a:off x="0" y="0"/>
+          <a:ext cx="0" cy="0"/>
+          <a:chOff x="0" y="0"/>
+          <a:chExt cx="0" cy="0"/>
+        </a:xfrm>
+      </p:grpSpPr>
+      <p:sp>
+        <p:nvSpPr>
+          <p:cNvPr id="2" name="Slide Image Placeholder 1"/>
+          <p:cNvSpPr>
+            <a:spLocks noGrp="1" noRot="1" noChangeAspect="1"/>
+          </p:cNvSpPr>
+          <p:nvPr>
+            <p:ph type="sldImg"/>
+          </p:nvPr>
+        </p:nvSpPr>
+        <p:spPr/>
+      </p:sp>
+      <p:sp>
+        <p:nvSpPr>
+          <p:cNvPr id="3" name="Notes Placeholder 2"/>
+          <p:cNvSpPr>
+            <a:spLocks noGrp="1"/>
+          </p:cNvSpPr>
+          <p:nvPr>
+            <p:ph type="body" idx="1"/>
+          </p:nvPr>
+        </p:nvSpPr>
+        <p:spPr/>
+        <p:txBody>
+          <a:bodyPr/>
+          <a:lstStyle/>
+          <a:p>
+            <a:r>
+              <a:rPr lang="en-US" dirty="0"/>
+              <a:t>Git pull</a:t>
+            </a:r>
+          </a:p>
+        </p:txBody>
+      </p:sp>
+      <p:sp>
+        <p:nvSpPr>
+          <p:cNvPr id="4" name="Slide Number Placeholder 3"/>
+          <p:cNvSpPr>
+            <a:spLocks noGrp="1"/>
+          </p:cNvSpPr>
+          <p:nvPr>
+            <p:ph type="sldNum" sz="quarter" idx="5"/>
+          </p:nvPr>
+        </p:nvSpPr>
+        <p:spPr/>
+        <p:txBody>
+          <a:bodyPr/>
+          <a:lstStyle/>
+          <a:p>
+            <a:fld id="{F09B814A-E6F7-4B17-93F5-5DCD3E3634FD}" type="slidenum">
+              <a:rPr lang="en-US" smtClean="0"/>
+              <a:t>18</a:t>
+            </a:fld>
+            <a:endParaRPr lang="en-US"/>
+          </a:p>
+        </p:txBody>
+      </p:sp>
+    </p:spTree>
+    <p:extLst>
+      <p:ext uri="{BB962C8B-B14F-4D97-AF65-F5344CB8AC3E}">
+        <p14:creationId xmlns:p14="http://schemas.microsoft.com/office/powerpoint/2010/main" val="178970370"/>
+      </p:ext>
+    </p:extLst>
+  </p:cSld>
+  <p:clrMapOvr>
+    <a:masterClrMapping/>
+  </p:clrMapOvr>
+</p:notes>
+</file>
+
+<file path=ppt/notesSlides/notesSlide8.xml><?xml version="1.0" encoding="utf-8"?>
+<p:notes xmlns:a="http://schemas.openxmlformats.org/drawingml/2006/main" xmlns:r="http://schemas.openxmlformats.org/officeDocument/2006/relationships" xmlns:p="http://schemas.openxmlformats.org/presentationml/2006/main">
+  <p:cSld>
+    <p:spTree>
+      <p:nvGrpSpPr>
+        <p:cNvPr id="1" name="">
+          <a:extLst>
+            <a:ext uri="{FF2B5EF4-FFF2-40B4-BE49-F238E27FC236}">
+              <a16:creationId xmlns:a16="http://schemas.microsoft.com/office/drawing/2014/main" id="{BBA7211F-33CF-9AF5-2BC2-DD6465617638}"/>
+            </a:ext>
+          </a:extLst>
+        </p:cNvPr>
+        <p:cNvGrpSpPr/>
+        <p:nvPr/>
+      </p:nvGrpSpPr>
+      <p:grpSpPr>
+        <a:xfrm>
+          <a:off x="0" y="0"/>
+          <a:ext cx="0" cy="0"/>
+          <a:chOff x="0" y="0"/>
+          <a:chExt cx="0" cy="0"/>
+        </a:xfrm>
+      </p:grpSpPr>
+      <p:sp>
+        <p:nvSpPr>
+          <p:cNvPr id="2" name="Slide Image Placeholder 1">
+            <a:extLst>
+              <a:ext uri="{FF2B5EF4-FFF2-40B4-BE49-F238E27FC236}">
+                <a16:creationId xmlns:a16="http://schemas.microsoft.com/office/drawing/2014/main" id="{2A655CA4-1D7A-6236-DF58-D76586FE4B05}"/>
+              </a:ext>
+            </a:extLst>
+          </p:cNvPr>
+          <p:cNvSpPr>
+            <a:spLocks noGrp="1" noRot="1" noChangeAspect="1"/>
+          </p:cNvSpPr>
+          <p:nvPr>
+            <p:ph type="sldImg"/>
+          </p:nvPr>
+        </p:nvSpPr>
+        <p:spPr/>
+      </p:sp>
+      <p:sp>
+        <p:nvSpPr>
+          <p:cNvPr id="3" name="Notes Placeholder 2">
+            <a:extLst>
+              <a:ext uri="{FF2B5EF4-FFF2-40B4-BE49-F238E27FC236}">
+                <a16:creationId xmlns:a16="http://schemas.microsoft.com/office/drawing/2014/main" id="{22D3528F-DA5E-DFB4-874C-2FE1D2654F71}"/>
+              </a:ext>
+            </a:extLst>
+          </p:cNvPr>
+          <p:cNvSpPr>
+            <a:spLocks noGrp="1"/>
+          </p:cNvSpPr>
+          <p:nvPr>
+            <p:ph type="body" idx="1"/>
+          </p:nvPr>
+        </p:nvSpPr>
+        <p:spPr/>
+        <p:txBody>
+          <a:bodyPr/>
+          <a:lstStyle/>
+          <a:p>
+            <a:endParaRPr lang="en-US" dirty="0"/>
+          </a:p>
+        </p:txBody>
+      </p:sp>
+      <p:sp>
+        <p:nvSpPr>
+          <p:cNvPr id="4" name="Slide Number Placeholder 3">
+            <a:extLst>
+              <a:ext uri="{FF2B5EF4-FFF2-40B4-BE49-F238E27FC236}">
+                <a16:creationId xmlns:a16="http://schemas.microsoft.com/office/drawing/2014/main" id="{A81D6B99-4F73-0BA6-43E7-991FB7E44F56}"/>
+              </a:ext>
+            </a:extLst>
+          </p:cNvPr>
+          <p:cNvSpPr>
+            <a:spLocks noGrp="1"/>
+          </p:cNvSpPr>
+          <p:nvPr>
+            <p:ph type="sldNum" sz="quarter" idx="5"/>
+          </p:nvPr>
+        </p:nvSpPr>
+        <p:spPr/>
+        <p:txBody>
+          <a:bodyPr/>
+          <a:lstStyle/>
+          <a:p>
+            <a:fld id="{F09B814A-E6F7-4B17-93F5-5DCD3E3634FD}" type="slidenum">
+              <a:rPr lang="en-US" smtClean="0"/>
+              <a:t>19</a:t>
+            </a:fld>
+            <a:endParaRPr lang="en-US"/>
+          </a:p>
+        </p:txBody>
+      </p:sp>
+    </p:spTree>
+    <p:extLst>
+      <p:ext uri="{BB962C8B-B14F-4D97-AF65-F5344CB8AC3E}">
+        <p14:creationId xmlns:p14="http://schemas.microsoft.com/office/powerpoint/2010/main" val="1835489075"/>
+      </p:ext>
+    </p:extLst>
+  </p:cSld>
+  <p:clrMapOvr>
+    <a:masterClrMapping/>
+  </p:clrMapOvr>
+</p:notes>
+</file>
+
+<file path=ppt/notesSlides/notesSlide9.xml><?xml version="1.0" encoding="utf-8"?>
+<p:notes xmlns:a="http://schemas.openxmlformats.org/drawingml/2006/main" xmlns:r="http://schemas.openxmlformats.org/officeDocument/2006/relationships" xmlns:p="http://schemas.openxmlformats.org/presentationml/2006/main">
+  <p:cSld>
+    <p:spTree>
+      <p:nvGrpSpPr>
+        <p:cNvPr id="1" name=""/>
+        <p:cNvGrpSpPr/>
+        <p:nvPr/>
+      </p:nvGrpSpPr>
+      <p:grpSpPr>
+        <a:xfrm>
+          <a:off x="0" y="0"/>
+          <a:ext cx="0" cy="0"/>
+          <a:chOff x="0" y="0"/>
+          <a:chExt cx="0" cy="0"/>
+        </a:xfrm>
+      </p:grpSpPr>
+      <p:sp>
+        <p:nvSpPr>
+          <p:cNvPr id="2" name="Slide Image Placeholder 1"/>
+          <p:cNvSpPr>
+            <a:spLocks noGrp="1" noRot="1" noChangeAspect="1"/>
+          </p:cNvSpPr>
+          <p:nvPr>
+            <p:ph type="sldImg"/>
+          </p:nvPr>
+        </p:nvSpPr>
+        <p:spPr/>
+      </p:sp>
+      <p:sp>
+        <p:nvSpPr>
+          <p:cNvPr id="3" name="Notes Placeholder 2"/>
+          <p:cNvSpPr>
+            <a:spLocks noGrp="1"/>
+          </p:cNvSpPr>
+          <p:nvPr>
+            <p:ph type="body" idx="1"/>
+          </p:nvPr>
+        </p:nvSpPr>
+        <p:spPr/>
+        <p:txBody>
+          <a:bodyPr/>
+          <a:lstStyle/>
+          <a:p>
+            <a:r>
+              <a:rPr lang="en-US" dirty="0"/>
+              <a:t>See page 150 in your Barron’s for a good explanation</a:t>
+            </a:r>
+          </a:p>
+        </p:txBody>
+      </p:sp>
+      <p:sp>
+        <p:nvSpPr>
+          <p:cNvPr id="4" name="Slide Number Placeholder 3"/>
+          <p:cNvSpPr>
+            <a:spLocks noGrp="1"/>
+          </p:cNvSpPr>
+          <p:nvPr>
+            <p:ph type="sldNum" sz="quarter" idx="5"/>
+          </p:nvPr>
+        </p:nvSpPr>
+        <p:spPr/>
+        <p:txBody>
+          <a:bodyPr/>
+          <a:lstStyle/>
+          <a:p>
+            <a:fld id="{F09B814A-E6F7-4B17-93F5-5DCD3E3634FD}" type="slidenum">
+              <a:rPr lang="en-US" smtClean="0"/>
+              <a:t>23</a:t>
+            </a:fld>
+            <a:endParaRPr lang="en-US"/>
+          </a:p>
+        </p:txBody>
+      </p:sp>
+    </p:spTree>
+    <p:extLst>
+      <p:ext uri="{BB962C8B-B14F-4D97-AF65-F5344CB8AC3E}">
+        <p14:creationId xmlns:p14="http://schemas.microsoft.com/office/powerpoint/2010/main" val="2403871105"/>
       </p:ext>
     </p:extLst>
   </p:cSld>
@@ -1381,7 +2183,7 @@
           <a:p>
             <a:fld id="{21B04472-560D-4849-A58D-4C2415D4DAF7}" type="datetimeFigureOut">
               <a:rPr lang="en-US" smtClean="0"/>
-              <a:t>3/17/2025</a:t>
+              <a:t>3/19/2025</a:t>
             </a:fld>
             <a:endParaRPr lang="en-US"/>
           </a:p>
@@ -1579,7 +2381,7 @@
           <a:p>
             <a:fld id="{21B04472-560D-4849-A58D-4C2415D4DAF7}" type="datetimeFigureOut">
               <a:rPr lang="en-US" smtClean="0"/>
-              <a:t>3/17/2025</a:t>
+              <a:t>3/19/2025</a:t>
             </a:fld>
             <a:endParaRPr lang="en-US"/>
           </a:p>
@@ -1787,7 +2589,7 @@
           <a:p>
             <a:fld id="{21B04472-560D-4849-A58D-4C2415D4DAF7}" type="datetimeFigureOut">
               <a:rPr lang="en-US" smtClean="0"/>
-              <a:t>3/17/2025</a:t>
+              <a:t>3/19/2025</a:t>
             </a:fld>
             <a:endParaRPr lang="en-US"/>
           </a:p>
@@ -1985,7 +2787,7 @@
           <a:p>
             <a:fld id="{21B04472-560D-4849-A58D-4C2415D4DAF7}" type="datetimeFigureOut">
               <a:rPr lang="en-US" smtClean="0"/>
-              <a:t>3/17/2025</a:t>
+              <a:t>3/19/2025</a:t>
             </a:fld>
             <a:endParaRPr lang="en-US"/>
           </a:p>
@@ -2260,7 +3062,7 @@
           <a:p>
             <a:fld id="{21B04472-560D-4849-A58D-4C2415D4DAF7}" type="datetimeFigureOut">
               <a:rPr lang="en-US" smtClean="0"/>
-              <a:t>3/17/2025</a:t>
+              <a:t>3/19/2025</a:t>
             </a:fld>
             <a:endParaRPr lang="en-US"/>
           </a:p>
@@ -2525,7 +3327,7 @@
           <a:p>
             <a:fld id="{21B04472-560D-4849-A58D-4C2415D4DAF7}" type="datetimeFigureOut">
               <a:rPr lang="en-US" smtClean="0"/>
-              <a:t>3/17/2025</a:t>
+              <a:t>3/19/2025</a:t>
             </a:fld>
             <a:endParaRPr lang="en-US"/>
           </a:p>
@@ -2937,7 +3739,7 @@
           <a:p>
             <a:fld id="{21B04472-560D-4849-A58D-4C2415D4DAF7}" type="datetimeFigureOut">
               <a:rPr lang="en-US" smtClean="0"/>
-              <a:t>3/17/2025</a:t>
+              <a:t>3/19/2025</a:t>
             </a:fld>
             <a:endParaRPr lang="en-US"/>
           </a:p>
@@ -3078,7 +3880,7 @@
           <a:p>
             <a:fld id="{21B04472-560D-4849-A58D-4C2415D4DAF7}" type="datetimeFigureOut">
               <a:rPr lang="en-US" smtClean="0"/>
-              <a:t>3/17/2025</a:t>
+              <a:t>3/19/2025</a:t>
             </a:fld>
             <a:endParaRPr lang="en-US"/>
           </a:p>
@@ -3191,7 +3993,7 @@
           <a:p>
             <a:fld id="{21B04472-560D-4849-A58D-4C2415D4DAF7}" type="datetimeFigureOut">
               <a:rPr lang="en-US" smtClean="0"/>
-              <a:t>3/17/2025</a:t>
+              <a:t>3/19/2025</a:t>
             </a:fld>
             <a:endParaRPr lang="en-US"/>
           </a:p>
@@ -3502,7 +4304,7 @@
           <a:p>
             <a:fld id="{21B04472-560D-4849-A58D-4C2415D4DAF7}" type="datetimeFigureOut">
               <a:rPr lang="en-US" smtClean="0"/>
-              <a:t>3/17/2025</a:t>
+              <a:t>3/19/2025</a:t>
             </a:fld>
             <a:endParaRPr lang="en-US"/>
           </a:p>
@@ -3790,7 +4592,7 @@
           <a:p>
             <a:fld id="{21B04472-560D-4849-A58D-4C2415D4DAF7}" type="datetimeFigureOut">
               <a:rPr lang="en-US" smtClean="0"/>
-              <a:t>3/17/2025</a:t>
+              <a:t>3/19/2025</a:t>
             </a:fld>
             <a:endParaRPr lang="en-US"/>
           </a:p>
@@ -4031,7 +4833,7 @@
           <a:p>
             <a:fld id="{21B04472-560D-4849-A58D-4C2415D4DAF7}" type="datetimeFigureOut">
               <a:rPr lang="en-US" smtClean="0"/>
-              <a:t>3/17/2025</a:t>
+              <a:t>3/19/2025</a:t>
             </a:fld>
             <a:endParaRPr lang="en-US"/>
           </a:p>
@@ -4642,13 +5444,7 @@
   <p:cSld>
     <p:spTree>
       <p:nvGrpSpPr>
-        <p:cNvPr id="1" name="">
-          <a:extLst>
-            <a:ext uri="{FF2B5EF4-FFF2-40B4-BE49-F238E27FC236}">
-              <a16:creationId xmlns:a16="http://schemas.microsoft.com/office/drawing/2014/main" id="{CC8C6CD3-73B0-F990-E8C4-4A5C5FCDC658}"/>
-            </a:ext>
-          </a:extLst>
-        </p:cNvPr>
+        <p:cNvPr id="1" name=""/>
         <p:cNvGrpSpPr/>
         <p:nvPr/>
       </p:nvGrpSpPr>
@@ -4662,903 +5458,174 @@
       </p:grpSpPr>
       <p:sp>
         <p:nvSpPr>
-          <p:cNvPr id="4" name="Content Placeholder 2">
-            <a:extLst>
-              <a:ext uri="{FF2B5EF4-FFF2-40B4-BE49-F238E27FC236}">
-                <a16:creationId xmlns:a16="http://schemas.microsoft.com/office/drawing/2014/main" id="{2C566B84-C5CB-35FF-A8A8-AD9EE372463B}"/>
-              </a:ext>
-            </a:extLst>
-          </p:cNvPr>
-          <p:cNvSpPr txBox="1">
-            <a:spLocks/>
+          <p:cNvPr id="2" name="Title 1">
+            <a:extLst>
+              <a:ext uri="{FF2B5EF4-FFF2-40B4-BE49-F238E27FC236}">
+                <a16:creationId xmlns:a16="http://schemas.microsoft.com/office/drawing/2014/main" id="{45FE72FA-D51A-71F5-ADDC-801375FE3D2E}"/>
+              </a:ext>
+            </a:extLst>
+          </p:cNvPr>
+          <p:cNvSpPr>
+            <a:spLocks noGrp="1"/>
           </p:cNvSpPr>
-          <p:nvPr/>
-        </p:nvSpPr>
-        <p:spPr>
-          <a:xfrm>
-            <a:off x="774700" y="582510"/>
-            <a:ext cx="10759067" cy="649390"/>
-          </a:xfrm>
-          <a:prstGeom prst="rect">
-            <a:avLst/>
-          </a:prstGeom>
-        </p:spPr>
-        <p:txBody>
-          <a:bodyPr>
-            <a:normAutofit/>
-          </a:bodyPr>
-          <a:lstStyle>
-            <a:lvl1pPr marL="228600" indent="-228600" algn="l" defTabSz="914400" rtl="0" eaLnBrk="1" latinLnBrk="0" hangingPunct="1">
-              <a:lnSpc>
-                <a:spcPct val="90000"/>
-              </a:lnSpc>
-              <a:spcBef>
-                <a:spcPts val="1000"/>
-              </a:spcBef>
-              <a:buFont typeface="Arial" panose="020B0604020202020204" pitchFamily="34" charset="0"/>
-              <a:buChar char="•"/>
-              <a:defRPr sz="2800" kern="1200">
-                <a:solidFill>
-                  <a:schemeClr val="tx1"/>
-                </a:solidFill>
-                <a:latin typeface="+mn-lt"/>
-                <a:ea typeface="+mn-ea"/>
-                <a:cs typeface="+mn-cs"/>
-              </a:defRPr>
-            </a:lvl1pPr>
-            <a:lvl2pPr marL="685800" indent="-228600" algn="l" defTabSz="914400" rtl="0" eaLnBrk="1" latinLnBrk="0" hangingPunct="1">
-              <a:lnSpc>
-                <a:spcPct val="90000"/>
-              </a:lnSpc>
-              <a:spcBef>
-                <a:spcPts val="500"/>
-              </a:spcBef>
-              <a:buFont typeface="Arial" panose="020B0604020202020204" pitchFamily="34" charset="0"/>
-              <a:buChar char="•"/>
-              <a:defRPr sz="2400" kern="1200">
-                <a:solidFill>
-                  <a:schemeClr val="tx1"/>
-                </a:solidFill>
-                <a:latin typeface="+mn-lt"/>
-                <a:ea typeface="+mn-ea"/>
-                <a:cs typeface="+mn-cs"/>
-              </a:defRPr>
-            </a:lvl2pPr>
-            <a:lvl3pPr marL="1143000" indent="-228600" algn="l" defTabSz="914400" rtl="0" eaLnBrk="1" latinLnBrk="0" hangingPunct="1">
-              <a:lnSpc>
-                <a:spcPct val="90000"/>
-              </a:lnSpc>
-              <a:spcBef>
-                <a:spcPts val="500"/>
-              </a:spcBef>
-              <a:buFont typeface="Arial" panose="020B0604020202020204" pitchFamily="34" charset="0"/>
-              <a:buChar char="•"/>
-              <a:defRPr sz="2000" kern="1200">
-                <a:solidFill>
-                  <a:schemeClr val="tx1"/>
-                </a:solidFill>
-                <a:latin typeface="+mn-lt"/>
-                <a:ea typeface="+mn-ea"/>
-                <a:cs typeface="+mn-cs"/>
-              </a:defRPr>
-            </a:lvl3pPr>
-            <a:lvl4pPr marL="1600200" indent="-228600" algn="l" defTabSz="914400" rtl="0" eaLnBrk="1" latinLnBrk="0" hangingPunct="1">
-              <a:lnSpc>
-                <a:spcPct val="90000"/>
-              </a:lnSpc>
-              <a:spcBef>
-                <a:spcPts val="500"/>
-              </a:spcBef>
-              <a:buFont typeface="Arial" panose="020B0604020202020204" pitchFamily="34" charset="0"/>
-              <a:buChar char="•"/>
-              <a:defRPr sz="1800" kern="1200">
-                <a:solidFill>
-                  <a:schemeClr val="tx1"/>
-                </a:solidFill>
-                <a:latin typeface="+mn-lt"/>
-                <a:ea typeface="+mn-ea"/>
-                <a:cs typeface="+mn-cs"/>
-              </a:defRPr>
-            </a:lvl4pPr>
-            <a:lvl5pPr marL="2057400" indent="-228600" algn="l" defTabSz="914400" rtl="0" eaLnBrk="1" latinLnBrk="0" hangingPunct="1">
-              <a:lnSpc>
-                <a:spcPct val="90000"/>
-              </a:lnSpc>
-              <a:spcBef>
-                <a:spcPts val="500"/>
-              </a:spcBef>
-              <a:buFont typeface="Arial" panose="020B0604020202020204" pitchFamily="34" charset="0"/>
-              <a:buChar char="•"/>
-              <a:defRPr sz="1800" kern="1200">
-                <a:solidFill>
-                  <a:schemeClr val="tx1"/>
-                </a:solidFill>
-                <a:latin typeface="+mn-lt"/>
-                <a:ea typeface="+mn-ea"/>
-                <a:cs typeface="+mn-cs"/>
-              </a:defRPr>
-            </a:lvl5pPr>
-            <a:lvl6pPr marL="2514600" indent="-228600" algn="l" defTabSz="914400" rtl="0" eaLnBrk="1" latinLnBrk="0" hangingPunct="1">
-              <a:lnSpc>
-                <a:spcPct val="90000"/>
-              </a:lnSpc>
-              <a:spcBef>
-                <a:spcPts val="500"/>
-              </a:spcBef>
-              <a:buFont typeface="Arial" panose="020B0604020202020204" pitchFamily="34" charset="0"/>
-              <a:buChar char="•"/>
-              <a:defRPr sz="1800" kern="1200">
-                <a:solidFill>
-                  <a:schemeClr val="tx1"/>
-                </a:solidFill>
-                <a:latin typeface="+mn-lt"/>
-                <a:ea typeface="+mn-ea"/>
-                <a:cs typeface="+mn-cs"/>
-              </a:defRPr>
-            </a:lvl6pPr>
-            <a:lvl7pPr marL="2971800" indent="-228600" algn="l" defTabSz="914400" rtl="0" eaLnBrk="1" latinLnBrk="0" hangingPunct="1">
-              <a:lnSpc>
-                <a:spcPct val="90000"/>
-              </a:lnSpc>
-              <a:spcBef>
-                <a:spcPts val="500"/>
-              </a:spcBef>
-              <a:buFont typeface="Arial" panose="020B0604020202020204" pitchFamily="34" charset="0"/>
-              <a:buChar char="•"/>
-              <a:defRPr sz="1800" kern="1200">
-                <a:solidFill>
-                  <a:schemeClr val="tx1"/>
-                </a:solidFill>
-                <a:latin typeface="+mn-lt"/>
-                <a:ea typeface="+mn-ea"/>
-                <a:cs typeface="+mn-cs"/>
-              </a:defRPr>
-            </a:lvl7pPr>
-            <a:lvl8pPr marL="3429000" indent="-228600" algn="l" defTabSz="914400" rtl="0" eaLnBrk="1" latinLnBrk="0" hangingPunct="1">
-              <a:lnSpc>
-                <a:spcPct val="90000"/>
-              </a:lnSpc>
-              <a:spcBef>
-                <a:spcPts val="500"/>
-              </a:spcBef>
-              <a:buFont typeface="Arial" panose="020B0604020202020204" pitchFamily="34" charset="0"/>
-              <a:buChar char="•"/>
-              <a:defRPr sz="1800" kern="1200">
-                <a:solidFill>
-                  <a:schemeClr val="tx1"/>
-                </a:solidFill>
-                <a:latin typeface="+mn-lt"/>
-                <a:ea typeface="+mn-ea"/>
-                <a:cs typeface="+mn-cs"/>
-              </a:defRPr>
-            </a:lvl8pPr>
-            <a:lvl9pPr marL="3886200" indent="-228600" algn="l" defTabSz="914400" rtl="0" eaLnBrk="1" latinLnBrk="0" hangingPunct="1">
-              <a:lnSpc>
-                <a:spcPct val="90000"/>
-              </a:lnSpc>
-              <a:spcBef>
-                <a:spcPts val="500"/>
-              </a:spcBef>
-              <a:buFont typeface="Arial" panose="020B0604020202020204" pitchFamily="34" charset="0"/>
-              <a:buChar char="•"/>
-              <a:defRPr sz="1800" kern="1200">
-                <a:solidFill>
-                  <a:schemeClr val="tx1"/>
-                </a:solidFill>
-                <a:latin typeface="+mn-lt"/>
-                <a:ea typeface="+mn-ea"/>
-                <a:cs typeface="+mn-cs"/>
-              </a:defRPr>
-            </a:lvl9pPr>
-          </a:lstStyle>
-          <a:p>
-            <a:pPr marL="0" indent="0" algn="just">
-              <a:buFont typeface="Arial" panose="020B0604020202020204" pitchFamily="34" charset="0"/>
+          <p:nvPr>
+            <p:ph type="title"/>
+          </p:nvPr>
+        </p:nvSpPr>
+        <p:spPr/>
+        <p:txBody>
+          <a:bodyPr/>
+          <a:lstStyle/>
+          <a:p>
+            <a:pPr algn="ctr"/>
+            <a:r>
+              <a:rPr lang="en-US" dirty="0"/>
+              <a:t>Unit 9 Vocabulary Review</a:t>
+            </a:r>
+          </a:p>
+        </p:txBody>
+      </p:sp>
+      <p:sp>
+        <p:nvSpPr>
+          <p:cNvPr id="3" name="Content Placeholder 2">
+            <a:extLst>
+              <a:ext uri="{FF2B5EF4-FFF2-40B4-BE49-F238E27FC236}">
+                <a16:creationId xmlns:a16="http://schemas.microsoft.com/office/drawing/2014/main" id="{B2B5D85A-CE58-4D93-BED6-C0E9E7B18D66}"/>
+              </a:ext>
+            </a:extLst>
+          </p:cNvPr>
+          <p:cNvSpPr>
+            <a:spLocks noGrp="1"/>
+          </p:cNvSpPr>
+          <p:nvPr>
+            <p:ph sz="half" idx="1"/>
+          </p:nvPr>
+        </p:nvSpPr>
+        <p:spPr/>
+        <p:txBody>
+          <a:bodyPr/>
+          <a:lstStyle/>
+          <a:p>
+            <a:r>
+              <a:rPr lang="en-US" dirty="0"/>
+              <a:t>Constructor</a:t>
+            </a:r>
+          </a:p>
+          <a:p>
+            <a:r>
+              <a:rPr lang="en-US" dirty="0"/>
+              <a:t>Superclass</a:t>
+            </a:r>
+          </a:p>
+          <a:p>
+            <a:r>
+              <a:rPr lang="en-US" dirty="0"/>
+              <a:t>Subclass</a:t>
+            </a:r>
+          </a:p>
+          <a:p>
+            <a:r>
+              <a:rPr lang="en-US" dirty="0"/>
+              <a:t>Alternate terminology for superclass/subclass</a:t>
+            </a:r>
+          </a:p>
+          <a:p>
+            <a:r>
+              <a:rPr lang="en-US" dirty="0"/>
+              <a:t>Attribute</a:t>
+            </a:r>
+          </a:p>
+          <a:p>
+            <a:r>
+              <a:rPr lang="en-US" dirty="0"/>
+              <a:t>Method signature</a:t>
+            </a:r>
+          </a:p>
+          <a:p>
+            <a:pPr marL="0" indent="0">
               <a:buNone/>
             </a:pPr>
-            <a:r>
-              <a:rPr lang="en-US" sz="2500" dirty="0"/>
-              <a:t>Constructors are </a:t>
-            </a:r>
-            <a:r>
-              <a:rPr lang="en-US" sz="2500" b="1" dirty="0"/>
-              <a:t>not</a:t>
-            </a:r>
-            <a:r>
-              <a:rPr lang="en-US" sz="2500" dirty="0"/>
-              <a:t> inherited.</a:t>
-            </a:r>
-          </a:p>
-        </p:txBody>
-      </p:sp>
-      <p:sp>
-        <p:nvSpPr>
-          <p:cNvPr id="5" name="Content Placeholder 2">
-            <a:extLst>
-              <a:ext uri="{FF2B5EF4-FFF2-40B4-BE49-F238E27FC236}">
-                <a16:creationId xmlns:a16="http://schemas.microsoft.com/office/drawing/2014/main" id="{0EA7A596-AB63-9092-83B7-E0EA3BB3B18B}"/>
-              </a:ext>
-            </a:extLst>
-          </p:cNvPr>
-          <p:cNvSpPr txBox="1">
-            <a:spLocks/>
+            <a:endParaRPr lang="en-US" dirty="0"/>
+          </a:p>
+          <a:p>
+            <a:endParaRPr lang="en-US" dirty="0"/>
+          </a:p>
+          <a:p>
+            <a:endParaRPr lang="en-US" dirty="0"/>
+          </a:p>
+          <a:p>
+            <a:endParaRPr lang="en-US" dirty="0"/>
+          </a:p>
+        </p:txBody>
+      </p:sp>
+      <p:sp>
+        <p:nvSpPr>
+          <p:cNvPr id="4" name="Content Placeholder 3">
+            <a:extLst>
+              <a:ext uri="{FF2B5EF4-FFF2-40B4-BE49-F238E27FC236}">
+                <a16:creationId xmlns:a16="http://schemas.microsoft.com/office/drawing/2014/main" id="{FDD0D521-6AA6-2535-B6A6-2FDC630C2F1C}"/>
+              </a:ext>
+            </a:extLst>
+          </p:cNvPr>
+          <p:cNvSpPr>
+            <a:spLocks noGrp="1"/>
           </p:cNvSpPr>
-          <p:nvPr/>
-        </p:nvSpPr>
-        <p:spPr>
-          <a:xfrm>
-            <a:off x="774700" y="3213099"/>
-            <a:ext cx="10759067" cy="477157"/>
-          </a:xfrm>
-          <a:prstGeom prst="rect">
-            <a:avLst/>
-          </a:prstGeom>
-        </p:spPr>
-        <p:txBody>
-          <a:bodyPr>
-            <a:normAutofit fontScale="55000" lnSpcReduction="20000"/>
-          </a:bodyPr>
-          <a:lstStyle>
-            <a:lvl1pPr marL="228600" indent="-228600" algn="l" defTabSz="914400" rtl="0" eaLnBrk="1" latinLnBrk="0" hangingPunct="1">
-              <a:lnSpc>
-                <a:spcPct val="90000"/>
-              </a:lnSpc>
-              <a:spcBef>
-                <a:spcPts val="1000"/>
-              </a:spcBef>
-              <a:buFont typeface="Arial" panose="020B0604020202020204" pitchFamily="34" charset="0"/>
-              <a:buChar char="•"/>
-              <a:defRPr sz="2800" kern="1200">
-                <a:solidFill>
-                  <a:schemeClr val="tx1"/>
-                </a:solidFill>
-                <a:latin typeface="+mn-lt"/>
-                <a:ea typeface="+mn-ea"/>
-                <a:cs typeface="+mn-cs"/>
-              </a:defRPr>
-            </a:lvl1pPr>
-            <a:lvl2pPr marL="685800" indent="-228600" algn="l" defTabSz="914400" rtl="0" eaLnBrk="1" latinLnBrk="0" hangingPunct="1">
-              <a:lnSpc>
-                <a:spcPct val="90000"/>
-              </a:lnSpc>
-              <a:spcBef>
-                <a:spcPts val="500"/>
-              </a:spcBef>
-              <a:buFont typeface="Arial" panose="020B0604020202020204" pitchFamily="34" charset="0"/>
-              <a:buChar char="•"/>
-              <a:defRPr sz="2400" kern="1200">
-                <a:solidFill>
-                  <a:schemeClr val="tx1"/>
-                </a:solidFill>
-                <a:latin typeface="+mn-lt"/>
-                <a:ea typeface="+mn-ea"/>
-                <a:cs typeface="+mn-cs"/>
-              </a:defRPr>
-            </a:lvl2pPr>
-            <a:lvl3pPr marL="1143000" indent="-228600" algn="l" defTabSz="914400" rtl="0" eaLnBrk="1" latinLnBrk="0" hangingPunct="1">
-              <a:lnSpc>
-                <a:spcPct val="90000"/>
-              </a:lnSpc>
-              <a:spcBef>
-                <a:spcPts val="500"/>
-              </a:spcBef>
-              <a:buFont typeface="Arial" panose="020B0604020202020204" pitchFamily="34" charset="0"/>
-              <a:buChar char="•"/>
-              <a:defRPr sz="2000" kern="1200">
-                <a:solidFill>
-                  <a:schemeClr val="tx1"/>
-                </a:solidFill>
-                <a:latin typeface="+mn-lt"/>
-                <a:ea typeface="+mn-ea"/>
-                <a:cs typeface="+mn-cs"/>
-              </a:defRPr>
-            </a:lvl3pPr>
-            <a:lvl4pPr marL="1600200" indent="-228600" algn="l" defTabSz="914400" rtl="0" eaLnBrk="1" latinLnBrk="0" hangingPunct="1">
-              <a:lnSpc>
-                <a:spcPct val="90000"/>
-              </a:lnSpc>
-              <a:spcBef>
-                <a:spcPts val="500"/>
-              </a:spcBef>
-              <a:buFont typeface="Arial" panose="020B0604020202020204" pitchFamily="34" charset="0"/>
-              <a:buChar char="•"/>
-              <a:defRPr sz="1800" kern="1200">
-                <a:solidFill>
-                  <a:schemeClr val="tx1"/>
-                </a:solidFill>
-                <a:latin typeface="+mn-lt"/>
-                <a:ea typeface="+mn-ea"/>
-                <a:cs typeface="+mn-cs"/>
-              </a:defRPr>
-            </a:lvl4pPr>
-            <a:lvl5pPr marL="2057400" indent="-228600" algn="l" defTabSz="914400" rtl="0" eaLnBrk="1" latinLnBrk="0" hangingPunct="1">
-              <a:lnSpc>
-                <a:spcPct val="90000"/>
-              </a:lnSpc>
-              <a:spcBef>
-                <a:spcPts val="500"/>
-              </a:spcBef>
-              <a:buFont typeface="Arial" panose="020B0604020202020204" pitchFamily="34" charset="0"/>
-              <a:buChar char="•"/>
-              <a:defRPr sz="1800" kern="1200">
-                <a:solidFill>
-                  <a:schemeClr val="tx1"/>
-                </a:solidFill>
-                <a:latin typeface="+mn-lt"/>
-                <a:ea typeface="+mn-ea"/>
-                <a:cs typeface="+mn-cs"/>
-              </a:defRPr>
-            </a:lvl5pPr>
-            <a:lvl6pPr marL="2514600" indent="-228600" algn="l" defTabSz="914400" rtl="0" eaLnBrk="1" latinLnBrk="0" hangingPunct="1">
-              <a:lnSpc>
-                <a:spcPct val="90000"/>
-              </a:lnSpc>
-              <a:spcBef>
-                <a:spcPts val="500"/>
-              </a:spcBef>
-              <a:buFont typeface="Arial" panose="020B0604020202020204" pitchFamily="34" charset="0"/>
-              <a:buChar char="•"/>
-              <a:defRPr sz="1800" kern="1200">
-                <a:solidFill>
-                  <a:schemeClr val="tx1"/>
-                </a:solidFill>
-                <a:latin typeface="+mn-lt"/>
-                <a:ea typeface="+mn-ea"/>
-                <a:cs typeface="+mn-cs"/>
-              </a:defRPr>
-            </a:lvl6pPr>
-            <a:lvl7pPr marL="2971800" indent="-228600" algn="l" defTabSz="914400" rtl="0" eaLnBrk="1" latinLnBrk="0" hangingPunct="1">
-              <a:lnSpc>
-                <a:spcPct val="90000"/>
-              </a:lnSpc>
-              <a:spcBef>
-                <a:spcPts val="500"/>
-              </a:spcBef>
-              <a:buFont typeface="Arial" panose="020B0604020202020204" pitchFamily="34" charset="0"/>
-              <a:buChar char="•"/>
-              <a:defRPr sz="1800" kern="1200">
-                <a:solidFill>
-                  <a:schemeClr val="tx1"/>
-                </a:solidFill>
-                <a:latin typeface="+mn-lt"/>
-                <a:ea typeface="+mn-ea"/>
-                <a:cs typeface="+mn-cs"/>
-              </a:defRPr>
-            </a:lvl7pPr>
-            <a:lvl8pPr marL="3429000" indent="-228600" algn="l" defTabSz="914400" rtl="0" eaLnBrk="1" latinLnBrk="0" hangingPunct="1">
-              <a:lnSpc>
-                <a:spcPct val="90000"/>
-              </a:lnSpc>
-              <a:spcBef>
-                <a:spcPts val="500"/>
-              </a:spcBef>
-              <a:buFont typeface="Arial" panose="020B0604020202020204" pitchFamily="34" charset="0"/>
-              <a:buChar char="•"/>
-              <a:defRPr sz="1800" kern="1200">
-                <a:solidFill>
-                  <a:schemeClr val="tx1"/>
-                </a:solidFill>
-                <a:latin typeface="+mn-lt"/>
-                <a:ea typeface="+mn-ea"/>
-                <a:cs typeface="+mn-cs"/>
-              </a:defRPr>
-            </a:lvl8pPr>
-            <a:lvl9pPr marL="3886200" indent="-228600" algn="l" defTabSz="914400" rtl="0" eaLnBrk="1" latinLnBrk="0" hangingPunct="1">
-              <a:lnSpc>
-                <a:spcPct val="90000"/>
-              </a:lnSpc>
-              <a:spcBef>
-                <a:spcPts val="500"/>
-              </a:spcBef>
-              <a:buFont typeface="Arial" panose="020B0604020202020204" pitchFamily="34" charset="0"/>
-              <a:buChar char="•"/>
-              <a:defRPr sz="1800" kern="1200">
-                <a:solidFill>
-                  <a:schemeClr val="tx1"/>
-                </a:solidFill>
-                <a:latin typeface="+mn-lt"/>
-                <a:ea typeface="+mn-ea"/>
-                <a:cs typeface="+mn-cs"/>
-              </a:defRPr>
-            </a:lvl9pPr>
-          </a:lstStyle>
-          <a:p>
-            <a:pPr marL="0" indent="0" algn="just">
-              <a:buFont typeface="Arial" panose="020B0604020202020204" pitchFamily="34" charset="0"/>
-              <a:buNone/>
-            </a:pPr>
-            <a:r>
-              <a:rPr lang="en-US" sz="3000" dirty="0"/>
-              <a:t>Consider the following instances of </a:t>
-            </a:r>
-            <a:r>
-              <a:rPr lang="en-US" sz="3000" dirty="0">
-                <a:latin typeface="Courier New" panose="02070309020205020404" pitchFamily="49" charset="0"/>
-                <a:cs typeface="Courier New" panose="02070309020205020404" pitchFamily="49" charset="0"/>
-              </a:rPr>
-              <a:t>Performer</a:t>
-            </a:r>
-            <a:r>
-              <a:rPr lang="en-US" sz="3000" dirty="0"/>
-              <a:t> and </a:t>
-            </a:r>
-            <a:r>
-              <a:rPr lang="en-US" sz="3000" dirty="0">
-                <a:latin typeface="Courier New" panose="02070309020205020404" pitchFamily="49" charset="0"/>
-                <a:cs typeface="Courier New" panose="02070309020205020404" pitchFamily="49" charset="0"/>
-              </a:rPr>
-              <a:t>Musician</a:t>
-            </a:r>
-            <a:r>
-              <a:rPr lang="en-US" sz="3000" dirty="0"/>
-              <a:t>. Which Constructor calls are valid or invalid?</a:t>
-            </a:r>
-          </a:p>
-        </p:txBody>
-      </p:sp>
-      <p:sp>
-        <p:nvSpPr>
-          <p:cNvPr id="8" name="Content Placeholder 2">
-            <a:extLst>
-              <a:ext uri="{FF2B5EF4-FFF2-40B4-BE49-F238E27FC236}">
-                <a16:creationId xmlns:a16="http://schemas.microsoft.com/office/drawing/2014/main" id="{55CDFDD1-31FD-FC4C-DCFF-9377F8ADF381}"/>
-              </a:ext>
-            </a:extLst>
-          </p:cNvPr>
-          <p:cNvSpPr txBox="1">
-            <a:spLocks/>
-          </p:cNvSpPr>
-          <p:nvPr/>
-        </p:nvSpPr>
-        <p:spPr>
-          <a:xfrm>
-            <a:off x="800099" y="3581400"/>
-            <a:ext cx="10759067" cy="2694090"/>
-          </a:xfrm>
-          <a:prstGeom prst="rect">
-            <a:avLst/>
-          </a:prstGeom>
-        </p:spPr>
-        <p:txBody>
-          <a:bodyPr>
-            <a:normAutofit/>
-          </a:bodyPr>
-          <a:lstStyle>
-            <a:lvl1pPr marL="228600" indent="-228600" algn="l" defTabSz="914400" rtl="0" eaLnBrk="1" latinLnBrk="0" hangingPunct="1">
-              <a:lnSpc>
-                <a:spcPct val="90000"/>
-              </a:lnSpc>
-              <a:spcBef>
-                <a:spcPts val="1000"/>
-              </a:spcBef>
-              <a:buFont typeface="Arial" panose="020B0604020202020204" pitchFamily="34" charset="0"/>
-              <a:buChar char="•"/>
-              <a:defRPr sz="2800" kern="1200">
-                <a:solidFill>
-                  <a:schemeClr val="tx1"/>
-                </a:solidFill>
-                <a:latin typeface="+mn-lt"/>
-                <a:ea typeface="+mn-ea"/>
-                <a:cs typeface="+mn-cs"/>
-              </a:defRPr>
-            </a:lvl1pPr>
-            <a:lvl2pPr marL="685800" indent="-228600" algn="l" defTabSz="914400" rtl="0" eaLnBrk="1" latinLnBrk="0" hangingPunct="1">
-              <a:lnSpc>
-                <a:spcPct val="90000"/>
-              </a:lnSpc>
-              <a:spcBef>
-                <a:spcPts val="500"/>
-              </a:spcBef>
-              <a:buFont typeface="Arial" panose="020B0604020202020204" pitchFamily="34" charset="0"/>
-              <a:buChar char="•"/>
-              <a:defRPr sz="2400" kern="1200">
-                <a:solidFill>
-                  <a:schemeClr val="tx1"/>
-                </a:solidFill>
-                <a:latin typeface="+mn-lt"/>
-                <a:ea typeface="+mn-ea"/>
-                <a:cs typeface="+mn-cs"/>
-              </a:defRPr>
-            </a:lvl2pPr>
-            <a:lvl3pPr marL="1143000" indent="-228600" algn="l" defTabSz="914400" rtl="0" eaLnBrk="1" latinLnBrk="0" hangingPunct="1">
-              <a:lnSpc>
-                <a:spcPct val="90000"/>
-              </a:lnSpc>
-              <a:spcBef>
-                <a:spcPts val="500"/>
-              </a:spcBef>
-              <a:buFont typeface="Arial" panose="020B0604020202020204" pitchFamily="34" charset="0"/>
-              <a:buChar char="•"/>
-              <a:defRPr sz="2000" kern="1200">
-                <a:solidFill>
-                  <a:schemeClr val="tx1"/>
-                </a:solidFill>
-                <a:latin typeface="+mn-lt"/>
-                <a:ea typeface="+mn-ea"/>
-                <a:cs typeface="+mn-cs"/>
-              </a:defRPr>
-            </a:lvl3pPr>
-            <a:lvl4pPr marL="1600200" indent="-228600" algn="l" defTabSz="914400" rtl="0" eaLnBrk="1" latinLnBrk="0" hangingPunct="1">
-              <a:lnSpc>
-                <a:spcPct val="90000"/>
-              </a:lnSpc>
-              <a:spcBef>
-                <a:spcPts val="500"/>
-              </a:spcBef>
-              <a:buFont typeface="Arial" panose="020B0604020202020204" pitchFamily="34" charset="0"/>
-              <a:buChar char="•"/>
-              <a:defRPr sz="1800" kern="1200">
-                <a:solidFill>
-                  <a:schemeClr val="tx1"/>
-                </a:solidFill>
-                <a:latin typeface="+mn-lt"/>
-                <a:ea typeface="+mn-ea"/>
-                <a:cs typeface="+mn-cs"/>
-              </a:defRPr>
-            </a:lvl4pPr>
-            <a:lvl5pPr marL="2057400" indent="-228600" algn="l" defTabSz="914400" rtl="0" eaLnBrk="1" latinLnBrk="0" hangingPunct="1">
-              <a:lnSpc>
-                <a:spcPct val="90000"/>
-              </a:lnSpc>
-              <a:spcBef>
-                <a:spcPts val="500"/>
-              </a:spcBef>
-              <a:buFont typeface="Arial" panose="020B0604020202020204" pitchFamily="34" charset="0"/>
-              <a:buChar char="•"/>
-              <a:defRPr sz="1800" kern="1200">
-                <a:solidFill>
-                  <a:schemeClr val="tx1"/>
-                </a:solidFill>
-                <a:latin typeface="+mn-lt"/>
-                <a:ea typeface="+mn-ea"/>
-                <a:cs typeface="+mn-cs"/>
-              </a:defRPr>
-            </a:lvl5pPr>
-            <a:lvl6pPr marL="2514600" indent="-228600" algn="l" defTabSz="914400" rtl="0" eaLnBrk="1" latinLnBrk="0" hangingPunct="1">
-              <a:lnSpc>
-                <a:spcPct val="90000"/>
-              </a:lnSpc>
-              <a:spcBef>
-                <a:spcPts val="500"/>
-              </a:spcBef>
-              <a:buFont typeface="Arial" panose="020B0604020202020204" pitchFamily="34" charset="0"/>
-              <a:buChar char="•"/>
-              <a:defRPr sz="1800" kern="1200">
-                <a:solidFill>
-                  <a:schemeClr val="tx1"/>
-                </a:solidFill>
-                <a:latin typeface="+mn-lt"/>
-                <a:ea typeface="+mn-ea"/>
-                <a:cs typeface="+mn-cs"/>
-              </a:defRPr>
-            </a:lvl6pPr>
-            <a:lvl7pPr marL="2971800" indent="-228600" algn="l" defTabSz="914400" rtl="0" eaLnBrk="1" latinLnBrk="0" hangingPunct="1">
-              <a:lnSpc>
-                <a:spcPct val="90000"/>
-              </a:lnSpc>
-              <a:spcBef>
-                <a:spcPts val="500"/>
-              </a:spcBef>
-              <a:buFont typeface="Arial" panose="020B0604020202020204" pitchFamily="34" charset="0"/>
-              <a:buChar char="•"/>
-              <a:defRPr sz="1800" kern="1200">
-                <a:solidFill>
-                  <a:schemeClr val="tx1"/>
-                </a:solidFill>
-                <a:latin typeface="+mn-lt"/>
-                <a:ea typeface="+mn-ea"/>
-                <a:cs typeface="+mn-cs"/>
-              </a:defRPr>
-            </a:lvl7pPr>
-            <a:lvl8pPr marL="3429000" indent="-228600" algn="l" defTabSz="914400" rtl="0" eaLnBrk="1" latinLnBrk="0" hangingPunct="1">
-              <a:lnSpc>
-                <a:spcPct val="90000"/>
-              </a:lnSpc>
-              <a:spcBef>
-                <a:spcPts val="500"/>
-              </a:spcBef>
-              <a:buFont typeface="Arial" panose="020B0604020202020204" pitchFamily="34" charset="0"/>
-              <a:buChar char="•"/>
-              <a:defRPr sz="1800" kern="1200">
-                <a:solidFill>
-                  <a:schemeClr val="tx1"/>
-                </a:solidFill>
-                <a:latin typeface="+mn-lt"/>
-                <a:ea typeface="+mn-ea"/>
-                <a:cs typeface="+mn-cs"/>
-              </a:defRPr>
-            </a:lvl8pPr>
-            <a:lvl9pPr marL="3886200" indent="-228600" algn="l" defTabSz="914400" rtl="0" eaLnBrk="1" latinLnBrk="0" hangingPunct="1">
-              <a:lnSpc>
-                <a:spcPct val="90000"/>
-              </a:lnSpc>
-              <a:spcBef>
-                <a:spcPts val="500"/>
-              </a:spcBef>
-              <a:buFont typeface="Arial" panose="020B0604020202020204" pitchFamily="34" charset="0"/>
-              <a:buChar char="•"/>
-              <a:defRPr sz="1800" kern="1200">
-                <a:solidFill>
-                  <a:schemeClr val="tx1"/>
-                </a:solidFill>
-                <a:latin typeface="+mn-lt"/>
-                <a:ea typeface="+mn-ea"/>
-                <a:cs typeface="+mn-cs"/>
-              </a:defRPr>
-            </a:lvl9pPr>
-          </a:lstStyle>
-          <a:p>
-            <a:pPr marL="0" indent="0" algn="just">
-              <a:buFont typeface="Arial" panose="020B0604020202020204" pitchFamily="34" charset="0"/>
-              <a:buNone/>
-            </a:pPr>
-            <a:r>
-              <a:rPr lang="en-US" sz="1600" dirty="0">
-                <a:latin typeface="Courier New" panose="02070309020205020404" pitchFamily="49" charset="0"/>
-                <a:cs typeface="Courier New" panose="02070309020205020404" pitchFamily="49" charset="0"/>
-              </a:rPr>
-              <a:t>Performer </a:t>
-            </a:r>
-            <a:r>
-              <a:rPr lang="en-US" sz="1600" dirty="0" err="1">
-                <a:latin typeface="Courier New" panose="02070309020205020404" pitchFamily="49" charset="0"/>
-                <a:cs typeface="Courier New" panose="02070309020205020404" pitchFamily="49" charset="0"/>
-              </a:rPr>
-              <a:t>james</a:t>
-            </a:r>
-            <a:r>
-              <a:rPr lang="en-US" sz="1600" dirty="0">
-                <a:latin typeface="Courier New" panose="02070309020205020404" pitchFamily="49" charset="0"/>
-                <a:cs typeface="Courier New" panose="02070309020205020404" pitchFamily="49" charset="0"/>
-              </a:rPr>
-              <a:t> = new Performer();</a:t>
-            </a:r>
-          </a:p>
-          <a:p>
-            <a:pPr marL="0" indent="0" algn="just">
-              <a:buFont typeface="Arial" panose="020B0604020202020204" pitchFamily="34" charset="0"/>
-              <a:buNone/>
-            </a:pPr>
-            <a:r>
-              <a:rPr lang="en-US" sz="1600" dirty="0">
-                <a:latin typeface="Courier New" panose="02070309020205020404" pitchFamily="49" charset="0"/>
-                <a:cs typeface="Courier New" panose="02070309020205020404" pitchFamily="49" charset="0"/>
-              </a:rPr>
-              <a:t>Musician </a:t>
-            </a:r>
-            <a:r>
-              <a:rPr lang="en-US" sz="1600" dirty="0" err="1">
-                <a:latin typeface="Courier New" panose="02070309020205020404" pitchFamily="49" charset="0"/>
-                <a:cs typeface="Courier New" panose="02070309020205020404" pitchFamily="49" charset="0"/>
-              </a:rPr>
-              <a:t>lisa</a:t>
-            </a:r>
-            <a:r>
-              <a:rPr lang="en-US" sz="1600" dirty="0">
-                <a:latin typeface="Courier New" panose="02070309020205020404" pitchFamily="49" charset="0"/>
-                <a:cs typeface="Courier New" panose="02070309020205020404" pitchFamily="49" charset="0"/>
-              </a:rPr>
-              <a:t> = new Musician();</a:t>
-            </a:r>
-          </a:p>
-          <a:p>
-            <a:pPr marL="0" indent="0" algn="just">
-              <a:buFont typeface="Arial" panose="020B0604020202020204" pitchFamily="34" charset="0"/>
-              <a:buNone/>
-            </a:pPr>
-            <a:r>
-              <a:rPr lang="en-US" sz="1600" dirty="0">
-                <a:latin typeface="Courier New" panose="02070309020205020404" pitchFamily="49" charset="0"/>
-                <a:cs typeface="Courier New" panose="02070309020205020404" pitchFamily="49" charset="0"/>
-              </a:rPr>
-              <a:t>Performer </a:t>
-            </a:r>
-            <a:r>
-              <a:rPr lang="en-US" sz="1600" dirty="0" err="1">
-                <a:latin typeface="Courier New" panose="02070309020205020404" pitchFamily="49" charset="0"/>
-                <a:cs typeface="Courier New" panose="02070309020205020404" pitchFamily="49" charset="0"/>
-              </a:rPr>
-              <a:t>james</a:t>
-            </a:r>
-            <a:r>
-              <a:rPr lang="en-US" sz="1600" dirty="0">
-                <a:latin typeface="Courier New" panose="02070309020205020404" pitchFamily="49" charset="0"/>
-                <a:cs typeface="Courier New" panose="02070309020205020404" pitchFamily="49" charset="0"/>
-              </a:rPr>
-              <a:t> = new Performer(“James”, 19);</a:t>
-            </a:r>
-          </a:p>
-          <a:p>
-            <a:pPr marL="0" indent="0" algn="just">
-              <a:buFont typeface="Arial" panose="020B0604020202020204" pitchFamily="34" charset="0"/>
-              <a:buNone/>
-            </a:pPr>
-            <a:r>
-              <a:rPr lang="en-US" sz="1600" dirty="0">
-                <a:latin typeface="Courier New" panose="02070309020205020404" pitchFamily="49" charset="0"/>
-                <a:cs typeface="Courier New" panose="02070309020205020404" pitchFamily="49" charset="0"/>
-              </a:rPr>
-              <a:t>Musician </a:t>
-            </a:r>
-            <a:r>
-              <a:rPr lang="en-US" sz="1600" dirty="0" err="1">
-                <a:latin typeface="Courier New" panose="02070309020205020404" pitchFamily="49" charset="0"/>
-                <a:cs typeface="Courier New" panose="02070309020205020404" pitchFamily="49" charset="0"/>
-              </a:rPr>
-              <a:t>lisa</a:t>
-            </a:r>
-            <a:r>
-              <a:rPr lang="en-US" sz="1600" dirty="0">
-                <a:latin typeface="Courier New" panose="02070309020205020404" pitchFamily="49" charset="0"/>
-                <a:cs typeface="Courier New" panose="02070309020205020404" pitchFamily="49" charset="0"/>
-              </a:rPr>
-              <a:t> = new Musician(“Lisa”, 20);</a:t>
-            </a:r>
-          </a:p>
-          <a:p>
-            <a:pPr marL="0" indent="0" algn="just">
-              <a:buFont typeface="Arial" panose="020B0604020202020204" pitchFamily="34" charset="0"/>
-              <a:buNone/>
-            </a:pPr>
-            <a:r>
-              <a:rPr lang="en-US" sz="1600" dirty="0">
-                <a:latin typeface="Courier New" panose="02070309020205020404" pitchFamily="49" charset="0"/>
-                <a:cs typeface="Courier New" panose="02070309020205020404" pitchFamily="49" charset="0"/>
-              </a:rPr>
-              <a:t>Musician </a:t>
-            </a:r>
-            <a:r>
-              <a:rPr lang="en-US" sz="1600" dirty="0" err="1">
-                <a:latin typeface="Courier New" panose="02070309020205020404" pitchFamily="49" charset="0"/>
-                <a:cs typeface="Courier New" panose="02070309020205020404" pitchFamily="49" charset="0"/>
-              </a:rPr>
-              <a:t>lisa</a:t>
-            </a:r>
-            <a:r>
-              <a:rPr lang="en-US" sz="1600" dirty="0">
-                <a:latin typeface="Courier New" panose="02070309020205020404" pitchFamily="49" charset="0"/>
-                <a:cs typeface="Courier New" panose="02070309020205020404" pitchFamily="49" charset="0"/>
-              </a:rPr>
-              <a:t> = new Musician(“Saxophone”);</a:t>
-            </a:r>
-          </a:p>
-          <a:p>
-            <a:pPr marL="0" indent="0" algn="just">
-              <a:buFont typeface="Arial" panose="020B0604020202020204" pitchFamily="34" charset="0"/>
-              <a:buNone/>
-            </a:pPr>
-            <a:r>
-              <a:rPr lang="en-US" sz="1600" dirty="0">
-                <a:latin typeface="Courier New" panose="02070309020205020404" pitchFamily="49" charset="0"/>
-                <a:cs typeface="Courier New" panose="02070309020205020404" pitchFamily="49" charset="0"/>
-              </a:rPr>
-              <a:t>Performer </a:t>
-            </a:r>
-            <a:r>
-              <a:rPr lang="en-US" sz="1600" dirty="0" err="1">
-                <a:latin typeface="Courier New" panose="02070309020205020404" pitchFamily="49" charset="0"/>
-                <a:cs typeface="Courier New" panose="02070309020205020404" pitchFamily="49" charset="0"/>
-              </a:rPr>
-              <a:t>james</a:t>
-            </a:r>
-            <a:r>
-              <a:rPr lang="en-US" sz="1600" dirty="0">
-                <a:latin typeface="Courier New" panose="02070309020205020404" pitchFamily="49" charset="0"/>
-                <a:cs typeface="Courier New" panose="02070309020205020404" pitchFamily="49" charset="0"/>
-              </a:rPr>
-              <a:t> = new Performer(“Trumpet”);</a:t>
-            </a:r>
-          </a:p>
-          <a:p>
-            <a:pPr marL="0" indent="0" algn="just">
-              <a:buFont typeface="Arial" panose="020B0604020202020204" pitchFamily="34" charset="0"/>
-              <a:buNone/>
-            </a:pPr>
-            <a:r>
-              <a:rPr lang="en-US" sz="1600" dirty="0">
-                <a:latin typeface="Courier New" panose="02070309020205020404" pitchFamily="49" charset="0"/>
-                <a:cs typeface="Courier New" panose="02070309020205020404" pitchFamily="49" charset="0"/>
-              </a:rPr>
-              <a:t>Musician </a:t>
-            </a:r>
-            <a:r>
-              <a:rPr lang="en-US" sz="1600" dirty="0" err="1">
-                <a:latin typeface="Courier New" panose="02070309020205020404" pitchFamily="49" charset="0"/>
-                <a:cs typeface="Courier New" panose="02070309020205020404" pitchFamily="49" charset="0"/>
-              </a:rPr>
-              <a:t>lisa</a:t>
-            </a:r>
-            <a:r>
-              <a:rPr lang="en-US" sz="1600" dirty="0">
-                <a:latin typeface="Courier New" panose="02070309020205020404" pitchFamily="49" charset="0"/>
-                <a:cs typeface="Courier New" panose="02070309020205020404" pitchFamily="49" charset="0"/>
-              </a:rPr>
-              <a:t> = new Musician(“Lisa”, 20, “Saxophone”); </a:t>
-            </a:r>
-          </a:p>
-        </p:txBody>
-      </p:sp>
-      <p:pic>
-        <p:nvPicPr>
-          <p:cNvPr id="6" name="Picture 5">
-            <a:extLst>
-              <a:ext uri="{FF2B5EF4-FFF2-40B4-BE49-F238E27FC236}">
-                <a16:creationId xmlns:a16="http://schemas.microsoft.com/office/drawing/2014/main" id="{46CCD8D6-302B-C64E-0A8A-DFFE10EE2E7E}"/>
-              </a:ext>
-            </a:extLst>
-          </p:cNvPr>
-          <p:cNvPicPr>
-            <a:picLocks noChangeAspect="1"/>
-          </p:cNvPicPr>
-          <p:nvPr/>
-        </p:nvPicPr>
-        <p:blipFill>
-          <a:blip r:embed="rId3"/>
-          <a:stretch>
-            <a:fillRect/>
-          </a:stretch>
-        </p:blipFill>
-        <p:spPr>
-          <a:xfrm>
-            <a:off x="774700" y="1172539"/>
-            <a:ext cx="11042966" cy="1731620"/>
-          </a:xfrm>
-          <a:prstGeom prst="rect">
-            <a:avLst/>
-          </a:prstGeom>
-        </p:spPr>
-      </p:pic>
-      <p:pic>
-        <p:nvPicPr>
-          <p:cNvPr id="1026" name="Picture 2" descr="JGrasp icon in iOS Style">
-            <a:extLst>
-              <a:ext uri="{FF2B5EF4-FFF2-40B4-BE49-F238E27FC236}">
-                <a16:creationId xmlns:a16="http://schemas.microsoft.com/office/drawing/2014/main" id="{A521E497-3006-C355-F393-3365CF285E9D}"/>
-              </a:ext>
-            </a:extLst>
-          </p:cNvPr>
-          <p:cNvPicPr>
-            <a:picLocks noChangeAspect="1" noChangeArrowheads="1"/>
-          </p:cNvPicPr>
-          <p:nvPr/>
-        </p:nvPicPr>
-        <p:blipFill>
-          <a:blip r:embed="rId4">
-            <a:extLst>
-              <a:ext uri="{28A0092B-C50C-407E-A947-70E740481C1C}">
-                <a14:useLocalDpi xmlns:a14="http://schemas.microsoft.com/office/drawing/2010/main" val="0"/>
-              </a:ext>
-            </a:extLst>
-          </a:blip>
-          <a:srcRect/>
-          <a:stretch>
-            <a:fillRect/>
-          </a:stretch>
-        </p:blipFill>
-        <p:spPr bwMode="auto">
-          <a:xfrm>
-            <a:off x="10833102" y="5584371"/>
-            <a:ext cx="1211942" cy="1211942"/>
-          </a:xfrm>
-          <a:prstGeom prst="rect">
-            <a:avLst/>
-          </a:prstGeom>
-          <a:noFill/>
-          <a:extLst>
-            <a:ext uri="{909E8E84-426E-40DD-AFC4-6F175D3DCCD1}">
-              <a14:hiddenFill xmlns:a14="http://schemas.microsoft.com/office/drawing/2010/main">
-                <a:solidFill>
-                  <a:srgbClr val="FFFFFF"/>
-                </a:solidFill>
-              </a14:hiddenFill>
-            </a:ext>
-          </a:extLst>
-        </p:spPr>
-      </p:pic>
+          <p:nvPr>
+            <p:ph sz="half" idx="2"/>
+          </p:nvPr>
+        </p:nvSpPr>
+        <p:spPr/>
+        <p:txBody>
+          <a:bodyPr/>
+          <a:lstStyle/>
+          <a:p>
+            <a:r>
+              <a:rPr lang="en-US" dirty="0"/>
+              <a:t>Instantiate</a:t>
+            </a:r>
+          </a:p>
+          <a:p>
+            <a:r>
+              <a:rPr lang="en-US" dirty="0"/>
+              <a:t>Inheritance</a:t>
+            </a:r>
+          </a:p>
+          <a:p>
+            <a:r>
+              <a:rPr lang="en-US" dirty="0"/>
+              <a:t>Overriding Methods</a:t>
+            </a:r>
+          </a:p>
+          <a:p>
+            <a:r>
+              <a:rPr lang="en-US" dirty="0"/>
+              <a:t>Object Class</a:t>
+            </a:r>
+          </a:p>
+          <a:p>
+            <a:r>
+              <a:rPr lang="en-US" dirty="0"/>
+              <a:t>Extends</a:t>
+            </a:r>
+          </a:p>
+          <a:p>
+            <a:r>
+              <a:rPr lang="en-US" dirty="0"/>
+              <a:t>IS-A Relationship</a:t>
+            </a:r>
+          </a:p>
+          <a:p>
+            <a:r>
+              <a:rPr lang="en-US" dirty="0"/>
+              <a:t>HAS-A Relationship</a:t>
+            </a:r>
+          </a:p>
+        </p:txBody>
+      </p:sp>
     </p:spTree>
     <p:extLst>
       <p:ext uri="{BB962C8B-B14F-4D97-AF65-F5344CB8AC3E}">
-        <p14:creationId xmlns:p14="http://schemas.microsoft.com/office/powerpoint/2010/main" val="481567322"/>
+        <p14:creationId xmlns:p14="http://schemas.microsoft.com/office/powerpoint/2010/main" val="2753895041"/>
       </p:ext>
     </p:extLst>
   </p:cSld>
@@ -5590,6 +5657,2140 @@
           <p:cNvPr id="3" name="Picture 2">
             <a:extLst>
               <a:ext uri="{FF2B5EF4-FFF2-40B4-BE49-F238E27FC236}">
+                <a16:creationId xmlns:a16="http://schemas.microsoft.com/office/drawing/2014/main" id="{64EAF6D7-2C10-CD29-7F1A-599A3CA53BEF}"/>
+              </a:ext>
+            </a:extLst>
+          </p:cNvPr>
+          <p:cNvPicPr>
+            <a:picLocks noChangeAspect="1"/>
+          </p:cNvPicPr>
+          <p:nvPr/>
+        </p:nvPicPr>
+        <p:blipFill>
+          <a:blip r:embed="rId2"/>
+          <a:stretch>
+            <a:fillRect/>
+          </a:stretch>
+        </p:blipFill>
+        <p:spPr>
+          <a:xfrm>
+            <a:off x="774700" y="1333500"/>
+            <a:ext cx="11088449" cy="1639990"/>
+          </a:xfrm>
+          <a:prstGeom prst="rect">
+            <a:avLst/>
+          </a:prstGeom>
+        </p:spPr>
+      </p:pic>
+      <p:sp>
+        <p:nvSpPr>
+          <p:cNvPr id="4" name="Content Placeholder 2">
+            <a:extLst>
+              <a:ext uri="{FF2B5EF4-FFF2-40B4-BE49-F238E27FC236}">
+                <a16:creationId xmlns:a16="http://schemas.microsoft.com/office/drawing/2014/main" id="{EC865C9D-94CA-93BE-8D99-C11AFAD99A74}"/>
+              </a:ext>
+            </a:extLst>
+          </p:cNvPr>
+          <p:cNvSpPr txBox="1">
+            <a:spLocks/>
+          </p:cNvSpPr>
+          <p:nvPr/>
+        </p:nvSpPr>
+        <p:spPr>
+          <a:xfrm>
+            <a:off x="774700" y="582510"/>
+            <a:ext cx="10759067" cy="649390"/>
+          </a:xfrm>
+          <a:prstGeom prst="rect">
+            <a:avLst/>
+          </a:prstGeom>
+        </p:spPr>
+        <p:txBody>
+          <a:bodyPr>
+            <a:normAutofit/>
+          </a:bodyPr>
+          <a:lstStyle>
+            <a:lvl1pPr marL="228600" indent="-228600" algn="l" defTabSz="914400" rtl="0" eaLnBrk="1" latinLnBrk="0" hangingPunct="1">
+              <a:lnSpc>
+                <a:spcPct val="90000"/>
+              </a:lnSpc>
+              <a:spcBef>
+                <a:spcPts val="1000"/>
+              </a:spcBef>
+              <a:buFont typeface="Arial" panose="020B0604020202020204" pitchFamily="34" charset="0"/>
+              <a:buChar char="•"/>
+              <a:defRPr sz="2800" kern="1200">
+                <a:solidFill>
+                  <a:schemeClr val="tx1"/>
+                </a:solidFill>
+                <a:latin typeface="+mn-lt"/>
+                <a:ea typeface="+mn-ea"/>
+                <a:cs typeface="+mn-cs"/>
+              </a:defRPr>
+            </a:lvl1pPr>
+            <a:lvl2pPr marL="685800" indent="-228600" algn="l" defTabSz="914400" rtl="0" eaLnBrk="1" latinLnBrk="0" hangingPunct="1">
+              <a:lnSpc>
+                <a:spcPct val="90000"/>
+              </a:lnSpc>
+              <a:spcBef>
+                <a:spcPts val="500"/>
+              </a:spcBef>
+              <a:buFont typeface="Arial" panose="020B0604020202020204" pitchFamily="34" charset="0"/>
+              <a:buChar char="•"/>
+              <a:defRPr sz="2400" kern="1200">
+                <a:solidFill>
+                  <a:schemeClr val="tx1"/>
+                </a:solidFill>
+                <a:latin typeface="+mn-lt"/>
+                <a:ea typeface="+mn-ea"/>
+                <a:cs typeface="+mn-cs"/>
+              </a:defRPr>
+            </a:lvl2pPr>
+            <a:lvl3pPr marL="1143000" indent="-228600" algn="l" defTabSz="914400" rtl="0" eaLnBrk="1" latinLnBrk="0" hangingPunct="1">
+              <a:lnSpc>
+                <a:spcPct val="90000"/>
+              </a:lnSpc>
+              <a:spcBef>
+                <a:spcPts val="500"/>
+              </a:spcBef>
+              <a:buFont typeface="Arial" panose="020B0604020202020204" pitchFamily="34" charset="0"/>
+              <a:buChar char="•"/>
+              <a:defRPr sz="2000" kern="1200">
+                <a:solidFill>
+                  <a:schemeClr val="tx1"/>
+                </a:solidFill>
+                <a:latin typeface="+mn-lt"/>
+                <a:ea typeface="+mn-ea"/>
+                <a:cs typeface="+mn-cs"/>
+              </a:defRPr>
+            </a:lvl3pPr>
+            <a:lvl4pPr marL="1600200" indent="-228600" algn="l" defTabSz="914400" rtl="0" eaLnBrk="1" latinLnBrk="0" hangingPunct="1">
+              <a:lnSpc>
+                <a:spcPct val="90000"/>
+              </a:lnSpc>
+              <a:spcBef>
+                <a:spcPts val="500"/>
+              </a:spcBef>
+              <a:buFont typeface="Arial" panose="020B0604020202020204" pitchFamily="34" charset="0"/>
+              <a:buChar char="•"/>
+              <a:defRPr sz="1800" kern="1200">
+                <a:solidFill>
+                  <a:schemeClr val="tx1"/>
+                </a:solidFill>
+                <a:latin typeface="+mn-lt"/>
+                <a:ea typeface="+mn-ea"/>
+                <a:cs typeface="+mn-cs"/>
+              </a:defRPr>
+            </a:lvl4pPr>
+            <a:lvl5pPr marL="2057400" indent="-228600" algn="l" defTabSz="914400" rtl="0" eaLnBrk="1" latinLnBrk="0" hangingPunct="1">
+              <a:lnSpc>
+                <a:spcPct val="90000"/>
+              </a:lnSpc>
+              <a:spcBef>
+                <a:spcPts val="500"/>
+              </a:spcBef>
+              <a:buFont typeface="Arial" panose="020B0604020202020204" pitchFamily="34" charset="0"/>
+              <a:buChar char="•"/>
+              <a:defRPr sz="1800" kern="1200">
+                <a:solidFill>
+                  <a:schemeClr val="tx1"/>
+                </a:solidFill>
+                <a:latin typeface="+mn-lt"/>
+                <a:ea typeface="+mn-ea"/>
+                <a:cs typeface="+mn-cs"/>
+              </a:defRPr>
+            </a:lvl5pPr>
+            <a:lvl6pPr marL="2514600" indent="-228600" algn="l" defTabSz="914400" rtl="0" eaLnBrk="1" latinLnBrk="0" hangingPunct="1">
+              <a:lnSpc>
+                <a:spcPct val="90000"/>
+              </a:lnSpc>
+              <a:spcBef>
+                <a:spcPts val="500"/>
+              </a:spcBef>
+              <a:buFont typeface="Arial" panose="020B0604020202020204" pitchFamily="34" charset="0"/>
+              <a:buChar char="•"/>
+              <a:defRPr sz="1800" kern="1200">
+                <a:solidFill>
+                  <a:schemeClr val="tx1"/>
+                </a:solidFill>
+                <a:latin typeface="+mn-lt"/>
+                <a:ea typeface="+mn-ea"/>
+                <a:cs typeface="+mn-cs"/>
+              </a:defRPr>
+            </a:lvl6pPr>
+            <a:lvl7pPr marL="2971800" indent="-228600" algn="l" defTabSz="914400" rtl="0" eaLnBrk="1" latinLnBrk="0" hangingPunct="1">
+              <a:lnSpc>
+                <a:spcPct val="90000"/>
+              </a:lnSpc>
+              <a:spcBef>
+                <a:spcPts val="500"/>
+              </a:spcBef>
+              <a:buFont typeface="Arial" panose="020B0604020202020204" pitchFamily="34" charset="0"/>
+              <a:buChar char="•"/>
+              <a:defRPr sz="1800" kern="1200">
+                <a:solidFill>
+                  <a:schemeClr val="tx1"/>
+                </a:solidFill>
+                <a:latin typeface="+mn-lt"/>
+                <a:ea typeface="+mn-ea"/>
+                <a:cs typeface="+mn-cs"/>
+              </a:defRPr>
+            </a:lvl7pPr>
+            <a:lvl8pPr marL="3429000" indent="-228600" algn="l" defTabSz="914400" rtl="0" eaLnBrk="1" latinLnBrk="0" hangingPunct="1">
+              <a:lnSpc>
+                <a:spcPct val="90000"/>
+              </a:lnSpc>
+              <a:spcBef>
+                <a:spcPts val="500"/>
+              </a:spcBef>
+              <a:buFont typeface="Arial" panose="020B0604020202020204" pitchFamily="34" charset="0"/>
+              <a:buChar char="•"/>
+              <a:defRPr sz="1800" kern="1200">
+                <a:solidFill>
+                  <a:schemeClr val="tx1"/>
+                </a:solidFill>
+                <a:latin typeface="+mn-lt"/>
+                <a:ea typeface="+mn-ea"/>
+                <a:cs typeface="+mn-cs"/>
+              </a:defRPr>
+            </a:lvl8pPr>
+            <a:lvl9pPr marL="3886200" indent="-228600" algn="l" defTabSz="914400" rtl="0" eaLnBrk="1" latinLnBrk="0" hangingPunct="1">
+              <a:lnSpc>
+                <a:spcPct val="90000"/>
+              </a:lnSpc>
+              <a:spcBef>
+                <a:spcPts val="500"/>
+              </a:spcBef>
+              <a:buFont typeface="Arial" panose="020B0604020202020204" pitchFamily="34" charset="0"/>
+              <a:buChar char="•"/>
+              <a:defRPr sz="1800" kern="1200">
+                <a:solidFill>
+                  <a:schemeClr val="tx1"/>
+                </a:solidFill>
+                <a:latin typeface="+mn-lt"/>
+                <a:ea typeface="+mn-ea"/>
+                <a:cs typeface="+mn-cs"/>
+              </a:defRPr>
+            </a:lvl9pPr>
+          </a:lstStyle>
+          <a:p>
+            <a:pPr marL="0" indent="0" algn="just">
+              <a:buFont typeface="Arial" panose="020B0604020202020204" pitchFamily="34" charset="0"/>
+              <a:buNone/>
+            </a:pPr>
+            <a:r>
+              <a:rPr lang="en-US" sz="2000" dirty="0"/>
+              <a:t>By using the </a:t>
+            </a:r>
+            <a:r>
+              <a:rPr lang="en-US" sz="2000" b="1" dirty="0">
+                <a:latin typeface="Courier New" panose="02070309020205020404" pitchFamily="49" charset="0"/>
+                <a:cs typeface="Courier New" panose="02070309020205020404" pitchFamily="49" charset="0"/>
+              </a:rPr>
+              <a:t>extends</a:t>
+            </a:r>
+            <a:r>
+              <a:rPr lang="en-US" sz="2000" dirty="0"/>
+              <a:t> keyword, the subclass </a:t>
+            </a:r>
+            <a:r>
+              <a:rPr lang="en-US" sz="2000" dirty="0">
+                <a:latin typeface="Courier New" panose="02070309020205020404" pitchFamily="49" charset="0"/>
+                <a:cs typeface="Courier New" panose="02070309020205020404" pitchFamily="49" charset="0"/>
+              </a:rPr>
+              <a:t>Musician</a:t>
+            </a:r>
+            <a:r>
+              <a:rPr lang="en-US" sz="2000" dirty="0"/>
+              <a:t> inherits all methods and fields of the superclass </a:t>
+            </a:r>
+            <a:r>
+              <a:rPr lang="en-US" sz="2000" dirty="0">
+                <a:latin typeface="Courier New" panose="02070309020205020404" pitchFamily="49" charset="0"/>
+                <a:cs typeface="Courier New" panose="02070309020205020404" pitchFamily="49" charset="0"/>
+              </a:rPr>
+              <a:t>Performer</a:t>
+            </a:r>
+            <a:r>
+              <a:rPr lang="en-US" sz="2000" dirty="0"/>
+              <a:t> without duplicating code.</a:t>
+            </a:r>
+          </a:p>
+        </p:txBody>
+      </p:sp>
+      <p:sp>
+        <p:nvSpPr>
+          <p:cNvPr id="5" name="Content Placeholder 2">
+            <a:extLst>
+              <a:ext uri="{FF2B5EF4-FFF2-40B4-BE49-F238E27FC236}">
+                <a16:creationId xmlns:a16="http://schemas.microsoft.com/office/drawing/2014/main" id="{854C07DF-04E6-989A-A5F8-DD99E84F6881}"/>
+              </a:ext>
+            </a:extLst>
+          </p:cNvPr>
+          <p:cNvSpPr txBox="1">
+            <a:spLocks/>
+          </p:cNvSpPr>
+          <p:nvPr/>
+        </p:nvSpPr>
+        <p:spPr>
+          <a:xfrm>
+            <a:off x="774700" y="3213100"/>
+            <a:ext cx="10759067" cy="1003300"/>
+          </a:xfrm>
+          <a:prstGeom prst="rect">
+            <a:avLst/>
+          </a:prstGeom>
+        </p:spPr>
+        <p:txBody>
+          <a:bodyPr>
+            <a:normAutofit fontScale="62500" lnSpcReduction="20000"/>
+          </a:bodyPr>
+          <a:lstStyle>
+            <a:lvl1pPr marL="228600" indent="-228600" algn="l" defTabSz="914400" rtl="0" eaLnBrk="1" latinLnBrk="0" hangingPunct="1">
+              <a:lnSpc>
+                <a:spcPct val="90000"/>
+              </a:lnSpc>
+              <a:spcBef>
+                <a:spcPts val="1000"/>
+              </a:spcBef>
+              <a:buFont typeface="Arial" panose="020B0604020202020204" pitchFamily="34" charset="0"/>
+              <a:buChar char="•"/>
+              <a:defRPr sz="2800" kern="1200">
+                <a:solidFill>
+                  <a:schemeClr val="tx1"/>
+                </a:solidFill>
+                <a:latin typeface="+mn-lt"/>
+                <a:ea typeface="+mn-ea"/>
+                <a:cs typeface="+mn-cs"/>
+              </a:defRPr>
+            </a:lvl1pPr>
+            <a:lvl2pPr marL="685800" indent="-228600" algn="l" defTabSz="914400" rtl="0" eaLnBrk="1" latinLnBrk="0" hangingPunct="1">
+              <a:lnSpc>
+                <a:spcPct val="90000"/>
+              </a:lnSpc>
+              <a:spcBef>
+                <a:spcPts val="500"/>
+              </a:spcBef>
+              <a:buFont typeface="Arial" panose="020B0604020202020204" pitchFamily="34" charset="0"/>
+              <a:buChar char="•"/>
+              <a:defRPr sz="2400" kern="1200">
+                <a:solidFill>
+                  <a:schemeClr val="tx1"/>
+                </a:solidFill>
+                <a:latin typeface="+mn-lt"/>
+                <a:ea typeface="+mn-ea"/>
+                <a:cs typeface="+mn-cs"/>
+              </a:defRPr>
+            </a:lvl2pPr>
+            <a:lvl3pPr marL="1143000" indent="-228600" algn="l" defTabSz="914400" rtl="0" eaLnBrk="1" latinLnBrk="0" hangingPunct="1">
+              <a:lnSpc>
+                <a:spcPct val="90000"/>
+              </a:lnSpc>
+              <a:spcBef>
+                <a:spcPts val="500"/>
+              </a:spcBef>
+              <a:buFont typeface="Arial" panose="020B0604020202020204" pitchFamily="34" charset="0"/>
+              <a:buChar char="•"/>
+              <a:defRPr sz="2000" kern="1200">
+                <a:solidFill>
+                  <a:schemeClr val="tx1"/>
+                </a:solidFill>
+                <a:latin typeface="+mn-lt"/>
+                <a:ea typeface="+mn-ea"/>
+                <a:cs typeface="+mn-cs"/>
+              </a:defRPr>
+            </a:lvl3pPr>
+            <a:lvl4pPr marL="1600200" indent="-228600" algn="l" defTabSz="914400" rtl="0" eaLnBrk="1" latinLnBrk="0" hangingPunct="1">
+              <a:lnSpc>
+                <a:spcPct val="90000"/>
+              </a:lnSpc>
+              <a:spcBef>
+                <a:spcPts val="500"/>
+              </a:spcBef>
+              <a:buFont typeface="Arial" panose="020B0604020202020204" pitchFamily="34" charset="0"/>
+              <a:buChar char="•"/>
+              <a:defRPr sz="1800" kern="1200">
+                <a:solidFill>
+                  <a:schemeClr val="tx1"/>
+                </a:solidFill>
+                <a:latin typeface="+mn-lt"/>
+                <a:ea typeface="+mn-ea"/>
+                <a:cs typeface="+mn-cs"/>
+              </a:defRPr>
+            </a:lvl4pPr>
+            <a:lvl5pPr marL="2057400" indent="-228600" algn="l" defTabSz="914400" rtl="0" eaLnBrk="1" latinLnBrk="0" hangingPunct="1">
+              <a:lnSpc>
+                <a:spcPct val="90000"/>
+              </a:lnSpc>
+              <a:spcBef>
+                <a:spcPts val="500"/>
+              </a:spcBef>
+              <a:buFont typeface="Arial" panose="020B0604020202020204" pitchFamily="34" charset="0"/>
+              <a:buChar char="•"/>
+              <a:defRPr sz="1800" kern="1200">
+                <a:solidFill>
+                  <a:schemeClr val="tx1"/>
+                </a:solidFill>
+                <a:latin typeface="+mn-lt"/>
+                <a:ea typeface="+mn-ea"/>
+                <a:cs typeface="+mn-cs"/>
+              </a:defRPr>
+            </a:lvl5pPr>
+            <a:lvl6pPr marL="2514600" indent="-228600" algn="l" defTabSz="914400" rtl="0" eaLnBrk="1" latinLnBrk="0" hangingPunct="1">
+              <a:lnSpc>
+                <a:spcPct val="90000"/>
+              </a:lnSpc>
+              <a:spcBef>
+                <a:spcPts val="500"/>
+              </a:spcBef>
+              <a:buFont typeface="Arial" panose="020B0604020202020204" pitchFamily="34" charset="0"/>
+              <a:buChar char="•"/>
+              <a:defRPr sz="1800" kern="1200">
+                <a:solidFill>
+                  <a:schemeClr val="tx1"/>
+                </a:solidFill>
+                <a:latin typeface="+mn-lt"/>
+                <a:ea typeface="+mn-ea"/>
+                <a:cs typeface="+mn-cs"/>
+              </a:defRPr>
+            </a:lvl6pPr>
+            <a:lvl7pPr marL="2971800" indent="-228600" algn="l" defTabSz="914400" rtl="0" eaLnBrk="1" latinLnBrk="0" hangingPunct="1">
+              <a:lnSpc>
+                <a:spcPct val="90000"/>
+              </a:lnSpc>
+              <a:spcBef>
+                <a:spcPts val="500"/>
+              </a:spcBef>
+              <a:buFont typeface="Arial" panose="020B0604020202020204" pitchFamily="34" charset="0"/>
+              <a:buChar char="•"/>
+              <a:defRPr sz="1800" kern="1200">
+                <a:solidFill>
+                  <a:schemeClr val="tx1"/>
+                </a:solidFill>
+                <a:latin typeface="+mn-lt"/>
+                <a:ea typeface="+mn-ea"/>
+                <a:cs typeface="+mn-cs"/>
+              </a:defRPr>
+            </a:lvl7pPr>
+            <a:lvl8pPr marL="3429000" indent="-228600" algn="l" defTabSz="914400" rtl="0" eaLnBrk="1" latinLnBrk="0" hangingPunct="1">
+              <a:lnSpc>
+                <a:spcPct val="90000"/>
+              </a:lnSpc>
+              <a:spcBef>
+                <a:spcPts val="500"/>
+              </a:spcBef>
+              <a:buFont typeface="Arial" panose="020B0604020202020204" pitchFamily="34" charset="0"/>
+              <a:buChar char="•"/>
+              <a:defRPr sz="1800" kern="1200">
+                <a:solidFill>
+                  <a:schemeClr val="tx1"/>
+                </a:solidFill>
+                <a:latin typeface="+mn-lt"/>
+                <a:ea typeface="+mn-ea"/>
+                <a:cs typeface="+mn-cs"/>
+              </a:defRPr>
+            </a:lvl8pPr>
+            <a:lvl9pPr marL="3886200" indent="-228600" algn="l" defTabSz="914400" rtl="0" eaLnBrk="1" latinLnBrk="0" hangingPunct="1">
+              <a:lnSpc>
+                <a:spcPct val="90000"/>
+              </a:lnSpc>
+              <a:spcBef>
+                <a:spcPts val="500"/>
+              </a:spcBef>
+              <a:buFont typeface="Arial" panose="020B0604020202020204" pitchFamily="34" charset="0"/>
+              <a:buChar char="•"/>
+              <a:defRPr sz="1800" kern="1200">
+                <a:solidFill>
+                  <a:schemeClr val="tx1"/>
+                </a:solidFill>
+                <a:latin typeface="+mn-lt"/>
+                <a:ea typeface="+mn-ea"/>
+                <a:cs typeface="+mn-cs"/>
+              </a:defRPr>
+            </a:lvl9pPr>
+          </a:lstStyle>
+          <a:p>
+            <a:pPr marL="0" indent="0" algn="just">
+              <a:buFont typeface="Arial" panose="020B0604020202020204" pitchFamily="34" charset="0"/>
+              <a:buNone/>
+            </a:pPr>
+            <a:r>
+              <a:rPr lang="en-US" sz="3000" dirty="0"/>
+              <a:t>Consider the following instances of Performer and Musician. Which method calls are valid or invalid?</a:t>
+            </a:r>
+          </a:p>
+          <a:p>
+            <a:pPr marL="0" indent="0" algn="just">
+              <a:buFont typeface="Arial" panose="020B0604020202020204" pitchFamily="34" charset="0"/>
+              <a:buNone/>
+            </a:pPr>
+            <a:r>
+              <a:rPr lang="en-US" sz="3000" dirty="0">
+                <a:latin typeface="Courier New" panose="02070309020205020404" pitchFamily="49" charset="0"/>
+                <a:cs typeface="Courier New" panose="02070309020205020404" pitchFamily="49" charset="0"/>
+              </a:rPr>
+              <a:t>Performer </a:t>
+            </a:r>
+            <a:r>
+              <a:rPr lang="en-US" sz="3000" dirty="0" err="1">
+                <a:latin typeface="Courier New" panose="02070309020205020404" pitchFamily="49" charset="0"/>
+                <a:cs typeface="Courier New" panose="02070309020205020404" pitchFamily="49" charset="0"/>
+              </a:rPr>
+              <a:t>james</a:t>
+            </a:r>
+            <a:r>
+              <a:rPr lang="en-US" sz="3000" dirty="0">
+                <a:latin typeface="Courier New" panose="02070309020205020404" pitchFamily="49" charset="0"/>
+                <a:cs typeface="Courier New" panose="02070309020205020404" pitchFamily="49" charset="0"/>
+              </a:rPr>
+              <a:t> = new Performer();</a:t>
+            </a:r>
+          </a:p>
+          <a:p>
+            <a:pPr marL="0" indent="0" algn="just">
+              <a:buFont typeface="Arial" panose="020B0604020202020204" pitchFamily="34" charset="0"/>
+              <a:buNone/>
+            </a:pPr>
+            <a:r>
+              <a:rPr lang="en-US" sz="3000" dirty="0">
+                <a:latin typeface="Courier New" panose="02070309020205020404" pitchFamily="49" charset="0"/>
+                <a:cs typeface="Courier New" panose="02070309020205020404" pitchFamily="49" charset="0"/>
+              </a:rPr>
+              <a:t>Musician </a:t>
+            </a:r>
+            <a:r>
+              <a:rPr lang="en-US" sz="3000" dirty="0" err="1">
+                <a:latin typeface="Courier New" panose="02070309020205020404" pitchFamily="49" charset="0"/>
+                <a:cs typeface="Courier New" panose="02070309020205020404" pitchFamily="49" charset="0"/>
+              </a:rPr>
+              <a:t>lisa</a:t>
+            </a:r>
+            <a:r>
+              <a:rPr lang="en-US" sz="3000" dirty="0">
+                <a:latin typeface="Courier New" panose="02070309020205020404" pitchFamily="49" charset="0"/>
+                <a:cs typeface="Courier New" panose="02070309020205020404" pitchFamily="49" charset="0"/>
+              </a:rPr>
+              <a:t> = new Musician();</a:t>
+            </a:r>
+          </a:p>
+          <a:p>
+            <a:pPr marL="0" indent="0" algn="just">
+              <a:buFont typeface="Arial" panose="020B0604020202020204" pitchFamily="34" charset="0"/>
+              <a:buNone/>
+            </a:pPr>
+            <a:endParaRPr lang="en-US" sz="3000" dirty="0"/>
+          </a:p>
+        </p:txBody>
+      </p:sp>
+      <p:sp>
+        <p:nvSpPr>
+          <p:cNvPr id="8" name="Content Placeholder 2">
+            <a:extLst>
+              <a:ext uri="{FF2B5EF4-FFF2-40B4-BE49-F238E27FC236}">
+                <a16:creationId xmlns:a16="http://schemas.microsoft.com/office/drawing/2014/main" id="{35A2DE86-F6CB-A65A-7DD2-040E4E6C1F59}"/>
+              </a:ext>
+            </a:extLst>
+          </p:cNvPr>
+          <p:cNvSpPr txBox="1">
+            <a:spLocks/>
+          </p:cNvSpPr>
+          <p:nvPr/>
+        </p:nvSpPr>
+        <p:spPr>
+          <a:xfrm>
+            <a:off x="800100" y="4456010"/>
+            <a:ext cx="4953410" cy="1819480"/>
+          </a:xfrm>
+          <a:prstGeom prst="rect">
+            <a:avLst/>
+          </a:prstGeom>
+        </p:spPr>
+        <p:txBody>
+          <a:bodyPr>
+            <a:normAutofit/>
+          </a:bodyPr>
+          <a:lstStyle>
+            <a:lvl1pPr marL="228600" indent="-228600" algn="l" defTabSz="914400" rtl="0" eaLnBrk="1" latinLnBrk="0" hangingPunct="1">
+              <a:lnSpc>
+                <a:spcPct val="90000"/>
+              </a:lnSpc>
+              <a:spcBef>
+                <a:spcPts val="1000"/>
+              </a:spcBef>
+              <a:buFont typeface="Arial" panose="020B0604020202020204" pitchFamily="34" charset="0"/>
+              <a:buChar char="•"/>
+              <a:defRPr sz="2800" kern="1200">
+                <a:solidFill>
+                  <a:schemeClr val="tx1"/>
+                </a:solidFill>
+                <a:latin typeface="+mn-lt"/>
+                <a:ea typeface="+mn-ea"/>
+                <a:cs typeface="+mn-cs"/>
+              </a:defRPr>
+            </a:lvl1pPr>
+            <a:lvl2pPr marL="685800" indent="-228600" algn="l" defTabSz="914400" rtl="0" eaLnBrk="1" latinLnBrk="0" hangingPunct="1">
+              <a:lnSpc>
+                <a:spcPct val="90000"/>
+              </a:lnSpc>
+              <a:spcBef>
+                <a:spcPts val="500"/>
+              </a:spcBef>
+              <a:buFont typeface="Arial" panose="020B0604020202020204" pitchFamily="34" charset="0"/>
+              <a:buChar char="•"/>
+              <a:defRPr sz="2400" kern="1200">
+                <a:solidFill>
+                  <a:schemeClr val="tx1"/>
+                </a:solidFill>
+                <a:latin typeface="+mn-lt"/>
+                <a:ea typeface="+mn-ea"/>
+                <a:cs typeface="+mn-cs"/>
+              </a:defRPr>
+            </a:lvl2pPr>
+            <a:lvl3pPr marL="1143000" indent="-228600" algn="l" defTabSz="914400" rtl="0" eaLnBrk="1" latinLnBrk="0" hangingPunct="1">
+              <a:lnSpc>
+                <a:spcPct val="90000"/>
+              </a:lnSpc>
+              <a:spcBef>
+                <a:spcPts val="500"/>
+              </a:spcBef>
+              <a:buFont typeface="Arial" panose="020B0604020202020204" pitchFamily="34" charset="0"/>
+              <a:buChar char="•"/>
+              <a:defRPr sz="2000" kern="1200">
+                <a:solidFill>
+                  <a:schemeClr val="tx1"/>
+                </a:solidFill>
+                <a:latin typeface="+mn-lt"/>
+                <a:ea typeface="+mn-ea"/>
+                <a:cs typeface="+mn-cs"/>
+              </a:defRPr>
+            </a:lvl3pPr>
+            <a:lvl4pPr marL="1600200" indent="-228600" algn="l" defTabSz="914400" rtl="0" eaLnBrk="1" latinLnBrk="0" hangingPunct="1">
+              <a:lnSpc>
+                <a:spcPct val="90000"/>
+              </a:lnSpc>
+              <a:spcBef>
+                <a:spcPts val="500"/>
+              </a:spcBef>
+              <a:buFont typeface="Arial" panose="020B0604020202020204" pitchFamily="34" charset="0"/>
+              <a:buChar char="•"/>
+              <a:defRPr sz="1800" kern="1200">
+                <a:solidFill>
+                  <a:schemeClr val="tx1"/>
+                </a:solidFill>
+                <a:latin typeface="+mn-lt"/>
+                <a:ea typeface="+mn-ea"/>
+                <a:cs typeface="+mn-cs"/>
+              </a:defRPr>
+            </a:lvl4pPr>
+            <a:lvl5pPr marL="2057400" indent="-228600" algn="l" defTabSz="914400" rtl="0" eaLnBrk="1" latinLnBrk="0" hangingPunct="1">
+              <a:lnSpc>
+                <a:spcPct val="90000"/>
+              </a:lnSpc>
+              <a:spcBef>
+                <a:spcPts val="500"/>
+              </a:spcBef>
+              <a:buFont typeface="Arial" panose="020B0604020202020204" pitchFamily="34" charset="0"/>
+              <a:buChar char="•"/>
+              <a:defRPr sz="1800" kern="1200">
+                <a:solidFill>
+                  <a:schemeClr val="tx1"/>
+                </a:solidFill>
+                <a:latin typeface="+mn-lt"/>
+                <a:ea typeface="+mn-ea"/>
+                <a:cs typeface="+mn-cs"/>
+              </a:defRPr>
+            </a:lvl5pPr>
+            <a:lvl6pPr marL="2514600" indent="-228600" algn="l" defTabSz="914400" rtl="0" eaLnBrk="1" latinLnBrk="0" hangingPunct="1">
+              <a:lnSpc>
+                <a:spcPct val="90000"/>
+              </a:lnSpc>
+              <a:spcBef>
+                <a:spcPts val="500"/>
+              </a:spcBef>
+              <a:buFont typeface="Arial" panose="020B0604020202020204" pitchFamily="34" charset="0"/>
+              <a:buChar char="•"/>
+              <a:defRPr sz="1800" kern="1200">
+                <a:solidFill>
+                  <a:schemeClr val="tx1"/>
+                </a:solidFill>
+                <a:latin typeface="+mn-lt"/>
+                <a:ea typeface="+mn-ea"/>
+                <a:cs typeface="+mn-cs"/>
+              </a:defRPr>
+            </a:lvl6pPr>
+            <a:lvl7pPr marL="2971800" indent="-228600" algn="l" defTabSz="914400" rtl="0" eaLnBrk="1" latinLnBrk="0" hangingPunct="1">
+              <a:lnSpc>
+                <a:spcPct val="90000"/>
+              </a:lnSpc>
+              <a:spcBef>
+                <a:spcPts val="500"/>
+              </a:spcBef>
+              <a:buFont typeface="Arial" panose="020B0604020202020204" pitchFamily="34" charset="0"/>
+              <a:buChar char="•"/>
+              <a:defRPr sz="1800" kern="1200">
+                <a:solidFill>
+                  <a:schemeClr val="tx1"/>
+                </a:solidFill>
+                <a:latin typeface="+mn-lt"/>
+                <a:ea typeface="+mn-ea"/>
+                <a:cs typeface="+mn-cs"/>
+              </a:defRPr>
+            </a:lvl7pPr>
+            <a:lvl8pPr marL="3429000" indent="-228600" algn="l" defTabSz="914400" rtl="0" eaLnBrk="1" latinLnBrk="0" hangingPunct="1">
+              <a:lnSpc>
+                <a:spcPct val="90000"/>
+              </a:lnSpc>
+              <a:spcBef>
+                <a:spcPts val="500"/>
+              </a:spcBef>
+              <a:buFont typeface="Arial" panose="020B0604020202020204" pitchFamily="34" charset="0"/>
+              <a:buChar char="•"/>
+              <a:defRPr sz="1800" kern="1200">
+                <a:solidFill>
+                  <a:schemeClr val="tx1"/>
+                </a:solidFill>
+                <a:latin typeface="+mn-lt"/>
+                <a:ea typeface="+mn-ea"/>
+                <a:cs typeface="+mn-cs"/>
+              </a:defRPr>
+            </a:lvl8pPr>
+            <a:lvl9pPr marL="3886200" indent="-228600" algn="l" defTabSz="914400" rtl="0" eaLnBrk="1" latinLnBrk="0" hangingPunct="1">
+              <a:lnSpc>
+                <a:spcPct val="90000"/>
+              </a:lnSpc>
+              <a:spcBef>
+                <a:spcPts val="500"/>
+              </a:spcBef>
+              <a:buFont typeface="Arial" panose="020B0604020202020204" pitchFamily="34" charset="0"/>
+              <a:buChar char="•"/>
+              <a:defRPr sz="1800" kern="1200">
+                <a:solidFill>
+                  <a:schemeClr val="tx1"/>
+                </a:solidFill>
+                <a:latin typeface="+mn-lt"/>
+                <a:ea typeface="+mn-ea"/>
+                <a:cs typeface="+mn-cs"/>
+              </a:defRPr>
+            </a:lvl9pPr>
+          </a:lstStyle>
+          <a:p>
+            <a:pPr marL="0" indent="0" algn="just">
+              <a:buFont typeface="Arial" panose="020B0604020202020204" pitchFamily="34" charset="0"/>
+              <a:buNone/>
+            </a:pPr>
+            <a:r>
+              <a:rPr lang="en-US" sz="1600" dirty="0" err="1">
+                <a:latin typeface="Courier New" panose="02070309020205020404" pitchFamily="49" charset="0"/>
+                <a:cs typeface="Courier New" panose="02070309020205020404" pitchFamily="49" charset="0"/>
+              </a:rPr>
+              <a:t>lisa.getInstrument</a:t>
+            </a:r>
+            <a:r>
+              <a:rPr lang="en-US" sz="1600" dirty="0">
+                <a:latin typeface="Courier New" panose="02070309020205020404" pitchFamily="49" charset="0"/>
+                <a:cs typeface="Courier New" panose="02070309020205020404" pitchFamily="49" charset="0"/>
+              </a:rPr>
+              <a:t>();</a:t>
+            </a:r>
+          </a:p>
+          <a:p>
+            <a:pPr marL="0" indent="0" algn="just">
+              <a:buFont typeface="Arial" panose="020B0604020202020204" pitchFamily="34" charset="0"/>
+              <a:buNone/>
+            </a:pPr>
+            <a:r>
+              <a:rPr lang="en-US" sz="1600" dirty="0" err="1">
+                <a:latin typeface="Courier New" panose="02070309020205020404" pitchFamily="49" charset="0"/>
+                <a:cs typeface="Courier New" panose="02070309020205020404" pitchFamily="49" charset="0"/>
+              </a:rPr>
+              <a:t>lisa.playInstrument</a:t>
+            </a:r>
+            <a:r>
+              <a:rPr lang="en-US" sz="1600" dirty="0">
+                <a:latin typeface="Courier New" panose="02070309020205020404" pitchFamily="49" charset="0"/>
+                <a:cs typeface="Courier New" panose="02070309020205020404" pitchFamily="49" charset="0"/>
+              </a:rPr>
+              <a:t>();</a:t>
+            </a:r>
+          </a:p>
+          <a:p>
+            <a:pPr marL="0" indent="0" algn="just">
+              <a:buFont typeface="Arial" panose="020B0604020202020204" pitchFamily="34" charset="0"/>
+              <a:buNone/>
+            </a:pPr>
+            <a:r>
+              <a:rPr lang="en-US" sz="1600" dirty="0" err="1">
+                <a:latin typeface="Courier New" panose="02070309020205020404" pitchFamily="49" charset="0"/>
+                <a:cs typeface="Courier New" panose="02070309020205020404" pitchFamily="49" charset="0"/>
+              </a:rPr>
+              <a:t>lisa.getName</a:t>
+            </a:r>
+            <a:r>
+              <a:rPr lang="en-US" sz="1600" dirty="0">
+                <a:latin typeface="Courier New" panose="02070309020205020404" pitchFamily="49" charset="0"/>
+                <a:cs typeface="Courier New" panose="02070309020205020404" pitchFamily="49" charset="0"/>
+              </a:rPr>
+              <a:t>();</a:t>
+            </a:r>
+          </a:p>
+          <a:p>
+            <a:pPr marL="0" indent="0" algn="just">
+              <a:buFont typeface="Arial" panose="020B0604020202020204" pitchFamily="34" charset="0"/>
+              <a:buNone/>
+            </a:pPr>
+            <a:r>
+              <a:rPr lang="en-US" sz="1600" dirty="0" err="1">
+                <a:latin typeface="Courier New" panose="02070309020205020404" pitchFamily="49" charset="0"/>
+                <a:cs typeface="Courier New" panose="02070309020205020404" pitchFamily="49" charset="0"/>
+              </a:rPr>
+              <a:t>lisa.practice</a:t>
+            </a:r>
+            <a:r>
+              <a:rPr lang="en-US" sz="1600" dirty="0">
+                <a:latin typeface="Courier New" panose="02070309020205020404" pitchFamily="49" charset="0"/>
+                <a:cs typeface="Courier New" panose="02070309020205020404" pitchFamily="49" charset="0"/>
+              </a:rPr>
+              <a:t>();</a:t>
+            </a:r>
+          </a:p>
+          <a:p>
+            <a:pPr marL="0" indent="0" algn="just">
+              <a:buFont typeface="Arial" panose="020B0604020202020204" pitchFamily="34" charset="0"/>
+              <a:buNone/>
+            </a:pPr>
+            <a:r>
+              <a:rPr lang="en-US" sz="1600" dirty="0" err="1">
+                <a:latin typeface="Courier New" panose="02070309020205020404" pitchFamily="49" charset="0"/>
+                <a:cs typeface="Courier New" panose="02070309020205020404" pitchFamily="49" charset="0"/>
+              </a:rPr>
+              <a:t>lisa.perform</a:t>
+            </a:r>
+            <a:r>
+              <a:rPr lang="en-US" sz="1600" dirty="0">
+                <a:latin typeface="Courier New" panose="02070309020205020404" pitchFamily="49" charset="0"/>
+                <a:cs typeface="Courier New" panose="02070309020205020404" pitchFamily="49" charset="0"/>
+              </a:rPr>
+              <a:t>();</a:t>
+            </a:r>
+          </a:p>
+        </p:txBody>
+      </p:sp>
+      <p:sp>
+        <p:nvSpPr>
+          <p:cNvPr id="9" name="Content Placeholder 2">
+            <a:extLst>
+              <a:ext uri="{FF2B5EF4-FFF2-40B4-BE49-F238E27FC236}">
+                <a16:creationId xmlns:a16="http://schemas.microsoft.com/office/drawing/2014/main" id="{D7AAED46-FA0C-3405-4F92-1ADF6FE68AD5}"/>
+              </a:ext>
+            </a:extLst>
+          </p:cNvPr>
+          <p:cNvSpPr txBox="1">
+            <a:spLocks/>
+          </p:cNvSpPr>
+          <p:nvPr/>
+        </p:nvSpPr>
+        <p:spPr>
+          <a:xfrm>
+            <a:off x="6318924" y="4456010"/>
+            <a:ext cx="4953410" cy="1819480"/>
+          </a:xfrm>
+          <a:prstGeom prst="rect">
+            <a:avLst/>
+          </a:prstGeom>
+        </p:spPr>
+        <p:txBody>
+          <a:bodyPr>
+            <a:normAutofit/>
+          </a:bodyPr>
+          <a:lstStyle>
+            <a:lvl1pPr marL="228600" indent="-228600" algn="l" defTabSz="914400" rtl="0" eaLnBrk="1" latinLnBrk="0" hangingPunct="1">
+              <a:lnSpc>
+                <a:spcPct val="90000"/>
+              </a:lnSpc>
+              <a:spcBef>
+                <a:spcPts val="1000"/>
+              </a:spcBef>
+              <a:buFont typeface="Arial" panose="020B0604020202020204" pitchFamily="34" charset="0"/>
+              <a:buChar char="•"/>
+              <a:defRPr sz="2800" kern="1200">
+                <a:solidFill>
+                  <a:schemeClr val="tx1"/>
+                </a:solidFill>
+                <a:latin typeface="+mn-lt"/>
+                <a:ea typeface="+mn-ea"/>
+                <a:cs typeface="+mn-cs"/>
+              </a:defRPr>
+            </a:lvl1pPr>
+            <a:lvl2pPr marL="685800" indent="-228600" algn="l" defTabSz="914400" rtl="0" eaLnBrk="1" latinLnBrk="0" hangingPunct="1">
+              <a:lnSpc>
+                <a:spcPct val="90000"/>
+              </a:lnSpc>
+              <a:spcBef>
+                <a:spcPts val="500"/>
+              </a:spcBef>
+              <a:buFont typeface="Arial" panose="020B0604020202020204" pitchFamily="34" charset="0"/>
+              <a:buChar char="•"/>
+              <a:defRPr sz="2400" kern="1200">
+                <a:solidFill>
+                  <a:schemeClr val="tx1"/>
+                </a:solidFill>
+                <a:latin typeface="+mn-lt"/>
+                <a:ea typeface="+mn-ea"/>
+                <a:cs typeface="+mn-cs"/>
+              </a:defRPr>
+            </a:lvl2pPr>
+            <a:lvl3pPr marL="1143000" indent="-228600" algn="l" defTabSz="914400" rtl="0" eaLnBrk="1" latinLnBrk="0" hangingPunct="1">
+              <a:lnSpc>
+                <a:spcPct val="90000"/>
+              </a:lnSpc>
+              <a:spcBef>
+                <a:spcPts val="500"/>
+              </a:spcBef>
+              <a:buFont typeface="Arial" panose="020B0604020202020204" pitchFamily="34" charset="0"/>
+              <a:buChar char="•"/>
+              <a:defRPr sz="2000" kern="1200">
+                <a:solidFill>
+                  <a:schemeClr val="tx1"/>
+                </a:solidFill>
+                <a:latin typeface="+mn-lt"/>
+                <a:ea typeface="+mn-ea"/>
+                <a:cs typeface="+mn-cs"/>
+              </a:defRPr>
+            </a:lvl3pPr>
+            <a:lvl4pPr marL="1600200" indent="-228600" algn="l" defTabSz="914400" rtl="0" eaLnBrk="1" latinLnBrk="0" hangingPunct="1">
+              <a:lnSpc>
+                <a:spcPct val="90000"/>
+              </a:lnSpc>
+              <a:spcBef>
+                <a:spcPts val="500"/>
+              </a:spcBef>
+              <a:buFont typeface="Arial" panose="020B0604020202020204" pitchFamily="34" charset="0"/>
+              <a:buChar char="•"/>
+              <a:defRPr sz="1800" kern="1200">
+                <a:solidFill>
+                  <a:schemeClr val="tx1"/>
+                </a:solidFill>
+                <a:latin typeface="+mn-lt"/>
+                <a:ea typeface="+mn-ea"/>
+                <a:cs typeface="+mn-cs"/>
+              </a:defRPr>
+            </a:lvl4pPr>
+            <a:lvl5pPr marL="2057400" indent="-228600" algn="l" defTabSz="914400" rtl="0" eaLnBrk="1" latinLnBrk="0" hangingPunct="1">
+              <a:lnSpc>
+                <a:spcPct val="90000"/>
+              </a:lnSpc>
+              <a:spcBef>
+                <a:spcPts val="500"/>
+              </a:spcBef>
+              <a:buFont typeface="Arial" panose="020B0604020202020204" pitchFamily="34" charset="0"/>
+              <a:buChar char="•"/>
+              <a:defRPr sz="1800" kern="1200">
+                <a:solidFill>
+                  <a:schemeClr val="tx1"/>
+                </a:solidFill>
+                <a:latin typeface="+mn-lt"/>
+                <a:ea typeface="+mn-ea"/>
+                <a:cs typeface="+mn-cs"/>
+              </a:defRPr>
+            </a:lvl5pPr>
+            <a:lvl6pPr marL="2514600" indent="-228600" algn="l" defTabSz="914400" rtl="0" eaLnBrk="1" latinLnBrk="0" hangingPunct="1">
+              <a:lnSpc>
+                <a:spcPct val="90000"/>
+              </a:lnSpc>
+              <a:spcBef>
+                <a:spcPts val="500"/>
+              </a:spcBef>
+              <a:buFont typeface="Arial" panose="020B0604020202020204" pitchFamily="34" charset="0"/>
+              <a:buChar char="•"/>
+              <a:defRPr sz="1800" kern="1200">
+                <a:solidFill>
+                  <a:schemeClr val="tx1"/>
+                </a:solidFill>
+                <a:latin typeface="+mn-lt"/>
+                <a:ea typeface="+mn-ea"/>
+                <a:cs typeface="+mn-cs"/>
+              </a:defRPr>
+            </a:lvl6pPr>
+            <a:lvl7pPr marL="2971800" indent="-228600" algn="l" defTabSz="914400" rtl="0" eaLnBrk="1" latinLnBrk="0" hangingPunct="1">
+              <a:lnSpc>
+                <a:spcPct val="90000"/>
+              </a:lnSpc>
+              <a:spcBef>
+                <a:spcPts val="500"/>
+              </a:spcBef>
+              <a:buFont typeface="Arial" panose="020B0604020202020204" pitchFamily="34" charset="0"/>
+              <a:buChar char="•"/>
+              <a:defRPr sz="1800" kern="1200">
+                <a:solidFill>
+                  <a:schemeClr val="tx1"/>
+                </a:solidFill>
+                <a:latin typeface="+mn-lt"/>
+                <a:ea typeface="+mn-ea"/>
+                <a:cs typeface="+mn-cs"/>
+              </a:defRPr>
+            </a:lvl7pPr>
+            <a:lvl8pPr marL="3429000" indent="-228600" algn="l" defTabSz="914400" rtl="0" eaLnBrk="1" latinLnBrk="0" hangingPunct="1">
+              <a:lnSpc>
+                <a:spcPct val="90000"/>
+              </a:lnSpc>
+              <a:spcBef>
+                <a:spcPts val="500"/>
+              </a:spcBef>
+              <a:buFont typeface="Arial" panose="020B0604020202020204" pitchFamily="34" charset="0"/>
+              <a:buChar char="•"/>
+              <a:defRPr sz="1800" kern="1200">
+                <a:solidFill>
+                  <a:schemeClr val="tx1"/>
+                </a:solidFill>
+                <a:latin typeface="+mn-lt"/>
+                <a:ea typeface="+mn-ea"/>
+                <a:cs typeface="+mn-cs"/>
+              </a:defRPr>
+            </a:lvl8pPr>
+            <a:lvl9pPr marL="3886200" indent="-228600" algn="l" defTabSz="914400" rtl="0" eaLnBrk="1" latinLnBrk="0" hangingPunct="1">
+              <a:lnSpc>
+                <a:spcPct val="90000"/>
+              </a:lnSpc>
+              <a:spcBef>
+                <a:spcPts val="500"/>
+              </a:spcBef>
+              <a:buFont typeface="Arial" panose="020B0604020202020204" pitchFamily="34" charset="0"/>
+              <a:buChar char="•"/>
+              <a:defRPr sz="1800" kern="1200">
+                <a:solidFill>
+                  <a:schemeClr val="tx1"/>
+                </a:solidFill>
+                <a:latin typeface="+mn-lt"/>
+                <a:ea typeface="+mn-ea"/>
+                <a:cs typeface="+mn-cs"/>
+              </a:defRPr>
+            </a:lvl9pPr>
+          </a:lstStyle>
+          <a:p>
+            <a:pPr marL="0" indent="0" algn="just">
+              <a:buFont typeface="Arial" panose="020B0604020202020204" pitchFamily="34" charset="0"/>
+              <a:buNone/>
+            </a:pPr>
+            <a:r>
+              <a:rPr lang="en-US" sz="1600" dirty="0" err="1">
+                <a:latin typeface="Courier New" panose="02070309020205020404" pitchFamily="49" charset="0"/>
+                <a:cs typeface="Courier New" panose="02070309020205020404" pitchFamily="49" charset="0"/>
+              </a:rPr>
+              <a:t>james.getName</a:t>
+            </a:r>
+            <a:r>
+              <a:rPr lang="en-US" sz="1600" dirty="0">
+                <a:latin typeface="Courier New" panose="02070309020205020404" pitchFamily="49" charset="0"/>
+                <a:cs typeface="Courier New" panose="02070309020205020404" pitchFamily="49" charset="0"/>
+              </a:rPr>
+              <a:t>();</a:t>
+            </a:r>
+          </a:p>
+          <a:p>
+            <a:pPr marL="0" indent="0" algn="just">
+              <a:buNone/>
+            </a:pPr>
+            <a:r>
+              <a:rPr lang="en-US" sz="1600" dirty="0" err="1">
+                <a:latin typeface="Courier New" panose="02070309020205020404" pitchFamily="49" charset="0"/>
+                <a:cs typeface="Courier New" panose="02070309020205020404" pitchFamily="49" charset="0"/>
+              </a:rPr>
+              <a:t>james.practice</a:t>
+            </a:r>
+            <a:r>
+              <a:rPr lang="en-US" sz="1600" dirty="0">
+                <a:latin typeface="Courier New" panose="02070309020205020404" pitchFamily="49" charset="0"/>
+                <a:cs typeface="Courier New" panose="02070309020205020404" pitchFamily="49" charset="0"/>
+              </a:rPr>
+              <a:t>();</a:t>
+            </a:r>
+          </a:p>
+          <a:p>
+            <a:pPr marL="0" indent="0" algn="just">
+              <a:buNone/>
+            </a:pPr>
+            <a:r>
+              <a:rPr lang="en-US" sz="1600" dirty="0" err="1">
+                <a:latin typeface="Courier New" panose="02070309020205020404" pitchFamily="49" charset="0"/>
+                <a:cs typeface="Courier New" panose="02070309020205020404" pitchFamily="49" charset="0"/>
+              </a:rPr>
+              <a:t>james.perform</a:t>
+            </a:r>
+            <a:r>
+              <a:rPr lang="en-US" sz="1600" dirty="0">
+                <a:latin typeface="Courier New" panose="02070309020205020404" pitchFamily="49" charset="0"/>
+                <a:cs typeface="Courier New" panose="02070309020205020404" pitchFamily="49" charset="0"/>
+              </a:rPr>
+              <a:t>();</a:t>
+            </a:r>
+          </a:p>
+          <a:p>
+            <a:pPr marL="0" indent="0" algn="just">
+              <a:buNone/>
+            </a:pPr>
+            <a:r>
+              <a:rPr lang="en-US" sz="1600" dirty="0" err="1">
+                <a:latin typeface="Courier New" panose="02070309020205020404" pitchFamily="49" charset="0"/>
+                <a:cs typeface="Courier New" panose="02070309020205020404" pitchFamily="49" charset="0"/>
+              </a:rPr>
+              <a:t>james.getInstrument</a:t>
+            </a:r>
+            <a:r>
+              <a:rPr lang="en-US" sz="1600" dirty="0">
+                <a:latin typeface="Courier New" panose="02070309020205020404" pitchFamily="49" charset="0"/>
+                <a:cs typeface="Courier New" panose="02070309020205020404" pitchFamily="49" charset="0"/>
+              </a:rPr>
+              <a:t>();</a:t>
+            </a:r>
+          </a:p>
+          <a:p>
+            <a:pPr marL="0" indent="0" algn="just">
+              <a:buNone/>
+            </a:pPr>
+            <a:r>
+              <a:rPr lang="en-US" sz="1600" dirty="0" err="1">
+                <a:latin typeface="Courier New" panose="02070309020205020404" pitchFamily="49" charset="0"/>
+                <a:cs typeface="Courier New" panose="02070309020205020404" pitchFamily="49" charset="0"/>
+              </a:rPr>
+              <a:t>james.playInstrument</a:t>
+            </a:r>
+            <a:r>
+              <a:rPr lang="en-US" sz="1600" dirty="0">
+                <a:latin typeface="Courier New" panose="02070309020205020404" pitchFamily="49" charset="0"/>
+                <a:cs typeface="Courier New" panose="02070309020205020404" pitchFamily="49" charset="0"/>
+              </a:rPr>
+              <a:t>();</a:t>
+            </a:r>
+          </a:p>
+          <a:p>
+            <a:pPr marL="0" indent="0" algn="just">
+              <a:buFont typeface="Arial" panose="020B0604020202020204" pitchFamily="34" charset="0"/>
+              <a:buNone/>
+            </a:pPr>
+            <a:endParaRPr lang="en-US" sz="1600" dirty="0">
+              <a:latin typeface="Courier New" panose="02070309020205020404" pitchFamily="49" charset="0"/>
+              <a:cs typeface="Courier New" panose="02070309020205020404" pitchFamily="49" charset="0"/>
+            </a:endParaRPr>
+          </a:p>
+        </p:txBody>
+      </p:sp>
+      <mc:AlternateContent xmlns:mc="http://schemas.openxmlformats.org/markup-compatibility/2006" xmlns:p14="http://schemas.microsoft.com/office/powerpoint/2010/main">
+        <mc:Choice Requires="p14">
+          <p:contentPart p14:bwMode="auto" r:id="rId3">
+            <p14:nvContentPartPr>
+              <p14:cNvPr id="2" name="Ink 1">
+                <a:extLst>
+                  <a:ext uri="{FF2B5EF4-FFF2-40B4-BE49-F238E27FC236}">
+                    <a16:creationId xmlns:a16="http://schemas.microsoft.com/office/drawing/2014/main" id="{31666257-3201-7637-F010-6629EBE5B943}"/>
+                  </a:ext>
+                </a:extLst>
+              </p14:cNvPr>
+              <p14:cNvContentPartPr/>
+              <p14:nvPr/>
+            </p14:nvContentPartPr>
+            <p14:xfrm>
+              <a:off x="9305640" y="5464440"/>
+              <a:ext cx="2422800" cy="986760"/>
+            </p14:xfrm>
+          </p:contentPart>
+        </mc:Choice>
+        <mc:Fallback xmlns="">
+          <p:pic>
+            <p:nvPicPr>
+              <p:cNvPr id="2" name="Ink 1">
+                <a:extLst>
+                  <a:ext uri="{FF2B5EF4-FFF2-40B4-BE49-F238E27FC236}">
+                    <a16:creationId xmlns:a16="http://schemas.microsoft.com/office/drawing/2014/main" id="{31666257-3201-7637-F010-6629EBE5B943}"/>
+                  </a:ext>
+                </a:extLst>
+              </p:cNvPr>
+              <p:cNvPicPr/>
+              <p:nvPr/>
+            </p:nvPicPr>
+            <p:blipFill>
+              <a:blip r:embed="rId4"/>
+              <a:stretch>
+                <a:fillRect/>
+              </a:stretch>
+            </p:blipFill>
+            <p:spPr>
+              <a:xfrm>
+                <a:off x="9296280" y="5455080"/>
+                <a:ext cx="2441520" cy="1005480"/>
+              </a:xfrm>
+              <a:prstGeom prst="rect">
+                <a:avLst/>
+              </a:prstGeom>
+            </p:spPr>
+          </p:pic>
+        </mc:Fallback>
+      </mc:AlternateContent>
+    </p:spTree>
+    <p:extLst>
+      <p:ext uri="{BB962C8B-B14F-4D97-AF65-F5344CB8AC3E}">
+        <p14:creationId xmlns:p14="http://schemas.microsoft.com/office/powerpoint/2010/main" val="174201329"/>
+      </p:ext>
+    </p:extLst>
+  </p:cSld>
+  <p:clrMapOvr>
+    <a:masterClrMapping/>
+  </p:clrMapOvr>
+</p:sld>
+</file>
+
+<file path=ppt/slides/slide12.xml><?xml version="1.0" encoding="utf-8"?>
+<p:sld xmlns:a="http://schemas.openxmlformats.org/drawingml/2006/main" xmlns:r="http://schemas.openxmlformats.org/officeDocument/2006/relationships" xmlns:p="http://schemas.openxmlformats.org/presentationml/2006/main">
+  <p:cSld>
+    <p:spTree>
+      <p:nvGrpSpPr>
+        <p:cNvPr id="1" name="">
+          <a:extLst>
+            <a:ext uri="{FF2B5EF4-FFF2-40B4-BE49-F238E27FC236}">
+              <a16:creationId xmlns:a16="http://schemas.microsoft.com/office/drawing/2014/main" id="{CC8C6CD3-73B0-F990-E8C4-4A5C5FCDC658}"/>
+            </a:ext>
+          </a:extLst>
+        </p:cNvPr>
+        <p:cNvGrpSpPr/>
+        <p:nvPr/>
+      </p:nvGrpSpPr>
+      <p:grpSpPr>
+        <a:xfrm>
+          <a:off x="0" y="0"/>
+          <a:ext cx="0" cy="0"/>
+          <a:chOff x="0" y="0"/>
+          <a:chExt cx="0" cy="0"/>
+        </a:xfrm>
+      </p:grpSpPr>
+      <p:sp>
+        <p:nvSpPr>
+          <p:cNvPr id="4" name="Content Placeholder 2">
+            <a:extLst>
+              <a:ext uri="{FF2B5EF4-FFF2-40B4-BE49-F238E27FC236}">
+                <a16:creationId xmlns:a16="http://schemas.microsoft.com/office/drawing/2014/main" id="{2C566B84-C5CB-35FF-A8A8-AD9EE372463B}"/>
+              </a:ext>
+            </a:extLst>
+          </p:cNvPr>
+          <p:cNvSpPr txBox="1">
+            <a:spLocks/>
+          </p:cNvSpPr>
+          <p:nvPr/>
+        </p:nvSpPr>
+        <p:spPr>
+          <a:xfrm>
+            <a:off x="774700" y="582510"/>
+            <a:ext cx="10759067" cy="649390"/>
+          </a:xfrm>
+          <a:prstGeom prst="rect">
+            <a:avLst/>
+          </a:prstGeom>
+        </p:spPr>
+        <p:txBody>
+          <a:bodyPr>
+            <a:normAutofit/>
+          </a:bodyPr>
+          <a:lstStyle>
+            <a:lvl1pPr marL="228600" indent="-228600" algn="l" defTabSz="914400" rtl="0" eaLnBrk="1" latinLnBrk="0" hangingPunct="1">
+              <a:lnSpc>
+                <a:spcPct val="90000"/>
+              </a:lnSpc>
+              <a:spcBef>
+                <a:spcPts val="1000"/>
+              </a:spcBef>
+              <a:buFont typeface="Arial" panose="020B0604020202020204" pitchFamily="34" charset="0"/>
+              <a:buChar char="•"/>
+              <a:defRPr sz="2800" kern="1200">
+                <a:solidFill>
+                  <a:schemeClr val="tx1"/>
+                </a:solidFill>
+                <a:latin typeface="+mn-lt"/>
+                <a:ea typeface="+mn-ea"/>
+                <a:cs typeface="+mn-cs"/>
+              </a:defRPr>
+            </a:lvl1pPr>
+            <a:lvl2pPr marL="685800" indent="-228600" algn="l" defTabSz="914400" rtl="0" eaLnBrk="1" latinLnBrk="0" hangingPunct="1">
+              <a:lnSpc>
+                <a:spcPct val="90000"/>
+              </a:lnSpc>
+              <a:spcBef>
+                <a:spcPts val="500"/>
+              </a:spcBef>
+              <a:buFont typeface="Arial" panose="020B0604020202020204" pitchFamily="34" charset="0"/>
+              <a:buChar char="•"/>
+              <a:defRPr sz="2400" kern="1200">
+                <a:solidFill>
+                  <a:schemeClr val="tx1"/>
+                </a:solidFill>
+                <a:latin typeface="+mn-lt"/>
+                <a:ea typeface="+mn-ea"/>
+                <a:cs typeface="+mn-cs"/>
+              </a:defRPr>
+            </a:lvl2pPr>
+            <a:lvl3pPr marL="1143000" indent="-228600" algn="l" defTabSz="914400" rtl="0" eaLnBrk="1" latinLnBrk="0" hangingPunct="1">
+              <a:lnSpc>
+                <a:spcPct val="90000"/>
+              </a:lnSpc>
+              <a:spcBef>
+                <a:spcPts val="500"/>
+              </a:spcBef>
+              <a:buFont typeface="Arial" panose="020B0604020202020204" pitchFamily="34" charset="0"/>
+              <a:buChar char="•"/>
+              <a:defRPr sz="2000" kern="1200">
+                <a:solidFill>
+                  <a:schemeClr val="tx1"/>
+                </a:solidFill>
+                <a:latin typeface="+mn-lt"/>
+                <a:ea typeface="+mn-ea"/>
+                <a:cs typeface="+mn-cs"/>
+              </a:defRPr>
+            </a:lvl3pPr>
+            <a:lvl4pPr marL="1600200" indent="-228600" algn="l" defTabSz="914400" rtl="0" eaLnBrk="1" latinLnBrk="0" hangingPunct="1">
+              <a:lnSpc>
+                <a:spcPct val="90000"/>
+              </a:lnSpc>
+              <a:spcBef>
+                <a:spcPts val="500"/>
+              </a:spcBef>
+              <a:buFont typeface="Arial" panose="020B0604020202020204" pitchFamily="34" charset="0"/>
+              <a:buChar char="•"/>
+              <a:defRPr sz="1800" kern="1200">
+                <a:solidFill>
+                  <a:schemeClr val="tx1"/>
+                </a:solidFill>
+                <a:latin typeface="+mn-lt"/>
+                <a:ea typeface="+mn-ea"/>
+                <a:cs typeface="+mn-cs"/>
+              </a:defRPr>
+            </a:lvl4pPr>
+            <a:lvl5pPr marL="2057400" indent="-228600" algn="l" defTabSz="914400" rtl="0" eaLnBrk="1" latinLnBrk="0" hangingPunct="1">
+              <a:lnSpc>
+                <a:spcPct val="90000"/>
+              </a:lnSpc>
+              <a:spcBef>
+                <a:spcPts val="500"/>
+              </a:spcBef>
+              <a:buFont typeface="Arial" panose="020B0604020202020204" pitchFamily="34" charset="0"/>
+              <a:buChar char="•"/>
+              <a:defRPr sz="1800" kern="1200">
+                <a:solidFill>
+                  <a:schemeClr val="tx1"/>
+                </a:solidFill>
+                <a:latin typeface="+mn-lt"/>
+                <a:ea typeface="+mn-ea"/>
+                <a:cs typeface="+mn-cs"/>
+              </a:defRPr>
+            </a:lvl5pPr>
+            <a:lvl6pPr marL="2514600" indent="-228600" algn="l" defTabSz="914400" rtl="0" eaLnBrk="1" latinLnBrk="0" hangingPunct="1">
+              <a:lnSpc>
+                <a:spcPct val="90000"/>
+              </a:lnSpc>
+              <a:spcBef>
+                <a:spcPts val="500"/>
+              </a:spcBef>
+              <a:buFont typeface="Arial" panose="020B0604020202020204" pitchFamily="34" charset="0"/>
+              <a:buChar char="•"/>
+              <a:defRPr sz="1800" kern="1200">
+                <a:solidFill>
+                  <a:schemeClr val="tx1"/>
+                </a:solidFill>
+                <a:latin typeface="+mn-lt"/>
+                <a:ea typeface="+mn-ea"/>
+                <a:cs typeface="+mn-cs"/>
+              </a:defRPr>
+            </a:lvl6pPr>
+            <a:lvl7pPr marL="2971800" indent="-228600" algn="l" defTabSz="914400" rtl="0" eaLnBrk="1" latinLnBrk="0" hangingPunct="1">
+              <a:lnSpc>
+                <a:spcPct val="90000"/>
+              </a:lnSpc>
+              <a:spcBef>
+                <a:spcPts val="500"/>
+              </a:spcBef>
+              <a:buFont typeface="Arial" panose="020B0604020202020204" pitchFamily="34" charset="0"/>
+              <a:buChar char="•"/>
+              <a:defRPr sz="1800" kern="1200">
+                <a:solidFill>
+                  <a:schemeClr val="tx1"/>
+                </a:solidFill>
+                <a:latin typeface="+mn-lt"/>
+                <a:ea typeface="+mn-ea"/>
+                <a:cs typeface="+mn-cs"/>
+              </a:defRPr>
+            </a:lvl7pPr>
+            <a:lvl8pPr marL="3429000" indent="-228600" algn="l" defTabSz="914400" rtl="0" eaLnBrk="1" latinLnBrk="0" hangingPunct="1">
+              <a:lnSpc>
+                <a:spcPct val="90000"/>
+              </a:lnSpc>
+              <a:spcBef>
+                <a:spcPts val="500"/>
+              </a:spcBef>
+              <a:buFont typeface="Arial" panose="020B0604020202020204" pitchFamily="34" charset="0"/>
+              <a:buChar char="•"/>
+              <a:defRPr sz="1800" kern="1200">
+                <a:solidFill>
+                  <a:schemeClr val="tx1"/>
+                </a:solidFill>
+                <a:latin typeface="+mn-lt"/>
+                <a:ea typeface="+mn-ea"/>
+                <a:cs typeface="+mn-cs"/>
+              </a:defRPr>
+            </a:lvl8pPr>
+            <a:lvl9pPr marL="3886200" indent="-228600" algn="l" defTabSz="914400" rtl="0" eaLnBrk="1" latinLnBrk="0" hangingPunct="1">
+              <a:lnSpc>
+                <a:spcPct val="90000"/>
+              </a:lnSpc>
+              <a:spcBef>
+                <a:spcPts val="500"/>
+              </a:spcBef>
+              <a:buFont typeface="Arial" panose="020B0604020202020204" pitchFamily="34" charset="0"/>
+              <a:buChar char="•"/>
+              <a:defRPr sz="1800" kern="1200">
+                <a:solidFill>
+                  <a:schemeClr val="tx1"/>
+                </a:solidFill>
+                <a:latin typeface="+mn-lt"/>
+                <a:ea typeface="+mn-ea"/>
+                <a:cs typeface="+mn-cs"/>
+              </a:defRPr>
+            </a:lvl9pPr>
+          </a:lstStyle>
+          <a:p>
+            <a:pPr marL="0" indent="0" algn="just">
+              <a:buFont typeface="Arial" panose="020B0604020202020204" pitchFamily="34" charset="0"/>
+              <a:buNone/>
+            </a:pPr>
+            <a:r>
+              <a:rPr lang="en-US" sz="2500" dirty="0"/>
+              <a:t>Constructors are </a:t>
+            </a:r>
+            <a:r>
+              <a:rPr lang="en-US" sz="2500" b="1" dirty="0"/>
+              <a:t>not</a:t>
+            </a:r>
+            <a:r>
+              <a:rPr lang="en-US" sz="2500" dirty="0"/>
+              <a:t> inherited.</a:t>
+            </a:r>
+          </a:p>
+        </p:txBody>
+      </p:sp>
+      <p:sp>
+        <p:nvSpPr>
+          <p:cNvPr id="5" name="Content Placeholder 2">
+            <a:extLst>
+              <a:ext uri="{FF2B5EF4-FFF2-40B4-BE49-F238E27FC236}">
+                <a16:creationId xmlns:a16="http://schemas.microsoft.com/office/drawing/2014/main" id="{0EA7A596-AB63-9092-83B7-E0EA3BB3B18B}"/>
+              </a:ext>
+            </a:extLst>
+          </p:cNvPr>
+          <p:cNvSpPr txBox="1">
+            <a:spLocks/>
+          </p:cNvSpPr>
+          <p:nvPr/>
+        </p:nvSpPr>
+        <p:spPr>
+          <a:xfrm>
+            <a:off x="774700" y="3213099"/>
+            <a:ext cx="10759067" cy="477157"/>
+          </a:xfrm>
+          <a:prstGeom prst="rect">
+            <a:avLst/>
+          </a:prstGeom>
+        </p:spPr>
+        <p:txBody>
+          <a:bodyPr>
+            <a:normAutofit fontScale="55000" lnSpcReduction="20000"/>
+          </a:bodyPr>
+          <a:lstStyle>
+            <a:lvl1pPr marL="228600" indent="-228600" algn="l" defTabSz="914400" rtl="0" eaLnBrk="1" latinLnBrk="0" hangingPunct="1">
+              <a:lnSpc>
+                <a:spcPct val="90000"/>
+              </a:lnSpc>
+              <a:spcBef>
+                <a:spcPts val="1000"/>
+              </a:spcBef>
+              <a:buFont typeface="Arial" panose="020B0604020202020204" pitchFamily="34" charset="0"/>
+              <a:buChar char="•"/>
+              <a:defRPr sz="2800" kern="1200">
+                <a:solidFill>
+                  <a:schemeClr val="tx1"/>
+                </a:solidFill>
+                <a:latin typeface="+mn-lt"/>
+                <a:ea typeface="+mn-ea"/>
+                <a:cs typeface="+mn-cs"/>
+              </a:defRPr>
+            </a:lvl1pPr>
+            <a:lvl2pPr marL="685800" indent="-228600" algn="l" defTabSz="914400" rtl="0" eaLnBrk="1" latinLnBrk="0" hangingPunct="1">
+              <a:lnSpc>
+                <a:spcPct val="90000"/>
+              </a:lnSpc>
+              <a:spcBef>
+                <a:spcPts val="500"/>
+              </a:spcBef>
+              <a:buFont typeface="Arial" panose="020B0604020202020204" pitchFamily="34" charset="0"/>
+              <a:buChar char="•"/>
+              <a:defRPr sz="2400" kern="1200">
+                <a:solidFill>
+                  <a:schemeClr val="tx1"/>
+                </a:solidFill>
+                <a:latin typeface="+mn-lt"/>
+                <a:ea typeface="+mn-ea"/>
+                <a:cs typeface="+mn-cs"/>
+              </a:defRPr>
+            </a:lvl2pPr>
+            <a:lvl3pPr marL="1143000" indent="-228600" algn="l" defTabSz="914400" rtl="0" eaLnBrk="1" latinLnBrk="0" hangingPunct="1">
+              <a:lnSpc>
+                <a:spcPct val="90000"/>
+              </a:lnSpc>
+              <a:spcBef>
+                <a:spcPts val="500"/>
+              </a:spcBef>
+              <a:buFont typeface="Arial" panose="020B0604020202020204" pitchFamily="34" charset="0"/>
+              <a:buChar char="•"/>
+              <a:defRPr sz="2000" kern="1200">
+                <a:solidFill>
+                  <a:schemeClr val="tx1"/>
+                </a:solidFill>
+                <a:latin typeface="+mn-lt"/>
+                <a:ea typeface="+mn-ea"/>
+                <a:cs typeface="+mn-cs"/>
+              </a:defRPr>
+            </a:lvl3pPr>
+            <a:lvl4pPr marL="1600200" indent="-228600" algn="l" defTabSz="914400" rtl="0" eaLnBrk="1" latinLnBrk="0" hangingPunct="1">
+              <a:lnSpc>
+                <a:spcPct val="90000"/>
+              </a:lnSpc>
+              <a:spcBef>
+                <a:spcPts val="500"/>
+              </a:spcBef>
+              <a:buFont typeface="Arial" panose="020B0604020202020204" pitchFamily="34" charset="0"/>
+              <a:buChar char="•"/>
+              <a:defRPr sz="1800" kern="1200">
+                <a:solidFill>
+                  <a:schemeClr val="tx1"/>
+                </a:solidFill>
+                <a:latin typeface="+mn-lt"/>
+                <a:ea typeface="+mn-ea"/>
+                <a:cs typeface="+mn-cs"/>
+              </a:defRPr>
+            </a:lvl4pPr>
+            <a:lvl5pPr marL="2057400" indent="-228600" algn="l" defTabSz="914400" rtl="0" eaLnBrk="1" latinLnBrk="0" hangingPunct="1">
+              <a:lnSpc>
+                <a:spcPct val="90000"/>
+              </a:lnSpc>
+              <a:spcBef>
+                <a:spcPts val="500"/>
+              </a:spcBef>
+              <a:buFont typeface="Arial" panose="020B0604020202020204" pitchFamily="34" charset="0"/>
+              <a:buChar char="•"/>
+              <a:defRPr sz="1800" kern="1200">
+                <a:solidFill>
+                  <a:schemeClr val="tx1"/>
+                </a:solidFill>
+                <a:latin typeface="+mn-lt"/>
+                <a:ea typeface="+mn-ea"/>
+                <a:cs typeface="+mn-cs"/>
+              </a:defRPr>
+            </a:lvl5pPr>
+            <a:lvl6pPr marL="2514600" indent="-228600" algn="l" defTabSz="914400" rtl="0" eaLnBrk="1" latinLnBrk="0" hangingPunct="1">
+              <a:lnSpc>
+                <a:spcPct val="90000"/>
+              </a:lnSpc>
+              <a:spcBef>
+                <a:spcPts val="500"/>
+              </a:spcBef>
+              <a:buFont typeface="Arial" panose="020B0604020202020204" pitchFamily="34" charset="0"/>
+              <a:buChar char="•"/>
+              <a:defRPr sz="1800" kern="1200">
+                <a:solidFill>
+                  <a:schemeClr val="tx1"/>
+                </a:solidFill>
+                <a:latin typeface="+mn-lt"/>
+                <a:ea typeface="+mn-ea"/>
+                <a:cs typeface="+mn-cs"/>
+              </a:defRPr>
+            </a:lvl6pPr>
+            <a:lvl7pPr marL="2971800" indent="-228600" algn="l" defTabSz="914400" rtl="0" eaLnBrk="1" latinLnBrk="0" hangingPunct="1">
+              <a:lnSpc>
+                <a:spcPct val="90000"/>
+              </a:lnSpc>
+              <a:spcBef>
+                <a:spcPts val="500"/>
+              </a:spcBef>
+              <a:buFont typeface="Arial" panose="020B0604020202020204" pitchFamily="34" charset="0"/>
+              <a:buChar char="•"/>
+              <a:defRPr sz="1800" kern="1200">
+                <a:solidFill>
+                  <a:schemeClr val="tx1"/>
+                </a:solidFill>
+                <a:latin typeface="+mn-lt"/>
+                <a:ea typeface="+mn-ea"/>
+                <a:cs typeface="+mn-cs"/>
+              </a:defRPr>
+            </a:lvl7pPr>
+            <a:lvl8pPr marL="3429000" indent="-228600" algn="l" defTabSz="914400" rtl="0" eaLnBrk="1" latinLnBrk="0" hangingPunct="1">
+              <a:lnSpc>
+                <a:spcPct val="90000"/>
+              </a:lnSpc>
+              <a:spcBef>
+                <a:spcPts val="500"/>
+              </a:spcBef>
+              <a:buFont typeface="Arial" panose="020B0604020202020204" pitchFamily="34" charset="0"/>
+              <a:buChar char="•"/>
+              <a:defRPr sz="1800" kern="1200">
+                <a:solidFill>
+                  <a:schemeClr val="tx1"/>
+                </a:solidFill>
+                <a:latin typeface="+mn-lt"/>
+                <a:ea typeface="+mn-ea"/>
+                <a:cs typeface="+mn-cs"/>
+              </a:defRPr>
+            </a:lvl8pPr>
+            <a:lvl9pPr marL="3886200" indent="-228600" algn="l" defTabSz="914400" rtl="0" eaLnBrk="1" latinLnBrk="0" hangingPunct="1">
+              <a:lnSpc>
+                <a:spcPct val="90000"/>
+              </a:lnSpc>
+              <a:spcBef>
+                <a:spcPts val="500"/>
+              </a:spcBef>
+              <a:buFont typeface="Arial" panose="020B0604020202020204" pitchFamily="34" charset="0"/>
+              <a:buChar char="•"/>
+              <a:defRPr sz="1800" kern="1200">
+                <a:solidFill>
+                  <a:schemeClr val="tx1"/>
+                </a:solidFill>
+                <a:latin typeface="+mn-lt"/>
+                <a:ea typeface="+mn-ea"/>
+                <a:cs typeface="+mn-cs"/>
+              </a:defRPr>
+            </a:lvl9pPr>
+          </a:lstStyle>
+          <a:p>
+            <a:pPr marL="0" indent="0" algn="just">
+              <a:buFont typeface="Arial" panose="020B0604020202020204" pitchFamily="34" charset="0"/>
+              <a:buNone/>
+            </a:pPr>
+            <a:r>
+              <a:rPr lang="en-US" sz="3000" dirty="0"/>
+              <a:t>Consider the following instances of </a:t>
+            </a:r>
+            <a:r>
+              <a:rPr lang="en-US" sz="3000" dirty="0">
+                <a:latin typeface="Courier New" panose="02070309020205020404" pitchFamily="49" charset="0"/>
+                <a:cs typeface="Courier New" panose="02070309020205020404" pitchFamily="49" charset="0"/>
+              </a:rPr>
+              <a:t>Performer</a:t>
+            </a:r>
+            <a:r>
+              <a:rPr lang="en-US" sz="3000" dirty="0"/>
+              <a:t> and </a:t>
+            </a:r>
+            <a:r>
+              <a:rPr lang="en-US" sz="3000" dirty="0">
+                <a:latin typeface="Courier New" panose="02070309020205020404" pitchFamily="49" charset="0"/>
+                <a:cs typeface="Courier New" panose="02070309020205020404" pitchFamily="49" charset="0"/>
+              </a:rPr>
+              <a:t>Musician</a:t>
+            </a:r>
+            <a:r>
+              <a:rPr lang="en-US" sz="3000" dirty="0"/>
+              <a:t>. Which Constructor calls are valid or invalid?</a:t>
+            </a:r>
+          </a:p>
+        </p:txBody>
+      </p:sp>
+      <p:sp>
+        <p:nvSpPr>
+          <p:cNvPr id="8" name="Content Placeholder 2">
+            <a:extLst>
+              <a:ext uri="{FF2B5EF4-FFF2-40B4-BE49-F238E27FC236}">
+                <a16:creationId xmlns:a16="http://schemas.microsoft.com/office/drawing/2014/main" id="{55CDFDD1-31FD-FC4C-DCFF-9377F8ADF381}"/>
+              </a:ext>
+            </a:extLst>
+          </p:cNvPr>
+          <p:cNvSpPr txBox="1">
+            <a:spLocks/>
+          </p:cNvSpPr>
+          <p:nvPr/>
+        </p:nvSpPr>
+        <p:spPr>
+          <a:xfrm>
+            <a:off x="800099" y="3581400"/>
+            <a:ext cx="10759067" cy="2694090"/>
+          </a:xfrm>
+          <a:prstGeom prst="rect">
+            <a:avLst/>
+          </a:prstGeom>
+        </p:spPr>
+        <p:txBody>
+          <a:bodyPr>
+            <a:normAutofit/>
+          </a:bodyPr>
+          <a:lstStyle>
+            <a:lvl1pPr marL="228600" indent="-228600" algn="l" defTabSz="914400" rtl="0" eaLnBrk="1" latinLnBrk="0" hangingPunct="1">
+              <a:lnSpc>
+                <a:spcPct val="90000"/>
+              </a:lnSpc>
+              <a:spcBef>
+                <a:spcPts val="1000"/>
+              </a:spcBef>
+              <a:buFont typeface="Arial" panose="020B0604020202020204" pitchFamily="34" charset="0"/>
+              <a:buChar char="•"/>
+              <a:defRPr sz="2800" kern="1200">
+                <a:solidFill>
+                  <a:schemeClr val="tx1"/>
+                </a:solidFill>
+                <a:latin typeface="+mn-lt"/>
+                <a:ea typeface="+mn-ea"/>
+                <a:cs typeface="+mn-cs"/>
+              </a:defRPr>
+            </a:lvl1pPr>
+            <a:lvl2pPr marL="685800" indent="-228600" algn="l" defTabSz="914400" rtl="0" eaLnBrk="1" latinLnBrk="0" hangingPunct="1">
+              <a:lnSpc>
+                <a:spcPct val="90000"/>
+              </a:lnSpc>
+              <a:spcBef>
+                <a:spcPts val="500"/>
+              </a:spcBef>
+              <a:buFont typeface="Arial" panose="020B0604020202020204" pitchFamily="34" charset="0"/>
+              <a:buChar char="•"/>
+              <a:defRPr sz="2400" kern="1200">
+                <a:solidFill>
+                  <a:schemeClr val="tx1"/>
+                </a:solidFill>
+                <a:latin typeface="+mn-lt"/>
+                <a:ea typeface="+mn-ea"/>
+                <a:cs typeface="+mn-cs"/>
+              </a:defRPr>
+            </a:lvl2pPr>
+            <a:lvl3pPr marL="1143000" indent="-228600" algn="l" defTabSz="914400" rtl="0" eaLnBrk="1" latinLnBrk="0" hangingPunct="1">
+              <a:lnSpc>
+                <a:spcPct val="90000"/>
+              </a:lnSpc>
+              <a:spcBef>
+                <a:spcPts val="500"/>
+              </a:spcBef>
+              <a:buFont typeface="Arial" panose="020B0604020202020204" pitchFamily="34" charset="0"/>
+              <a:buChar char="•"/>
+              <a:defRPr sz="2000" kern="1200">
+                <a:solidFill>
+                  <a:schemeClr val="tx1"/>
+                </a:solidFill>
+                <a:latin typeface="+mn-lt"/>
+                <a:ea typeface="+mn-ea"/>
+                <a:cs typeface="+mn-cs"/>
+              </a:defRPr>
+            </a:lvl3pPr>
+            <a:lvl4pPr marL="1600200" indent="-228600" algn="l" defTabSz="914400" rtl="0" eaLnBrk="1" latinLnBrk="0" hangingPunct="1">
+              <a:lnSpc>
+                <a:spcPct val="90000"/>
+              </a:lnSpc>
+              <a:spcBef>
+                <a:spcPts val="500"/>
+              </a:spcBef>
+              <a:buFont typeface="Arial" panose="020B0604020202020204" pitchFamily="34" charset="0"/>
+              <a:buChar char="•"/>
+              <a:defRPr sz="1800" kern="1200">
+                <a:solidFill>
+                  <a:schemeClr val="tx1"/>
+                </a:solidFill>
+                <a:latin typeface="+mn-lt"/>
+                <a:ea typeface="+mn-ea"/>
+                <a:cs typeface="+mn-cs"/>
+              </a:defRPr>
+            </a:lvl4pPr>
+            <a:lvl5pPr marL="2057400" indent="-228600" algn="l" defTabSz="914400" rtl="0" eaLnBrk="1" latinLnBrk="0" hangingPunct="1">
+              <a:lnSpc>
+                <a:spcPct val="90000"/>
+              </a:lnSpc>
+              <a:spcBef>
+                <a:spcPts val="500"/>
+              </a:spcBef>
+              <a:buFont typeface="Arial" panose="020B0604020202020204" pitchFamily="34" charset="0"/>
+              <a:buChar char="•"/>
+              <a:defRPr sz="1800" kern="1200">
+                <a:solidFill>
+                  <a:schemeClr val="tx1"/>
+                </a:solidFill>
+                <a:latin typeface="+mn-lt"/>
+                <a:ea typeface="+mn-ea"/>
+                <a:cs typeface="+mn-cs"/>
+              </a:defRPr>
+            </a:lvl5pPr>
+            <a:lvl6pPr marL="2514600" indent="-228600" algn="l" defTabSz="914400" rtl="0" eaLnBrk="1" latinLnBrk="0" hangingPunct="1">
+              <a:lnSpc>
+                <a:spcPct val="90000"/>
+              </a:lnSpc>
+              <a:spcBef>
+                <a:spcPts val="500"/>
+              </a:spcBef>
+              <a:buFont typeface="Arial" panose="020B0604020202020204" pitchFamily="34" charset="0"/>
+              <a:buChar char="•"/>
+              <a:defRPr sz="1800" kern="1200">
+                <a:solidFill>
+                  <a:schemeClr val="tx1"/>
+                </a:solidFill>
+                <a:latin typeface="+mn-lt"/>
+                <a:ea typeface="+mn-ea"/>
+                <a:cs typeface="+mn-cs"/>
+              </a:defRPr>
+            </a:lvl6pPr>
+            <a:lvl7pPr marL="2971800" indent="-228600" algn="l" defTabSz="914400" rtl="0" eaLnBrk="1" latinLnBrk="0" hangingPunct="1">
+              <a:lnSpc>
+                <a:spcPct val="90000"/>
+              </a:lnSpc>
+              <a:spcBef>
+                <a:spcPts val="500"/>
+              </a:spcBef>
+              <a:buFont typeface="Arial" panose="020B0604020202020204" pitchFamily="34" charset="0"/>
+              <a:buChar char="•"/>
+              <a:defRPr sz="1800" kern="1200">
+                <a:solidFill>
+                  <a:schemeClr val="tx1"/>
+                </a:solidFill>
+                <a:latin typeface="+mn-lt"/>
+                <a:ea typeface="+mn-ea"/>
+                <a:cs typeface="+mn-cs"/>
+              </a:defRPr>
+            </a:lvl7pPr>
+            <a:lvl8pPr marL="3429000" indent="-228600" algn="l" defTabSz="914400" rtl="0" eaLnBrk="1" latinLnBrk="0" hangingPunct="1">
+              <a:lnSpc>
+                <a:spcPct val="90000"/>
+              </a:lnSpc>
+              <a:spcBef>
+                <a:spcPts val="500"/>
+              </a:spcBef>
+              <a:buFont typeface="Arial" panose="020B0604020202020204" pitchFamily="34" charset="0"/>
+              <a:buChar char="•"/>
+              <a:defRPr sz="1800" kern="1200">
+                <a:solidFill>
+                  <a:schemeClr val="tx1"/>
+                </a:solidFill>
+                <a:latin typeface="+mn-lt"/>
+                <a:ea typeface="+mn-ea"/>
+                <a:cs typeface="+mn-cs"/>
+              </a:defRPr>
+            </a:lvl8pPr>
+            <a:lvl9pPr marL="3886200" indent="-228600" algn="l" defTabSz="914400" rtl="0" eaLnBrk="1" latinLnBrk="0" hangingPunct="1">
+              <a:lnSpc>
+                <a:spcPct val="90000"/>
+              </a:lnSpc>
+              <a:spcBef>
+                <a:spcPts val="500"/>
+              </a:spcBef>
+              <a:buFont typeface="Arial" panose="020B0604020202020204" pitchFamily="34" charset="0"/>
+              <a:buChar char="•"/>
+              <a:defRPr sz="1800" kern="1200">
+                <a:solidFill>
+                  <a:schemeClr val="tx1"/>
+                </a:solidFill>
+                <a:latin typeface="+mn-lt"/>
+                <a:ea typeface="+mn-ea"/>
+                <a:cs typeface="+mn-cs"/>
+              </a:defRPr>
+            </a:lvl9pPr>
+          </a:lstStyle>
+          <a:p>
+            <a:pPr marL="0" indent="0" algn="just">
+              <a:buFont typeface="Arial" panose="020B0604020202020204" pitchFamily="34" charset="0"/>
+              <a:buNone/>
+            </a:pPr>
+            <a:r>
+              <a:rPr lang="en-US" sz="1600" dirty="0">
+                <a:latin typeface="Courier New" panose="02070309020205020404" pitchFamily="49" charset="0"/>
+                <a:cs typeface="Courier New" panose="02070309020205020404" pitchFamily="49" charset="0"/>
+              </a:rPr>
+              <a:t>Performer </a:t>
+            </a:r>
+            <a:r>
+              <a:rPr lang="en-US" sz="1600" dirty="0" err="1">
+                <a:latin typeface="Courier New" panose="02070309020205020404" pitchFamily="49" charset="0"/>
+                <a:cs typeface="Courier New" panose="02070309020205020404" pitchFamily="49" charset="0"/>
+              </a:rPr>
+              <a:t>james</a:t>
+            </a:r>
+            <a:r>
+              <a:rPr lang="en-US" sz="1600" dirty="0">
+                <a:latin typeface="Courier New" panose="02070309020205020404" pitchFamily="49" charset="0"/>
+                <a:cs typeface="Courier New" panose="02070309020205020404" pitchFamily="49" charset="0"/>
+              </a:rPr>
+              <a:t> = new Performer();</a:t>
+            </a:r>
+          </a:p>
+          <a:p>
+            <a:pPr marL="0" indent="0" algn="just">
+              <a:buFont typeface="Arial" panose="020B0604020202020204" pitchFamily="34" charset="0"/>
+              <a:buNone/>
+            </a:pPr>
+            <a:r>
+              <a:rPr lang="en-US" sz="1600" dirty="0">
+                <a:latin typeface="Courier New" panose="02070309020205020404" pitchFamily="49" charset="0"/>
+                <a:cs typeface="Courier New" panose="02070309020205020404" pitchFamily="49" charset="0"/>
+              </a:rPr>
+              <a:t>Musician </a:t>
+            </a:r>
+            <a:r>
+              <a:rPr lang="en-US" sz="1600" dirty="0" err="1">
+                <a:latin typeface="Courier New" panose="02070309020205020404" pitchFamily="49" charset="0"/>
+                <a:cs typeface="Courier New" panose="02070309020205020404" pitchFamily="49" charset="0"/>
+              </a:rPr>
+              <a:t>lisa</a:t>
+            </a:r>
+            <a:r>
+              <a:rPr lang="en-US" sz="1600" dirty="0">
+                <a:latin typeface="Courier New" panose="02070309020205020404" pitchFamily="49" charset="0"/>
+                <a:cs typeface="Courier New" panose="02070309020205020404" pitchFamily="49" charset="0"/>
+              </a:rPr>
+              <a:t> = new Musician();</a:t>
+            </a:r>
+          </a:p>
+          <a:p>
+            <a:pPr marL="0" indent="0" algn="just">
+              <a:buFont typeface="Arial" panose="020B0604020202020204" pitchFamily="34" charset="0"/>
+              <a:buNone/>
+            </a:pPr>
+            <a:r>
+              <a:rPr lang="en-US" sz="1600" dirty="0">
+                <a:latin typeface="Courier New" panose="02070309020205020404" pitchFamily="49" charset="0"/>
+                <a:cs typeface="Courier New" panose="02070309020205020404" pitchFamily="49" charset="0"/>
+              </a:rPr>
+              <a:t>Performer </a:t>
+            </a:r>
+            <a:r>
+              <a:rPr lang="en-US" sz="1600" dirty="0" err="1">
+                <a:latin typeface="Courier New" panose="02070309020205020404" pitchFamily="49" charset="0"/>
+                <a:cs typeface="Courier New" panose="02070309020205020404" pitchFamily="49" charset="0"/>
+              </a:rPr>
+              <a:t>james</a:t>
+            </a:r>
+            <a:r>
+              <a:rPr lang="en-US" sz="1600" dirty="0">
+                <a:latin typeface="Courier New" panose="02070309020205020404" pitchFamily="49" charset="0"/>
+                <a:cs typeface="Courier New" panose="02070309020205020404" pitchFamily="49" charset="0"/>
+              </a:rPr>
+              <a:t> = new Performer(“James”, 19);</a:t>
+            </a:r>
+          </a:p>
+          <a:p>
+            <a:pPr marL="0" indent="0" algn="just">
+              <a:buFont typeface="Arial" panose="020B0604020202020204" pitchFamily="34" charset="0"/>
+              <a:buNone/>
+            </a:pPr>
+            <a:r>
+              <a:rPr lang="en-US" sz="1600" dirty="0">
+                <a:latin typeface="Courier New" panose="02070309020205020404" pitchFamily="49" charset="0"/>
+                <a:cs typeface="Courier New" panose="02070309020205020404" pitchFamily="49" charset="0"/>
+              </a:rPr>
+              <a:t>Musician </a:t>
+            </a:r>
+            <a:r>
+              <a:rPr lang="en-US" sz="1600" dirty="0" err="1">
+                <a:latin typeface="Courier New" panose="02070309020205020404" pitchFamily="49" charset="0"/>
+                <a:cs typeface="Courier New" panose="02070309020205020404" pitchFamily="49" charset="0"/>
+              </a:rPr>
+              <a:t>lisa</a:t>
+            </a:r>
+            <a:r>
+              <a:rPr lang="en-US" sz="1600" dirty="0">
+                <a:latin typeface="Courier New" panose="02070309020205020404" pitchFamily="49" charset="0"/>
+                <a:cs typeface="Courier New" panose="02070309020205020404" pitchFamily="49" charset="0"/>
+              </a:rPr>
+              <a:t> = new Musician(“Lisa”, 20);</a:t>
+            </a:r>
+          </a:p>
+          <a:p>
+            <a:pPr marL="0" indent="0" algn="just">
+              <a:buFont typeface="Arial" panose="020B0604020202020204" pitchFamily="34" charset="0"/>
+              <a:buNone/>
+            </a:pPr>
+            <a:r>
+              <a:rPr lang="en-US" sz="1600" dirty="0">
+                <a:latin typeface="Courier New" panose="02070309020205020404" pitchFamily="49" charset="0"/>
+                <a:cs typeface="Courier New" panose="02070309020205020404" pitchFamily="49" charset="0"/>
+              </a:rPr>
+              <a:t>Musician </a:t>
+            </a:r>
+            <a:r>
+              <a:rPr lang="en-US" sz="1600" dirty="0" err="1">
+                <a:latin typeface="Courier New" panose="02070309020205020404" pitchFamily="49" charset="0"/>
+                <a:cs typeface="Courier New" panose="02070309020205020404" pitchFamily="49" charset="0"/>
+              </a:rPr>
+              <a:t>lisa</a:t>
+            </a:r>
+            <a:r>
+              <a:rPr lang="en-US" sz="1600" dirty="0">
+                <a:latin typeface="Courier New" panose="02070309020205020404" pitchFamily="49" charset="0"/>
+                <a:cs typeface="Courier New" panose="02070309020205020404" pitchFamily="49" charset="0"/>
+              </a:rPr>
+              <a:t> = new Musician(“Saxophone”);</a:t>
+            </a:r>
+          </a:p>
+          <a:p>
+            <a:pPr marL="0" indent="0" algn="just">
+              <a:buFont typeface="Arial" panose="020B0604020202020204" pitchFamily="34" charset="0"/>
+              <a:buNone/>
+            </a:pPr>
+            <a:r>
+              <a:rPr lang="en-US" sz="1600" dirty="0">
+                <a:latin typeface="Courier New" panose="02070309020205020404" pitchFamily="49" charset="0"/>
+                <a:cs typeface="Courier New" panose="02070309020205020404" pitchFamily="49" charset="0"/>
+              </a:rPr>
+              <a:t>Performer </a:t>
+            </a:r>
+            <a:r>
+              <a:rPr lang="en-US" sz="1600" dirty="0" err="1">
+                <a:latin typeface="Courier New" panose="02070309020205020404" pitchFamily="49" charset="0"/>
+                <a:cs typeface="Courier New" panose="02070309020205020404" pitchFamily="49" charset="0"/>
+              </a:rPr>
+              <a:t>james</a:t>
+            </a:r>
+            <a:r>
+              <a:rPr lang="en-US" sz="1600" dirty="0">
+                <a:latin typeface="Courier New" panose="02070309020205020404" pitchFamily="49" charset="0"/>
+                <a:cs typeface="Courier New" panose="02070309020205020404" pitchFamily="49" charset="0"/>
+              </a:rPr>
+              <a:t> = new Performer(“Trumpet”);</a:t>
+            </a:r>
+          </a:p>
+          <a:p>
+            <a:pPr marL="0" indent="0" algn="just">
+              <a:buFont typeface="Arial" panose="020B0604020202020204" pitchFamily="34" charset="0"/>
+              <a:buNone/>
+            </a:pPr>
+            <a:r>
+              <a:rPr lang="en-US" sz="1600" dirty="0">
+                <a:latin typeface="Courier New" panose="02070309020205020404" pitchFamily="49" charset="0"/>
+                <a:cs typeface="Courier New" panose="02070309020205020404" pitchFamily="49" charset="0"/>
+              </a:rPr>
+              <a:t>Musician </a:t>
+            </a:r>
+            <a:r>
+              <a:rPr lang="en-US" sz="1600" dirty="0" err="1">
+                <a:latin typeface="Courier New" panose="02070309020205020404" pitchFamily="49" charset="0"/>
+                <a:cs typeface="Courier New" panose="02070309020205020404" pitchFamily="49" charset="0"/>
+              </a:rPr>
+              <a:t>lisa</a:t>
+            </a:r>
+            <a:r>
+              <a:rPr lang="en-US" sz="1600" dirty="0">
+                <a:latin typeface="Courier New" panose="02070309020205020404" pitchFamily="49" charset="0"/>
+                <a:cs typeface="Courier New" panose="02070309020205020404" pitchFamily="49" charset="0"/>
+              </a:rPr>
+              <a:t> = new Musician(“Lisa”, 20, “Saxophone”); </a:t>
+            </a:r>
+          </a:p>
+        </p:txBody>
+      </p:sp>
+      <p:pic>
+        <p:nvPicPr>
+          <p:cNvPr id="6" name="Picture 5">
+            <a:extLst>
+              <a:ext uri="{FF2B5EF4-FFF2-40B4-BE49-F238E27FC236}">
+                <a16:creationId xmlns:a16="http://schemas.microsoft.com/office/drawing/2014/main" id="{46CCD8D6-302B-C64E-0A8A-DFFE10EE2E7E}"/>
+              </a:ext>
+            </a:extLst>
+          </p:cNvPr>
+          <p:cNvPicPr>
+            <a:picLocks noChangeAspect="1"/>
+          </p:cNvPicPr>
+          <p:nvPr/>
+        </p:nvPicPr>
+        <p:blipFill>
+          <a:blip r:embed="rId3"/>
+          <a:stretch>
+            <a:fillRect/>
+          </a:stretch>
+        </p:blipFill>
+        <p:spPr>
+          <a:xfrm>
+            <a:off x="774700" y="1172539"/>
+            <a:ext cx="11042966" cy="1731620"/>
+          </a:xfrm>
+          <a:prstGeom prst="rect">
+            <a:avLst/>
+          </a:prstGeom>
+        </p:spPr>
+      </p:pic>
+      <p:pic>
+        <p:nvPicPr>
+          <p:cNvPr id="1026" name="Picture 2" descr="JGrasp icon in iOS Style">
+            <a:extLst>
+              <a:ext uri="{FF2B5EF4-FFF2-40B4-BE49-F238E27FC236}">
+                <a16:creationId xmlns:a16="http://schemas.microsoft.com/office/drawing/2014/main" id="{A521E497-3006-C355-F393-3365CF285E9D}"/>
+              </a:ext>
+            </a:extLst>
+          </p:cNvPr>
+          <p:cNvPicPr>
+            <a:picLocks noChangeAspect="1" noChangeArrowheads="1"/>
+          </p:cNvPicPr>
+          <p:nvPr/>
+        </p:nvPicPr>
+        <p:blipFill>
+          <a:blip r:embed="rId4">
+            <a:extLst>
+              <a:ext uri="{28A0092B-C50C-407E-A947-70E740481C1C}">
+                <a14:useLocalDpi xmlns:a14="http://schemas.microsoft.com/office/drawing/2010/main" val="0"/>
+              </a:ext>
+            </a:extLst>
+          </a:blip>
+          <a:srcRect/>
+          <a:stretch>
+            <a:fillRect/>
+          </a:stretch>
+        </p:blipFill>
+        <p:spPr bwMode="auto">
+          <a:xfrm>
+            <a:off x="10833102" y="5584371"/>
+            <a:ext cx="1211942" cy="1211942"/>
+          </a:xfrm>
+          <a:prstGeom prst="rect">
+            <a:avLst/>
+          </a:prstGeom>
+          <a:noFill/>
+          <a:extLst>
+            <a:ext uri="{909E8E84-426E-40DD-AFC4-6F175D3DCCD1}">
+              <a14:hiddenFill xmlns:a14="http://schemas.microsoft.com/office/drawing/2010/main">
+                <a:solidFill>
+                  <a:srgbClr val="FFFFFF"/>
+                </a:solidFill>
+              </a14:hiddenFill>
+            </a:ext>
+          </a:extLst>
+        </p:spPr>
+      </p:pic>
+    </p:spTree>
+    <p:extLst>
+      <p:ext uri="{BB962C8B-B14F-4D97-AF65-F5344CB8AC3E}">
+        <p14:creationId xmlns:p14="http://schemas.microsoft.com/office/powerpoint/2010/main" val="481567322"/>
+      </p:ext>
+    </p:extLst>
+  </p:cSld>
+  <p:clrMapOvr>
+    <a:masterClrMapping/>
+  </p:clrMapOvr>
+</p:sld>
+</file>
+
+<file path=ppt/slides/slide13.xml><?xml version="1.0" encoding="utf-8"?>
+<p:sld xmlns:a="http://schemas.openxmlformats.org/drawingml/2006/main" xmlns:r="http://schemas.openxmlformats.org/officeDocument/2006/relationships" xmlns:p="http://schemas.openxmlformats.org/presentationml/2006/main">
+  <p:cSld>
+    <p:spTree>
+      <p:nvGrpSpPr>
+        <p:cNvPr id="1" name=""/>
+        <p:cNvGrpSpPr/>
+        <p:nvPr/>
+      </p:nvGrpSpPr>
+      <p:grpSpPr>
+        <a:xfrm>
+          <a:off x="0" y="0"/>
+          <a:ext cx="0" cy="0"/>
+          <a:chOff x="0" y="0"/>
+          <a:chExt cx="0" cy="0"/>
+        </a:xfrm>
+      </p:grpSpPr>
+      <p:pic>
+        <p:nvPicPr>
+          <p:cNvPr id="3" name="Picture 2">
+            <a:extLst>
+              <a:ext uri="{FF2B5EF4-FFF2-40B4-BE49-F238E27FC236}">
                 <a16:creationId xmlns:a16="http://schemas.microsoft.com/office/drawing/2014/main" id="{B62E63EE-C2CA-2B69-6850-9E70D18ADDF8}"/>
               </a:ext>
             </a:extLst>
@@ -5854,6 +8055,57 @@
           </a:p>
         </p:txBody>
       </p:sp>
+      <mc:AlternateContent xmlns:mc="http://schemas.openxmlformats.org/markup-compatibility/2006" xmlns:p14="http://schemas.microsoft.com/office/powerpoint/2010/main">
+        <mc:Choice Requires="p14">
+          <p:contentPart p14:bwMode="auto" r:id="rId4">
+            <p14:nvContentPartPr>
+              <p14:cNvPr id="2" name="Ink 1">
+                <a:extLst>
+                  <a:ext uri="{FF2B5EF4-FFF2-40B4-BE49-F238E27FC236}">
+                    <a16:creationId xmlns:a16="http://schemas.microsoft.com/office/drawing/2014/main" id="{9BA6464F-B423-86C1-8106-36E8540DCAAE}"/>
+                  </a:ext>
+                </a:extLst>
+              </p14:cNvPr>
+              <p14:cNvContentPartPr/>
+              <p14:nvPr/>
+            </p14:nvContentPartPr>
+            <p14:xfrm>
+              <a:off x="61200" y="1146240"/>
+              <a:ext cx="1653840" cy="1859040"/>
+            </p14:xfrm>
+          </p:contentPart>
+        </mc:Choice>
+        <mc:Fallback xmlns="">
+          <p:pic>
+            <p:nvPicPr>
+              <p:cNvPr id="2" name="Ink 1">
+                <a:extLst>
+                  <a:ext uri="{FF2B5EF4-FFF2-40B4-BE49-F238E27FC236}">
+                    <a16:creationId xmlns:a16="http://schemas.microsoft.com/office/drawing/2014/main" id="{9BA6464F-B423-86C1-8106-36E8540DCAAE}"/>
+                  </a:ext>
+                </a:extLst>
+              </p:cNvPr>
+              <p:cNvPicPr/>
+              <p:nvPr/>
+            </p:nvPicPr>
+            <p:blipFill>
+              <a:blip r:embed="rId5"/>
+              <a:stretch>
+                <a:fillRect/>
+              </a:stretch>
+            </p:blipFill>
+            <p:spPr>
+              <a:xfrm>
+                <a:off x="51840" y="1136880"/>
+                <a:ext cx="1672560" cy="1877760"/>
+              </a:xfrm>
+              <a:prstGeom prst="rect">
+                <a:avLst/>
+              </a:prstGeom>
+            </p:spPr>
+          </p:pic>
+        </mc:Fallback>
+      </mc:AlternateContent>
     </p:spTree>
     <p:extLst>
       <p:ext uri="{BB962C8B-B14F-4D97-AF65-F5344CB8AC3E}">
@@ -5945,7 +8197,7 @@
 </p:sld>
 </file>
 
-<file path=ppt/slides/slide12.xml><?xml version="1.0" encoding="utf-8"?>
+<file path=ppt/slides/slide14.xml><?xml version="1.0" encoding="utf-8"?>
 <p:sld xmlns:a="http://schemas.openxmlformats.org/drawingml/2006/main" xmlns:r="http://schemas.openxmlformats.org/officeDocument/2006/relationships" xmlns:p="http://schemas.openxmlformats.org/presentationml/2006/main">
   <p:cSld>
     <p:spTree>
@@ -6063,7 +8315,7 @@
 </p:sld>
 </file>
 
-<file path=ppt/slides/slide13.xml><?xml version="1.0" encoding="utf-8"?>
+<file path=ppt/slides/slide15.xml><?xml version="1.0" encoding="utf-8"?>
 <p:sld xmlns:a="http://schemas.openxmlformats.org/drawingml/2006/main" xmlns:r="http://schemas.openxmlformats.org/officeDocument/2006/relationships" xmlns:p="http://schemas.openxmlformats.org/presentationml/2006/main">
   <p:cSld>
     <p:spTree>
@@ -6174,6 +8426,803 @@
     <p:extLst>
       <p:ext uri="{BB962C8B-B14F-4D97-AF65-F5344CB8AC3E}">
         <p14:creationId xmlns:p14="http://schemas.microsoft.com/office/powerpoint/2010/main" val="3468859089"/>
+      </p:ext>
+    </p:extLst>
+  </p:cSld>
+  <p:clrMapOvr>
+    <a:masterClrMapping/>
+  </p:clrMapOvr>
+</p:sld>
+</file>
+
+<file path=ppt/slides/slide16.xml><?xml version="1.0" encoding="utf-8"?>
+<p:sld xmlns:a="http://schemas.openxmlformats.org/drawingml/2006/main" xmlns:r="http://schemas.openxmlformats.org/officeDocument/2006/relationships" xmlns:p="http://schemas.openxmlformats.org/presentationml/2006/main">
+  <p:cSld>
+    <p:spTree>
+      <p:nvGrpSpPr>
+        <p:cNvPr id="1" name="">
+          <a:extLst>
+            <a:ext uri="{FF2B5EF4-FFF2-40B4-BE49-F238E27FC236}">
+              <a16:creationId xmlns:a16="http://schemas.microsoft.com/office/drawing/2014/main" id="{BD16BD4D-26A6-0222-B292-5A38B7DD39AC}"/>
+            </a:ext>
+          </a:extLst>
+        </p:cNvPr>
+        <p:cNvGrpSpPr/>
+        <p:nvPr/>
+      </p:nvGrpSpPr>
+      <p:grpSpPr>
+        <a:xfrm>
+          <a:off x="0" y="0"/>
+          <a:ext cx="0" cy="0"/>
+          <a:chOff x="0" y="0"/>
+          <a:chExt cx="0" cy="0"/>
+        </a:xfrm>
+      </p:grpSpPr>
+      <p:sp>
+        <p:nvSpPr>
+          <p:cNvPr id="3" name="Content Placeholder 2">
+            <a:extLst>
+              <a:ext uri="{FF2B5EF4-FFF2-40B4-BE49-F238E27FC236}">
+                <a16:creationId xmlns:a16="http://schemas.microsoft.com/office/drawing/2014/main" id="{72D80334-C923-0C30-AFAC-1E608F2A4571}"/>
+              </a:ext>
+            </a:extLst>
+          </p:cNvPr>
+          <p:cNvSpPr>
+            <a:spLocks noGrp="1"/>
+          </p:cNvSpPr>
+          <p:nvPr>
+            <p:ph idx="1"/>
+          </p:nvPr>
+        </p:nvSpPr>
+        <p:spPr>
+          <a:xfrm>
+            <a:off x="838200" y="1340595"/>
+            <a:ext cx="10759067" cy="4777175"/>
+          </a:xfrm>
+        </p:spPr>
+        <p:txBody>
+          <a:bodyPr>
+            <a:normAutofit/>
+          </a:bodyPr>
+          <a:lstStyle/>
+          <a:p>
+            <a:pPr marL="0" indent="0" algn="just">
+              <a:buNone/>
+            </a:pPr>
+            <a:r>
+              <a:rPr lang="en-US" sz="2500" dirty="0"/>
+              <a:t>The following are true about writing subclasses:</a:t>
+            </a:r>
+          </a:p>
+          <a:p>
+            <a:pPr algn="just"/>
+            <a:r>
+              <a:rPr lang="en-US" sz="2500" dirty="0"/>
+              <a:t>When a subclass is created, it inherits its superclass’s public methods</a:t>
+            </a:r>
+          </a:p>
+          <a:p>
+            <a:pPr algn="just"/>
+            <a:r>
+              <a:rPr lang="en-US" sz="2500" dirty="0"/>
+              <a:t>The subclass can </a:t>
+            </a:r>
+            <a:r>
+              <a:rPr lang="en-US" sz="2500" b="1" dirty="0"/>
+              <a:t>override</a:t>
+            </a:r>
+            <a:r>
+              <a:rPr lang="en-US" sz="2500" dirty="0"/>
+              <a:t> its public inherited methods</a:t>
+            </a:r>
+          </a:p>
+          <a:p>
+            <a:pPr algn="just"/>
+            <a:r>
+              <a:rPr lang="en-US" sz="2500" dirty="0"/>
+              <a:t>A subclass does not have direct access to its superclass’s private fields. The superclass must provide public methods to allow its subclasses to access (getters) or modify (setters, other methods) its fields</a:t>
+            </a:r>
+          </a:p>
+          <a:p>
+            <a:pPr algn="just"/>
+            <a:r>
+              <a:rPr lang="en-US" sz="2500" dirty="0"/>
+              <a:t>A subclass can add new methods and fields to provide additional features specific to the subclass. A subclass should </a:t>
+            </a:r>
+            <a:r>
+              <a:rPr lang="en-US" sz="2500" b="1" dirty="0"/>
+              <a:t>not</a:t>
+            </a:r>
+            <a:r>
+              <a:rPr lang="en-US" sz="2500" dirty="0"/>
+              <a:t> create its own copies of the superclass’s fields. This is called </a:t>
+            </a:r>
+            <a:r>
+              <a:rPr lang="en-US" sz="2500" b="1" dirty="0"/>
+              <a:t>shadowing</a:t>
+            </a:r>
+            <a:r>
+              <a:rPr lang="en-US" sz="2500" dirty="0"/>
+              <a:t> and will cause issues.</a:t>
+            </a:r>
+          </a:p>
+          <a:p>
+            <a:pPr algn="just"/>
+            <a:r>
+              <a:rPr lang="en-US" sz="2500" dirty="0"/>
+              <a:t>A subclass should only create instance variables that store new attributes specific to that class</a:t>
+            </a:r>
+          </a:p>
+        </p:txBody>
+      </p:sp>
+      <p:sp>
+        <p:nvSpPr>
+          <p:cNvPr id="2" name="Title 1">
+            <a:extLst>
+              <a:ext uri="{FF2B5EF4-FFF2-40B4-BE49-F238E27FC236}">
+                <a16:creationId xmlns:a16="http://schemas.microsoft.com/office/drawing/2014/main" id="{173C16B9-A279-8905-8119-2B4964B55A3A}"/>
+              </a:ext>
+            </a:extLst>
+          </p:cNvPr>
+          <p:cNvSpPr>
+            <a:spLocks noGrp="1"/>
+          </p:cNvSpPr>
+          <p:nvPr>
+            <p:ph type="title"/>
+          </p:nvPr>
+        </p:nvSpPr>
+        <p:spPr>
+          <a:xfrm>
+            <a:off x="838200" y="365126"/>
+            <a:ext cx="10515600" cy="975470"/>
+          </a:xfrm>
+        </p:spPr>
+        <p:txBody>
+          <a:bodyPr/>
+          <a:lstStyle/>
+          <a:p>
+            <a:pPr algn="just"/>
+            <a:r>
+              <a:rPr lang="en-US" dirty="0"/>
+              <a:t>Writing Subclasses</a:t>
+            </a:r>
+          </a:p>
+        </p:txBody>
+      </p:sp>
+    </p:spTree>
+    <p:extLst>
+      <p:ext uri="{BB962C8B-B14F-4D97-AF65-F5344CB8AC3E}">
+        <p14:creationId xmlns:p14="http://schemas.microsoft.com/office/powerpoint/2010/main" val="3050173585"/>
+      </p:ext>
+    </p:extLst>
+  </p:cSld>
+  <p:clrMapOvr>
+    <a:masterClrMapping/>
+  </p:clrMapOvr>
+</p:sld>
+</file>
+
+<file path=ppt/slides/slide17.xml><?xml version="1.0" encoding="utf-8"?>
+<p:sld xmlns:a="http://schemas.openxmlformats.org/drawingml/2006/main" xmlns:r="http://schemas.openxmlformats.org/officeDocument/2006/relationships" xmlns:p="http://schemas.openxmlformats.org/presentationml/2006/main">
+  <p:cSld>
+    <p:spTree>
+      <p:nvGrpSpPr>
+        <p:cNvPr id="1" name="">
+          <a:extLst>
+            <a:ext uri="{FF2B5EF4-FFF2-40B4-BE49-F238E27FC236}">
+              <a16:creationId xmlns:a16="http://schemas.microsoft.com/office/drawing/2014/main" id="{4B5A241A-F888-E194-9E3D-16DDB984103B}"/>
+            </a:ext>
+          </a:extLst>
+        </p:cNvPr>
+        <p:cNvGrpSpPr/>
+        <p:nvPr/>
+      </p:nvGrpSpPr>
+      <p:grpSpPr>
+        <a:xfrm>
+          <a:off x="0" y="0"/>
+          <a:ext cx="0" cy="0"/>
+          <a:chOff x="0" y="0"/>
+          <a:chExt cx="0" cy="0"/>
+        </a:xfrm>
+      </p:grpSpPr>
+      <p:sp>
+        <p:nvSpPr>
+          <p:cNvPr id="6" name="Rectangle 5">
+            <a:extLst>
+              <a:ext uri="{FF2B5EF4-FFF2-40B4-BE49-F238E27FC236}">
+                <a16:creationId xmlns:a16="http://schemas.microsoft.com/office/drawing/2014/main" id="{B972E4E5-3C30-34F5-1810-3925E19BBEDC}"/>
+              </a:ext>
+            </a:extLst>
+          </p:cNvPr>
+          <p:cNvSpPr/>
+          <p:nvPr/>
+        </p:nvSpPr>
+        <p:spPr>
+          <a:xfrm>
+            <a:off x="1012479" y="2679826"/>
+            <a:ext cx="10167042" cy="398352"/>
+          </a:xfrm>
+          <a:prstGeom prst="rect">
+            <a:avLst/>
+          </a:prstGeom>
+          <a:solidFill>
+            <a:schemeClr val="accent4">
+              <a:lumMod val="20000"/>
+              <a:lumOff val="80000"/>
+            </a:schemeClr>
+          </a:solidFill>
+          <a:ln>
+            <a:noFill/>
+          </a:ln>
+        </p:spPr>
+        <p:style>
+          <a:lnRef idx="2">
+            <a:schemeClr val="accent1">
+              <a:shade val="15000"/>
+            </a:schemeClr>
+          </a:lnRef>
+          <a:fillRef idx="1">
+            <a:schemeClr val="accent1"/>
+          </a:fillRef>
+          <a:effectRef idx="0">
+            <a:schemeClr val="accent1"/>
+          </a:effectRef>
+          <a:fontRef idx="minor">
+            <a:schemeClr val="lt1"/>
+          </a:fontRef>
+        </p:style>
+        <p:txBody>
+          <a:bodyPr rtlCol="0" anchor="t"/>
+          <a:lstStyle/>
+          <a:p>
+            <a:pPr algn="ctr"/>
+            <a:r>
+              <a:rPr lang="en-US" b="1" dirty="0">
+                <a:solidFill>
+                  <a:schemeClr val="tx1"/>
+                </a:solidFill>
+              </a:rPr>
+              <a:t>Overriding Methods and Calling Overridden Methods</a:t>
+            </a:r>
+          </a:p>
+        </p:txBody>
+      </p:sp>
+      <p:sp>
+        <p:nvSpPr>
+          <p:cNvPr id="11" name="Text Box 34">
+            <a:extLst>
+              <a:ext uri="{FF2B5EF4-FFF2-40B4-BE49-F238E27FC236}">
+                <a16:creationId xmlns:a16="http://schemas.microsoft.com/office/drawing/2014/main" id="{66F556E2-91FE-6808-3EBC-67369F91B1A1}"/>
+              </a:ext>
+            </a:extLst>
+          </p:cNvPr>
+          <p:cNvSpPr txBox="1">
+            <a:spLocks noChangeArrowheads="1"/>
+          </p:cNvSpPr>
+          <p:nvPr/>
+        </p:nvSpPr>
+        <p:spPr bwMode="auto">
+          <a:xfrm>
+            <a:off x="5800085" y="3005914"/>
+            <a:ext cx="591830" cy="846172"/>
+          </a:xfrm>
+          <a:prstGeom prst="rect">
+            <a:avLst/>
+          </a:prstGeom>
+          <a:noFill/>
+          <a:ln>
+            <a:noFill/>
+          </a:ln>
+          <a:extLst>
+            <a:ext uri="{909E8E84-426E-40DD-AFC4-6F175D3DCCD1}">
+              <a14:hiddenFill xmlns:a14="http://schemas.microsoft.com/office/drawing/2010/main">
+                <a:solidFill>
+                  <a:srgbClr val="FFFFFF"/>
+                </a:solidFill>
+              </a14:hiddenFill>
+            </a:ext>
+            <a:ext uri="{91240B29-F687-4F45-9708-019B960494DF}">
+              <a14:hiddenLine xmlns:a14="http://schemas.microsoft.com/office/drawing/2010/main" w="9525">
+                <a:solidFill>
+                  <a:srgbClr val="000000"/>
+                </a:solidFill>
+                <a:miter lim="800000"/>
+                <a:headEnd/>
+                <a:tailEnd/>
+              </a14:hiddenLine>
+            </a:ext>
+          </a:extLst>
+        </p:spPr>
+        <p:txBody>
+          <a:bodyPr/>
+          <a:lstStyle/>
+          <a:p>
+            <a:r>
+              <a:rPr lang="en-US" altLang="en-US" sz="1200" dirty="0"/>
+              <a:t> </a:t>
+            </a:r>
+            <a:r>
+              <a:rPr lang="en-US" altLang="en-US" sz="3600" dirty="0">
+                <a:sym typeface="Wingdings" panose="05000000000000000000" pitchFamily="2" charset="2"/>
+              </a:rPr>
+              <a:t></a:t>
+            </a:r>
+            <a:endParaRPr lang="en-US" altLang="en-US" dirty="0"/>
+          </a:p>
+        </p:txBody>
+      </p:sp>
+      <p:sp>
+        <p:nvSpPr>
+          <p:cNvPr id="14" name="TextBox 13">
+            <a:extLst>
+              <a:ext uri="{FF2B5EF4-FFF2-40B4-BE49-F238E27FC236}">
+                <a16:creationId xmlns:a16="http://schemas.microsoft.com/office/drawing/2014/main" id="{81F58E18-1CEC-EE21-F7F5-2444F9E97363}"/>
+              </a:ext>
+            </a:extLst>
+          </p:cNvPr>
+          <p:cNvSpPr txBox="1"/>
+          <p:nvPr/>
+        </p:nvSpPr>
+        <p:spPr>
+          <a:xfrm>
+            <a:off x="294407" y="5980744"/>
+            <a:ext cx="1461965" cy="523220"/>
+          </a:xfrm>
+          <a:prstGeom prst="rect">
+            <a:avLst/>
+          </a:prstGeom>
+          <a:noFill/>
+        </p:spPr>
+        <p:txBody>
+          <a:bodyPr wrap="square">
+            <a:spAutoFit/>
+          </a:bodyPr>
+          <a:lstStyle/>
+          <a:p>
+            <a:r>
+              <a:rPr lang="en-US" sz="1400">
+                <a:solidFill>
+                  <a:schemeClr val="tx1"/>
+                </a:solidFill>
+              </a:rPr>
+              <a:t>AP CS A</a:t>
+            </a:r>
+          </a:p>
+          <a:p>
+            <a:r>
+              <a:rPr lang="en-US" sz="1400"/>
+              <a:t>Ms. Baniqued</a:t>
+            </a:r>
+            <a:endParaRPr lang="en-US" sz="1400">
+              <a:solidFill>
+                <a:schemeClr val="tx1"/>
+              </a:solidFill>
+            </a:endParaRPr>
+          </a:p>
+        </p:txBody>
+      </p:sp>
+    </p:spTree>
+    <p:extLst>
+      <p:ext uri="{BB962C8B-B14F-4D97-AF65-F5344CB8AC3E}">
+        <p14:creationId xmlns:p14="http://schemas.microsoft.com/office/powerpoint/2010/main" val="2095240792"/>
+      </p:ext>
+    </p:extLst>
+  </p:cSld>
+  <p:clrMapOvr>
+    <a:masterClrMapping/>
+  </p:clrMapOvr>
+</p:sld>
+</file>
+
+<file path=ppt/slides/slide18.xml><?xml version="1.0" encoding="utf-8"?>
+<p:sld xmlns:a="http://schemas.openxmlformats.org/drawingml/2006/main" xmlns:r="http://schemas.openxmlformats.org/officeDocument/2006/relationships" xmlns:p="http://schemas.openxmlformats.org/presentationml/2006/main">
+  <p:cSld>
+    <p:spTree>
+      <p:nvGrpSpPr>
+        <p:cNvPr id="1" name="">
+          <a:extLst>
+            <a:ext uri="{FF2B5EF4-FFF2-40B4-BE49-F238E27FC236}">
+              <a16:creationId xmlns:a16="http://schemas.microsoft.com/office/drawing/2014/main" id="{B57B3FB0-ECD8-06A8-E45F-B6F2D627F94C}"/>
+            </a:ext>
+          </a:extLst>
+        </p:cNvPr>
+        <p:cNvGrpSpPr/>
+        <p:nvPr/>
+      </p:nvGrpSpPr>
+      <p:grpSpPr>
+        <a:xfrm>
+          <a:off x="0" y="0"/>
+          <a:ext cx="0" cy="0"/>
+          <a:chOff x="0" y="0"/>
+          <a:chExt cx="0" cy="0"/>
+        </a:xfrm>
+      </p:grpSpPr>
+      <p:sp>
+        <p:nvSpPr>
+          <p:cNvPr id="3" name="Content Placeholder 2">
+            <a:extLst>
+              <a:ext uri="{FF2B5EF4-FFF2-40B4-BE49-F238E27FC236}">
+                <a16:creationId xmlns:a16="http://schemas.microsoft.com/office/drawing/2014/main" id="{B1739CB1-B051-7BA5-77B8-C67C5E5ADD1A}"/>
+              </a:ext>
+            </a:extLst>
+          </p:cNvPr>
+          <p:cNvSpPr>
+            <a:spLocks noGrp="1"/>
+          </p:cNvSpPr>
+          <p:nvPr>
+            <p:ph idx="1"/>
+          </p:nvPr>
+        </p:nvSpPr>
+        <p:spPr>
+          <a:xfrm>
+            <a:off x="723902" y="1340596"/>
+            <a:ext cx="2928256" cy="4777175"/>
+          </a:xfrm>
+        </p:spPr>
+        <p:txBody>
+          <a:bodyPr>
+            <a:normAutofit/>
+          </a:bodyPr>
+          <a:lstStyle/>
+          <a:p>
+            <a:pPr marL="0" indent="0" algn="just">
+              <a:buNone/>
+            </a:pPr>
+            <a:r>
+              <a:rPr lang="en-US" sz="2000" dirty="0"/>
+              <a:t>In Java, </a:t>
+            </a:r>
+            <a:r>
+              <a:rPr lang="en-US" sz="2000" b="1" dirty="0"/>
+              <a:t>method overriding </a:t>
+            </a:r>
+            <a:r>
+              <a:rPr lang="en-US" sz="2000" dirty="0"/>
+              <a:t>occurs when a subclass </a:t>
+            </a:r>
+            <a:r>
+              <a:rPr lang="en-US" sz="2000" i="1" dirty="0"/>
+              <a:t>public</a:t>
+            </a:r>
+            <a:r>
+              <a:rPr lang="en-US" sz="2000" dirty="0"/>
+              <a:t> method has the same signature as a method inherited from its superclass. A subclass can modify a method that is already defined in its superclass. </a:t>
+            </a:r>
+          </a:p>
+          <a:p>
+            <a:pPr marL="0" indent="0" algn="just">
+              <a:buNone/>
+            </a:pPr>
+            <a:r>
+              <a:rPr lang="en-US" sz="2000" dirty="0"/>
+              <a:t>Overriding allows subclasses to adapt inherited behaviors to their specific needs.</a:t>
+            </a:r>
+          </a:p>
+        </p:txBody>
+      </p:sp>
+      <p:sp>
+        <p:nvSpPr>
+          <p:cNvPr id="2" name="Title 1">
+            <a:extLst>
+              <a:ext uri="{FF2B5EF4-FFF2-40B4-BE49-F238E27FC236}">
+                <a16:creationId xmlns:a16="http://schemas.microsoft.com/office/drawing/2014/main" id="{C9C670D8-3CE9-A7D8-BC34-A0CA12251B99}"/>
+              </a:ext>
+            </a:extLst>
+          </p:cNvPr>
+          <p:cNvSpPr>
+            <a:spLocks noGrp="1"/>
+          </p:cNvSpPr>
+          <p:nvPr>
+            <p:ph type="title"/>
+          </p:nvPr>
+        </p:nvSpPr>
+        <p:spPr>
+          <a:xfrm>
+            <a:off x="723902" y="365126"/>
+            <a:ext cx="10629898" cy="975470"/>
+          </a:xfrm>
+        </p:spPr>
+        <p:txBody>
+          <a:bodyPr>
+            <a:normAutofit/>
+          </a:bodyPr>
+          <a:lstStyle/>
+          <a:p>
+            <a:pPr algn="just"/>
+            <a:r>
+              <a:rPr lang="en-US" sz="4000" dirty="0"/>
+              <a:t>Overriding Methods</a:t>
+            </a:r>
+          </a:p>
+        </p:txBody>
+      </p:sp>
+      <p:pic>
+        <p:nvPicPr>
+          <p:cNvPr id="7" name="Picture 6">
+            <a:extLst>
+              <a:ext uri="{FF2B5EF4-FFF2-40B4-BE49-F238E27FC236}">
+                <a16:creationId xmlns:a16="http://schemas.microsoft.com/office/drawing/2014/main" id="{9BE4532C-804D-B6E5-A8D5-61ABDF471FD9}"/>
+              </a:ext>
+            </a:extLst>
+          </p:cNvPr>
+          <p:cNvPicPr>
+            <a:picLocks noChangeAspect="1"/>
+          </p:cNvPicPr>
+          <p:nvPr/>
+        </p:nvPicPr>
+        <p:blipFill>
+          <a:blip r:embed="rId3"/>
+          <a:srcRect t="1295" b="1"/>
+          <a:stretch/>
+        </p:blipFill>
+        <p:spPr>
+          <a:xfrm>
+            <a:off x="8577944" y="1340596"/>
+            <a:ext cx="3286584" cy="3544886"/>
+          </a:xfrm>
+          <a:prstGeom prst="rect">
+            <a:avLst/>
+          </a:prstGeom>
+          <a:ln>
+            <a:solidFill>
+              <a:schemeClr val="tx1"/>
+            </a:solidFill>
+          </a:ln>
+        </p:spPr>
+      </p:pic>
+      <p:pic>
+        <p:nvPicPr>
+          <p:cNvPr id="9" name="Picture 8">
+            <a:extLst>
+              <a:ext uri="{FF2B5EF4-FFF2-40B4-BE49-F238E27FC236}">
+                <a16:creationId xmlns:a16="http://schemas.microsoft.com/office/drawing/2014/main" id="{58E4AF53-D98B-FB8B-4A31-B1CE544767AF}"/>
+              </a:ext>
+            </a:extLst>
+          </p:cNvPr>
+          <p:cNvPicPr>
+            <a:picLocks noChangeAspect="1"/>
+          </p:cNvPicPr>
+          <p:nvPr/>
+        </p:nvPicPr>
+        <p:blipFill>
+          <a:blip r:embed="rId4"/>
+          <a:stretch>
+            <a:fillRect/>
+          </a:stretch>
+        </p:blipFill>
+        <p:spPr>
+          <a:xfrm>
+            <a:off x="3947812" y="1340596"/>
+            <a:ext cx="4296375" cy="4086795"/>
+          </a:xfrm>
+          <a:prstGeom prst="rect">
+            <a:avLst/>
+          </a:prstGeom>
+          <a:ln>
+            <a:solidFill>
+              <a:schemeClr val="tx1"/>
+            </a:solidFill>
+          </a:ln>
+        </p:spPr>
+      </p:pic>
+      <p:pic>
+        <p:nvPicPr>
+          <p:cNvPr id="10" name="Picture 2" descr="JGrasp icon in iOS Style">
+            <a:extLst>
+              <a:ext uri="{FF2B5EF4-FFF2-40B4-BE49-F238E27FC236}">
+                <a16:creationId xmlns:a16="http://schemas.microsoft.com/office/drawing/2014/main" id="{098422D2-DAC3-926D-CA1D-5D30B86E881F}"/>
+              </a:ext>
+            </a:extLst>
+          </p:cNvPr>
+          <p:cNvPicPr>
+            <a:picLocks noChangeAspect="1" noChangeArrowheads="1"/>
+          </p:cNvPicPr>
+          <p:nvPr/>
+        </p:nvPicPr>
+        <p:blipFill>
+          <a:blip r:embed="rId5">
+            <a:extLst>
+              <a:ext uri="{28A0092B-C50C-407E-A947-70E740481C1C}">
+                <a14:useLocalDpi xmlns:a14="http://schemas.microsoft.com/office/drawing/2010/main" val="0"/>
+              </a:ext>
+            </a:extLst>
+          </a:blip>
+          <a:srcRect/>
+          <a:stretch>
+            <a:fillRect/>
+          </a:stretch>
+        </p:blipFill>
+        <p:spPr bwMode="auto">
+          <a:xfrm>
+            <a:off x="10778674" y="5431971"/>
+            <a:ext cx="1211942" cy="1211942"/>
+          </a:xfrm>
+          <a:prstGeom prst="rect">
+            <a:avLst/>
+          </a:prstGeom>
+          <a:noFill/>
+          <a:extLst>
+            <a:ext uri="{909E8E84-426E-40DD-AFC4-6F175D3DCCD1}">
+              <a14:hiddenFill xmlns:a14="http://schemas.microsoft.com/office/drawing/2010/main">
+                <a:solidFill>
+                  <a:srgbClr val="FFFFFF"/>
+                </a:solidFill>
+              </a14:hiddenFill>
+            </a:ext>
+          </a:extLst>
+        </p:spPr>
+      </p:pic>
+    </p:spTree>
+    <p:extLst>
+      <p:ext uri="{BB962C8B-B14F-4D97-AF65-F5344CB8AC3E}">
+        <p14:creationId xmlns:p14="http://schemas.microsoft.com/office/powerpoint/2010/main" val="1432448209"/>
+      </p:ext>
+    </p:extLst>
+  </p:cSld>
+  <p:clrMapOvr>
+    <a:masterClrMapping/>
+  </p:clrMapOvr>
+</p:sld>
+</file>
+
+<file path=ppt/slides/slide19.xml><?xml version="1.0" encoding="utf-8"?>
+<p:sld xmlns:a="http://schemas.openxmlformats.org/drawingml/2006/main" xmlns:r="http://schemas.openxmlformats.org/officeDocument/2006/relationships" xmlns:p="http://schemas.openxmlformats.org/presentationml/2006/main">
+  <p:cSld>
+    <p:spTree>
+      <p:nvGrpSpPr>
+        <p:cNvPr id="1" name="">
+          <a:extLst>
+            <a:ext uri="{FF2B5EF4-FFF2-40B4-BE49-F238E27FC236}">
+              <a16:creationId xmlns:a16="http://schemas.microsoft.com/office/drawing/2014/main" id="{0EE76428-C8A6-79F9-BBBA-3D7CE2C9170B}"/>
+            </a:ext>
+          </a:extLst>
+        </p:cNvPr>
+        <p:cNvGrpSpPr/>
+        <p:nvPr/>
+      </p:nvGrpSpPr>
+      <p:grpSpPr>
+        <a:xfrm>
+          <a:off x="0" y="0"/>
+          <a:ext cx="0" cy="0"/>
+          <a:chOff x="0" y="0"/>
+          <a:chExt cx="0" cy="0"/>
+        </a:xfrm>
+      </p:grpSpPr>
+      <p:sp>
+        <p:nvSpPr>
+          <p:cNvPr id="2" name="Title 1">
+            <a:extLst>
+              <a:ext uri="{FF2B5EF4-FFF2-40B4-BE49-F238E27FC236}">
+                <a16:creationId xmlns:a16="http://schemas.microsoft.com/office/drawing/2014/main" id="{8D2C2D98-230C-D9AB-0C8A-3B62AFF0A21D}"/>
+              </a:ext>
+            </a:extLst>
+          </p:cNvPr>
+          <p:cNvSpPr>
+            <a:spLocks noGrp="1"/>
+          </p:cNvSpPr>
+          <p:nvPr>
+            <p:ph type="title"/>
+          </p:nvPr>
+        </p:nvSpPr>
+        <p:spPr>
+          <a:xfrm>
+            <a:off x="723902" y="365126"/>
+            <a:ext cx="10629898" cy="975470"/>
+          </a:xfrm>
+        </p:spPr>
+        <p:txBody>
+          <a:bodyPr>
+            <a:normAutofit fontScale="90000"/>
+          </a:bodyPr>
+          <a:lstStyle/>
+          <a:p>
+            <a:pPr algn="just"/>
+            <a:r>
+              <a:rPr lang="en-US" sz="4000" dirty="0"/>
+              <a:t>Calling Overridden Methods with the </a:t>
+            </a:r>
+            <a:r>
+              <a:rPr lang="en-US" sz="4000" dirty="0">
+                <a:latin typeface="Courier New" panose="02070309020205020404" pitchFamily="49" charset="0"/>
+                <a:cs typeface="Courier New" panose="02070309020205020404" pitchFamily="49" charset="0"/>
+              </a:rPr>
+              <a:t>super</a:t>
+            </a:r>
+            <a:r>
+              <a:rPr lang="en-US" sz="4000" dirty="0"/>
+              <a:t> keyword</a:t>
+            </a:r>
+          </a:p>
+        </p:txBody>
+      </p:sp>
+      <p:pic>
+        <p:nvPicPr>
+          <p:cNvPr id="8" name="Picture 7">
+            <a:extLst>
+              <a:ext uri="{FF2B5EF4-FFF2-40B4-BE49-F238E27FC236}">
+                <a16:creationId xmlns:a16="http://schemas.microsoft.com/office/drawing/2014/main" id="{00003675-706B-3694-E3B9-CA5E2AEFCCF8}"/>
+              </a:ext>
+            </a:extLst>
+          </p:cNvPr>
+          <p:cNvPicPr>
+            <a:picLocks noChangeAspect="1"/>
+          </p:cNvPicPr>
+          <p:nvPr/>
+        </p:nvPicPr>
+        <p:blipFill>
+          <a:blip r:embed="rId3"/>
+          <a:stretch>
+            <a:fillRect/>
+          </a:stretch>
+        </p:blipFill>
+        <p:spPr>
+          <a:xfrm>
+            <a:off x="834373" y="1340596"/>
+            <a:ext cx="10408956" cy="4996704"/>
+          </a:xfrm>
+          <a:prstGeom prst="rect">
+            <a:avLst/>
+          </a:prstGeom>
+        </p:spPr>
+      </p:pic>
+      <p:sp>
+        <p:nvSpPr>
+          <p:cNvPr id="11" name="Rectangle 10">
+            <a:extLst>
+              <a:ext uri="{FF2B5EF4-FFF2-40B4-BE49-F238E27FC236}">
+                <a16:creationId xmlns:a16="http://schemas.microsoft.com/office/drawing/2014/main" id="{7CB7E85D-2C92-6D4C-897B-535AA83100A0}"/>
+              </a:ext>
+            </a:extLst>
+          </p:cNvPr>
+          <p:cNvSpPr/>
+          <p:nvPr/>
+        </p:nvSpPr>
+        <p:spPr>
+          <a:xfrm>
+            <a:off x="9486900" y="1244600"/>
+            <a:ext cx="2070100" cy="812800"/>
+          </a:xfrm>
+          <a:prstGeom prst="rect">
+            <a:avLst/>
+          </a:prstGeom>
+          <a:solidFill>
+            <a:schemeClr val="bg1"/>
+          </a:solidFill>
+          <a:ln>
+            <a:solidFill>
+              <a:schemeClr val="bg1"/>
+            </a:solidFill>
+          </a:ln>
+        </p:spPr>
+        <p:style>
+          <a:lnRef idx="2">
+            <a:schemeClr val="accent1">
+              <a:shade val="15000"/>
+            </a:schemeClr>
+          </a:lnRef>
+          <a:fillRef idx="1">
+            <a:schemeClr val="accent1"/>
+          </a:fillRef>
+          <a:effectRef idx="0">
+            <a:schemeClr val="accent1"/>
+          </a:effectRef>
+          <a:fontRef idx="minor">
+            <a:schemeClr val="lt1"/>
+          </a:fontRef>
+        </p:style>
+        <p:txBody>
+          <a:bodyPr rtlCol="0" anchor="ctr"/>
+          <a:lstStyle/>
+          <a:p>
+            <a:pPr algn="ctr"/>
+            <a:endParaRPr lang="en-US"/>
+          </a:p>
+        </p:txBody>
+      </p:sp>
+    </p:spTree>
+    <p:extLst>
+      <p:ext uri="{BB962C8B-B14F-4D97-AF65-F5344CB8AC3E}">
+        <p14:creationId xmlns:p14="http://schemas.microsoft.com/office/powerpoint/2010/main" val="1676249572"/>
       </p:ext>
     </p:extLst>
   </p:cSld>
@@ -6367,6 +9416,1130 @@
 </p:sld>
 </file>
 
+<file path=ppt/slides/slide20.xml><?xml version="1.0" encoding="utf-8"?>
+<p:sld xmlns:a="http://schemas.openxmlformats.org/drawingml/2006/main" xmlns:r="http://schemas.openxmlformats.org/officeDocument/2006/relationships" xmlns:p="http://schemas.openxmlformats.org/presentationml/2006/main">
+  <p:cSld>
+    <p:spTree>
+      <p:nvGrpSpPr>
+        <p:cNvPr id="1" name=""/>
+        <p:cNvGrpSpPr/>
+        <p:nvPr/>
+      </p:nvGrpSpPr>
+      <p:grpSpPr>
+        <a:xfrm>
+          <a:off x="0" y="0"/>
+          <a:ext cx="0" cy="0"/>
+          <a:chOff x="0" y="0"/>
+          <a:chExt cx="0" cy="0"/>
+        </a:xfrm>
+      </p:grpSpPr>
+      <p:pic>
+        <p:nvPicPr>
+          <p:cNvPr id="3" name="Picture 2">
+            <a:extLst>
+              <a:ext uri="{FF2B5EF4-FFF2-40B4-BE49-F238E27FC236}">
+                <a16:creationId xmlns:a16="http://schemas.microsoft.com/office/drawing/2014/main" id="{A2ED967F-B830-8619-60B9-E6984BBFE082}"/>
+              </a:ext>
+            </a:extLst>
+          </p:cNvPr>
+          <p:cNvPicPr>
+            <a:picLocks noChangeAspect="1"/>
+          </p:cNvPicPr>
+          <p:nvPr/>
+        </p:nvPicPr>
+        <p:blipFill>
+          <a:blip r:embed="rId2"/>
+          <a:stretch>
+            <a:fillRect/>
+          </a:stretch>
+        </p:blipFill>
+        <p:spPr>
+          <a:xfrm>
+            <a:off x="854828" y="1288265"/>
+            <a:ext cx="10482343" cy="1052411"/>
+          </a:xfrm>
+          <a:prstGeom prst="rect">
+            <a:avLst/>
+          </a:prstGeom>
+          <a:ln>
+            <a:solidFill>
+              <a:schemeClr val="tx1"/>
+            </a:solidFill>
+          </a:ln>
+        </p:spPr>
+      </p:pic>
+      <p:sp>
+        <p:nvSpPr>
+          <p:cNvPr id="4" name="Rectangle 3">
+            <a:extLst>
+              <a:ext uri="{FF2B5EF4-FFF2-40B4-BE49-F238E27FC236}">
+                <a16:creationId xmlns:a16="http://schemas.microsoft.com/office/drawing/2014/main" id="{AAC94193-AA51-311A-E8C1-C3EEB19F9701}"/>
+              </a:ext>
+            </a:extLst>
+          </p:cNvPr>
+          <p:cNvSpPr/>
+          <p:nvPr/>
+        </p:nvSpPr>
+        <p:spPr>
+          <a:xfrm>
+            <a:off x="854828" y="2578100"/>
+            <a:ext cx="10482343" cy="3632200"/>
+          </a:xfrm>
+          <a:prstGeom prst="rect">
+            <a:avLst/>
+          </a:prstGeom>
+          <a:solidFill>
+            <a:schemeClr val="accent5">
+              <a:lumMod val="20000"/>
+              <a:lumOff val="80000"/>
+            </a:schemeClr>
+          </a:solidFill>
+        </p:spPr>
+        <p:style>
+          <a:lnRef idx="2">
+            <a:schemeClr val="accent4">
+              <a:shade val="15000"/>
+            </a:schemeClr>
+          </a:lnRef>
+          <a:fillRef idx="1">
+            <a:schemeClr val="accent4"/>
+          </a:fillRef>
+          <a:effectRef idx="0">
+            <a:schemeClr val="accent4"/>
+          </a:effectRef>
+          <a:fontRef idx="minor">
+            <a:schemeClr val="lt1"/>
+          </a:fontRef>
+        </p:style>
+        <p:txBody>
+          <a:bodyPr rtlCol="0" anchor="ctr"/>
+          <a:lstStyle/>
+          <a:p>
+            <a:pPr algn="ctr"/>
+            <a:endParaRPr lang="en-US" dirty="0"/>
+          </a:p>
+        </p:txBody>
+      </p:sp>
+      <p:sp>
+        <p:nvSpPr>
+          <p:cNvPr id="5" name="Content Placeholder 2">
+            <a:extLst>
+              <a:ext uri="{FF2B5EF4-FFF2-40B4-BE49-F238E27FC236}">
+                <a16:creationId xmlns:a16="http://schemas.microsoft.com/office/drawing/2014/main" id="{1B979D99-3185-7074-18CD-72D27569F301}"/>
+              </a:ext>
+            </a:extLst>
+          </p:cNvPr>
+          <p:cNvSpPr txBox="1">
+            <a:spLocks/>
+          </p:cNvSpPr>
+          <p:nvPr/>
+        </p:nvSpPr>
+        <p:spPr>
+          <a:xfrm>
+            <a:off x="723902" y="774700"/>
+            <a:ext cx="10883898" cy="403141"/>
+          </a:xfrm>
+          <a:prstGeom prst="rect">
+            <a:avLst/>
+          </a:prstGeom>
+        </p:spPr>
+        <p:txBody>
+          <a:bodyPr>
+            <a:normAutofit/>
+          </a:bodyPr>
+          <a:lstStyle>
+            <a:lvl1pPr marL="228600" indent="-228600" algn="l" defTabSz="914400" rtl="0" eaLnBrk="1" latinLnBrk="0" hangingPunct="1">
+              <a:lnSpc>
+                <a:spcPct val="90000"/>
+              </a:lnSpc>
+              <a:spcBef>
+                <a:spcPts val="1000"/>
+              </a:spcBef>
+              <a:buFont typeface="Arial" panose="020B0604020202020204" pitchFamily="34" charset="0"/>
+              <a:buChar char="•"/>
+              <a:defRPr sz="2800" kern="1200">
+                <a:solidFill>
+                  <a:schemeClr val="tx1"/>
+                </a:solidFill>
+                <a:latin typeface="+mn-lt"/>
+                <a:ea typeface="+mn-ea"/>
+                <a:cs typeface="+mn-cs"/>
+              </a:defRPr>
+            </a:lvl1pPr>
+            <a:lvl2pPr marL="685800" indent="-228600" algn="l" defTabSz="914400" rtl="0" eaLnBrk="1" latinLnBrk="0" hangingPunct="1">
+              <a:lnSpc>
+                <a:spcPct val="90000"/>
+              </a:lnSpc>
+              <a:spcBef>
+                <a:spcPts val="500"/>
+              </a:spcBef>
+              <a:buFont typeface="Arial" panose="020B0604020202020204" pitchFamily="34" charset="0"/>
+              <a:buChar char="•"/>
+              <a:defRPr sz="2400" kern="1200">
+                <a:solidFill>
+                  <a:schemeClr val="tx1"/>
+                </a:solidFill>
+                <a:latin typeface="+mn-lt"/>
+                <a:ea typeface="+mn-ea"/>
+                <a:cs typeface="+mn-cs"/>
+              </a:defRPr>
+            </a:lvl2pPr>
+            <a:lvl3pPr marL="1143000" indent="-228600" algn="l" defTabSz="914400" rtl="0" eaLnBrk="1" latinLnBrk="0" hangingPunct="1">
+              <a:lnSpc>
+                <a:spcPct val="90000"/>
+              </a:lnSpc>
+              <a:spcBef>
+                <a:spcPts val="500"/>
+              </a:spcBef>
+              <a:buFont typeface="Arial" panose="020B0604020202020204" pitchFamily="34" charset="0"/>
+              <a:buChar char="•"/>
+              <a:defRPr sz="2000" kern="1200">
+                <a:solidFill>
+                  <a:schemeClr val="tx1"/>
+                </a:solidFill>
+                <a:latin typeface="+mn-lt"/>
+                <a:ea typeface="+mn-ea"/>
+                <a:cs typeface="+mn-cs"/>
+              </a:defRPr>
+            </a:lvl3pPr>
+            <a:lvl4pPr marL="1600200" indent="-228600" algn="l" defTabSz="914400" rtl="0" eaLnBrk="1" latinLnBrk="0" hangingPunct="1">
+              <a:lnSpc>
+                <a:spcPct val="90000"/>
+              </a:lnSpc>
+              <a:spcBef>
+                <a:spcPts val="500"/>
+              </a:spcBef>
+              <a:buFont typeface="Arial" panose="020B0604020202020204" pitchFamily="34" charset="0"/>
+              <a:buChar char="•"/>
+              <a:defRPr sz="1800" kern="1200">
+                <a:solidFill>
+                  <a:schemeClr val="tx1"/>
+                </a:solidFill>
+                <a:latin typeface="+mn-lt"/>
+                <a:ea typeface="+mn-ea"/>
+                <a:cs typeface="+mn-cs"/>
+              </a:defRPr>
+            </a:lvl4pPr>
+            <a:lvl5pPr marL="2057400" indent="-228600" algn="l" defTabSz="914400" rtl="0" eaLnBrk="1" latinLnBrk="0" hangingPunct="1">
+              <a:lnSpc>
+                <a:spcPct val="90000"/>
+              </a:lnSpc>
+              <a:spcBef>
+                <a:spcPts val="500"/>
+              </a:spcBef>
+              <a:buFont typeface="Arial" panose="020B0604020202020204" pitchFamily="34" charset="0"/>
+              <a:buChar char="•"/>
+              <a:defRPr sz="1800" kern="1200">
+                <a:solidFill>
+                  <a:schemeClr val="tx1"/>
+                </a:solidFill>
+                <a:latin typeface="+mn-lt"/>
+                <a:ea typeface="+mn-ea"/>
+                <a:cs typeface="+mn-cs"/>
+              </a:defRPr>
+            </a:lvl5pPr>
+            <a:lvl6pPr marL="2514600" indent="-228600" algn="l" defTabSz="914400" rtl="0" eaLnBrk="1" latinLnBrk="0" hangingPunct="1">
+              <a:lnSpc>
+                <a:spcPct val="90000"/>
+              </a:lnSpc>
+              <a:spcBef>
+                <a:spcPts val="500"/>
+              </a:spcBef>
+              <a:buFont typeface="Arial" panose="020B0604020202020204" pitchFamily="34" charset="0"/>
+              <a:buChar char="•"/>
+              <a:defRPr sz="1800" kern="1200">
+                <a:solidFill>
+                  <a:schemeClr val="tx1"/>
+                </a:solidFill>
+                <a:latin typeface="+mn-lt"/>
+                <a:ea typeface="+mn-ea"/>
+                <a:cs typeface="+mn-cs"/>
+              </a:defRPr>
+            </a:lvl6pPr>
+            <a:lvl7pPr marL="2971800" indent="-228600" algn="l" defTabSz="914400" rtl="0" eaLnBrk="1" latinLnBrk="0" hangingPunct="1">
+              <a:lnSpc>
+                <a:spcPct val="90000"/>
+              </a:lnSpc>
+              <a:spcBef>
+                <a:spcPts val="500"/>
+              </a:spcBef>
+              <a:buFont typeface="Arial" panose="020B0604020202020204" pitchFamily="34" charset="0"/>
+              <a:buChar char="•"/>
+              <a:defRPr sz="1800" kern="1200">
+                <a:solidFill>
+                  <a:schemeClr val="tx1"/>
+                </a:solidFill>
+                <a:latin typeface="+mn-lt"/>
+                <a:ea typeface="+mn-ea"/>
+                <a:cs typeface="+mn-cs"/>
+              </a:defRPr>
+            </a:lvl7pPr>
+            <a:lvl8pPr marL="3429000" indent="-228600" algn="l" defTabSz="914400" rtl="0" eaLnBrk="1" latinLnBrk="0" hangingPunct="1">
+              <a:lnSpc>
+                <a:spcPct val="90000"/>
+              </a:lnSpc>
+              <a:spcBef>
+                <a:spcPts val="500"/>
+              </a:spcBef>
+              <a:buFont typeface="Arial" panose="020B0604020202020204" pitchFamily="34" charset="0"/>
+              <a:buChar char="•"/>
+              <a:defRPr sz="1800" kern="1200">
+                <a:solidFill>
+                  <a:schemeClr val="tx1"/>
+                </a:solidFill>
+                <a:latin typeface="+mn-lt"/>
+                <a:ea typeface="+mn-ea"/>
+                <a:cs typeface="+mn-cs"/>
+              </a:defRPr>
+            </a:lvl8pPr>
+            <a:lvl9pPr marL="3886200" indent="-228600" algn="l" defTabSz="914400" rtl="0" eaLnBrk="1" latinLnBrk="0" hangingPunct="1">
+              <a:lnSpc>
+                <a:spcPct val="90000"/>
+              </a:lnSpc>
+              <a:spcBef>
+                <a:spcPts val="500"/>
+              </a:spcBef>
+              <a:buFont typeface="Arial" panose="020B0604020202020204" pitchFamily="34" charset="0"/>
+              <a:buChar char="•"/>
+              <a:defRPr sz="1800" kern="1200">
+                <a:solidFill>
+                  <a:schemeClr val="tx1"/>
+                </a:solidFill>
+                <a:latin typeface="+mn-lt"/>
+                <a:ea typeface="+mn-ea"/>
+                <a:cs typeface="+mn-cs"/>
+              </a:defRPr>
+            </a:lvl9pPr>
+          </a:lstStyle>
+          <a:p>
+            <a:pPr marL="0" indent="0" algn="just">
+              <a:buFont typeface="Arial" panose="020B0604020202020204" pitchFamily="34" charset="0"/>
+              <a:buNone/>
+            </a:pPr>
+            <a:r>
+              <a:rPr lang="en-US" sz="2000" dirty="0"/>
+              <a:t>Consider the code below in a client class of </a:t>
+            </a:r>
+            <a:r>
+              <a:rPr lang="en-US" sz="2000" dirty="0">
+                <a:latin typeface="Courier New" panose="02070309020205020404" pitchFamily="49" charset="0"/>
+                <a:cs typeface="Courier New" panose="02070309020205020404" pitchFamily="49" charset="0"/>
+              </a:rPr>
+              <a:t>Performer</a:t>
+            </a:r>
+            <a:r>
+              <a:rPr lang="en-US" sz="2000" dirty="0"/>
+              <a:t> and its subclasses. What is the output?</a:t>
+            </a:r>
+          </a:p>
+        </p:txBody>
+      </p:sp>
+    </p:spTree>
+    <p:extLst>
+      <p:ext uri="{BB962C8B-B14F-4D97-AF65-F5344CB8AC3E}">
+        <p14:creationId xmlns:p14="http://schemas.microsoft.com/office/powerpoint/2010/main" val="3801504537"/>
+      </p:ext>
+    </p:extLst>
+  </p:cSld>
+  <p:clrMapOvr>
+    <a:masterClrMapping/>
+  </p:clrMapOvr>
+</p:sld>
+</file>
+
+<file path=ppt/slides/slide21.xml><?xml version="1.0" encoding="utf-8"?>
+<p:sld xmlns:a="http://schemas.openxmlformats.org/drawingml/2006/main" xmlns:r="http://schemas.openxmlformats.org/officeDocument/2006/relationships" xmlns:p="http://schemas.openxmlformats.org/presentationml/2006/main">
+  <p:cSld>
+    <p:spTree>
+      <p:nvGrpSpPr>
+        <p:cNvPr id="1" name=""/>
+        <p:cNvGrpSpPr/>
+        <p:nvPr/>
+      </p:nvGrpSpPr>
+      <p:grpSpPr>
+        <a:xfrm>
+          <a:off x="0" y="0"/>
+          <a:ext cx="0" cy="0"/>
+          <a:chOff x="0" y="0"/>
+          <a:chExt cx="0" cy="0"/>
+        </a:xfrm>
+      </p:grpSpPr>
+      <p:pic>
+        <p:nvPicPr>
+          <p:cNvPr id="2" name="Picture 1">
+            <a:extLst>
+              <a:ext uri="{FF2B5EF4-FFF2-40B4-BE49-F238E27FC236}">
+                <a16:creationId xmlns:a16="http://schemas.microsoft.com/office/drawing/2014/main" id="{91ECED4D-F8FF-7A8D-698B-3FAC3176C617}"/>
+              </a:ext>
+            </a:extLst>
+          </p:cNvPr>
+          <p:cNvPicPr>
+            <a:picLocks noChangeAspect="1"/>
+          </p:cNvPicPr>
+          <p:nvPr/>
+        </p:nvPicPr>
+        <p:blipFill>
+          <a:blip r:embed="rId2"/>
+          <a:stretch>
+            <a:fillRect/>
+          </a:stretch>
+        </p:blipFill>
+        <p:spPr>
+          <a:xfrm>
+            <a:off x="5496719" y="823911"/>
+            <a:ext cx="1198563" cy="1198563"/>
+          </a:xfrm>
+          <a:prstGeom prst="rect">
+            <a:avLst/>
+          </a:prstGeom>
+        </p:spPr>
+      </p:pic>
+      <p:sp>
+        <p:nvSpPr>
+          <p:cNvPr id="3" name="Title 1">
+            <a:extLst>
+              <a:ext uri="{FF2B5EF4-FFF2-40B4-BE49-F238E27FC236}">
+                <a16:creationId xmlns:a16="http://schemas.microsoft.com/office/drawing/2014/main" id="{A662365F-54A1-33D4-837D-87AAFCD71262}"/>
+              </a:ext>
+            </a:extLst>
+          </p:cNvPr>
+          <p:cNvSpPr txBox="1">
+            <a:spLocks/>
+          </p:cNvSpPr>
+          <p:nvPr/>
+        </p:nvSpPr>
+        <p:spPr>
+          <a:xfrm>
+            <a:off x="781051" y="2244726"/>
+            <a:ext cx="10629898" cy="561974"/>
+          </a:xfrm>
+          <a:prstGeom prst="rect">
+            <a:avLst/>
+          </a:prstGeom>
+        </p:spPr>
+        <p:txBody>
+          <a:bodyPr>
+            <a:normAutofit fontScale="90000" lnSpcReduction="10000"/>
+          </a:bodyPr>
+          <a:lstStyle>
+            <a:lvl1pPr algn="l" defTabSz="914400" rtl="0" eaLnBrk="1" latinLnBrk="0" hangingPunct="1">
+              <a:lnSpc>
+                <a:spcPct val="90000"/>
+              </a:lnSpc>
+              <a:spcBef>
+                <a:spcPct val="0"/>
+              </a:spcBef>
+              <a:buNone/>
+              <a:defRPr sz="4400" kern="1200">
+                <a:solidFill>
+                  <a:schemeClr val="tx1"/>
+                </a:solidFill>
+                <a:latin typeface="+mj-lt"/>
+                <a:ea typeface="+mj-ea"/>
+                <a:cs typeface="+mj-cs"/>
+              </a:defRPr>
+            </a:lvl1pPr>
+          </a:lstStyle>
+          <a:p>
+            <a:pPr algn="ctr"/>
+            <a:r>
+              <a:rPr lang="en-US" sz="4000"/>
+              <a:t>P158 # 15-20 (13m exercise)</a:t>
+            </a:r>
+            <a:endParaRPr lang="en-US" sz="4000" dirty="0"/>
+          </a:p>
+        </p:txBody>
+      </p:sp>
+      <p:graphicFrame>
+        <p:nvGraphicFramePr>
+          <p:cNvPr id="4" name="Table 3">
+            <a:extLst>
+              <a:ext uri="{FF2B5EF4-FFF2-40B4-BE49-F238E27FC236}">
+                <a16:creationId xmlns:a16="http://schemas.microsoft.com/office/drawing/2014/main" id="{FA2A0D9F-C0B2-81F9-D7E2-0307E0E02B7F}"/>
+              </a:ext>
+            </a:extLst>
+          </p:cNvPr>
+          <p:cNvGraphicFramePr>
+            <a:graphicFrameLocks noGrp="1"/>
+          </p:cNvGraphicFramePr>
+          <p:nvPr>
+            <p:extLst>
+              <p:ext uri="{D42A27DB-BD31-4B8C-83A1-F6EECF244321}">
+                <p14:modId xmlns:p14="http://schemas.microsoft.com/office/powerpoint/2010/main" val="1175044070"/>
+              </p:ext>
+            </p:extLst>
+          </p:nvPr>
+        </p:nvGraphicFramePr>
+        <p:xfrm>
+          <a:off x="2032000" y="2951165"/>
+          <a:ext cx="8128000" cy="2225040"/>
+        </p:xfrm>
+        <a:graphic>
+          <a:graphicData uri="http://schemas.openxmlformats.org/drawingml/2006/table">
+            <a:tbl>
+              <a:tblPr firstRow="1" bandRow="1">
+                <a:tableStyleId>{5C22544A-7EE6-4342-B048-85BDC9FD1C3A}</a:tableStyleId>
+              </a:tblPr>
+              <a:tblGrid>
+                <a:gridCol w="4064000">
+                  <a:extLst>
+                    <a:ext uri="{9D8B030D-6E8A-4147-A177-3AD203B41FA5}">
+                      <a16:colId xmlns:a16="http://schemas.microsoft.com/office/drawing/2014/main" val="1581718316"/>
+                    </a:ext>
+                  </a:extLst>
+                </a:gridCol>
+                <a:gridCol w="4064000">
+                  <a:extLst>
+                    <a:ext uri="{9D8B030D-6E8A-4147-A177-3AD203B41FA5}">
+                      <a16:colId xmlns:a16="http://schemas.microsoft.com/office/drawing/2014/main" val="3781168230"/>
+                    </a:ext>
+                  </a:extLst>
+                </a:gridCol>
+              </a:tblGrid>
+              <a:tr h="370840">
+                <a:tc>
+                  <a:txBody>
+                    <a:bodyPr/>
+                    <a:lstStyle/>
+                    <a:p>
+                      <a:endParaRPr lang="en-US" dirty="0"/>
+                    </a:p>
+                  </a:txBody>
+                  <a:tcPr/>
+                </a:tc>
+                <a:tc>
+                  <a:txBody>
+                    <a:bodyPr/>
+                    <a:lstStyle/>
+                    <a:p>
+                      <a:endParaRPr lang="en-US" dirty="0"/>
+                    </a:p>
+                  </a:txBody>
+                  <a:tcPr/>
+                </a:tc>
+                <a:extLst>
+                  <a:ext uri="{0D108BD9-81ED-4DB2-BD59-A6C34878D82A}">
+                    <a16:rowId xmlns:a16="http://schemas.microsoft.com/office/drawing/2014/main" val="2723347033"/>
+                  </a:ext>
+                </a:extLst>
+              </a:tr>
+              <a:tr h="370840">
+                <a:tc>
+                  <a:txBody>
+                    <a:bodyPr/>
+                    <a:lstStyle/>
+                    <a:p>
+                      <a:pPr algn="ctr"/>
+                      <a:r>
+                        <a:rPr lang="en-US" dirty="0"/>
+                        <a:t>Jason</a:t>
+                      </a:r>
+                    </a:p>
+                  </a:txBody>
+                  <a:tcPr/>
+                </a:tc>
+                <a:tc>
+                  <a:txBody>
+                    <a:bodyPr/>
+                    <a:lstStyle/>
+                    <a:p>
+                      <a:pPr algn="ctr"/>
+                      <a:r>
+                        <a:rPr lang="en-US" dirty="0"/>
+                        <a:t>Matthew</a:t>
+                      </a:r>
+                    </a:p>
+                  </a:txBody>
+                  <a:tcPr/>
+                </a:tc>
+                <a:extLst>
+                  <a:ext uri="{0D108BD9-81ED-4DB2-BD59-A6C34878D82A}">
+                    <a16:rowId xmlns:a16="http://schemas.microsoft.com/office/drawing/2014/main" val="973678061"/>
+                  </a:ext>
+                </a:extLst>
+              </a:tr>
+              <a:tr h="370840">
+                <a:tc>
+                  <a:txBody>
+                    <a:bodyPr/>
+                    <a:lstStyle/>
+                    <a:p>
+                      <a:pPr algn="ctr"/>
+                      <a:r>
+                        <a:rPr lang="en-US" dirty="0"/>
+                        <a:t>Nate</a:t>
+                      </a:r>
+                    </a:p>
+                  </a:txBody>
+                  <a:tcPr/>
+                </a:tc>
+                <a:tc>
+                  <a:txBody>
+                    <a:bodyPr/>
+                    <a:lstStyle/>
+                    <a:p>
+                      <a:pPr algn="ctr"/>
+                      <a:r>
+                        <a:rPr lang="en-US" dirty="0"/>
+                        <a:t>Elisa</a:t>
+                      </a:r>
+                    </a:p>
+                  </a:txBody>
+                  <a:tcPr/>
+                </a:tc>
+                <a:extLst>
+                  <a:ext uri="{0D108BD9-81ED-4DB2-BD59-A6C34878D82A}">
+                    <a16:rowId xmlns:a16="http://schemas.microsoft.com/office/drawing/2014/main" val="2281107526"/>
+                  </a:ext>
+                </a:extLst>
+              </a:tr>
+              <a:tr h="370840">
+                <a:tc>
+                  <a:txBody>
+                    <a:bodyPr/>
+                    <a:lstStyle/>
+                    <a:p>
+                      <a:pPr algn="ctr"/>
+                      <a:r>
+                        <a:rPr lang="en-US" dirty="0"/>
+                        <a:t>Henry</a:t>
+                      </a:r>
+                    </a:p>
+                  </a:txBody>
+                  <a:tcPr/>
+                </a:tc>
+                <a:tc>
+                  <a:txBody>
+                    <a:bodyPr/>
+                    <a:lstStyle/>
+                    <a:p>
+                      <a:pPr algn="ctr"/>
+                      <a:r>
+                        <a:rPr lang="en-US" dirty="0"/>
+                        <a:t>David</a:t>
+                      </a:r>
+                    </a:p>
+                  </a:txBody>
+                  <a:tcPr/>
+                </a:tc>
+                <a:extLst>
+                  <a:ext uri="{0D108BD9-81ED-4DB2-BD59-A6C34878D82A}">
+                    <a16:rowId xmlns:a16="http://schemas.microsoft.com/office/drawing/2014/main" val="2701082213"/>
+                  </a:ext>
+                </a:extLst>
+              </a:tr>
+              <a:tr h="370840">
+                <a:tc>
+                  <a:txBody>
+                    <a:bodyPr/>
+                    <a:lstStyle/>
+                    <a:p>
+                      <a:pPr algn="ctr"/>
+                      <a:r>
+                        <a:rPr lang="en-US" dirty="0"/>
+                        <a:t>Greydon</a:t>
+                      </a:r>
+                    </a:p>
+                  </a:txBody>
+                  <a:tcPr/>
+                </a:tc>
+                <a:tc>
+                  <a:txBody>
+                    <a:bodyPr/>
+                    <a:lstStyle/>
+                    <a:p>
+                      <a:pPr algn="ctr"/>
+                      <a:r>
+                        <a:rPr lang="en-US" dirty="0"/>
+                        <a:t>Justin</a:t>
+                      </a:r>
+                    </a:p>
+                  </a:txBody>
+                  <a:tcPr/>
+                </a:tc>
+                <a:extLst>
+                  <a:ext uri="{0D108BD9-81ED-4DB2-BD59-A6C34878D82A}">
+                    <a16:rowId xmlns:a16="http://schemas.microsoft.com/office/drawing/2014/main" val="4092227013"/>
+                  </a:ext>
+                </a:extLst>
+              </a:tr>
+              <a:tr h="370840">
+                <a:tc>
+                  <a:txBody>
+                    <a:bodyPr/>
+                    <a:lstStyle/>
+                    <a:p>
+                      <a:pPr algn="ctr"/>
+                      <a:r>
+                        <a:rPr lang="en-US" dirty="0"/>
+                        <a:t>Manuel</a:t>
+                      </a:r>
+                    </a:p>
+                  </a:txBody>
+                  <a:tcPr/>
+                </a:tc>
+                <a:tc>
+                  <a:txBody>
+                    <a:bodyPr/>
+                    <a:lstStyle/>
+                    <a:p>
+                      <a:pPr algn="ctr"/>
+                      <a:r>
+                        <a:rPr lang="en-US" dirty="0"/>
+                        <a:t>Juliana</a:t>
+                      </a:r>
+                    </a:p>
+                  </a:txBody>
+                  <a:tcPr/>
+                </a:tc>
+                <a:extLst>
+                  <a:ext uri="{0D108BD9-81ED-4DB2-BD59-A6C34878D82A}">
+                    <a16:rowId xmlns:a16="http://schemas.microsoft.com/office/drawing/2014/main" val="267160830"/>
+                  </a:ext>
+                </a:extLst>
+              </a:tr>
+            </a:tbl>
+          </a:graphicData>
+        </a:graphic>
+      </p:graphicFrame>
+      <p:sp>
+        <p:nvSpPr>
+          <p:cNvPr id="5" name="Title 1">
+            <a:extLst>
+              <a:ext uri="{FF2B5EF4-FFF2-40B4-BE49-F238E27FC236}">
+                <a16:creationId xmlns:a16="http://schemas.microsoft.com/office/drawing/2014/main" id="{A713180D-9E74-0E6C-CC8C-F85D33EA4EC2}"/>
+              </a:ext>
+            </a:extLst>
+          </p:cNvPr>
+          <p:cNvSpPr txBox="1">
+            <a:spLocks/>
+          </p:cNvSpPr>
+          <p:nvPr/>
+        </p:nvSpPr>
+        <p:spPr>
+          <a:xfrm>
+            <a:off x="781051" y="5422902"/>
+            <a:ext cx="10629898" cy="561974"/>
+          </a:xfrm>
+          <a:prstGeom prst="rect">
+            <a:avLst/>
+          </a:prstGeom>
+        </p:spPr>
+        <p:txBody>
+          <a:bodyPr>
+            <a:normAutofit fontScale="90000" lnSpcReduction="10000"/>
+          </a:bodyPr>
+          <a:lstStyle>
+            <a:lvl1pPr algn="l" defTabSz="914400" rtl="0" eaLnBrk="1" latinLnBrk="0" hangingPunct="1">
+              <a:lnSpc>
+                <a:spcPct val="90000"/>
+              </a:lnSpc>
+              <a:spcBef>
+                <a:spcPct val="0"/>
+              </a:spcBef>
+              <a:buNone/>
+              <a:defRPr sz="4400" kern="1200">
+                <a:solidFill>
+                  <a:schemeClr val="tx1"/>
+                </a:solidFill>
+                <a:latin typeface="+mj-lt"/>
+                <a:ea typeface="+mj-ea"/>
+                <a:cs typeface="+mj-cs"/>
+              </a:defRPr>
+            </a:lvl1pPr>
+          </a:lstStyle>
+          <a:p>
+            <a:pPr algn="ctr"/>
+            <a:r>
+              <a:rPr lang="en-US" sz="4000" dirty="0"/>
+              <a:t>Last 2 minutes for corrections</a:t>
+            </a:r>
+          </a:p>
+        </p:txBody>
+      </p:sp>
+    </p:spTree>
+    <p:extLst>
+      <p:ext uri="{BB962C8B-B14F-4D97-AF65-F5344CB8AC3E}">
+        <p14:creationId xmlns:p14="http://schemas.microsoft.com/office/powerpoint/2010/main" val="837603880"/>
+      </p:ext>
+    </p:extLst>
+  </p:cSld>
+  <p:clrMapOvr>
+    <a:masterClrMapping/>
+  </p:clrMapOvr>
+</p:sld>
+</file>
+
+<file path=ppt/slides/slide22.xml><?xml version="1.0" encoding="utf-8"?>
+<p:sld xmlns:a="http://schemas.openxmlformats.org/drawingml/2006/main" xmlns:r="http://schemas.openxmlformats.org/officeDocument/2006/relationships" xmlns:p="http://schemas.openxmlformats.org/presentationml/2006/main">
+  <p:cSld>
+    <p:spTree>
+      <p:nvGrpSpPr>
+        <p:cNvPr id="1" name="">
+          <a:extLst>
+            <a:ext uri="{FF2B5EF4-FFF2-40B4-BE49-F238E27FC236}">
+              <a16:creationId xmlns:a16="http://schemas.microsoft.com/office/drawing/2014/main" id="{E2082B67-16F7-5051-3014-9CE63B82BC34}"/>
+            </a:ext>
+          </a:extLst>
+        </p:cNvPr>
+        <p:cNvGrpSpPr/>
+        <p:nvPr/>
+      </p:nvGrpSpPr>
+      <p:grpSpPr>
+        <a:xfrm>
+          <a:off x="0" y="0"/>
+          <a:ext cx="0" cy="0"/>
+          <a:chOff x="0" y="0"/>
+          <a:chExt cx="0" cy="0"/>
+        </a:xfrm>
+      </p:grpSpPr>
+      <p:sp>
+        <p:nvSpPr>
+          <p:cNvPr id="6" name="Rectangle 5">
+            <a:extLst>
+              <a:ext uri="{FF2B5EF4-FFF2-40B4-BE49-F238E27FC236}">
+                <a16:creationId xmlns:a16="http://schemas.microsoft.com/office/drawing/2014/main" id="{577BB43E-14F6-B081-55BE-A95A297500F2}"/>
+              </a:ext>
+            </a:extLst>
+          </p:cNvPr>
+          <p:cNvSpPr/>
+          <p:nvPr/>
+        </p:nvSpPr>
+        <p:spPr>
+          <a:xfrm>
+            <a:off x="1012479" y="2679826"/>
+            <a:ext cx="10167042" cy="398352"/>
+          </a:xfrm>
+          <a:prstGeom prst="rect">
+            <a:avLst/>
+          </a:prstGeom>
+          <a:solidFill>
+            <a:schemeClr val="accent4">
+              <a:lumMod val="20000"/>
+              <a:lumOff val="80000"/>
+            </a:schemeClr>
+          </a:solidFill>
+          <a:ln>
+            <a:noFill/>
+          </a:ln>
+        </p:spPr>
+        <p:style>
+          <a:lnRef idx="2">
+            <a:schemeClr val="accent1">
+              <a:shade val="15000"/>
+            </a:schemeClr>
+          </a:lnRef>
+          <a:fillRef idx="1">
+            <a:schemeClr val="accent1"/>
+          </a:fillRef>
+          <a:effectRef idx="0">
+            <a:schemeClr val="accent1"/>
+          </a:effectRef>
+          <a:fontRef idx="minor">
+            <a:schemeClr val="lt1"/>
+          </a:fontRef>
+        </p:style>
+        <p:txBody>
+          <a:bodyPr rtlCol="0" anchor="t"/>
+          <a:lstStyle/>
+          <a:p>
+            <a:pPr algn="ctr"/>
+            <a:r>
+              <a:rPr lang="en-US" b="1" dirty="0">
+                <a:solidFill>
+                  <a:schemeClr val="tx1"/>
+                </a:solidFill>
+              </a:rPr>
+              <a:t>Polymorphism</a:t>
+            </a:r>
+          </a:p>
+        </p:txBody>
+      </p:sp>
+      <p:sp>
+        <p:nvSpPr>
+          <p:cNvPr id="11" name="Text Box 34">
+            <a:extLst>
+              <a:ext uri="{FF2B5EF4-FFF2-40B4-BE49-F238E27FC236}">
+                <a16:creationId xmlns:a16="http://schemas.microsoft.com/office/drawing/2014/main" id="{DE151AFC-C3DC-65C6-96FC-55FE2154D776}"/>
+              </a:ext>
+            </a:extLst>
+          </p:cNvPr>
+          <p:cNvSpPr txBox="1">
+            <a:spLocks noChangeArrowheads="1"/>
+          </p:cNvSpPr>
+          <p:nvPr/>
+        </p:nvSpPr>
+        <p:spPr bwMode="auto">
+          <a:xfrm>
+            <a:off x="5800085" y="3005914"/>
+            <a:ext cx="591830" cy="846172"/>
+          </a:xfrm>
+          <a:prstGeom prst="rect">
+            <a:avLst/>
+          </a:prstGeom>
+          <a:noFill/>
+          <a:ln>
+            <a:noFill/>
+          </a:ln>
+          <a:extLst>
+            <a:ext uri="{909E8E84-426E-40DD-AFC4-6F175D3DCCD1}">
+              <a14:hiddenFill xmlns:a14="http://schemas.microsoft.com/office/drawing/2010/main">
+                <a:solidFill>
+                  <a:srgbClr val="FFFFFF"/>
+                </a:solidFill>
+              </a14:hiddenFill>
+            </a:ext>
+            <a:ext uri="{91240B29-F687-4F45-9708-019B960494DF}">
+              <a14:hiddenLine xmlns:a14="http://schemas.microsoft.com/office/drawing/2010/main" w="9525">
+                <a:solidFill>
+                  <a:srgbClr val="000000"/>
+                </a:solidFill>
+                <a:miter lim="800000"/>
+                <a:headEnd/>
+                <a:tailEnd/>
+              </a14:hiddenLine>
+            </a:ext>
+          </a:extLst>
+        </p:spPr>
+        <p:txBody>
+          <a:bodyPr/>
+          <a:lstStyle/>
+          <a:p>
+            <a:r>
+              <a:rPr lang="en-US" altLang="en-US" sz="1200" dirty="0"/>
+              <a:t> </a:t>
+            </a:r>
+            <a:r>
+              <a:rPr lang="en-US" altLang="en-US" sz="3600" dirty="0">
+                <a:sym typeface="Wingdings" panose="05000000000000000000" pitchFamily="2" charset="2"/>
+              </a:rPr>
+              <a:t></a:t>
+            </a:r>
+            <a:endParaRPr lang="en-US" altLang="en-US" dirty="0"/>
+          </a:p>
+        </p:txBody>
+      </p:sp>
+      <p:sp>
+        <p:nvSpPr>
+          <p:cNvPr id="14" name="TextBox 13">
+            <a:extLst>
+              <a:ext uri="{FF2B5EF4-FFF2-40B4-BE49-F238E27FC236}">
+                <a16:creationId xmlns:a16="http://schemas.microsoft.com/office/drawing/2014/main" id="{A7F653D9-75FC-B980-6A2B-351EB738BC98}"/>
+              </a:ext>
+            </a:extLst>
+          </p:cNvPr>
+          <p:cNvSpPr txBox="1"/>
+          <p:nvPr/>
+        </p:nvSpPr>
+        <p:spPr>
+          <a:xfrm>
+            <a:off x="294407" y="5980744"/>
+            <a:ext cx="1461965" cy="523220"/>
+          </a:xfrm>
+          <a:prstGeom prst="rect">
+            <a:avLst/>
+          </a:prstGeom>
+          <a:noFill/>
+        </p:spPr>
+        <p:txBody>
+          <a:bodyPr wrap="square">
+            <a:spAutoFit/>
+          </a:bodyPr>
+          <a:lstStyle/>
+          <a:p>
+            <a:r>
+              <a:rPr lang="en-US" sz="1400">
+                <a:solidFill>
+                  <a:schemeClr val="tx1"/>
+                </a:solidFill>
+              </a:rPr>
+              <a:t>AP CS A</a:t>
+            </a:r>
+          </a:p>
+          <a:p>
+            <a:r>
+              <a:rPr lang="en-US" sz="1400"/>
+              <a:t>Ms. Baniqued</a:t>
+            </a:r>
+            <a:endParaRPr lang="en-US" sz="1400">
+              <a:solidFill>
+                <a:schemeClr val="tx1"/>
+              </a:solidFill>
+            </a:endParaRPr>
+          </a:p>
+        </p:txBody>
+      </p:sp>
+    </p:spTree>
+    <p:extLst>
+      <p:ext uri="{BB962C8B-B14F-4D97-AF65-F5344CB8AC3E}">
+        <p14:creationId xmlns:p14="http://schemas.microsoft.com/office/powerpoint/2010/main" val="2487698569"/>
+      </p:ext>
+    </p:extLst>
+  </p:cSld>
+  <p:clrMapOvr>
+    <a:masterClrMapping/>
+  </p:clrMapOvr>
+</p:sld>
+</file>
+
+<file path=ppt/slides/slide23.xml><?xml version="1.0" encoding="utf-8"?>
+<p:sld xmlns:a="http://schemas.openxmlformats.org/drawingml/2006/main" xmlns:r="http://schemas.openxmlformats.org/officeDocument/2006/relationships" xmlns:p="http://schemas.openxmlformats.org/presentationml/2006/main">
+  <p:cSld>
+    <p:spTree>
+      <p:nvGrpSpPr>
+        <p:cNvPr id="1" name="">
+          <a:extLst>
+            <a:ext uri="{FF2B5EF4-FFF2-40B4-BE49-F238E27FC236}">
+              <a16:creationId xmlns:a16="http://schemas.microsoft.com/office/drawing/2014/main" id="{397F77AC-C16E-0117-13D6-DDB8F723DC3C}"/>
+            </a:ext>
+          </a:extLst>
+        </p:cNvPr>
+        <p:cNvGrpSpPr/>
+        <p:nvPr/>
+      </p:nvGrpSpPr>
+      <p:grpSpPr>
+        <a:xfrm>
+          <a:off x="0" y="0"/>
+          <a:ext cx="0" cy="0"/>
+          <a:chOff x="0" y="0"/>
+          <a:chExt cx="0" cy="0"/>
+        </a:xfrm>
+      </p:grpSpPr>
+      <p:sp>
+        <p:nvSpPr>
+          <p:cNvPr id="3" name="Content Placeholder 2">
+            <a:extLst>
+              <a:ext uri="{FF2B5EF4-FFF2-40B4-BE49-F238E27FC236}">
+                <a16:creationId xmlns:a16="http://schemas.microsoft.com/office/drawing/2014/main" id="{7C544D4A-6D94-245A-161A-E10EDD17F37D}"/>
+              </a:ext>
+            </a:extLst>
+          </p:cNvPr>
+          <p:cNvSpPr>
+            <a:spLocks noGrp="1"/>
+          </p:cNvSpPr>
+          <p:nvPr>
+            <p:ph idx="1"/>
+          </p:nvPr>
+        </p:nvSpPr>
+        <p:spPr>
+          <a:xfrm>
+            <a:off x="838200" y="1340595"/>
+            <a:ext cx="10759067" cy="4777175"/>
+          </a:xfrm>
+        </p:spPr>
+        <p:txBody>
+          <a:bodyPr>
+            <a:normAutofit/>
+          </a:bodyPr>
+          <a:lstStyle/>
+          <a:p>
+            <a:pPr marL="0" indent="0" algn="just">
+              <a:buNone/>
+            </a:pPr>
+            <a:r>
+              <a:rPr lang="en-US" sz="2500" dirty="0"/>
+              <a:t>A variable is </a:t>
+            </a:r>
+            <a:r>
+              <a:rPr lang="en-US" sz="2500" b="1" dirty="0"/>
+              <a:t>polymorphic</a:t>
+            </a:r>
+            <a:r>
+              <a:rPr lang="en-US" sz="2500" dirty="0"/>
+              <a:t> when it can refer to objects from different classes at different points in the code.</a:t>
+            </a:r>
+          </a:p>
+          <a:p>
+            <a:pPr algn="just"/>
+            <a:r>
+              <a:rPr lang="en-US" sz="2500" dirty="0"/>
+              <a:t>A reference variable can store a reference to its declared class or to any subclass of its declared class.</a:t>
+            </a:r>
+          </a:p>
+        </p:txBody>
+      </p:sp>
+      <p:sp>
+        <p:nvSpPr>
+          <p:cNvPr id="2" name="Title 1">
+            <a:extLst>
+              <a:ext uri="{FF2B5EF4-FFF2-40B4-BE49-F238E27FC236}">
+                <a16:creationId xmlns:a16="http://schemas.microsoft.com/office/drawing/2014/main" id="{DF8EF654-7390-CE78-9DA6-7CED00231711}"/>
+              </a:ext>
+            </a:extLst>
+          </p:cNvPr>
+          <p:cNvSpPr>
+            <a:spLocks noGrp="1"/>
+          </p:cNvSpPr>
+          <p:nvPr>
+            <p:ph type="title"/>
+          </p:nvPr>
+        </p:nvSpPr>
+        <p:spPr>
+          <a:xfrm>
+            <a:off x="838200" y="365126"/>
+            <a:ext cx="10515600" cy="975470"/>
+          </a:xfrm>
+        </p:spPr>
+        <p:txBody>
+          <a:bodyPr/>
+          <a:lstStyle/>
+          <a:p>
+            <a:pPr algn="just"/>
+            <a:r>
+              <a:rPr lang="en-US" dirty="0"/>
+              <a:t>What is polymorphism?</a:t>
+            </a:r>
+          </a:p>
+        </p:txBody>
+      </p:sp>
+      <p:pic>
+        <p:nvPicPr>
+          <p:cNvPr id="5" name="Picture 4">
+            <a:extLst>
+              <a:ext uri="{FF2B5EF4-FFF2-40B4-BE49-F238E27FC236}">
+                <a16:creationId xmlns:a16="http://schemas.microsoft.com/office/drawing/2014/main" id="{CB66781A-FDC5-AA7D-B7BD-F350D2FA3612}"/>
+              </a:ext>
+            </a:extLst>
+          </p:cNvPr>
+          <p:cNvPicPr>
+            <a:picLocks noChangeAspect="1"/>
+          </p:cNvPicPr>
+          <p:nvPr/>
+        </p:nvPicPr>
+        <p:blipFill>
+          <a:blip r:embed="rId3"/>
+          <a:stretch>
+            <a:fillRect/>
+          </a:stretch>
+        </p:blipFill>
+        <p:spPr>
+          <a:xfrm>
+            <a:off x="2309028" y="3078588"/>
+            <a:ext cx="7573944" cy="3039182"/>
+          </a:xfrm>
+          <a:prstGeom prst="rect">
+            <a:avLst/>
+          </a:prstGeom>
+          <a:ln>
+            <a:solidFill>
+              <a:schemeClr val="tx1"/>
+            </a:solidFill>
+          </a:ln>
+        </p:spPr>
+      </p:pic>
+    </p:spTree>
+    <p:extLst>
+      <p:ext uri="{BB962C8B-B14F-4D97-AF65-F5344CB8AC3E}">
+        <p14:creationId xmlns:p14="http://schemas.microsoft.com/office/powerpoint/2010/main" val="3725473493"/>
+      </p:ext>
+    </p:extLst>
+  </p:cSld>
+  <p:clrMapOvr>
+    <a:masterClrMapping/>
+  </p:clrMapOvr>
+</p:sld>
+</file>
+
 <file path=ppt/slides/slide3.xml><?xml version="1.0" encoding="utf-8"?>
 <p:sld xmlns:a="http://schemas.openxmlformats.org/drawingml/2006/main" xmlns:r="http://schemas.openxmlformats.org/officeDocument/2006/relationships" xmlns:p="http://schemas.openxmlformats.org/presentationml/2006/main">
   <p:cSld>
@@ -6530,6 +10703,218 @@
         <p:cNvPr id="1" name="">
           <a:extLst>
             <a:ext uri="{FF2B5EF4-FFF2-40B4-BE49-F238E27FC236}">
+              <a16:creationId xmlns:a16="http://schemas.microsoft.com/office/drawing/2014/main" id="{3279034E-A90C-DDB6-56C9-BE3FF817734B}"/>
+            </a:ext>
+          </a:extLst>
+        </p:cNvPr>
+        <p:cNvGrpSpPr/>
+        <p:nvPr/>
+      </p:nvGrpSpPr>
+      <p:grpSpPr>
+        <a:xfrm>
+          <a:off x="0" y="0"/>
+          <a:ext cx="0" cy="0"/>
+          <a:chOff x="0" y="0"/>
+          <a:chExt cx="0" cy="0"/>
+        </a:xfrm>
+      </p:grpSpPr>
+      <p:sp>
+        <p:nvSpPr>
+          <p:cNvPr id="6" name="Rectangle 5">
+            <a:extLst>
+              <a:ext uri="{FF2B5EF4-FFF2-40B4-BE49-F238E27FC236}">
+                <a16:creationId xmlns:a16="http://schemas.microsoft.com/office/drawing/2014/main" id="{43D2F6F9-40CE-1D41-2AAE-E06EA02D9EAD}"/>
+              </a:ext>
+            </a:extLst>
+          </p:cNvPr>
+          <p:cNvSpPr/>
+          <p:nvPr/>
+        </p:nvSpPr>
+        <p:spPr>
+          <a:xfrm>
+            <a:off x="1012479" y="2679826"/>
+            <a:ext cx="10167042" cy="398352"/>
+          </a:xfrm>
+          <a:prstGeom prst="rect">
+            <a:avLst/>
+          </a:prstGeom>
+          <a:solidFill>
+            <a:schemeClr val="accent4">
+              <a:lumMod val="20000"/>
+              <a:lumOff val="80000"/>
+            </a:schemeClr>
+          </a:solidFill>
+          <a:ln>
+            <a:noFill/>
+          </a:ln>
+        </p:spPr>
+        <p:style>
+          <a:lnRef idx="2">
+            <a:schemeClr val="accent1">
+              <a:shade val="15000"/>
+            </a:schemeClr>
+          </a:lnRef>
+          <a:fillRef idx="1">
+            <a:schemeClr val="accent1"/>
+          </a:fillRef>
+          <a:effectRef idx="0">
+            <a:schemeClr val="accent1"/>
+          </a:effectRef>
+          <a:fontRef idx="minor">
+            <a:schemeClr val="lt1"/>
+          </a:fontRef>
+        </p:style>
+        <p:txBody>
+          <a:bodyPr rtlCol="0" anchor="t"/>
+          <a:lstStyle/>
+          <a:p>
+            <a:pPr algn="ctr"/>
+            <a:r>
+              <a:rPr lang="en-US" b="1" dirty="0">
+                <a:solidFill>
+                  <a:schemeClr val="tx1"/>
+                </a:solidFill>
+              </a:rPr>
+              <a:t>Writing Subclasses</a:t>
+            </a:r>
+          </a:p>
+        </p:txBody>
+      </p:sp>
+      <p:sp>
+        <p:nvSpPr>
+          <p:cNvPr id="11" name="Text Box 34">
+            <a:extLst>
+              <a:ext uri="{FF2B5EF4-FFF2-40B4-BE49-F238E27FC236}">
+                <a16:creationId xmlns:a16="http://schemas.microsoft.com/office/drawing/2014/main" id="{E7131B73-E22E-C924-BC95-0A44A82646CA}"/>
+              </a:ext>
+            </a:extLst>
+          </p:cNvPr>
+          <p:cNvSpPr txBox="1">
+            <a:spLocks noChangeArrowheads="1"/>
+          </p:cNvSpPr>
+          <p:nvPr/>
+        </p:nvSpPr>
+        <p:spPr bwMode="auto">
+          <a:xfrm>
+            <a:off x="5800085" y="3005914"/>
+            <a:ext cx="591830" cy="846172"/>
+          </a:xfrm>
+          <a:prstGeom prst="rect">
+            <a:avLst/>
+          </a:prstGeom>
+          <a:noFill/>
+          <a:ln>
+            <a:noFill/>
+          </a:ln>
+          <a:extLst>
+            <a:ext uri="{909E8E84-426E-40DD-AFC4-6F175D3DCCD1}">
+              <a14:hiddenFill xmlns:a14="http://schemas.microsoft.com/office/drawing/2010/main">
+                <a:solidFill>
+                  <a:srgbClr val="FFFFFF"/>
+                </a:solidFill>
+              </a14:hiddenFill>
+            </a:ext>
+            <a:ext uri="{91240B29-F687-4F45-9708-019B960494DF}">
+              <a14:hiddenLine xmlns:a14="http://schemas.microsoft.com/office/drawing/2010/main" w="9525">
+                <a:solidFill>
+                  <a:srgbClr val="000000"/>
+                </a:solidFill>
+                <a:miter lim="800000"/>
+                <a:headEnd/>
+                <a:tailEnd/>
+              </a14:hiddenLine>
+            </a:ext>
+          </a:extLst>
+        </p:spPr>
+        <p:txBody>
+          <a:bodyPr/>
+          <a:lstStyle/>
+          <a:p>
+            <a:r>
+              <a:rPr lang="en-US" altLang="en-US" sz="1200" dirty="0"/>
+              <a:t> </a:t>
+            </a:r>
+            <a:r>
+              <a:rPr lang="en-US" altLang="en-US" sz="3600" dirty="0">
+                <a:sym typeface="Wingdings" panose="05000000000000000000" pitchFamily="2" charset="2"/>
+              </a:rPr>
+              <a:t></a:t>
+            </a:r>
+            <a:endParaRPr lang="en-US" altLang="en-US" dirty="0"/>
+          </a:p>
+        </p:txBody>
+      </p:sp>
+      <p:sp>
+        <p:nvSpPr>
+          <p:cNvPr id="14" name="TextBox 13">
+            <a:extLst>
+              <a:ext uri="{FF2B5EF4-FFF2-40B4-BE49-F238E27FC236}">
+                <a16:creationId xmlns:a16="http://schemas.microsoft.com/office/drawing/2014/main" id="{488268F5-067B-836D-D578-ADB6FB86BA80}"/>
+              </a:ext>
+            </a:extLst>
+          </p:cNvPr>
+          <p:cNvSpPr txBox="1"/>
+          <p:nvPr/>
+        </p:nvSpPr>
+        <p:spPr>
+          <a:xfrm>
+            <a:off x="294407" y="5980744"/>
+            <a:ext cx="1461965" cy="523220"/>
+          </a:xfrm>
+          <a:prstGeom prst="rect">
+            <a:avLst/>
+          </a:prstGeom>
+          <a:noFill/>
+        </p:spPr>
+        <p:txBody>
+          <a:bodyPr wrap="square">
+            <a:spAutoFit/>
+          </a:bodyPr>
+          <a:lstStyle/>
+          <a:p>
+            <a:r>
+              <a:rPr lang="en-US" sz="1400">
+                <a:solidFill>
+                  <a:schemeClr val="tx1"/>
+                </a:solidFill>
+              </a:rPr>
+              <a:t>AP CS A</a:t>
+            </a:r>
+          </a:p>
+          <a:p>
+            <a:r>
+              <a:rPr lang="en-US" sz="1400"/>
+              <a:t>Ms. Baniqued</a:t>
+            </a:r>
+            <a:endParaRPr lang="en-US" sz="1400">
+              <a:solidFill>
+                <a:schemeClr val="tx1"/>
+              </a:solidFill>
+            </a:endParaRPr>
+          </a:p>
+        </p:txBody>
+      </p:sp>
+    </p:spTree>
+    <p:extLst>
+      <p:ext uri="{BB962C8B-B14F-4D97-AF65-F5344CB8AC3E}">
+        <p14:creationId xmlns:p14="http://schemas.microsoft.com/office/powerpoint/2010/main" val="276614316"/>
+      </p:ext>
+    </p:extLst>
+  </p:cSld>
+  <p:clrMapOvr>
+    <a:masterClrMapping/>
+  </p:clrMapOvr>
+</p:sld>
+</file>
+
+<file path=ppt/slides/slide5.xml><?xml version="1.0" encoding="utf-8"?>
+<p:sld xmlns:a="http://schemas.openxmlformats.org/drawingml/2006/main" xmlns:r="http://schemas.openxmlformats.org/officeDocument/2006/relationships" xmlns:p="http://schemas.openxmlformats.org/presentationml/2006/main">
+  <p:cSld>
+    <p:spTree>
+      <p:nvGrpSpPr>
+        <p:cNvPr id="1" name="">
+          <a:extLst>
+            <a:ext uri="{FF2B5EF4-FFF2-40B4-BE49-F238E27FC236}">
               <a16:creationId xmlns:a16="http://schemas.microsoft.com/office/drawing/2014/main" id="{CC7FB59B-6BD0-7F30-8960-69ADA2D2851B}"/>
             </a:ext>
           </a:extLst>
@@ -6650,7 +11035,7 @@
 </p:sld>
 </file>
 
-<file path=ppt/slides/slide5.xml><?xml version="1.0" encoding="utf-8"?>
+<file path=ppt/slides/slide6.xml><?xml version="1.0" encoding="utf-8"?>
 <p:sld xmlns:a="http://schemas.openxmlformats.org/drawingml/2006/main" xmlns:r="http://schemas.openxmlformats.org/officeDocument/2006/relationships" xmlns:p="http://schemas.openxmlformats.org/presentationml/2006/main">
   <p:cSld>
     <p:spTree>
@@ -6770,7 +11155,7 @@
 </p:sld>
 </file>
 
-<file path=ppt/slides/slide6.xml><?xml version="1.0" encoding="utf-8"?>
+<file path=ppt/slides/slide7.xml><?xml version="1.0" encoding="utf-8"?>
 <p:sld xmlns:a="http://schemas.openxmlformats.org/drawingml/2006/main" xmlns:r="http://schemas.openxmlformats.org/officeDocument/2006/relationships" xmlns:p="http://schemas.openxmlformats.org/presentationml/2006/main">
   <p:cSld>
     <p:spTree>
@@ -7423,7 +11808,7 @@
 </p:sld>
 </file>
 
-<file path=ppt/slides/slide7.xml><?xml version="1.0" encoding="utf-8"?>
+<file path=ppt/slides/slide8.xml><?xml version="1.0" encoding="utf-8"?>
 <p:sld xmlns:a="http://schemas.openxmlformats.org/drawingml/2006/main" xmlns:r="http://schemas.openxmlformats.org/officeDocument/2006/relationships" xmlns:p="http://schemas.openxmlformats.org/presentationml/2006/main">
   <p:cSld>
     <p:spTree>
@@ -7597,7 +11982,7 @@
 </p:sld>
 </file>
 
-<file path=ppt/slides/slide8.xml><?xml version="1.0" encoding="utf-8"?>
+<file path=ppt/slides/slide9.xml><?xml version="1.0" encoding="utf-8"?>
 <p:sld xmlns:a="http://schemas.openxmlformats.org/drawingml/2006/main" xmlns:r="http://schemas.openxmlformats.org/officeDocument/2006/relationships" xmlns:p="http://schemas.openxmlformats.org/presentationml/2006/main">
   <p:cSld>
     <p:spTree>
@@ -7711,1162 +12096,10 @@
 </p:sld>
 </file>
 
-<file path=ppt/slides/slide9.xml><?xml version="1.0" encoding="utf-8"?>
-<p:sld xmlns:a="http://schemas.openxmlformats.org/drawingml/2006/main" xmlns:r="http://schemas.openxmlformats.org/officeDocument/2006/relationships" xmlns:p="http://schemas.openxmlformats.org/presentationml/2006/main">
-  <p:cSld>
-    <p:spTree>
-      <p:nvGrpSpPr>
-        <p:cNvPr id="1" name=""/>
-        <p:cNvGrpSpPr/>
-        <p:nvPr/>
-      </p:nvGrpSpPr>
-      <p:grpSpPr>
-        <a:xfrm>
-          <a:off x="0" y="0"/>
-          <a:ext cx="0" cy="0"/>
-          <a:chOff x="0" y="0"/>
-          <a:chExt cx="0" cy="0"/>
-        </a:xfrm>
-      </p:grpSpPr>
-      <p:pic>
-        <p:nvPicPr>
-          <p:cNvPr id="3" name="Picture 2">
-            <a:extLst>
-              <a:ext uri="{FF2B5EF4-FFF2-40B4-BE49-F238E27FC236}">
-                <a16:creationId xmlns:a16="http://schemas.microsoft.com/office/drawing/2014/main" id="{64EAF6D7-2C10-CD29-7F1A-599A3CA53BEF}"/>
-              </a:ext>
-            </a:extLst>
-          </p:cNvPr>
-          <p:cNvPicPr>
-            <a:picLocks noChangeAspect="1"/>
-          </p:cNvPicPr>
-          <p:nvPr/>
-        </p:nvPicPr>
-        <p:blipFill>
-          <a:blip r:embed="rId2"/>
-          <a:stretch>
-            <a:fillRect/>
-          </a:stretch>
-        </p:blipFill>
-        <p:spPr>
-          <a:xfrm>
-            <a:off x="774700" y="1333500"/>
-            <a:ext cx="11088449" cy="1639990"/>
-          </a:xfrm>
-          <a:prstGeom prst="rect">
-            <a:avLst/>
-          </a:prstGeom>
-        </p:spPr>
-      </p:pic>
-      <p:sp>
-        <p:nvSpPr>
-          <p:cNvPr id="4" name="Content Placeholder 2">
-            <a:extLst>
-              <a:ext uri="{FF2B5EF4-FFF2-40B4-BE49-F238E27FC236}">
-                <a16:creationId xmlns:a16="http://schemas.microsoft.com/office/drawing/2014/main" id="{EC865C9D-94CA-93BE-8D99-C11AFAD99A74}"/>
-              </a:ext>
-            </a:extLst>
-          </p:cNvPr>
-          <p:cNvSpPr txBox="1">
-            <a:spLocks/>
-          </p:cNvSpPr>
-          <p:nvPr/>
-        </p:nvSpPr>
-        <p:spPr>
-          <a:xfrm>
-            <a:off x="774700" y="582510"/>
-            <a:ext cx="10759067" cy="649390"/>
-          </a:xfrm>
-          <a:prstGeom prst="rect">
-            <a:avLst/>
-          </a:prstGeom>
-        </p:spPr>
-        <p:txBody>
-          <a:bodyPr>
-            <a:normAutofit/>
-          </a:bodyPr>
-          <a:lstStyle>
-            <a:lvl1pPr marL="228600" indent="-228600" algn="l" defTabSz="914400" rtl="0" eaLnBrk="1" latinLnBrk="0" hangingPunct="1">
-              <a:lnSpc>
-                <a:spcPct val="90000"/>
-              </a:lnSpc>
-              <a:spcBef>
-                <a:spcPts val="1000"/>
-              </a:spcBef>
-              <a:buFont typeface="Arial" panose="020B0604020202020204" pitchFamily="34" charset="0"/>
-              <a:buChar char="•"/>
-              <a:defRPr sz="2800" kern="1200">
-                <a:solidFill>
-                  <a:schemeClr val="tx1"/>
-                </a:solidFill>
-                <a:latin typeface="+mn-lt"/>
-                <a:ea typeface="+mn-ea"/>
-                <a:cs typeface="+mn-cs"/>
-              </a:defRPr>
-            </a:lvl1pPr>
-            <a:lvl2pPr marL="685800" indent="-228600" algn="l" defTabSz="914400" rtl="0" eaLnBrk="1" latinLnBrk="0" hangingPunct="1">
-              <a:lnSpc>
-                <a:spcPct val="90000"/>
-              </a:lnSpc>
-              <a:spcBef>
-                <a:spcPts val="500"/>
-              </a:spcBef>
-              <a:buFont typeface="Arial" panose="020B0604020202020204" pitchFamily="34" charset="0"/>
-              <a:buChar char="•"/>
-              <a:defRPr sz="2400" kern="1200">
-                <a:solidFill>
-                  <a:schemeClr val="tx1"/>
-                </a:solidFill>
-                <a:latin typeface="+mn-lt"/>
-                <a:ea typeface="+mn-ea"/>
-                <a:cs typeface="+mn-cs"/>
-              </a:defRPr>
-            </a:lvl2pPr>
-            <a:lvl3pPr marL="1143000" indent="-228600" algn="l" defTabSz="914400" rtl="0" eaLnBrk="1" latinLnBrk="0" hangingPunct="1">
-              <a:lnSpc>
-                <a:spcPct val="90000"/>
-              </a:lnSpc>
-              <a:spcBef>
-                <a:spcPts val="500"/>
-              </a:spcBef>
-              <a:buFont typeface="Arial" panose="020B0604020202020204" pitchFamily="34" charset="0"/>
-              <a:buChar char="•"/>
-              <a:defRPr sz="2000" kern="1200">
-                <a:solidFill>
-                  <a:schemeClr val="tx1"/>
-                </a:solidFill>
-                <a:latin typeface="+mn-lt"/>
-                <a:ea typeface="+mn-ea"/>
-                <a:cs typeface="+mn-cs"/>
-              </a:defRPr>
-            </a:lvl3pPr>
-            <a:lvl4pPr marL="1600200" indent="-228600" algn="l" defTabSz="914400" rtl="0" eaLnBrk="1" latinLnBrk="0" hangingPunct="1">
-              <a:lnSpc>
-                <a:spcPct val="90000"/>
-              </a:lnSpc>
-              <a:spcBef>
-                <a:spcPts val="500"/>
-              </a:spcBef>
-              <a:buFont typeface="Arial" panose="020B0604020202020204" pitchFamily="34" charset="0"/>
-              <a:buChar char="•"/>
-              <a:defRPr sz="1800" kern="1200">
-                <a:solidFill>
-                  <a:schemeClr val="tx1"/>
-                </a:solidFill>
-                <a:latin typeface="+mn-lt"/>
-                <a:ea typeface="+mn-ea"/>
-                <a:cs typeface="+mn-cs"/>
-              </a:defRPr>
-            </a:lvl4pPr>
-            <a:lvl5pPr marL="2057400" indent="-228600" algn="l" defTabSz="914400" rtl="0" eaLnBrk="1" latinLnBrk="0" hangingPunct="1">
-              <a:lnSpc>
-                <a:spcPct val="90000"/>
-              </a:lnSpc>
-              <a:spcBef>
-                <a:spcPts val="500"/>
-              </a:spcBef>
-              <a:buFont typeface="Arial" panose="020B0604020202020204" pitchFamily="34" charset="0"/>
-              <a:buChar char="•"/>
-              <a:defRPr sz="1800" kern="1200">
-                <a:solidFill>
-                  <a:schemeClr val="tx1"/>
-                </a:solidFill>
-                <a:latin typeface="+mn-lt"/>
-                <a:ea typeface="+mn-ea"/>
-                <a:cs typeface="+mn-cs"/>
-              </a:defRPr>
-            </a:lvl5pPr>
-            <a:lvl6pPr marL="2514600" indent="-228600" algn="l" defTabSz="914400" rtl="0" eaLnBrk="1" latinLnBrk="0" hangingPunct="1">
-              <a:lnSpc>
-                <a:spcPct val="90000"/>
-              </a:lnSpc>
-              <a:spcBef>
-                <a:spcPts val="500"/>
-              </a:spcBef>
-              <a:buFont typeface="Arial" panose="020B0604020202020204" pitchFamily="34" charset="0"/>
-              <a:buChar char="•"/>
-              <a:defRPr sz="1800" kern="1200">
-                <a:solidFill>
-                  <a:schemeClr val="tx1"/>
-                </a:solidFill>
-                <a:latin typeface="+mn-lt"/>
-                <a:ea typeface="+mn-ea"/>
-                <a:cs typeface="+mn-cs"/>
-              </a:defRPr>
-            </a:lvl6pPr>
-            <a:lvl7pPr marL="2971800" indent="-228600" algn="l" defTabSz="914400" rtl="0" eaLnBrk="1" latinLnBrk="0" hangingPunct="1">
-              <a:lnSpc>
-                <a:spcPct val="90000"/>
-              </a:lnSpc>
-              <a:spcBef>
-                <a:spcPts val="500"/>
-              </a:spcBef>
-              <a:buFont typeface="Arial" panose="020B0604020202020204" pitchFamily="34" charset="0"/>
-              <a:buChar char="•"/>
-              <a:defRPr sz="1800" kern="1200">
-                <a:solidFill>
-                  <a:schemeClr val="tx1"/>
-                </a:solidFill>
-                <a:latin typeface="+mn-lt"/>
-                <a:ea typeface="+mn-ea"/>
-                <a:cs typeface="+mn-cs"/>
-              </a:defRPr>
-            </a:lvl7pPr>
-            <a:lvl8pPr marL="3429000" indent="-228600" algn="l" defTabSz="914400" rtl="0" eaLnBrk="1" latinLnBrk="0" hangingPunct="1">
-              <a:lnSpc>
-                <a:spcPct val="90000"/>
-              </a:lnSpc>
-              <a:spcBef>
-                <a:spcPts val="500"/>
-              </a:spcBef>
-              <a:buFont typeface="Arial" panose="020B0604020202020204" pitchFamily="34" charset="0"/>
-              <a:buChar char="•"/>
-              <a:defRPr sz="1800" kern="1200">
-                <a:solidFill>
-                  <a:schemeClr val="tx1"/>
-                </a:solidFill>
-                <a:latin typeface="+mn-lt"/>
-                <a:ea typeface="+mn-ea"/>
-                <a:cs typeface="+mn-cs"/>
-              </a:defRPr>
-            </a:lvl8pPr>
-            <a:lvl9pPr marL="3886200" indent="-228600" algn="l" defTabSz="914400" rtl="0" eaLnBrk="1" latinLnBrk="0" hangingPunct="1">
-              <a:lnSpc>
-                <a:spcPct val="90000"/>
-              </a:lnSpc>
-              <a:spcBef>
-                <a:spcPts val="500"/>
-              </a:spcBef>
-              <a:buFont typeface="Arial" panose="020B0604020202020204" pitchFamily="34" charset="0"/>
-              <a:buChar char="•"/>
-              <a:defRPr sz="1800" kern="1200">
-                <a:solidFill>
-                  <a:schemeClr val="tx1"/>
-                </a:solidFill>
-                <a:latin typeface="+mn-lt"/>
-                <a:ea typeface="+mn-ea"/>
-                <a:cs typeface="+mn-cs"/>
-              </a:defRPr>
-            </a:lvl9pPr>
-          </a:lstStyle>
-          <a:p>
-            <a:pPr marL="0" indent="0" algn="just">
-              <a:buFont typeface="Arial" panose="020B0604020202020204" pitchFamily="34" charset="0"/>
-              <a:buNone/>
-            </a:pPr>
-            <a:r>
-              <a:rPr lang="en-US" sz="2000" dirty="0"/>
-              <a:t>By using the </a:t>
-            </a:r>
-            <a:r>
-              <a:rPr lang="en-US" sz="2000" b="1" dirty="0">
-                <a:latin typeface="Courier New" panose="02070309020205020404" pitchFamily="49" charset="0"/>
-                <a:cs typeface="Courier New" panose="02070309020205020404" pitchFamily="49" charset="0"/>
-              </a:rPr>
-              <a:t>extends</a:t>
-            </a:r>
-            <a:r>
-              <a:rPr lang="en-US" sz="2000" dirty="0"/>
-              <a:t> keyword, the subclass </a:t>
-            </a:r>
-            <a:r>
-              <a:rPr lang="en-US" sz="2000" dirty="0">
-                <a:latin typeface="Courier New" panose="02070309020205020404" pitchFamily="49" charset="0"/>
-                <a:cs typeface="Courier New" panose="02070309020205020404" pitchFamily="49" charset="0"/>
-              </a:rPr>
-              <a:t>Musician</a:t>
-            </a:r>
-            <a:r>
-              <a:rPr lang="en-US" sz="2000" dirty="0"/>
-              <a:t> inherits all methods and fields of the superclass </a:t>
-            </a:r>
-            <a:r>
-              <a:rPr lang="en-US" sz="2000" dirty="0">
-                <a:latin typeface="Courier New" panose="02070309020205020404" pitchFamily="49" charset="0"/>
-                <a:cs typeface="Courier New" panose="02070309020205020404" pitchFamily="49" charset="0"/>
-              </a:rPr>
-              <a:t>Performer</a:t>
-            </a:r>
-            <a:r>
-              <a:rPr lang="en-US" sz="2000" dirty="0"/>
-              <a:t> without duplicating code.</a:t>
-            </a:r>
-          </a:p>
-        </p:txBody>
-      </p:sp>
-      <p:sp>
-        <p:nvSpPr>
-          <p:cNvPr id="5" name="Content Placeholder 2">
-            <a:extLst>
-              <a:ext uri="{FF2B5EF4-FFF2-40B4-BE49-F238E27FC236}">
-                <a16:creationId xmlns:a16="http://schemas.microsoft.com/office/drawing/2014/main" id="{854C07DF-04E6-989A-A5F8-DD99E84F6881}"/>
-              </a:ext>
-            </a:extLst>
-          </p:cNvPr>
-          <p:cNvSpPr txBox="1">
-            <a:spLocks/>
-          </p:cNvSpPr>
-          <p:nvPr/>
-        </p:nvSpPr>
-        <p:spPr>
-          <a:xfrm>
-            <a:off x="774700" y="3213100"/>
-            <a:ext cx="10759067" cy="1003300"/>
-          </a:xfrm>
-          <a:prstGeom prst="rect">
-            <a:avLst/>
-          </a:prstGeom>
-        </p:spPr>
-        <p:txBody>
-          <a:bodyPr>
-            <a:normAutofit fontScale="62500" lnSpcReduction="20000"/>
-          </a:bodyPr>
-          <a:lstStyle>
-            <a:lvl1pPr marL="228600" indent="-228600" algn="l" defTabSz="914400" rtl="0" eaLnBrk="1" latinLnBrk="0" hangingPunct="1">
-              <a:lnSpc>
-                <a:spcPct val="90000"/>
-              </a:lnSpc>
-              <a:spcBef>
-                <a:spcPts val="1000"/>
-              </a:spcBef>
-              <a:buFont typeface="Arial" panose="020B0604020202020204" pitchFamily="34" charset="0"/>
-              <a:buChar char="•"/>
-              <a:defRPr sz="2800" kern="1200">
-                <a:solidFill>
-                  <a:schemeClr val="tx1"/>
-                </a:solidFill>
-                <a:latin typeface="+mn-lt"/>
-                <a:ea typeface="+mn-ea"/>
-                <a:cs typeface="+mn-cs"/>
-              </a:defRPr>
-            </a:lvl1pPr>
-            <a:lvl2pPr marL="685800" indent="-228600" algn="l" defTabSz="914400" rtl="0" eaLnBrk="1" latinLnBrk="0" hangingPunct="1">
-              <a:lnSpc>
-                <a:spcPct val="90000"/>
-              </a:lnSpc>
-              <a:spcBef>
-                <a:spcPts val="500"/>
-              </a:spcBef>
-              <a:buFont typeface="Arial" panose="020B0604020202020204" pitchFamily="34" charset="0"/>
-              <a:buChar char="•"/>
-              <a:defRPr sz="2400" kern="1200">
-                <a:solidFill>
-                  <a:schemeClr val="tx1"/>
-                </a:solidFill>
-                <a:latin typeface="+mn-lt"/>
-                <a:ea typeface="+mn-ea"/>
-                <a:cs typeface="+mn-cs"/>
-              </a:defRPr>
-            </a:lvl2pPr>
-            <a:lvl3pPr marL="1143000" indent="-228600" algn="l" defTabSz="914400" rtl="0" eaLnBrk="1" latinLnBrk="0" hangingPunct="1">
-              <a:lnSpc>
-                <a:spcPct val="90000"/>
-              </a:lnSpc>
-              <a:spcBef>
-                <a:spcPts val="500"/>
-              </a:spcBef>
-              <a:buFont typeface="Arial" panose="020B0604020202020204" pitchFamily="34" charset="0"/>
-              <a:buChar char="•"/>
-              <a:defRPr sz="2000" kern="1200">
-                <a:solidFill>
-                  <a:schemeClr val="tx1"/>
-                </a:solidFill>
-                <a:latin typeface="+mn-lt"/>
-                <a:ea typeface="+mn-ea"/>
-                <a:cs typeface="+mn-cs"/>
-              </a:defRPr>
-            </a:lvl3pPr>
-            <a:lvl4pPr marL="1600200" indent="-228600" algn="l" defTabSz="914400" rtl="0" eaLnBrk="1" latinLnBrk="0" hangingPunct="1">
-              <a:lnSpc>
-                <a:spcPct val="90000"/>
-              </a:lnSpc>
-              <a:spcBef>
-                <a:spcPts val="500"/>
-              </a:spcBef>
-              <a:buFont typeface="Arial" panose="020B0604020202020204" pitchFamily="34" charset="0"/>
-              <a:buChar char="•"/>
-              <a:defRPr sz="1800" kern="1200">
-                <a:solidFill>
-                  <a:schemeClr val="tx1"/>
-                </a:solidFill>
-                <a:latin typeface="+mn-lt"/>
-                <a:ea typeface="+mn-ea"/>
-                <a:cs typeface="+mn-cs"/>
-              </a:defRPr>
-            </a:lvl4pPr>
-            <a:lvl5pPr marL="2057400" indent="-228600" algn="l" defTabSz="914400" rtl="0" eaLnBrk="1" latinLnBrk="0" hangingPunct="1">
-              <a:lnSpc>
-                <a:spcPct val="90000"/>
-              </a:lnSpc>
-              <a:spcBef>
-                <a:spcPts val="500"/>
-              </a:spcBef>
-              <a:buFont typeface="Arial" panose="020B0604020202020204" pitchFamily="34" charset="0"/>
-              <a:buChar char="•"/>
-              <a:defRPr sz="1800" kern="1200">
-                <a:solidFill>
-                  <a:schemeClr val="tx1"/>
-                </a:solidFill>
-                <a:latin typeface="+mn-lt"/>
-                <a:ea typeface="+mn-ea"/>
-                <a:cs typeface="+mn-cs"/>
-              </a:defRPr>
-            </a:lvl5pPr>
-            <a:lvl6pPr marL="2514600" indent="-228600" algn="l" defTabSz="914400" rtl="0" eaLnBrk="1" latinLnBrk="0" hangingPunct="1">
-              <a:lnSpc>
-                <a:spcPct val="90000"/>
-              </a:lnSpc>
-              <a:spcBef>
-                <a:spcPts val="500"/>
-              </a:spcBef>
-              <a:buFont typeface="Arial" panose="020B0604020202020204" pitchFamily="34" charset="0"/>
-              <a:buChar char="•"/>
-              <a:defRPr sz="1800" kern="1200">
-                <a:solidFill>
-                  <a:schemeClr val="tx1"/>
-                </a:solidFill>
-                <a:latin typeface="+mn-lt"/>
-                <a:ea typeface="+mn-ea"/>
-                <a:cs typeface="+mn-cs"/>
-              </a:defRPr>
-            </a:lvl6pPr>
-            <a:lvl7pPr marL="2971800" indent="-228600" algn="l" defTabSz="914400" rtl="0" eaLnBrk="1" latinLnBrk="0" hangingPunct="1">
-              <a:lnSpc>
-                <a:spcPct val="90000"/>
-              </a:lnSpc>
-              <a:spcBef>
-                <a:spcPts val="500"/>
-              </a:spcBef>
-              <a:buFont typeface="Arial" panose="020B0604020202020204" pitchFamily="34" charset="0"/>
-              <a:buChar char="•"/>
-              <a:defRPr sz="1800" kern="1200">
-                <a:solidFill>
-                  <a:schemeClr val="tx1"/>
-                </a:solidFill>
-                <a:latin typeface="+mn-lt"/>
-                <a:ea typeface="+mn-ea"/>
-                <a:cs typeface="+mn-cs"/>
-              </a:defRPr>
-            </a:lvl7pPr>
-            <a:lvl8pPr marL="3429000" indent="-228600" algn="l" defTabSz="914400" rtl="0" eaLnBrk="1" latinLnBrk="0" hangingPunct="1">
-              <a:lnSpc>
-                <a:spcPct val="90000"/>
-              </a:lnSpc>
-              <a:spcBef>
-                <a:spcPts val="500"/>
-              </a:spcBef>
-              <a:buFont typeface="Arial" panose="020B0604020202020204" pitchFamily="34" charset="0"/>
-              <a:buChar char="•"/>
-              <a:defRPr sz="1800" kern="1200">
-                <a:solidFill>
-                  <a:schemeClr val="tx1"/>
-                </a:solidFill>
-                <a:latin typeface="+mn-lt"/>
-                <a:ea typeface="+mn-ea"/>
-                <a:cs typeface="+mn-cs"/>
-              </a:defRPr>
-            </a:lvl8pPr>
-            <a:lvl9pPr marL="3886200" indent="-228600" algn="l" defTabSz="914400" rtl="0" eaLnBrk="1" latinLnBrk="0" hangingPunct="1">
-              <a:lnSpc>
-                <a:spcPct val="90000"/>
-              </a:lnSpc>
-              <a:spcBef>
-                <a:spcPts val="500"/>
-              </a:spcBef>
-              <a:buFont typeface="Arial" panose="020B0604020202020204" pitchFamily="34" charset="0"/>
-              <a:buChar char="•"/>
-              <a:defRPr sz="1800" kern="1200">
-                <a:solidFill>
-                  <a:schemeClr val="tx1"/>
-                </a:solidFill>
-                <a:latin typeface="+mn-lt"/>
-                <a:ea typeface="+mn-ea"/>
-                <a:cs typeface="+mn-cs"/>
-              </a:defRPr>
-            </a:lvl9pPr>
-          </a:lstStyle>
-          <a:p>
-            <a:pPr marL="0" indent="0" algn="just">
-              <a:buFont typeface="Arial" panose="020B0604020202020204" pitchFamily="34" charset="0"/>
-              <a:buNone/>
-            </a:pPr>
-            <a:r>
-              <a:rPr lang="en-US" sz="3000" dirty="0"/>
-              <a:t>Consider the following instances of Performer and Musician. Which method calls are valid or invalid?</a:t>
-            </a:r>
-          </a:p>
-          <a:p>
-            <a:pPr marL="0" indent="0" algn="just">
-              <a:buFont typeface="Arial" panose="020B0604020202020204" pitchFamily="34" charset="0"/>
-              <a:buNone/>
-            </a:pPr>
-            <a:r>
-              <a:rPr lang="en-US" sz="3000" dirty="0">
-                <a:latin typeface="Courier New" panose="02070309020205020404" pitchFamily="49" charset="0"/>
-                <a:cs typeface="Courier New" panose="02070309020205020404" pitchFamily="49" charset="0"/>
-              </a:rPr>
-              <a:t>Performer </a:t>
-            </a:r>
-            <a:r>
-              <a:rPr lang="en-US" sz="3000" dirty="0" err="1">
-                <a:latin typeface="Courier New" panose="02070309020205020404" pitchFamily="49" charset="0"/>
-                <a:cs typeface="Courier New" panose="02070309020205020404" pitchFamily="49" charset="0"/>
-              </a:rPr>
-              <a:t>james</a:t>
-            </a:r>
-            <a:r>
-              <a:rPr lang="en-US" sz="3000" dirty="0">
-                <a:latin typeface="Courier New" panose="02070309020205020404" pitchFamily="49" charset="0"/>
-                <a:cs typeface="Courier New" panose="02070309020205020404" pitchFamily="49" charset="0"/>
-              </a:rPr>
-              <a:t> = new Performer();</a:t>
-            </a:r>
-          </a:p>
-          <a:p>
-            <a:pPr marL="0" indent="0" algn="just">
-              <a:buFont typeface="Arial" panose="020B0604020202020204" pitchFamily="34" charset="0"/>
-              <a:buNone/>
-            </a:pPr>
-            <a:r>
-              <a:rPr lang="en-US" sz="3000" dirty="0">
-                <a:latin typeface="Courier New" panose="02070309020205020404" pitchFamily="49" charset="0"/>
-                <a:cs typeface="Courier New" panose="02070309020205020404" pitchFamily="49" charset="0"/>
-              </a:rPr>
-              <a:t>Musician </a:t>
-            </a:r>
-            <a:r>
-              <a:rPr lang="en-US" sz="3000" dirty="0" err="1">
-                <a:latin typeface="Courier New" panose="02070309020205020404" pitchFamily="49" charset="0"/>
-                <a:cs typeface="Courier New" panose="02070309020205020404" pitchFamily="49" charset="0"/>
-              </a:rPr>
-              <a:t>lisa</a:t>
-            </a:r>
-            <a:r>
-              <a:rPr lang="en-US" sz="3000" dirty="0">
-                <a:latin typeface="Courier New" panose="02070309020205020404" pitchFamily="49" charset="0"/>
-                <a:cs typeface="Courier New" panose="02070309020205020404" pitchFamily="49" charset="0"/>
-              </a:rPr>
-              <a:t> = new Musician();</a:t>
-            </a:r>
-          </a:p>
-          <a:p>
-            <a:pPr marL="0" indent="0" algn="just">
-              <a:buFont typeface="Arial" panose="020B0604020202020204" pitchFamily="34" charset="0"/>
-              <a:buNone/>
-            </a:pPr>
-            <a:endParaRPr lang="en-US" sz="3000" dirty="0"/>
-          </a:p>
-        </p:txBody>
-      </p:sp>
-      <p:sp>
-        <p:nvSpPr>
-          <p:cNvPr id="8" name="Content Placeholder 2">
-            <a:extLst>
-              <a:ext uri="{FF2B5EF4-FFF2-40B4-BE49-F238E27FC236}">
-                <a16:creationId xmlns:a16="http://schemas.microsoft.com/office/drawing/2014/main" id="{35A2DE86-F6CB-A65A-7DD2-040E4E6C1F59}"/>
-              </a:ext>
-            </a:extLst>
-          </p:cNvPr>
-          <p:cNvSpPr txBox="1">
-            <a:spLocks/>
-          </p:cNvSpPr>
-          <p:nvPr/>
-        </p:nvSpPr>
-        <p:spPr>
-          <a:xfrm>
-            <a:off x="800100" y="4456010"/>
-            <a:ext cx="4953410" cy="1819480"/>
-          </a:xfrm>
-          <a:prstGeom prst="rect">
-            <a:avLst/>
-          </a:prstGeom>
-        </p:spPr>
-        <p:txBody>
-          <a:bodyPr>
-            <a:normAutofit/>
-          </a:bodyPr>
-          <a:lstStyle>
-            <a:lvl1pPr marL="228600" indent="-228600" algn="l" defTabSz="914400" rtl="0" eaLnBrk="1" latinLnBrk="0" hangingPunct="1">
-              <a:lnSpc>
-                <a:spcPct val="90000"/>
-              </a:lnSpc>
-              <a:spcBef>
-                <a:spcPts val="1000"/>
-              </a:spcBef>
-              <a:buFont typeface="Arial" panose="020B0604020202020204" pitchFamily="34" charset="0"/>
-              <a:buChar char="•"/>
-              <a:defRPr sz="2800" kern="1200">
-                <a:solidFill>
-                  <a:schemeClr val="tx1"/>
-                </a:solidFill>
-                <a:latin typeface="+mn-lt"/>
-                <a:ea typeface="+mn-ea"/>
-                <a:cs typeface="+mn-cs"/>
-              </a:defRPr>
-            </a:lvl1pPr>
-            <a:lvl2pPr marL="685800" indent="-228600" algn="l" defTabSz="914400" rtl="0" eaLnBrk="1" latinLnBrk="0" hangingPunct="1">
-              <a:lnSpc>
-                <a:spcPct val="90000"/>
-              </a:lnSpc>
-              <a:spcBef>
-                <a:spcPts val="500"/>
-              </a:spcBef>
-              <a:buFont typeface="Arial" panose="020B0604020202020204" pitchFamily="34" charset="0"/>
-              <a:buChar char="•"/>
-              <a:defRPr sz="2400" kern="1200">
-                <a:solidFill>
-                  <a:schemeClr val="tx1"/>
-                </a:solidFill>
-                <a:latin typeface="+mn-lt"/>
-                <a:ea typeface="+mn-ea"/>
-                <a:cs typeface="+mn-cs"/>
-              </a:defRPr>
-            </a:lvl2pPr>
-            <a:lvl3pPr marL="1143000" indent="-228600" algn="l" defTabSz="914400" rtl="0" eaLnBrk="1" latinLnBrk="0" hangingPunct="1">
-              <a:lnSpc>
-                <a:spcPct val="90000"/>
-              </a:lnSpc>
-              <a:spcBef>
-                <a:spcPts val="500"/>
-              </a:spcBef>
-              <a:buFont typeface="Arial" panose="020B0604020202020204" pitchFamily="34" charset="0"/>
-              <a:buChar char="•"/>
-              <a:defRPr sz="2000" kern="1200">
-                <a:solidFill>
-                  <a:schemeClr val="tx1"/>
-                </a:solidFill>
-                <a:latin typeface="+mn-lt"/>
-                <a:ea typeface="+mn-ea"/>
-                <a:cs typeface="+mn-cs"/>
-              </a:defRPr>
-            </a:lvl3pPr>
-            <a:lvl4pPr marL="1600200" indent="-228600" algn="l" defTabSz="914400" rtl="0" eaLnBrk="1" latinLnBrk="0" hangingPunct="1">
-              <a:lnSpc>
-                <a:spcPct val="90000"/>
-              </a:lnSpc>
-              <a:spcBef>
-                <a:spcPts val="500"/>
-              </a:spcBef>
-              <a:buFont typeface="Arial" panose="020B0604020202020204" pitchFamily="34" charset="0"/>
-              <a:buChar char="•"/>
-              <a:defRPr sz="1800" kern="1200">
-                <a:solidFill>
-                  <a:schemeClr val="tx1"/>
-                </a:solidFill>
-                <a:latin typeface="+mn-lt"/>
-                <a:ea typeface="+mn-ea"/>
-                <a:cs typeface="+mn-cs"/>
-              </a:defRPr>
-            </a:lvl4pPr>
-            <a:lvl5pPr marL="2057400" indent="-228600" algn="l" defTabSz="914400" rtl="0" eaLnBrk="1" latinLnBrk="0" hangingPunct="1">
-              <a:lnSpc>
-                <a:spcPct val="90000"/>
-              </a:lnSpc>
-              <a:spcBef>
-                <a:spcPts val="500"/>
-              </a:spcBef>
-              <a:buFont typeface="Arial" panose="020B0604020202020204" pitchFamily="34" charset="0"/>
-              <a:buChar char="•"/>
-              <a:defRPr sz="1800" kern="1200">
-                <a:solidFill>
-                  <a:schemeClr val="tx1"/>
-                </a:solidFill>
-                <a:latin typeface="+mn-lt"/>
-                <a:ea typeface="+mn-ea"/>
-                <a:cs typeface="+mn-cs"/>
-              </a:defRPr>
-            </a:lvl5pPr>
-            <a:lvl6pPr marL="2514600" indent="-228600" algn="l" defTabSz="914400" rtl="0" eaLnBrk="1" latinLnBrk="0" hangingPunct="1">
-              <a:lnSpc>
-                <a:spcPct val="90000"/>
-              </a:lnSpc>
-              <a:spcBef>
-                <a:spcPts val="500"/>
-              </a:spcBef>
-              <a:buFont typeface="Arial" panose="020B0604020202020204" pitchFamily="34" charset="0"/>
-              <a:buChar char="•"/>
-              <a:defRPr sz="1800" kern="1200">
-                <a:solidFill>
-                  <a:schemeClr val="tx1"/>
-                </a:solidFill>
-                <a:latin typeface="+mn-lt"/>
-                <a:ea typeface="+mn-ea"/>
-                <a:cs typeface="+mn-cs"/>
-              </a:defRPr>
-            </a:lvl6pPr>
-            <a:lvl7pPr marL="2971800" indent="-228600" algn="l" defTabSz="914400" rtl="0" eaLnBrk="1" latinLnBrk="0" hangingPunct="1">
-              <a:lnSpc>
-                <a:spcPct val="90000"/>
-              </a:lnSpc>
-              <a:spcBef>
-                <a:spcPts val="500"/>
-              </a:spcBef>
-              <a:buFont typeface="Arial" panose="020B0604020202020204" pitchFamily="34" charset="0"/>
-              <a:buChar char="•"/>
-              <a:defRPr sz="1800" kern="1200">
-                <a:solidFill>
-                  <a:schemeClr val="tx1"/>
-                </a:solidFill>
-                <a:latin typeface="+mn-lt"/>
-                <a:ea typeface="+mn-ea"/>
-                <a:cs typeface="+mn-cs"/>
-              </a:defRPr>
-            </a:lvl7pPr>
-            <a:lvl8pPr marL="3429000" indent="-228600" algn="l" defTabSz="914400" rtl="0" eaLnBrk="1" latinLnBrk="0" hangingPunct="1">
-              <a:lnSpc>
-                <a:spcPct val="90000"/>
-              </a:lnSpc>
-              <a:spcBef>
-                <a:spcPts val="500"/>
-              </a:spcBef>
-              <a:buFont typeface="Arial" panose="020B0604020202020204" pitchFamily="34" charset="0"/>
-              <a:buChar char="•"/>
-              <a:defRPr sz="1800" kern="1200">
-                <a:solidFill>
-                  <a:schemeClr val="tx1"/>
-                </a:solidFill>
-                <a:latin typeface="+mn-lt"/>
-                <a:ea typeface="+mn-ea"/>
-                <a:cs typeface="+mn-cs"/>
-              </a:defRPr>
-            </a:lvl8pPr>
-            <a:lvl9pPr marL="3886200" indent="-228600" algn="l" defTabSz="914400" rtl="0" eaLnBrk="1" latinLnBrk="0" hangingPunct="1">
-              <a:lnSpc>
-                <a:spcPct val="90000"/>
-              </a:lnSpc>
-              <a:spcBef>
-                <a:spcPts val="500"/>
-              </a:spcBef>
-              <a:buFont typeface="Arial" panose="020B0604020202020204" pitchFamily="34" charset="0"/>
-              <a:buChar char="•"/>
-              <a:defRPr sz="1800" kern="1200">
-                <a:solidFill>
-                  <a:schemeClr val="tx1"/>
-                </a:solidFill>
-                <a:latin typeface="+mn-lt"/>
-                <a:ea typeface="+mn-ea"/>
-                <a:cs typeface="+mn-cs"/>
-              </a:defRPr>
-            </a:lvl9pPr>
-          </a:lstStyle>
-          <a:p>
-            <a:pPr marL="0" indent="0" algn="just">
-              <a:buFont typeface="Arial" panose="020B0604020202020204" pitchFamily="34" charset="0"/>
-              <a:buNone/>
-            </a:pPr>
-            <a:r>
-              <a:rPr lang="en-US" sz="1600" dirty="0" err="1">
-                <a:latin typeface="Courier New" panose="02070309020205020404" pitchFamily="49" charset="0"/>
-                <a:cs typeface="Courier New" panose="02070309020205020404" pitchFamily="49" charset="0"/>
-              </a:rPr>
-              <a:t>lisa.getInstrument</a:t>
-            </a:r>
-            <a:r>
-              <a:rPr lang="en-US" sz="1600" dirty="0">
-                <a:latin typeface="Courier New" panose="02070309020205020404" pitchFamily="49" charset="0"/>
-                <a:cs typeface="Courier New" panose="02070309020205020404" pitchFamily="49" charset="0"/>
-              </a:rPr>
-              <a:t>();</a:t>
-            </a:r>
-          </a:p>
-          <a:p>
-            <a:pPr marL="0" indent="0" algn="just">
-              <a:buFont typeface="Arial" panose="020B0604020202020204" pitchFamily="34" charset="0"/>
-              <a:buNone/>
-            </a:pPr>
-            <a:r>
-              <a:rPr lang="en-US" sz="1600" dirty="0" err="1">
-                <a:latin typeface="Courier New" panose="02070309020205020404" pitchFamily="49" charset="0"/>
-                <a:cs typeface="Courier New" panose="02070309020205020404" pitchFamily="49" charset="0"/>
-              </a:rPr>
-              <a:t>lisa.playInstrument</a:t>
-            </a:r>
-            <a:r>
-              <a:rPr lang="en-US" sz="1600" dirty="0">
-                <a:latin typeface="Courier New" panose="02070309020205020404" pitchFamily="49" charset="0"/>
-                <a:cs typeface="Courier New" panose="02070309020205020404" pitchFamily="49" charset="0"/>
-              </a:rPr>
-              <a:t>();</a:t>
-            </a:r>
-          </a:p>
-          <a:p>
-            <a:pPr marL="0" indent="0" algn="just">
-              <a:buFont typeface="Arial" panose="020B0604020202020204" pitchFamily="34" charset="0"/>
-              <a:buNone/>
-            </a:pPr>
-            <a:r>
-              <a:rPr lang="en-US" sz="1600" dirty="0" err="1">
-                <a:latin typeface="Courier New" panose="02070309020205020404" pitchFamily="49" charset="0"/>
-                <a:cs typeface="Courier New" panose="02070309020205020404" pitchFamily="49" charset="0"/>
-              </a:rPr>
-              <a:t>lisa.getName</a:t>
-            </a:r>
-            <a:r>
-              <a:rPr lang="en-US" sz="1600" dirty="0">
-                <a:latin typeface="Courier New" panose="02070309020205020404" pitchFamily="49" charset="0"/>
-                <a:cs typeface="Courier New" panose="02070309020205020404" pitchFamily="49" charset="0"/>
-              </a:rPr>
-              <a:t>();</a:t>
-            </a:r>
-          </a:p>
-          <a:p>
-            <a:pPr marL="0" indent="0" algn="just">
-              <a:buFont typeface="Arial" panose="020B0604020202020204" pitchFamily="34" charset="0"/>
-              <a:buNone/>
-            </a:pPr>
-            <a:r>
-              <a:rPr lang="en-US" sz="1600" dirty="0" err="1">
-                <a:latin typeface="Courier New" panose="02070309020205020404" pitchFamily="49" charset="0"/>
-                <a:cs typeface="Courier New" panose="02070309020205020404" pitchFamily="49" charset="0"/>
-              </a:rPr>
-              <a:t>lisa.practice</a:t>
-            </a:r>
-            <a:r>
-              <a:rPr lang="en-US" sz="1600" dirty="0">
-                <a:latin typeface="Courier New" panose="02070309020205020404" pitchFamily="49" charset="0"/>
-                <a:cs typeface="Courier New" panose="02070309020205020404" pitchFamily="49" charset="0"/>
-              </a:rPr>
-              <a:t>();</a:t>
-            </a:r>
-          </a:p>
-          <a:p>
-            <a:pPr marL="0" indent="0" algn="just">
-              <a:buFont typeface="Arial" panose="020B0604020202020204" pitchFamily="34" charset="0"/>
-              <a:buNone/>
-            </a:pPr>
-            <a:r>
-              <a:rPr lang="en-US" sz="1600" dirty="0" err="1">
-                <a:latin typeface="Courier New" panose="02070309020205020404" pitchFamily="49" charset="0"/>
-                <a:cs typeface="Courier New" panose="02070309020205020404" pitchFamily="49" charset="0"/>
-              </a:rPr>
-              <a:t>lisa.perform</a:t>
-            </a:r>
-            <a:r>
-              <a:rPr lang="en-US" sz="1600" dirty="0">
-                <a:latin typeface="Courier New" panose="02070309020205020404" pitchFamily="49" charset="0"/>
-                <a:cs typeface="Courier New" panose="02070309020205020404" pitchFamily="49" charset="0"/>
-              </a:rPr>
-              <a:t>();</a:t>
-            </a:r>
-          </a:p>
-        </p:txBody>
-      </p:sp>
-      <p:sp>
-        <p:nvSpPr>
-          <p:cNvPr id="9" name="Content Placeholder 2">
-            <a:extLst>
-              <a:ext uri="{FF2B5EF4-FFF2-40B4-BE49-F238E27FC236}">
-                <a16:creationId xmlns:a16="http://schemas.microsoft.com/office/drawing/2014/main" id="{D7AAED46-FA0C-3405-4F92-1ADF6FE68AD5}"/>
-              </a:ext>
-            </a:extLst>
-          </p:cNvPr>
-          <p:cNvSpPr txBox="1">
-            <a:spLocks/>
-          </p:cNvSpPr>
-          <p:nvPr/>
-        </p:nvSpPr>
-        <p:spPr>
-          <a:xfrm>
-            <a:off x="6318924" y="4456010"/>
-            <a:ext cx="4953410" cy="1819480"/>
-          </a:xfrm>
-          <a:prstGeom prst="rect">
-            <a:avLst/>
-          </a:prstGeom>
-        </p:spPr>
-        <p:txBody>
-          <a:bodyPr>
-            <a:normAutofit/>
-          </a:bodyPr>
-          <a:lstStyle>
-            <a:lvl1pPr marL="228600" indent="-228600" algn="l" defTabSz="914400" rtl="0" eaLnBrk="1" latinLnBrk="0" hangingPunct="1">
-              <a:lnSpc>
-                <a:spcPct val="90000"/>
-              </a:lnSpc>
-              <a:spcBef>
-                <a:spcPts val="1000"/>
-              </a:spcBef>
-              <a:buFont typeface="Arial" panose="020B0604020202020204" pitchFamily="34" charset="0"/>
-              <a:buChar char="•"/>
-              <a:defRPr sz="2800" kern="1200">
-                <a:solidFill>
-                  <a:schemeClr val="tx1"/>
-                </a:solidFill>
-                <a:latin typeface="+mn-lt"/>
-                <a:ea typeface="+mn-ea"/>
-                <a:cs typeface="+mn-cs"/>
-              </a:defRPr>
-            </a:lvl1pPr>
-            <a:lvl2pPr marL="685800" indent="-228600" algn="l" defTabSz="914400" rtl="0" eaLnBrk="1" latinLnBrk="0" hangingPunct="1">
-              <a:lnSpc>
-                <a:spcPct val="90000"/>
-              </a:lnSpc>
-              <a:spcBef>
-                <a:spcPts val="500"/>
-              </a:spcBef>
-              <a:buFont typeface="Arial" panose="020B0604020202020204" pitchFamily="34" charset="0"/>
-              <a:buChar char="•"/>
-              <a:defRPr sz="2400" kern="1200">
-                <a:solidFill>
-                  <a:schemeClr val="tx1"/>
-                </a:solidFill>
-                <a:latin typeface="+mn-lt"/>
-                <a:ea typeface="+mn-ea"/>
-                <a:cs typeface="+mn-cs"/>
-              </a:defRPr>
-            </a:lvl2pPr>
-            <a:lvl3pPr marL="1143000" indent="-228600" algn="l" defTabSz="914400" rtl="0" eaLnBrk="1" latinLnBrk="0" hangingPunct="1">
-              <a:lnSpc>
-                <a:spcPct val="90000"/>
-              </a:lnSpc>
-              <a:spcBef>
-                <a:spcPts val="500"/>
-              </a:spcBef>
-              <a:buFont typeface="Arial" panose="020B0604020202020204" pitchFamily="34" charset="0"/>
-              <a:buChar char="•"/>
-              <a:defRPr sz="2000" kern="1200">
-                <a:solidFill>
-                  <a:schemeClr val="tx1"/>
-                </a:solidFill>
-                <a:latin typeface="+mn-lt"/>
-                <a:ea typeface="+mn-ea"/>
-                <a:cs typeface="+mn-cs"/>
-              </a:defRPr>
-            </a:lvl3pPr>
-            <a:lvl4pPr marL="1600200" indent="-228600" algn="l" defTabSz="914400" rtl="0" eaLnBrk="1" latinLnBrk="0" hangingPunct="1">
-              <a:lnSpc>
-                <a:spcPct val="90000"/>
-              </a:lnSpc>
-              <a:spcBef>
-                <a:spcPts val="500"/>
-              </a:spcBef>
-              <a:buFont typeface="Arial" panose="020B0604020202020204" pitchFamily="34" charset="0"/>
-              <a:buChar char="•"/>
-              <a:defRPr sz="1800" kern="1200">
-                <a:solidFill>
-                  <a:schemeClr val="tx1"/>
-                </a:solidFill>
-                <a:latin typeface="+mn-lt"/>
-                <a:ea typeface="+mn-ea"/>
-                <a:cs typeface="+mn-cs"/>
-              </a:defRPr>
-            </a:lvl4pPr>
-            <a:lvl5pPr marL="2057400" indent="-228600" algn="l" defTabSz="914400" rtl="0" eaLnBrk="1" latinLnBrk="0" hangingPunct="1">
-              <a:lnSpc>
-                <a:spcPct val="90000"/>
-              </a:lnSpc>
-              <a:spcBef>
-                <a:spcPts val="500"/>
-              </a:spcBef>
-              <a:buFont typeface="Arial" panose="020B0604020202020204" pitchFamily="34" charset="0"/>
-              <a:buChar char="•"/>
-              <a:defRPr sz="1800" kern="1200">
-                <a:solidFill>
-                  <a:schemeClr val="tx1"/>
-                </a:solidFill>
-                <a:latin typeface="+mn-lt"/>
-                <a:ea typeface="+mn-ea"/>
-                <a:cs typeface="+mn-cs"/>
-              </a:defRPr>
-            </a:lvl5pPr>
-            <a:lvl6pPr marL="2514600" indent="-228600" algn="l" defTabSz="914400" rtl="0" eaLnBrk="1" latinLnBrk="0" hangingPunct="1">
-              <a:lnSpc>
-                <a:spcPct val="90000"/>
-              </a:lnSpc>
-              <a:spcBef>
-                <a:spcPts val="500"/>
-              </a:spcBef>
-              <a:buFont typeface="Arial" panose="020B0604020202020204" pitchFamily="34" charset="0"/>
-              <a:buChar char="•"/>
-              <a:defRPr sz="1800" kern="1200">
-                <a:solidFill>
-                  <a:schemeClr val="tx1"/>
-                </a:solidFill>
-                <a:latin typeface="+mn-lt"/>
-                <a:ea typeface="+mn-ea"/>
-                <a:cs typeface="+mn-cs"/>
-              </a:defRPr>
-            </a:lvl6pPr>
-            <a:lvl7pPr marL="2971800" indent="-228600" algn="l" defTabSz="914400" rtl="0" eaLnBrk="1" latinLnBrk="0" hangingPunct="1">
-              <a:lnSpc>
-                <a:spcPct val="90000"/>
-              </a:lnSpc>
-              <a:spcBef>
-                <a:spcPts val="500"/>
-              </a:spcBef>
-              <a:buFont typeface="Arial" panose="020B0604020202020204" pitchFamily="34" charset="0"/>
-              <a:buChar char="•"/>
-              <a:defRPr sz="1800" kern="1200">
-                <a:solidFill>
-                  <a:schemeClr val="tx1"/>
-                </a:solidFill>
-                <a:latin typeface="+mn-lt"/>
-                <a:ea typeface="+mn-ea"/>
-                <a:cs typeface="+mn-cs"/>
-              </a:defRPr>
-            </a:lvl7pPr>
-            <a:lvl8pPr marL="3429000" indent="-228600" algn="l" defTabSz="914400" rtl="0" eaLnBrk="1" latinLnBrk="0" hangingPunct="1">
-              <a:lnSpc>
-                <a:spcPct val="90000"/>
-              </a:lnSpc>
-              <a:spcBef>
-                <a:spcPts val="500"/>
-              </a:spcBef>
-              <a:buFont typeface="Arial" panose="020B0604020202020204" pitchFamily="34" charset="0"/>
-              <a:buChar char="•"/>
-              <a:defRPr sz="1800" kern="1200">
-                <a:solidFill>
-                  <a:schemeClr val="tx1"/>
-                </a:solidFill>
-                <a:latin typeface="+mn-lt"/>
-                <a:ea typeface="+mn-ea"/>
-                <a:cs typeface="+mn-cs"/>
-              </a:defRPr>
-            </a:lvl8pPr>
-            <a:lvl9pPr marL="3886200" indent="-228600" algn="l" defTabSz="914400" rtl="0" eaLnBrk="1" latinLnBrk="0" hangingPunct="1">
-              <a:lnSpc>
-                <a:spcPct val="90000"/>
-              </a:lnSpc>
-              <a:spcBef>
-                <a:spcPts val="500"/>
-              </a:spcBef>
-              <a:buFont typeface="Arial" panose="020B0604020202020204" pitchFamily="34" charset="0"/>
-              <a:buChar char="•"/>
-              <a:defRPr sz="1800" kern="1200">
-                <a:solidFill>
-                  <a:schemeClr val="tx1"/>
-                </a:solidFill>
-                <a:latin typeface="+mn-lt"/>
-                <a:ea typeface="+mn-ea"/>
-                <a:cs typeface="+mn-cs"/>
-              </a:defRPr>
-            </a:lvl9pPr>
-          </a:lstStyle>
-          <a:p>
-            <a:pPr marL="0" indent="0" algn="just">
-              <a:buFont typeface="Arial" panose="020B0604020202020204" pitchFamily="34" charset="0"/>
-              <a:buNone/>
-            </a:pPr>
-            <a:r>
-              <a:rPr lang="en-US" sz="1600" dirty="0" err="1">
-                <a:latin typeface="Courier New" panose="02070309020205020404" pitchFamily="49" charset="0"/>
-                <a:cs typeface="Courier New" panose="02070309020205020404" pitchFamily="49" charset="0"/>
-              </a:rPr>
-              <a:t>james.getName</a:t>
-            </a:r>
-            <a:r>
-              <a:rPr lang="en-US" sz="1600" dirty="0">
-                <a:latin typeface="Courier New" panose="02070309020205020404" pitchFamily="49" charset="0"/>
-                <a:cs typeface="Courier New" panose="02070309020205020404" pitchFamily="49" charset="0"/>
-              </a:rPr>
-              <a:t>();</a:t>
-            </a:r>
-          </a:p>
-          <a:p>
-            <a:pPr marL="0" indent="0" algn="just">
-              <a:buNone/>
-            </a:pPr>
-            <a:r>
-              <a:rPr lang="en-US" sz="1600" dirty="0" err="1">
-                <a:latin typeface="Courier New" panose="02070309020205020404" pitchFamily="49" charset="0"/>
-                <a:cs typeface="Courier New" panose="02070309020205020404" pitchFamily="49" charset="0"/>
-              </a:rPr>
-              <a:t>james.practice</a:t>
-            </a:r>
-            <a:r>
-              <a:rPr lang="en-US" sz="1600" dirty="0">
-                <a:latin typeface="Courier New" panose="02070309020205020404" pitchFamily="49" charset="0"/>
-                <a:cs typeface="Courier New" panose="02070309020205020404" pitchFamily="49" charset="0"/>
-              </a:rPr>
-              <a:t>();</a:t>
-            </a:r>
-          </a:p>
-          <a:p>
-            <a:pPr marL="0" indent="0" algn="just">
-              <a:buNone/>
-            </a:pPr>
-            <a:r>
-              <a:rPr lang="en-US" sz="1600" dirty="0" err="1">
-                <a:latin typeface="Courier New" panose="02070309020205020404" pitchFamily="49" charset="0"/>
-                <a:cs typeface="Courier New" panose="02070309020205020404" pitchFamily="49" charset="0"/>
-              </a:rPr>
-              <a:t>james.perform</a:t>
-            </a:r>
-            <a:r>
-              <a:rPr lang="en-US" sz="1600" dirty="0">
-                <a:latin typeface="Courier New" panose="02070309020205020404" pitchFamily="49" charset="0"/>
-                <a:cs typeface="Courier New" panose="02070309020205020404" pitchFamily="49" charset="0"/>
-              </a:rPr>
-              <a:t>();</a:t>
-            </a:r>
-          </a:p>
-          <a:p>
-            <a:pPr marL="0" indent="0" algn="just">
-              <a:buNone/>
-            </a:pPr>
-            <a:r>
-              <a:rPr lang="en-US" sz="1600" dirty="0" err="1">
-                <a:latin typeface="Courier New" panose="02070309020205020404" pitchFamily="49" charset="0"/>
-                <a:cs typeface="Courier New" panose="02070309020205020404" pitchFamily="49" charset="0"/>
-              </a:rPr>
-              <a:t>james.getInstrument</a:t>
-            </a:r>
-            <a:r>
-              <a:rPr lang="en-US" sz="1600" dirty="0">
-                <a:latin typeface="Courier New" panose="02070309020205020404" pitchFamily="49" charset="0"/>
-                <a:cs typeface="Courier New" panose="02070309020205020404" pitchFamily="49" charset="0"/>
-              </a:rPr>
-              <a:t>();</a:t>
-            </a:r>
-          </a:p>
-          <a:p>
-            <a:pPr marL="0" indent="0" algn="just">
-              <a:buNone/>
-            </a:pPr>
-            <a:r>
-              <a:rPr lang="en-US" sz="1600" dirty="0" err="1">
-                <a:latin typeface="Courier New" panose="02070309020205020404" pitchFamily="49" charset="0"/>
-                <a:cs typeface="Courier New" panose="02070309020205020404" pitchFamily="49" charset="0"/>
-              </a:rPr>
-              <a:t>james.playInstrument</a:t>
-            </a:r>
-            <a:r>
-              <a:rPr lang="en-US" sz="1600" dirty="0">
-                <a:latin typeface="Courier New" panose="02070309020205020404" pitchFamily="49" charset="0"/>
-                <a:cs typeface="Courier New" panose="02070309020205020404" pitchFamily="49" charset="0"/>
-              </a:rPr>
-              <a:t>();</a:t>
-            </a:r>
-          </a:p>
-          <a:p>
-            <a:pPr marL="0" indent="0" algn="just">
-              <a:buFont typeface="Arial" panose="020B0604020202020204" pitchFamily="34" charset="0"/>
-              <a:buNone/>
-            </a:pPr>
-            <a:endParaRPr lang="en-US" sz="1600" dirty="0">
-              <a:latin typeface="Courier New" panose="02070309020205020404" pitchFamily="49" charset="0"/>
-              <a:cs typeface="Courier New" panose="02070309020205020404" pitchFamily="49" charset="0"/>
-            </a:endParaRPr>
-          </a:p>
-        </p:txBody>
-      </p:sp>
-    </p:spTree>
-    <p:extLst>
-      <p:ext uri="{BB962C8B-B14F-4D97-AF65-F5344CB8AC3E}">
-        <p14:creationId xmlns:p14="http://schemas.microsoft.com/office/powerpoint/2010/main" val="174201329"/>
-      </p:ext>
-    </p:extLst>
-  </p:cSld>
-  <p:clrMapOvr>
-    <a:masterClrMapping/>
-  </p:clrMapOvr>
-</p:sld>
-</file>
-
 <file path=ppt/theme/theme1.xml><?xml version="1.0" encoding="utf-8"?>
 <a:theme xmlns:a="http://schemas.openxmlformats.org/drawingml/2006/main" name="Office Theme">
   <a:themeElements>
-    <a:clrScheme name="Office">
+    <a:clrScheme name="Paper">
       <a:dk1>
         <a:sysClr val="windowText" lastClr="000000"/>
       </a:dk1>
@@ -8874,34 +12107,34 @@
         <a:sysClr val="window" lastClr="FFFFFF"/>
       </a:lt1>
       <a:dk2>
-        <a:srgbClr val="0E2841"/>
+        <a:srgbClr val="444D26"/>
       </a:dk2>
       <a:lt2>
-        <a:srgbClr val="E8E8E8"/>
+        <a:srgbClr val="FEFAC9"/>
       </a:lt2>
       <a:accent1>
-        <a:srgbClr val="156082"/>
+        <a:srgbClr val="A5B592"/>
       </a:accent1>
       <a:accent2>
-        <a:srgbClr val="E97132"/>
+        <a:srgbClr val="F3A447"/>
       </a:accent2>
       <a:accent3>
-        <a:srgbClr val="196B24"/>
+        <a:srgbClr val="E7BC29"/>
       </a:accent3>
       <a:accent4>
-        <a:srgbClr val="0F9ED5"/>
+        <a:srgbClr val="D092A7"/>
       </a:accent4>
       <a:accent5>
-        <a:srgbClr val="A02B93"/>
+        <a:srgbClr val="9C85C0"/>
       </a:accent5>
       <a:accent6>
-        <a:srgbClr val="4EA72E"/>
+        <a:srgbClr val="809EC2"/>
       </a:accent6>
       <a:hlink>
-        <a:srgbClr val="467886"/>
+        <a:srgbClr val="8E58B6"/>
       </a:hlink>
       <a:folHlink>
-        <a:srgbClr val="96607D"/>
+        <a:srgbClr val="7F6F6F"/>
       </a:folHlink>
     </a:clrScheme>
     <a:fontScheme name="Office">
